--- a/meeting/2025-04-22/2025-04-22meeting 吳定洋.pptx
+++ b/meeting/2025-04-22/2025-04-22meeting 吳定洋.pptx
@@ -5,7 +5,7 @@
     <p:sldMasterId id="2147483661" r:id="rId1"/>
   </p:sldMasterIdLst>
   <p:notesMasterIdLst>
-    <p:notesMasterId r:id="rId16"/>
+    <p:notesMasterId r:id="rId25"/>
   </p:notesMasterIdLst>
   <p:sldIdLst>
     <p:sldId id="329" r:id="rId2"/>
@@ -20,8 +20,17 @@
     <p:sldId id="445" r:id="rId11"/>
     <p:sldId id="447" r:id="rId12"/>
     <p:sldId id="440" r:id="rId13"/>
-    <p:sldId id="441" r:id="rId14"/>
-    <p:sldId id="277" r:id="rId15"/>
+    <p:sldId id="448" r:id="rId14"/>
+    <p:sldId id="450" r:id="rId15"/>
+    <p:sldId id="449" r:id="rId16"/>
+    <p:sldId id="451" r:id="rId17"/>
+    <p:sldId id="452" r:id="rId18"/>
+    <p:sldId id="455" r:id="rId19"/>
+    <p:sldId id="454" r:id="rId20"/>
+    <p:sldId id="456" r:id="rId21"/>
+    <p:sldId id="459" r:id="rId22"/>
+    <p:sldId id="458" r:id="rId23"/>
+    <p:sldId id="277" r:id="rId24"/>
   </p:sldIdLst>
   <p:sldSz cx="12192000" cy="6858000"/>
   <p:notesSz cx="6858000" cy="9144000"/>
@@ -1757,7 +1766,7 @@
           <a:p>
             <a:fld id="{FF3D1FE7-E52D-43D4-9F03-0B11FC6C31AA}" type="datetimeFigureOut">
               <a:rPr lang="zh-TW" altLang="en-US" smtClean="0"/>
-              <a:t>2025/4/22</a:t>
+              <a:t>2025/4/27</a:t>
             </a:fld>
             <a:endParaRPr lang="zh-TW" altLang="en-US"/>
           </a:p>
@@ -2701,7 +2710,7 @@
         <p:cNvPr id="1" name="Shape 210">
           <a:extLst>
             <a:ext uri="{FF2B5EF4-FFF2-40B4-BE49-F238E27FC236}">
-              <a16:creationId xmlns:a16="http://schemas.microsoft.com/office/drawing/2014/main" id="{9F0288A2-BCE4-1D21-9B25-6F761227AADE}"/>
+              <a16:creationId xmlns:a16="http://schemas.microsoft.com/office/drawing/2014/main" id="{A343F000-B077-5C96-7195-A8A794FA1EDA}"/>
             </a:ext>
           </a:extLst>
         </p:cNvPr>
@@ -2721,7 +2730,7 @@
           <p:cNvPr id="211" name="Google Shape;211;g54dda1946d_6_322:notes">
             <a:extLst>
               <a:ext uri="{FF2B5EF4-FFF2-40B4-BE49-F238E27FC236}">
-                <a16:creationId xmlns:a16="http://schemas.microsoft.com/office/drawing/2014/main" id="{93E8665D-7819-A205-0883-5023777F6B32}"/>
+                <a16:creationId xmlns:a16="http://schemas.microsoft.com/office/drawing/2014/main" id="{82886BD6-38E9-AEB7-7FE0-EE3BA8DC94E8}"/>
               </a:ext>
             </a:extLst>
           </p:cNvPr>
@@ -2768,7 +2777,7 @@
           <p:cNvPr id="212" name="Google Shape;212;g54dda1946d_6_322:notes">
             <a:extLst>
               <a:ext uri="{FF2B5EF4-FFF2-40B4-BE49-F238E27FC236}">
-                <a16:creationId xmlns:a16="http://schemas.microsoft.com/office/drawing/2014/main" id="{DED0589B-7285-1AC2-54F5-9F5DF9A47D36}"/>
+                <a16:creationId xmlns:a16="http://schemas.microsoft.com/office/drawing/2014/main" id="{6B4554F3-72AB-CE2C-1031-81F97B6B8E31}"/>
               </a:ext>
             </a:extLst>
           </p:cNvPr>
@@ -2794,23 +2803,754 @@
           </a:bodyPr>
           <a:lstStyle/>
           <a:p>
-            <a:pPr marL="0" lvl="0" indent="0" algn="l" rtl="0">
-              <a:spcBef>
-                <a:spcPts val="0"/>
-              </a:spcBef>
-              <a:spcAft>
-                <a:spcPts val="0"/>
-              </a:spcAft>
+            <a:pPr>
               <a:buNone/>
             </a:pPr>
-            <a:endParaRPr/>
+            <a:r>
+              <a:rPr lang="zh-TW" altLang="en-US" dirty="0"/>
+              <a:t>本研究提出了一個結合 </a:t>
+            </a:r>
+            <a:r>
+              <a:rPr lang="en-US" altLang="zh-TW" dirty="0"/>
+              <a:t>RSSI </a:t>
+            </a:r>
+            <a:r>
+              <a:rPr lang="zh-TW" altLang="en-US" dirty="0"/>
+              <a:t>和 </a:t>
+            </a:r>
+            <a:r>
+              <a:rPr lang="en-US" altLang="zh-TW" dirty="0"/>
+              <a:t>FTM </a:t>
+            </a:r>
+            <a:r>
+              <a:rPr lang="zh-TW" altLang="en-US" dirty="0"/>
+              <a:t>資料的室內定位系統，並設計了 </a:t>
+            </a:r>
+            <a:r>
+              <a:rPr lang="en-US" altLang="zh-TW" dirty="0" err="1"/>
+              <a:t>RegDNN</a:t>
+            </a:r>
+            <a:r>
+              <a:rPr lang="en-US" altLang="zh-TW" dirty="0"/>
+              <a:t> </a:t>
+            </a:r>
+            <a:r>
+              <a:rPr lang="zh-TW" altLang="en-US" dirty="0"/>
+              <a:t>架構來強化定位準確度。整個系統可分為兩個主要階段：</a:t>
+            </a:r>
+            <a:r>
+              <a:rPr lang="en-US" altLang="zh-TW" b="1" dirty="0"/>
+              <a:t>Offline </a:t>
+            </a:r>
+            <a:r>
+              <a:rPr lang="zh-TW" altLang="en-US" b="1" dirty="0"/>
+              <a:t>階段</a:t>
+            </a:r>
+            <a:r>
+              <a:rPr lang="zh-TW" altLang="en-US" dirty="0"/>
+              <a:t>與 </a:t>
+            </a:r>
+            <a:r>
+              <a:rPr lang="en-US" altLang="zh-TW" b="1" dirty="0"/>
+              <a:t>Online </a:t>
+            </a:r>
+            <a:r>
+              <a:rPr lang="zh-TW" altLang="en-US" b="1" dirty="0"/>
+              <a:t>階段</a:t>
+            </a:r>
+            <a:r>
+              <a:rPr lang="zh-TW" altLang="en-US" dirty="0"/>
+              <a:t>。</a:t>
+            </a:r>
+            <a:endParaRPr lang="en-US" altLang="zh-TW" dirty="0"/>
+          </a:p>
+          <a:p>
+            <a:pPr>
+              <a:buNone/>
+            </a:pPr>
+            <a:endParaRPr lang="en-US" altLang="zh-TW" dirty="0"/>
+          </a:p>
+          <a:p>
+            <a:pPr>
+              <a:buNone/>
+            </a:pPr>
+            <a:r>
+              <a:rPr lang="en-US" altLang="zh-TW" b="1" dirty="0"/>
+              <a:t>Offline </a:t>
+            </a:r>
+            <a:r>
+              <a:rPr lang="zh-TW" altLang="en-US" b="1" dirty="0"/>
+              <a:t>階段 </a:t>
+            </a:r>
+            <a:r>
+              <a:rPr lang="en-US" altLang="zh-TW" b="1" dirty="0"/>
+              <a:t>— </a:t>
+            </a:r>
+            <a:r>
+              <a:rPr lang="zh-TW" altLang="en-US" b="1" dirty="0"/>
+              <a:t>資料蒐集與模型訓練</a:t>
+            </a:r>
+          </a:p>
+          <a:p>
+            <a:pPr>
+              <a:buNone/>
+            </a:pPr>
+            <a:r>
+              <a:rPr lang="en-US" altLang="zh-TW" dirty="0"/>
+              <a:t>Offline </a:t>
+            </a:r>
+            <a:r>
+              <a:rPr lang="zh-TW" altLang="en-US" dirty="0"/>
+              <a:t>階段目標是收集資料並訓練定位模型，主要包含以下步驟：</a:t>
+            </a:r>
+          </a:p>
+          <a:p>
+            <a:pPr>
+              <a:buFont typeface="+mj-lt"/>
+              <a:buAutoNum type="arabicPeriod"/>
+            </a:pPr>
+            <a:r>
+              <a:rPr lang="zh-TW" altLang="en-US" b="1" dirty="0"/>
+              <a:t>資料收集</a:t>
+            </a:r>
+            <a:endParaRPr lang="zh-TW" altLang="en-US" dirty="0"/>
+          </a:p>
+          <a:p>
+            <a:pPr marL="742950" lvl="1" indent="-285750">
+              <a:buFont typeface="+mj-lt"/>
+              <a:buAutoNum type="arabicPeriod"/>
+            </a:pPr>
+            <a:r>
+              <a:rPr lang="zh-TW" altLang="en-US" dirty="0"/>
+              <a:t>在 </a:t>
+            </a:r>
+            <a:r>
+              <a:rPr lang="en-US" altLang="zh-TW" dirty="0"/>
+              <a:t>49 </a:t>
+            </a:r>
+            <a:r>
+              <a:rPr lang="zh-TW" altLang="en-US" dirty="0"/>
+              <a:t>個參考點（</a:t>
+            </a:r>
+            <a:r>
+              <a:rPr lang="en-US" altLang="zh-TW" dirty="0"/>
+              <a:t>RPs</a:t>
+            </a:r>
+            <a:r>
+              <a:rPr lang="zh-TW" altLang="en-US" dirty="0"/>
+              <a:t>）上，從場域內的 </a:t>
+            </a:r>
+            <a:r>
+              <a:rPr lang="en-US" altLang="zh-TW" dirty="0"/>
+              <a:t>4 </a:t>
+            </a:r>
+            <a:r>
+              <a:rPr lang="zh-TW" altLang="en-US" dirty="0"/>
+              <a:t>個 </a:t>
+            </a:r>
+            <a:r>
+              <a:rPr lang="en-US" altLang="zh-TW" dirty="0"/>
+              <a:t>AP </a:t>
+            </a:r>
+            <a:r>
+              <a:rPr lang="zh-TW" altLang="en-US" dirty="0"/>
+              <a:t>收集 </a:t>
+            </a:r>
+            <a:r>
+              <a:rPr lang="en-US" altLang="zh-TW" dirty="0"/>
+              <a:t>RSSI</a:t>
+            </a:r>
+            <a:r>
+              <a:rPr lang="zh-TW" altLang="en-US" dirty="0"/>
+              <a:t>、</a:t>
+            </a:r>
+            <a:r>
+              <a:rPr lang="en-US" altLang="zh-TW" dirty="0"/>
+              <a:t>FTM distance</a:t>
+            </a:r>
+            <a:r>
+              <a:rPr lang="zh-TW" altLang="en-US" dirty="0"/>
+              <a:t>，以及 </a:t>
+            </a:r>
+            <a:r>
+              <a:rPr lang="en-US" altLang="zh-TW" dirty="0"/>
+              <a:t>FTM distance </a:t>
+            </a:r>
+            <a:r>
+              <a:rPr lang="zh-TW" altLang="en-US" dirty="0"/>
+              <a:t>的標準差（</a:t>
+            </a:r>
+            <a:r>
+              <a:rPr lang="en-US" altLang="zh-TW" dirty="0" err="1"/>
+              <a:t>StdDev</a:t>
+            </a:r>
+            <a:r>
+              <a:rPr lang="zh-TW" altLang="en-US" dirty="0"/>
+              <a:t>）。</a:t>
+            </a:r>
+          </a:p>
+          <a:p>
+            <a:pPr>
+              <a:buFont typeface="+mj-lt"/>
+              <a:buAutoNum type="arabicPeriod"/>
+            </a:pPr>
+            <a:r>
+              <a:rPr lang="zh-TW" altLang="en-US" b="1" dirty="0"/>
+              <a:t>時間同步與資料融合</a:t>
+            </a:r>
+            <a:endParaRPr lang="zh-TW" altLang="en-US" dirty="0"/>
+          </a:p>
+          <a:p>
+            <a:pPr marL="742950" lvl="1" indent="-285750">
+              <a:buFont typeface="+mj-lt"/>
+              <a:buAutoNum type="arabicPeriod"/>
+            </a:pPr>
+            <a:r>
+              <a:rPr lang="zh-TW" altLang="en-US" dirty="0"/>
+              <a:t>將來自不同 </a:t>
+            </a:r>
+            <a:r>
+              <a:rPr lang="en-US" altLang="zh-TW" dirty="0"/>
+              <a:t>AP </a:t>
+            </a:r>
+            <a:r>
+              <a:rPr lang="zh-TW" altLang="en-US" dirty="0"/>
+              <a:t>的資料依據 </a:t>
+            </a:r>
+            <a:r>
+              <a:rPr lang="en-US" altLang="zh-TW" dirty="0"/>
+              <a:t>timestamp </a:t>
+            </a:r>
+            <a:r>
+              <a:rPr lang="zh-TW" altLang="en-US" dirty="0"/>
+              <a:t>進行對齊，確保資料時序一致性。</a:t>
+            </a:r>
+          </a:p>
+          <a:p>
+            <a:pPr>
+              <a:buFont typeface="+mj-lt"/>
+              <a:buAutoNum type="arabicPeriod"/>
+            </a:pPr>
+            <a:r>
+              <a:rPr lang="zh-TW" altLang="en-US" b="1" dirty="0"/>
+              <a:t>模擬 </a:t>
+            </a:r>
+            <a:r>
+              <a:rPr lang="en-US" altLang="zh-TW" b="1" dirty="0"/>
+              <a:t>Traditional AP</a:t>
+            </a:r>
+            <a:endParaRPr lang="zh-TW" altLang="en-US" dirty="0"/>
+          </a:p>
+          <a:p>
+            <a:pPr marL="742950" lvl="1" indent="-285750">
+              <a:buFont typeface="+mj-lt"/>
+              <a:buAutoNum type="arabicPeriod"/>
+            </a:pPr>
+            <a:r>
+              <a:rPr lang="zh-TW" altLang="en-US" dirty="0"/>
+              <a:t>為模擬傳統 </a:t>
+            </a:r>
+            <a:r>
+              <a:rPr lang="en-US" altLang="zh-TW" dirty="0"/>
+              <a:t>AP</a:t>
+            </a:r>
+            <a:r>
+              <a:rPr lang="zh-TW" altLang="en-US" dirty="0"/>
+              <a:t>，將部分 </a:t>
+            </a:r>
+            <a:r>
+              <a:rPr lang="en-US" altLang="zh-TW" dirty="0" err="1"/>
+              <a:t>mcAP</a:t>
+            </a:r>
+            <a:r>
+              <a:rPr lang="en-US" altLang="zh-TW" dirty="0"/>
+              <a:t> </a:t>
+            </a:r>
+            <a:r>
+              <a:rPr lang="zh-TW" altLang="en-US" dirty="0"/>
+              <a:t>的 </a:t>
+            </a:r>
+            <a:r>
+              <a:rPr lang="en-US" altLang="zh-TW" dirty="0"/>
+              <a:t>FTM </a:t>
+            </a:r>
+            <a:r>
+              <a:rPr lang="zh-TW" altLang="en-US" dirty="0"/>
+              <a:t>與 </a:t>
+            </a:r>
+            <a:r>
+              <a:rPr lang="en-US" altLang="zh-TW" dirty="0" err="1"/>
+              <a:t>StdDev</a:t>
+            </a:r>
+            <a:r>
+              <a:rPr lang="en-US" altLang="zh-TW" dirty="0"/>
+              <a:t> </a:t>
+            </a:r>
+            <a:r>
+              <a:rPr lang="zh-TW" altLang="en-US" dirty="0"/>
+              <a:t>資料移除，僅保留 </a:t>
+            </a:r>
+            <a:r>
+              <a:rPr lang="en-US" altLang="zh-TW" dirty="0"/>
+              <a:t>RSSI</a:t>
+            </a:r>
+            <a:r>
+              <a:rPr lang="zh-TW" altLang="en-US" dirty="0"/>
+              <a:t>。</a:t>
+            </a:r>
+          </a:p>
+          <a:p>
+            <a:pPr marL="742950" lvl="1" indent="-285750">
+              <a:buFont typeface="+mj-lt"/>
+              <a:buAutoNum type="arabicPeriod"/>
+            </a:pPr>
+            <a:r>
+              <a:rPr lang="zh-TW" altLang="en-US" dirty="0"/>
+              <a:t>使用剩餘的 </a:t>
+            </a:r>
+            <a:r>
+              <a:rPr lang="en-US" altLang="zh-TW" dirty="0"/>
+              <a:t>RSSI </a:t>
+            </a:r>
+            <a:r>
+              <a:rPr lang="zh-TW" altLang="en-US" dirty="0"/>
+              <a:t>和已知的 </a:t>
+            </a:r>
+            <a:r>
+              <a:rPr lang="en-US" altLang="zh-TW" dirty="0"/>
+              <a:t>FTM distance </a:t>
+            </a:r>
+            <a:r>
+              <a:rPr lang="zh-TW" altLang="en-US" dirty="0"/>
+              <a:t>訓練一個 </a:t>
+            </a:r>
+            <a:r>
+              <a:rPr lang="en-US" altLang="zh-TW" b="1" dirty="0"/>
+              <a:t>Regressor</a:t>
+            </a:r>
+            <a:r>
+              <a:rPr lang="zh-TW" altLang="en-US" dirty="0"/>
+              <a:t>，學習 </a:t>
+            </a:r>
+            <a:r>
+              <a:rPr lang="en-US" altLang="zh-TW" dirty="0"/>
+              <a:t>RSSI </a:t>
+            </a:r>
+            <a:r>
+              <a:rPr lang="zh-TW" altLang="en-US" dirty="0"/>
+              <a:t>與距離間的關聯，並用來預測傳統 </a:t>
+            </a:r>
+            <a:r>
+              <a:rPr lang="en-US" altLang="zh-TW" dirty="0"/>
+              <a:t>AP </a:t>
+            </a:r>
+            <a:r>
+              <a:rPr lang="zh-TW" altLang="en-US" dirty="0"/>
+              <a:t>的虛擬距離特徵。</a:t>
+            </a:r>
+          </a:p>
+          <a:p>
+            <a:pPr>
+              <a:buFont typeface="+mj-lt"/>
+              <a:buAutoNum type="arabicPeriod"/>
+            </a:pPr>
+            <a:r>
+              <a:rPr lang="zh-TW" altLang="en-US" b="1" dirty="0"/>
+              <a:t>資料前處理</a:t>
+            </a:r>
+            <a:endParaRPr lang="zh-TW" altLang="en-US" dirty="0"/>
+          </a:p>
+          <a:p>
+            <a:pPr marL="742950" lvl="1" indent="-285750">
+              <a:buFont typeface="+mj-lt"/>
+              <a:buAutoNum type="arabicPeriod"/>
+            </a:pPr>
+            <a:r>
+              <a:rPr lang="zh-TW" altLang="en-US" dirty="0"/>
+              <a:t>將所有輸入特徵（</a:t>
+            </a:r>
+            <a:r>
+              <a:rPr lang="en-US" altLang="zh-TW" dirty="0"/>
+              <a:t>RSSI</a:t>
+            </a:r>
+            <a:r>
+              <a:rPr lang="zh-TW" altLang="en-US" dirty="0"/>
+              <a:t>、</a:t>
+            </a:r>
+            <a:r>
+              <a:rPr lang="en-US" altLang="zh-TW" dirty="0"/>
+              <a:t>FTM</a:t>
+            </a:r>
+            <a:r>
+              <a:rPr lang="zh-TW" altLang="en-US" dirty="0"/>
+              <a:t>、</a:t>
+            </a:r>
+            <a:r>
+              <a:rPr lang="en-US" altLang="zh-TW" dirty="0" err="1"/>
+              <a:t>StdDev</a:t>
+            </a:r>
+            <a:r>
+              <a:rPr lang="zh-TW" altLang="en-US" dirty="0"/>
+              <a:t>）進行</a:t>
+            </a:r>
+            <a:r>
+              <a:rPr lang="zh-TW" altLang="en-US" b="1" dirty="0"/>
+              <a:t>標準化處理</a:t>
+            </a:r>
+            <a:r>
+              <a:rPr lang="zh-TW" altLang="en-US" dirty="0"/>
+              <a:t>（使用 </a:t>
+            </a:r>
+            <a:r>
+              <a:rPr lang="en-US" altLang="zh-TW" dirty="0"/>
+              <a:t>z-score normalization</a:t>
+            </a:r>
+            <a:r>
+              <a:rPr lang="zh-TW" altLang="en-US" dirty="0"/>
+              <a:t>）。</a:t>
+            </a:r>
+          </a:p>
+          <a:p>
+            <a:pPr>
+              <a:buFont typeface="+mj-lt"/>
+              <a:buAutoNum type="arabicPeriod"/>
+            </a:pPr>
+            <a:r>
+              <a:rPr lang="en-US" altLang="zh-TW" b="1" dirty="0"/>
+              <a:t>DNN</a:t>
+            </a:r>
+            <a:r>
+              <a:rPr lang="zh-TW" altLang="en-US" b="1" dirty="0"/>
+              <a:t>模型訓練</a:t>
+            </a:r>
+            <a:endParaRPr lang="zh-TW" altLang="en-US" dirty="0"/>
+          </a:p>
+          <a:p>
+            <a:pPr marL="742950" lvl="1" indent="-285750">
+              <a:buFont typeface="+mj-lt"/>
+              <a:buAutoNum type="arabicPeriod"/>
+            </a:pPr>
+            <a:r>
+              <a:rPr lang="zh-TW" altLang="en-US" dirty="0"/>
+              <a:t>最後，將收集到的特徵向量輸入 </a:t>
+            </a:r>
+            <a:r>
+              <a:rPr lang="en-US" altLang="zh-TW" dirty="0"/>
+              <a:t>DNN </a:t>
+            </a:r>
+            <a:r>
+              <a:rPr lang="zh-TW" altLang="en-US" dirty="0"/>
+              <a:t>進行訓練，完成定位模型的建立。</a:t>
+            </a:r>
+          </a:p>
+          <a:p>
+            <a:pPr>
+              <a:buNone/>
+            </a:pPr>
+            <a:endParaRPr lang="en-US" altLang="zh-TW" dirty="0"/>
+          </a:p>
+          <a:p>
+            <a:pPr>
+              <a:buNone/>
+            </a:pPr>
+            <a:endParaRPr lang="en-US" altLang="zh-TW" dirty="0"/>
+          </a:p>
+          <a:p>
+            <a:pPr>
+              <a:buNone/>
+            </a:pPr>
+            <a:r>
+              <a:rPr lang="en-US" altLang="zh-TW" b="1" dirty="0"/>
+              <a:t>Online </a:t>
+            </a:r>
+            <a:r>
+              <a:rPr lang="zh-TW" altLang="en-US" b="1" dirty="0"/>
+              <a:t>階段 </a:t>
+            </a:r>
+            <a:r>
+              <a:rPr lang="en-US" altLang="zh-TW" b="1" dirty="0"/>
+              <a:t>— </a:t>
+            </a:r>
+            <a:r>
+              <a:rPr lang="zh-TW" altLang="en-US" b="1" dirty="0"/>
+              <a:t>定位預測</a:t>
+            </a:r>
+          </a:p>
+          <a:p>
+            <a:pPr>
+              <a:buNone/>
+            </a:pPr>
+            <a:r>
+              <a:rPr lang="zh-TW" altLang="en-US" dirty="0"/>
+              <a:t>在 </a:t>
+            </a:r>
+            <a:r>
+              <a:rPr lang="en-US" altLang="zh-TW" dirty="0"/>
+              <a:t>Online </a:t>
+            </a:r>
+            <a:r>
+              <a:rPr lang="zh-TW" altLang="en-US" dirty="0"/>
+              <a:t>階段，不再進行任何模型訓練，只執行以下步驟進行即時定位預測：</a:t>
+            </a:r>
+          </a:p>
+          <a:p>
+            <a:pPr>
+              <a:buFont typeface="+mj-lt"/>
+              <a:buAutoNum type="arabicPeriod"/>
+            </a:pPr>
+            <a:r>
+              <a:rPr lang="zh-TW" altLang="en-US" b="1" dirty="0"/>
+              <a:t>資料收集</a:t>
+            </a:r>
+            <a:endParaRPr lang="zh-TW" altLang="en-US" dirty="0"/>
+          </a:p>
+          <a:p>
+            <a:pPr marL="742950" lvl="1" indent="-285750">
+              <a:buFont typeface="+mj-lt"/>
+              <a:buAutoNum type="arabicPeriod"/>
+            </a:pPr>
+            <a:r>
+              <a:rPr lang="zh-TW" altLang="en-US" dirty="0"/>
+              <a:t>收集新的 </a:t>
+            </a:r>
+            <a:r>
+              <a:rPr lang="en-US" altLang="zh-TW" dirty="0"/>
+              <a:t>RSSI</a:t>
+            </a:r>
+            <a:r>
+              <a:rPr lang="zh-TW" altLang="en-US" dirty="0"/>
+              <a:t>、</a:t>
+            </a:r>
+            <a:r>
+              <a:rPr lang="en-US" altLang="zh-TW" dirty="0"/>
+              <a:t>FTM</a:t>
+            </a:r>
+            <a:r>
+              <a:rPr lang="zh-TW" altLang="en-US" dirty="0"/>
+              <a:t>、</a:t>
+            </a:r>
+            <a:r>
+              <a:rPr lang="en-US" altLang="zh-TW" dirty="0" err="1"/>
+              <a:t>StdDev</a:t>
+            </a:r>
+            <a:r>
+              <a:rPr lang="en-US" altLang="zh-TW" dirty="0"/>
+              <a:t> </a:t>
+            </a:r>
+            <a:r>
+              <a:rPr lang="zh-TW" altLang="en-US" dirty="0"/>
+              <a:t>資料。</a:t>
+            </a:r>
+          </a:p>
+          <a:p>
+            <a:pPr>
+              <a:buFont typeface="+mj-lt"/>
+              <a:buAutoNum type="arabicPeriod"/>
+            </a:pPr>
+            <a:r>
+              <a:rPr lang="zh-TW" altLang="en-US" b="1" dirty="0"/>
+              <a:t>資料前處理</a:t>
+            </a:r>
+            <a:endParaRPr lang="zh-TW" altLang="en-US" dirty="0"/>
+          </a:p>
+          <a:p>
+            <a:pPr marL="742950" lvl="1" indent="-285750">
+              <a:buFont typeface="+mj-lt"/>
+              <a:buAutoNum type="arabicPeriod"/>
+            </a:pPr>
+            <a:r>
+              <a:rPr lang="zh-TW" altLang="en-US" dirty="0"/>
+              <a:t>使用 </a:t>
+            </a:r>
+            <a:r>
+              <a:rPr lang="en-US" altLang="zh-TW" dirty="0"/>
+              <a:t>Offline </a:t>
+            </a:r>
+            <a:r>
+              <a:rPr lang="zh-TW" altLang="en-US" dirty="0"/>
+              <a:t>階段相同的標準化方法，對資料進行處理。</a:t>
+            </a:r>
+          </a:p>
+          <a:p>
+            <a:pPr>
+              <a:buFont typeface="+mj-lt"/>
+              <a:buAutoNum type="arabicPeriod"/>
+            </a:pPr>
+            <a:r>
+              <a:rPr lang="zh-TW" altLang="en-US" b="1" dirty="0"/>
+              <a:t>定位推論</a:t>
+            </a:r>
+            <a:endParaRPr lang="zh-TW" altLang="en-US" dirty="0"/>
+          </a:p>
+          <a:p>
+            <a:pPr marL="742950" lvl="1" indent="-285750">
+              <a:buFont typeface="+mj-lt"/>
+              <a:buAutoNum type="arabicPeriod"/>
+            </a:pPr>
+            <a:r>
+              <a:rPr lang="zh-TW" altLang="en-US" dirty="0"/>
+              <a:t>先經由訓練好的 </a:t>
+            </a:r>
+            <a:r>
+              <a:rPr lang="en-US" altLang="zh-TW" dirty="0"/>
+              <a:t>Regressor </a:t>
+            </a:r>
+            <a:r>
+              <a:rPr lang="zh-TW" altLang="en-US" dirty="0"/>
+              <a:t>模擬出傳統 </a:t>
+            </a:r>
+            <a:r>
+              <a:rPr lang="en-US" altLang="zh-TW" dirty="0"/>
+              <a:t>AP </a:t>
+            </a:r>
+            <a:r>
+              <a:rPr lang="zh-TW" altLang="en-US" dirty="0"/>
+              <a:t>的距離特徵，再將所有特徵輸入訓練完成的 </a:t>
+            </a:r>
+            <a:r>
+              <a:rPr lang="en-US" altLang="zh-TW" dirty="0"/>
+              <a:t>DNN </a:t>
+            </a:r>
+            <a:r>
+              <a:rPr lang="zh-TW" altLang="en-US" dirty="0"/>
+              <a:t>模型，輸出預測位置。</a:t>
+            </a:r>
+          </a:p>
+          <a:p>
+            <a:pPr>
+              <a:buNone/>
+            </a:pPr>
+            <a:r>
+              <a:rPr lang="en-US" altLang="zh-TW" b="1" dirty="0" err="1"/>
+              <a:t>RegDNN</a:t>
+            </a:r>
+            <a:r>
+              <a:rPr lang="en-US" altLang="zh-TW" b="1" dirty="0"/>
+              <a:t> </a:t>
+            </a:r>
+            <a:r>
+              <a:rPr lang="zh-TW" altLang="en-US" b="1" dirty="0"/>
+              <a:t>模型特色</a:t>
+            </a:r>
+          </a:p>
+          <a:p>
+            <a:pPr>
+              <a:buFont typeface="Arial" panose="020B0604020202020204" pitchFamily="34" charset="0"/>
+              <a:buChar char="•"/>
+            </a:pPr>
+            <a:r>
+              <a:rPr lang="zh-TW" altLang="en-US" b="1" dirty="0"/>
+              <a:t>應對異質環境</a:t>
+            </a:r>
+            <a:r>
+              <a:rPr lang="zh-TW" altLang="en-US" dirty="0"/>
+              <a:t>：即使場域中僅有部分 </a:t>
+            </a:r>
+            <a:r>
+              <a:rPr lang="en-US" altLang="zh-TW" dirty="0"/>
+              <a:t>AP </a:t>
+            </a:r>
+            <a:r>
+              <a:rPr lang="zh-TW" altLang="en-US" dirty="0"/>
+              <a:t>支援 </a:t>
+            </a:r>
+            <a:r>
+              <a:rPr lang="en-US" altLang="zh-TW" dirty="0"/>
+              <a:t>FTM</a:t>
+            </a:r>
+            <a:r>
+              <a:rPr lang="zh-TW" altLang="en-US" dirty="0"/>
+              <a:t>，本系統也能有效利用 </a:t>
+            </a:r>
+            <a:r>
+              <a:rPr lang="en-US" altLang="zh-TW" dirty="0"/>
+              <a:t>RSSI </a:t>
+            </a:r>
+            <a:r>
+              <a:rPr lang="zh-TW" altLang="en-US" dirty="0"/>
+              <a:t>訓練出模擬距離特徵，提升定位準確度。</a:t>
+            </a:r>
+          </a:p>
+          <a:p>
+            <a:pPr>
+              <a:buFont typeface="Arial" panose="020B0604020202020204" pitchFamily="34" charset="0"/>
+              <a:buChar char="•"/>
+            </a:pPr>
+            <a:r>
+              <a:rPr lang="zh-TW" altLang="en-US" b="1" dirty="0"/>
+              <a:t>空間資訊強化</a:t>
+            </a:r>
+            <a:r>
+              <a:rPr lang="zh-TW" altLang="en-US" dirty="0"/>
+              <a:t>：</a:t>
+            </a:r>
+            <a:r>
+              <a:rPr lang="en-US" altLang="zh-TW" dirty="0"/>
+              <a:t>Regressor </a:t>
+            </a:r>
+            <a:r>
+              <a:rPr lang="zh-TW" altLang="en-US" dirty="0"/>
+              <a:t>學習 </a:t>
+            </a:r>
+            <a:r>
+              <a:rPr lang="en-US" altLang="zh-TW" dirty="0"/>
+              <a:t>RSSI </a:t>
+            </a:r>
+            <a:r>
+              <a:rPr lang="zh-TW" altLang="en-US" dirty="0"/>
+              <a:t>與距離間的空間關係，讓傳統 </a:t>
+            </a:r>
+            <a:r>
+              <a:rPr lang="en-US" altLang="zh-TW" dirty="0"/>
+              <a:t>AP </a:t>
+            </a:r>
+            <a:r>
+              <a:rPr lang="zh-TW" altLang="en-US" dirty="0"/>
+              <a:t>也能提供具備物理意義的特徵資訊。</a:t>
+            </a:r>
+          </a:p>
+          <a:p>
+            <a:pPr>
+              <a:buFont typeface="Arial" panose="020B0604020202020204" pitchFamily="34" charset="0"/>
+              <a:buChar char="•"/>
+            </a:pPr>
+            <a:r>
+              <a:rPr lang="zh-TW" altLang="en-US" b="1" dirty="0"/>
+              <a:t>彈性部署</a:t>
+            </a:r>
+            <a:r>
+              <a:rPr lang="zh-TW" altLang="en-US" dirty="0"/>
+              <a:t>：支援混合型 </a:t>
+            </a:r>
+            <a:r>
+              <a:rPr lang="en-US" altLang="zh-TW" dirty="0"/>
+              <a:t>AP </a:t>
+            </a:r>
+            <a:r>
+              <a:rPr lang="zh-TW" altLang="en-US" dirty="0"/>
+              <a:t>部署場景，不需全數升級為 </a:t>
+            </a:r>
+            <a:r>
+              <a:rPr lang="en-US" altLang="zh-TW" dirty="0" err="1"/>
+              <a:t>mcAP</a:t>
+            </a:r>
+            <a:r>
+              <a:rPr lang="zh-TW" altLang="en-US" dirty="0"/>
+              <a:t>，即可達成高效室內定位。</a:t>
+            </a:r>
+          </a:p>
+          <a:p>
+            <a:pPr>
+              <a:buNone/>
+            </a:pPr>
+            <a:endParaRPr lang="en-US" altLang="zh-TW" dirty="0"/>
           </a:p>
         </p:txBody>
       </p:sp>
     </p:spTree>
     <p:extLst>
       <p:ext uri="{BB962C8B-B14F-4D97-AF65-F5344CB8AC3E}">
-        <p14:creationId xmlns:p14="http://schemas.microsoft.com/office/powerpoint/2010/main" val="2161518233"/>
+        <p14:creationId xmlns:p14="http://schemas.microsoft.com/office/powerpoint/2010/main" val="4264169572"/>
       </p:ext>
     </p:extLst>
   </p:cSld>
@@ -2825,7 +3565,13 @@
   <p:cSld>
     <p:spTree>
       <p:nvGrpSpPr>
-        <p:cNvPr id="1" name="Shape 221"/>
+        <p:cNvPr id="1" name="Shape 210">
+          <a:extLst>
+            <a:ext uri="{FF2B5EF4-FFF2-40B4-BE49-F238E27FC236}">
+              <a16:creationId xmlns:a16="http://schemas.microsoft.com/office/drawing/2014/main" id="{56B14352-3879-A53D-6004-52B26159920D}"/>
+            </a:ext>
+          </a:extLst>
+        </p:cNvPr>
         <p:cNvGrpSpPr/>
         <p:nvPr/>
       </p:nvGrpSpPr>
@@ -2839,7 +3585,13 @@
       </p:grpSpPr>
       <p:sp>
         <p:nvSpPr>
-          <p:cNvPr id="222" name="Google Shape;222;g54dda1946d_6_308:notes"/>
+          <p:cNvPr id="211" name="Google Shape;211;g54dda1946d_6_322:notes">
+            <a:extLst>
+              <a:ext uri="{FF2B5EF4-FFF2-40B4-BE49-F238E27FC236}">
+                <a16:creationId xmlns:a16="http://schemas.microsoft.com/office/drawing/2014/main" id="{7A289140-D81F-3DD6-AB90-DC9950403EDF}"/>
+              </a:ext>
+            </a:extLst>
+          </p:cNvPr>
           <p:cNvSpPr>
             <a:spLocks noGrp="1" noRot="1" noChangeAspect="1"/>
           </p:cNvSpPr>
@@ -2880,7 +3632,13 @@
       </p:sp>
       <p:sp>
         <p:nvSpPr>
-          <p:cNvPr id="223" name="Google Shape;223;g54dda1946d_6_308:notes"/>
+          <p:cNvPr id="212" name="Google Shape;212;g54dda1946d_6_322:notes">
+            <a:extLst>
+              <a:ext uri="{FF2B5EF4-FFF2-40B4-BE49-F238E27FC236}">
+                <a16:creationId xmlns:a16="http://schemas.microsoft.com/office/drawing/2014/main" id="{B5964DE6-BB5C-A12E-947F-8150F049C958}"/>
+              </a:ext>
+            </a:extLst>
+          </p:cNvPr>
           <p:cNvSpPr txBox="1">
             <a:spLocks noGrp="1"/>
           </p:cNvSpPr>
@@ -2903,23 +3661,638 @@
           </a:bodyPr>
           <a:lstStyle/>
           <a:p>
-            <a:pPr marL="0" lvl="0" indent="0" algn="l" rtl="0">
-              <a:spcBef>
-                <a:spcPts val="0"/>
-              </a:spcBef>
-              <a:spcAft>
-                <a:spcPts val="0"/>
-              </a:spcAft>
+            <a:pPr>
               <a:buNone/>
             </a:pPr>
-            <a:endParaRPr dirty="0"/>
+            <a:r>
+              <a:rPr lang="zh-TW" altLang="en-US" dirty="0"/>
+              <a:t>稍微解釋 </a:t>
+            </a:r>
+            <a:r>
+              <a:rPr lang="en-US" altLang="zh-TW" dirty="0"/>
+              <a:t>distance </a:t>
+            </a:r>
+            <a:r>
+              <a:rPr lang="zh-TW" altLang="en-US" dirty="0"/>
+              <a:t>和 </a:t>
+            </a:r>
+            <a:r>
+              <a:rPr lang="en-US" altLang="zh-TW" dirty="0" err="1"/>
+              <a:t>StdDev</a:t>
+            </a:r>
+            <a:endParaRPr lang="zh-TW" altLang="en-US" dirty="0"/>
           </a:p>
         </p:txBody>
       </p:sp>
     </p:spTree>
     <p:extLst>
       <p:ext uri="{BB962C8B-B14F-4D97-AF65-F5344CB8AC3E}">
-        <p14:creationId xmlns:p14="http://schemas.microsoft.com/office/powerpoint/2010/main" val="454772695"/>
+        <p14:creationId xmlns:p14="http://schemas.microsoft.com/office/powerpoint/2010/main" val="2739339041"/>
+      </p:ext>
+    </p:extLst>
+  </p:cSld>
+  <p:clrMapOvr>
+    <a:masterClrMapping/>
+  </p:clrMapOvr>
+</p:notes>
+</file>
+
+<file path=ppt/notesSlides/notesSlide15.xml><?xml version="1.0" encoding="utf-8"?>
+<p:notes xmlns:a="http://schemas.openxmlformats.org/drawingml/2006/main" xmlns:r="http://schemas.openxmlformats.org/officeDocument/2006/relationships" xmlns:p="http://schemas.openxmlformats.org/presentationml/2006/main" showMasterSp="0" showMasterPhAnim="0">
+  <p:cSld>
+    <p:spTree>
+      <p:nvGrpSpPr>
+        <p:cNvPr id="1" name="Shape 210">
+          <a:extLst>
+            <a:ext uri="{FF2B5EF4-FFF2-40B4-BE49-F238E27FC236}">
+              <a16:creationId xmlns:a16="http://schemas.microsoft.com/office/drawing/2014/main" id="{AF03E12E-0AB8-F6A8-6959-F5ECFF7B876E}"/>
+            </a:ext>
+          </a:extLst>
+        </p:cNvPr>
+        <p:cNvGrpSpPr/>
+        <p:nvPr/>
+      </p:nvGrpSpPr>
+      <p:grpSpPr>
+        <a:xfrm>
+          <a:off x="0" y="0"/>
+          <a:ext cx="0" cy="0"/>
+          <a:chOff x="0" y="0"/>
+          <a:chExt cx="0" cy="0"/>
+        </a:xfrm>
+      </p:grpSpPr>
+      <p:sp>
+        <p:nvSpPr>
+          <p:cNvPr id="211" name="Google Shape;211;g54dda1946d_6_322:notes">
+            <a:extLst>
+              <a:ext uri="{FF2B5EF4-FFF2-40B4-BE49-F238E27FC236}">
+                <a16:creationId xmlns:a16="http://schemas.microsoft.com/office/drawing/2014/main" id="{12220C1D-01D6-64E3-DD26-0F2854E0F895}"/>
+              </a:ext>
+            </a:extLst>
+          </p:cNvPr>
+          <p:cNvSpPr>
+            <a:spLocks noGrp="1" noRot="1" noChangeAspect="1"/>
+          </p:cNvSpPr>
+          <p:nvPr>
+            <p:ph type="sldImg" idx="2"/>
+          </p:nvPr>
+        </p:nvSpPr>
+        <p:spPr>
+          <a:xfrm>
+            <a:off x="381000" y="685800"/>
+            <a:ext cx="6096000" cy="3429000"/>
+          </a:xfrm>
+          <a:custGeom>
+            <a:avLst/>
+            <a:gdLst/>
+            <a:ahLst/>
+            <a:cxnLst/>
+            <a:rect l="l" t="t" r="r" b="b"/>
+            <a:pathLst>
+              <a:path w="120000" h="120000" extrusionOk="0">
+                <a:moveTo>
+                  <a:pt x="0" y="0"/>
+                </a:moveTo>
+                <a:lnTo>
+                  <a:pt x="120000" y="0"/>
+                </a:lnTo>
+                <a:lnTo>
+                  <a:pt x="120000" y="120000"/>
+                </a:lnTo>
+                <a:lnTo>
+                  <a:pt x="0" y="120000"/>
+                </a:lnTo>
+                <a:close/>
+              </a:path>
+            </a:pathLst>
+          </a:custGeom>
+        </p:spPr>
+      </p:sp>
+      <p:sp>
+        <p:nvSpPr>
+          <p:cNvPr id="212" name="Google Shape;212;g54dda1946d_6_322:notes">
+            <a:extLst>
+              <a:ext uri="{FF2B5EF4-FFF2-40B4-BE49-F238E27FC236}">
+                <a16:creationId xmlns:a16="http://schemas.microsoft.com/office/drawing/2014/main" id="{8A1BE27F-3233-6FEF-3AAC-2F5AD11F5CD4}"/>
+              </a:ext>
+            </a:extLst>
+          </p:cNvPr>
+          <p:cNvSpPr txBox="1">
+            <a:spLocks noGrp="1"/>
+          </p:cNvSpPr>
+          <p:nvPr>
+            <p:ph type="body" idx="1"/>
+          </p:nvPr>
+        </p:nvSpPr>
+        <p:spPr>
+          <a:xfrm>
+            <a:off x="685800" y="4343400"/>
+            <a:ext cx="5486400" cy="4114800"/>
+          </a:xfrm>
+          <a:prstGeom prst="rect">
+            <a:avLst/>
+          </a:prstGeom>
+        </p:spPr>
+        <p:txBody>
+          <a:bodyPr spcFirstLastPara="1" wrap="square" lIns="91425" tIns="91425" rIns="91425" bIns="91425" anchor="t" anchorCtr="0">
+            <a:noAutofit/>
+          </a:bodyPr>
+          <a:lstStyle/>
+          <a:p>
+            <a:pPr>
+              <a:buNone/>
+            </a:pPr>
+            <a:endParaRPr lang="zh-TW" altLang="en-US" dirty="0"/>
+          </a:p>
+        </p:txBody>
+      </p:sp>
+    </p:spTree>
+    <p:extLst>
+      <p:ext uri="{BB962C8B-B14F-4D97-AF65-F5344CB8AC3E}">
+        <p14:creationId xmlns:p14="http://schemas.microsoft.com/office/powerpoint/2010/main" val="3365162515"/>
+      </p:ext>
+    </p:extLst>
+  </p:cSld>
+  <p:clrMapOvr>
+    <a:masterClrMapping/>
+  </p:clrMapOvr>
+</p:notes>
+</file>
+
+<file path=ppt/notesSlides/notesSlide16.xml><?xml version="1.0" encoding="utf-8"?>
+<p:notes xmlns:a="http://schemas.openxmlformats.org/drawingml/2006/main" xmlns:r="http://schemas.openxmlformats.org/officeDocument/2006/relationships" xmlns:p="http://schemas.openxmlformats.org/presentationml/2006/main" showMasterSp="0" showMasterPhAnim="0">
+  <p:cSld>
+    <p:spTree>
+      <p:nvGrpSpPr>
+        <p:cNvPr id="1" name="Shape 210">
+          <a:extLst>
+            <a:ext uri="{FF2B5EF4-FFF2-40B4-BE49-F238E27FC236}">
+              <a16:creationId xmlns:a16="http://schemas.microsoft.com/office/drawing/2014/main" id="{C83A9472-E9E8-8443-327D-E587E2CA7F7D}"/>
+            </a:ext>
+          </a:extLst>
+        </p:cNvPr>
+        <p:cNvGrpSpPr/>
+        <p:nvPr/>
+      </p:nvGrpSpPr>
+      <p:grpSpPr>
+        <a:xfrm>
+          <a:off x="0" y="0"/>
+          <a:ext cx="0" cy="0"/>
+          <a:chOff x="0" y="0"/>
+          <a:chExt cx="0" cy="0"/>
+        </a:xfrm>
+      </p:grpSpPr>
+      <p:sp>
+        <p:nvSpPr>
+          <p:cNvPr id="211" name="Google Shape;211;g54dda1946d_6_322:notes">
+            <a:extLst>
+              <a:ext uri="{FF2B5EF4-FFF2-40B4-BE49-F238E27FC236}">
+                <a16:creationId xmlns:a16="http://schemas.microsoft.com/office/drawing/2014/main" id="{AAF2DB1B-7716-8E58-266A-45F184FDFCBC}"/>
+              </a:ext>
+            </a:extLst>
+          </p:cNvPr>
+          <p:cNvSpPr>
+            <a:spLocks noGrp="1" noRot="1" noChangeAspect="1"/>
+          </p:cNvSpPr>
+          <p:nvPr>
+            <p:ph type="sldImg" idx="2"/>
+          </p:nvPr>
+        </p:nvSpPr>
+        <p:spPr>
+          <a:xfrm>
+            <a:off x="381000" y="685800"/>
+            <a:ext cx="6096000" cy="3429000"/>
+          </a:xfrm>
+          <a:custGeom>
+            <a:avLst/>
+            <a:gdLst/>
+            <a:ahLst/>
+            <a:cxnLst/>
+            <a:rect l="l" t="t" r="r" b="b"/>
+            <a:pathLst>
+              <a:path w="120000" h="120000" extrusionOk="0">
+                <a:moveTo>
+                  <a:pt x="0" y="0"/>
+                </a:moveTo>
+                <a:lnTo>
+                  <a:pt x="120000" y="0"/>
+                </a:lnTo>
+                <a:lnTo>
+                  <a:pt x="120000" y="120000"/>
+                </a:lnTo>
+                <a:lnTo>
+                  <a:pt x="0" y="120000"/>
+                </a:lnTo>
+                <a:close/>
+              </a:path>
+            </a:pathLst>
+          </a:custGeom>
+        </p:spPr>
+      </p:sp>
+      <p:sp>
+        <p:nvSpPr>
+          <p:cNvPr id="212" name="Google Shape;212;g54dda1946d_6_322:notes">
+            <a:extLst>
+              <a:ext uri="{FF2B5EF4-FFF2-40B4-BE49-F238E27FC236}">
+                <a16:creationId xmlns:a16="http://schemas.microsoft.com/office/drawing/2014/main" id="{0809ED29-2FD2-B2C1-4BFF-42D159DF2F4B}"/>
+              </a:ext>
+            </a:extLst>
+          </p:cNvPr>
+          <p:cNvSpPr txBox="1">
+            <a:spLocks noGrp="1"/>
+          </p:cNvSpPr>
+          <p:nvPr>
+            <p:ph type="body" idx="1"/>
+          </p:nvPr>
+        </p:nvSpPr>
+        <p:spPr>
+          <a:xfrm>
+            <a:off x="685800" y="4343400"/>
+            <a:ext cx="5486400" cy="4114800"/>
+          </a:xfrm>
+          <a:prstGeom prst="rect">
+            <a:avLst/>
+          </a:prstGeom>
+        </p:spPr>
+        <p:txBody>
+          <a:bodyPr spcFirstLastPara="1" wrap="square" lIns="91425" tIns="91425" rIns="91425" bIns="91425" anchor="t" anchorCtr="0">
+            <a:noAutofit/>
+          </a:bodyPr>
+          <a:lstStyle/>
+          <a:p>
+            <a:pPr>
+              <a:buNone/>
+            </a:pPr>
+            <a:endParaRPr lang="zh-TW" altLang="en-US" dirty="0"/>
+          </a:p>
+        </p:txBody>
+      </p:sp>
+    </p:spTree>
+    <p:extLst>
+      <p:ext uri="{BB962C8B-B14F-4D97-AF65-F5344CB8AC3E}">
+        <p14:creationId xmlns:p14="http://schemas.microsoft.com/office/powerpoint/2010/main" val="2698840868"/>
+      </p:ext>
+    </p:extLst>
+  </p:cSld>
+  <p:clrMapOvr>
+    <a:masterClrMapping/>
+  </p:clrMapOvr>
+</p:notes>
+</file>
+
+<file path=ppt/notesSlides/notesSlide17.xml><?xml version="1.0" encoding="utf-8"?>
+<p:notes xmlns:a="http://schemas.openxmlformats.org/drawingml/2006/main" xmlns:r="http://schemas.openxmlformats.org/officeDocument/2006/relationships" xmlns:p="http://schemas.openxmlformats.org/presentationml/2006/main" showMasterSp="0" showMasterPhAnim="0">
+  <p:cSld>
+    <p:spTree>
+      <p:nvGrpSpPr>
+        <p:cNvPr id="1" name="Shape 210">
+          <a:extLst>
+            <a:ext uri="{FF2B5EF4-FFF2-40B4-BE49-F238E27FC236}">
+              <a16:creationId xmlns:a16="http://schemas.microsoft.com/office/drawing/2014/main" id="{EED1458E-58D2-24BD-E307-2CBD78E474F9}"/>
+            </a:ext>
+          </a:extLst>
+        </p:cNvPr>
+        <p:cNvGrpSpPr/>
+        <p:nvPr/>
+      </p:nvGrpSpPr>
+      <p:grpSpPr>
+        <a:xfrm>
+          <a:off x="0" y="0"/>
+          <a:ext cx="0" cy="0"/>
+          <a:chOff x="0" y="0"/>
+          <a:chExt cx="0" cy="0"/>
+        </a:xfrm>
+      </p:grpSpPr>
+      <p:sp>
+        <p:nvSpPr>
+          <p:cNvPr id="211" name="Google Shape;211;g54dda1946d_6_322:notes">
+            <a:extLst>
+              <a:ext uri="{FF2B5EF4-FFF2-40B4-BE49-F238E27FC236}">
+                <a16:creationId xmlns:a16="http://schemas.microsoft.com/office/drawing/2014/main" id="{514B5262-D541-65B5-A52A-F9550A000A5B}"/>
+              </a:ext>
+            </a:extLst>
+          </p:cNvPr>
+          <p:cNvSpPr>
+            <a:spLocks noGrp="1" noRot="1" noChangeAspect="1"/>
+          </p:cNvSpPr>
+          <p:nvPr>
+            <p:ph type="sldImg" idx="2"/>
+          </p:nvPr>
+        </p:nvSpPr>
+        <p:spPr>
+          <a:xfrm>
+            <a:off x="381000" y="685800"/>
+            <a:ext cx="6096000" cy="3429000"/>
+          </a:xfrm>
+          <a:custGeom>
+            <a:avLst/>
+            <a:gdLst/>
+            <a:ahLst/>
+            <a:cxnLst/>
+            <a:rect l="l" t="t" r="r" b="b"/>
+            <a:pathLst>
+              <a:path w="120000" h="120000" extrusionOk="0">
+                <a:moveTo>
+                  <a:pt x="0" y="0"/>
+                </a:moveTo>
+                <a:lnTo>
+                  <a:pt x="120000" y="0"/>
+                </a:lnTo>
+                <a:lnTo>
+                  <a:pt x="120000" y="120000"/>
+                </a:lnTo>
+                <a:lnTo>
+                  <a:pt x="0" y="120000"/>
+                </a:lnTo>
+                <a:close/>
+              </a:path>
+            </a:pathLst>
+          </a:custGeom>
+        </p:spPr>
+      </p:sp>
+      <p:sp>
+        <p:nvSpPr>
+          <p:cNvPr id="212" name="Google Shape;212;g54dda1946d_6_322:notes">
+            <a:extLst>
+              <a:ext uri="{FF2B5EF4-FFF2-40B4-BE49-F238E27FC236}">
+                <a16:creationId xmlns:a16="http://schemas.microsoft.com/office/drawing/2014/main" id="{E782409C-28C0-17ED-F3F3-8642068A834E}"/>
+              </a:ext>
+            </a:extLst>
+          </p:cNvPr>
+          <p:cNvSpPr txBox="1">
+            <a:spLocks noGrp="1"/>
+          </p:cNvSpPr>
+          <p:nvPr>
+            <p:ph type="body" idx="1"/>
+          </p:nvPr>
+        </p:nvSpPr>
+        <p:spPr>
+          <a:xfrm>
+            <a:off x="685800" y="4343400"/>
+            <a:ext cx="5486400" cy="4114800"/>
+          </a:xfrm>
+          <a:prstGeom prst="rect">
+            <a:avLst/>
+          </a:prstGeom>
+        </p:spPr>
+        <p:txBody>
+          <a:bodyPr spcFirstLastPara="1" wrap="square" lIns="91425" tIns="91425" rIns="91425" bIns="91425" anchor="t" anchorCtr="0">
+            <a:noAutofit/>
+          </a:bodyPr>
+          <a:lstStyle/>
+          <a:p>
+            <a:pPr>
+              <a:buNone/>
+            </a:pPr>
+            <a:endParaRPr lang="zh-TW" altLang="en-US" dirty="0"/>
+          </a:p>
+        </p:txBody>
+      </p:sp>
+    </p:spTree>
+    <p:extLst>
+      <p:ext uri="{BB962C8B-B14F-4D97-AF65-F5344CB8AC3E}">
+        <p14:creationId xmlns:p14="http://schemas.microsoft.com/office/powerpoint/2010/main" val="1860180115"/>
+      </p:ext>
+    </p:extLst>
+  </p:cSld>
+  <p:clrMapOvr>
+    <a:masterClrMapping/>
+  </p:clrMapOvr>
+</p:notes>
+</file>
+
+<file path=ppt/notesSlides/notesSlide18.xml><?xml version="1.0" encoding="utf-8"?>
+<p:notes xmlns:a="http://schemas.openxmlformats.org/drawingml/2006/main" xmlns:r="http://schemas.openxmlformats.org/officeDocument/2006/relationships" xmlns:p="http://schemas.openxmlformats.org/presentationml/2006/main" showMasterSp="0" showMasterPhAnim="0">
+  <p:cSld>
+    <p:spTree>
+      <p:nvGrpSpPr>
+        <p:cNvPr id="1" name="Shape 210">
+          <a:extLst>
+            <a:ext uri="{FF2B5EF4-FFF2-40B4-BE49-F238E27FC236}">
+              <a16:creationId xmlns:a16="http://schemas.microsoft.com/office/drawing/2014/main" id="{E9BEDCB4-9036-0C0A-FD5C-12DD59EE700E}"/>
+            </a:ext>
+          </a:extLst>
+        </p:cNvPr>
+        <p:cNvGrpSpPr/>
+        <p:nvPr/>
+      </p:nvGrpSpPr>
+      <p:grpSpPr>
+        <a:xfrm>
+          <a:off x="0" y="0"/>
+          <a:ext cx="0" cy="0"/>
+          <a:chOff x="0" y="0"/>
+          <a:chExt cx="0" cy="0"/>
+        </a:xfrm>
+      </p:grpSpPr>
+      <p:sp>
+        <p:nvSpPr>
+          <p:cNvPr id="211" name="Google Shape;211;g54dda1946d_6_322:notes">
+            <a:extLst>
+              <a:ext uri="{FF2B5EF4-FFF2-40B4-BE49-F238E27FC236}">
+                <a16:creationId xmlns:a16="http://schemas.microsoft.com/office/drawing/2014/main" id="{2190F2F4-7E6C-1AE5-EDB7-E30FB6327076}"/>
+              </a:ext>
+            </a:extLst>
+          </p:cNvPr>
+          <p:cNvSpPr>
+            <a:spLocks noGrp="1" noRot="1" noChangeAspect="1"/>
+          </p:cNvSpPr>
+          <p:nvPr>
+            <p:ph type="sldImg" idx="2"/>
+          </p:nvPr>
+        </p:nvSpPr>
+        <p:spPr>
+          <a:xfrm>
+            <a:off x="381000" y="685800"/>
+            <a:ext cx="6096000" cy="3429000"/>
+          </a:xfrm>
+          <a:custGeom>
+            <a:avLst/>
+            <a:gdLst/>
+            <a:ahLst/>
+            <a:cxnLst/>
+            <a:rect l="l" t="t" r="r" b="b"/>
+            <a:pathLst>
+              <a:path w="120000" h="120000" extrusionOk="0">
+                <a:moveTo>
+                  <a:pt x="0" y="0"/>
+                </a:moveTo>
+                <a:lnTo>
+                  <a:pt x="120000" y="0"/>
+                </a:lnTo>
+                <a:lnTo>
+                  <a:pt x="120000" y="120000"/>
+                </a:lnTo>
+                <a:lnTo>
+                  <a:pt x="0" y="120000"/>
+                </a:lnTo>
+                <a:close/>
+              </a:path>
+            </a:pathLst>
+          </a:custGeom>
+        </p:spPr>
+      </p:sp>
+      <p:sp>
+        <p:nvSpPr>
+          <p:cNvPr id="212" name="Google Shape;212;g54dda1946d_6_322:notes">
+            <a:extLst>
+              <a:ext uri="{FF2B5EF4-FFF2-40B4-BE49-F238E27FC236}">
+                <a16:creationId xmlns:a16="http://schemas.microsoft.com/office/drawing/2014/main" id="{156E4145-1177-035D-71BC-156306C9CD31}"/>
+              </a:ext>
+            </a:extLst>
+          </p:cNvPr>
+          <p:cNvSpPr txBox="1">
+            <a:spLocks noGrp="1"/>
+          </p:cNvSpPr>
+          <p:nvPr>
+            <p:ph type="body" idx="1"/>
+          </p:nvPr>
+        </p:nvSpPr>
+        <p:spPr>
+          <a:xfrm>
+            <a:off x="685800" y="4343400"/>
+            <a:ext cx="5486400" cy="4114800"/>
+          </a:xfrm>
+          <a:prstGeom prst="rect">
+            <a:avLst/>
+          </a:prstGeom>
+        </p:spPr>
+        <p:txBody>
+          <a:bodyPr spcFirstLastPara="1" wrap="square" lIns="91425" tIns="91425" rIns="91425" bIns="91425" anchor="t" anchorCtr="0">
+            <a:noAutofit/>
+          </a:bodyPr>
+          <a:lstStyle/>
+          <a:p>
+            <a:pPr>
+              <a:buNone/>
+            </a:pPr>
+            <a:endParaRPr lang="zh-TW" altLang="en-US" dirty="0"/>
+          </a:p>
+        </p:txBody>
+      </p:sp>
+    </p:spTree>
+    <p:extLst>
+      <p:ext uri="{BB962C8B-B14F-4D97-AF65-F5344CB8AC3E}">
+        <p14:creationId xmlns:p14="http://schemas.microsoft.com/office/powerpoint/2010/main" val="2123154281"/>
+      </p:ext>
+    </p:extLst>
+  </p:cSld>
+  <p:clrMapOvr>
+    <a:masterClrMapping/>
+  </p:clrMapOvr>
+</p:notes>
+</file>
+
+<file path=ppt/notesSlides/notesSlide19.xml><?xml version="1.0" encoding="utf-8"?>
+<p:notes xmlns:a="http://schemas.openxmlformats.org/drawingml/2006/main" xmlns:r="http://schemas.openxmlformats.org/officeDocument/2006/relationships" xmlns:p="http://schemas.openxmlformats.org/presentationml/2006/main" showMasterSp="0" showMasterPhAnim="0">
+  <p:cSld>
+    <p:spTree>
+      <p:nvGrpSpPr>
+        <p:cNvPr id="1" name="Shape 210">
+          <a:extLst>
+            <a:ext uri="{FF2B5EF4-FFF2-40B4-BE49-F238E27FC236}">
+              <a16:creationId xmlns:a16="http://schemas.microsoft.com/office/drawing/2014/main" id="{69A7F0CC-C82E-B1FB-1FE5-8C83D42D021F}"/>
+            </a:ext>
+          </a:extLst>
+        </p:cNvPr>
+        <p:cNvGrpSpPr/>
+        <p:nvPr/>
+      </p:nvGrpSpPr>
+      <p:grpSpPr>
+        <a:xfrm>
+          <a:off x="0" y="0"/>
+          <a:ext cx="0" cy="0"/>
+          <a:chOff x="0" y="0"/>
+          <a:chExt cx="0" cy="0"/>
+        </a:xfrm>
+      </p:grpSpPr>
+      <p:sp>
+        <p:nvSpPr>
+          <p:cNvPr id="211" name="Google Shape;211;g54dda1946d_6_322:notes">
+            <a:extLst>
+              <a:ext uri="{FF2B5EF4-FFF2-40B4-BE49-F238E27FC236}">
+                <a16:creationId xmlns:a16="http://schemas.microsoft.com/office/drawing/2014/main" id="{AAF0A3EE-B93D-422D-14E3-6C2FCF26A181}"/>
+              </a:ext>
+            </a:extLst>
+          </p:cNvPr>
+          <p:cNvSpPr>
+            <a:spLocks noGrp="1" noRot="1" noChangeAspect="1"/>
+          </p:cNvSpPr>
+          <p:nvPr>
+            <p:ph type="sldImg" idx="2"/>
+          </p:nvPr>
+        </p:nvSpPr>
+        <p:spPr>
+          <a:xfrm>
+            <a:off x="381000" y="685800"/>
+            <a:ext cx="6096000" cy="3429000"/>
+          </a:xfrm>
+          <a:custGeom>
+            <a:avLst/>
+            <a:gdLst/>
+            <a:ahLst/>
+            <a:cxnLst/>
+            <a:rect l="l" t="t" r="r" b="b"/>
+            <a:pathLst>
+              <a:path w="120000" h="120000" extrusionOk="0">
+                <a:moveTo>
+                  <a:pt x="0" y="0"/>
+                </a:moveTo>
+                <a:lnTo>
+                  <a:pt x="120000" y="0"/>
+                </a:lnTo>
+                <a:lnTo>
+                  <a:pt x="120000" y="120000"/>
+                </a:lnTo>
+                <a:lnTo>
+                  <a:pt x="0" y="120000"/>
+                </a:lnTo>
+                <a:close/>
+              </a:path>
+            </a:pathLst>
+          </a:custGeom>
+        </p:spPr>
+      </p:sp>
+      <p:sp>
+        <p:nvSpPr>
+          <p:cNvPr id="212" name="Google Shape;212;g54dda1946d_6_322:notes">
+            <a:extLst>
+              <a:ext uri="{FF2B5EF4-FFF2-40B4-BE49-F238E27FC236}">
+                <a16:creationId xmlns:a16="http://schemas.microsoft.com/office/drawing/2014/main" id="{9776FF8A-A3EC-45B0-2079-7FA24382A8CC}"/>
+              </a:ext>
+            </a:extLst>
+          </p:cNvPr>
+          <p:cNvSpPr txBox="1">
+            <a:spLocks noGrp="1"/>
+          </p:cNvSpPr>
+          <p:nvPr>
+            <p:ph type="body" idx="1"/>
+          </p:nvPr>
+        </p:nvSpPr>
+        <p:spPr>
+          <a:xfrm>
+            <a:off x="685800" y="4343400"/>
+            <a:ext cx="5486400" cy="4114800"/>
+          </a:xfrm>
+          <a:prstGeom prst="rect">
+            <a:avLst/>
+          </a:prstGeom>
+        </p:spPr>
+        <p:txBody>
+          <a:bodyPr spcFirstLastPara="1" wrap="square" lIns="91425" tIns="91425" rIns="91425" bIns="91425" anchor="t" anchorCtr="0">
+            <a:noAutofit/>
+          </a:bodyPr>
+          <a:lstStyle/>
+          <a:p>
+            <a:pPr>
+              <a:buNone/>
+            </a:pPr>
+            <a:endParaRPr lang="zh-TW" altLang="en-US" dirty="0"/>
+          </a:p>
+        </p:txBody>
+      </p:sp>
+    </p:spTree>
+    <p:extLst>
+      <p:ext uri="{BB962C8B-B14F-4D97-AF65-F5344CB8AC3E}">
+        <p14:creationId xmlns:p14="http://schemas.microsoft.com/office/powerpoint/2010/main" val="4185621570"/>
       </p:ext>
     </p:extLst>
   </p:cSld>
@@ -3047,6 +4420,826 @@
     <p:extLst>
       <p:ext uri="{BB962C8B-B14F-4D97-AF65-F5344CB8AC3E}">
         <p14:creationId xmlns:p14="http://schemas.microsoft.com/office/powerpoint/2010/main" val="3136455749"/>
+      </p:ext>
+    </p:extLst>
+  </p:cSld>
+  <p:clrMapOvr>
+    <a:masterClrMapping/>
+  </p:clrMapOvr>
+</p:notes>
+</file>
+
+<file path=ppt/notesSlides/notesSlide20.xml><?xml version="1.0" encoding="utf-8"?>
+<p:notes xmlns:a="http://schemas.openxmlformats.org/drawingml/2006/main" xmlns:r="http://schemas.openxmlformats.org/officeDocument/2006/relationships" xmlns:p="http://schemas.openxmlformats.org/presentationml/2006/main" showMasterSp="0" showMasterPhAnim="0">
+  <p:cSld>
+    <p:spTree>
+      <p:nvGrpSpPr>
+        <p:cNvPr id="1" name="Shape 210">
+          <a:extLst>
+            <a:ext uri="{FF2B5EF4-FFF2-40B4-BE49-F238E27FC236}">
+              <a16:creationId xmlns:a16="http://schemas.microsoft.com/office/drawing/2014/main" id="{F91CA065-CF44-C78E-1171-73C2E099C039}"/>
+            </a:ext>
+          </a:extLst>
+        </p:cNvPr>
+        <p:cNvGrpSpPr/>
+        <p:nvPr/>
+      </p:nvGrpSpPr>
+      <p:grpSpPr>
+        <a:xfrm>
+          <a:off x="0" y="0"/>
+          <a:ext cx="0" cy="0"/>
+          <a:chOff x="0" y="0"/>
+          <a:chExt cx="0" cy="0"/>
+        </a:xfrm>
+      </p:grpSpPr>
+      <p:sp>
+        <p:nvSpPr>
+          <p:cNvPr id="211" name="Google Shape;211;g54dda1946d_6_322:notes">
+            <a:extLst>
+              <a:ext uri="{FF2B5EF4-FFF2-40B4-BE49-F238E27FC236}">
+                <a16:creationId xmlns:a16="http://schemas.microsoft.com/office/drawing/2014/main" id="{F445EFCF-CC80-AB73-E524-6BD9135730B3}"/>
+              </a:ext>
+            </a:extLst>
+          </p:cNvPr>
+          <p:cNvSpPr>
+            <a:spLocks noGrp="1" noRot="1" noChangeAspect="1"/>
+          </p:cNvSpPr>
+          <p:nvPr>
+            <p:ph type="sldImg" idx="2"/>
+          </p:nvPr>
+        </p:nvSpPr>
+        <p:spPr>
+          <a:xfrm>
+            <a:off x="381000" y="685800"/>
+            <a:ext cx="6096000" cy="3429000"/>
+          </a:xfrm>
+          <a:custGeom>
+            <a:avLst/>
+            <a:gdLst/>
+            <a:ahLst/>
+            <a:cxnLst/>
+            <a:rect l="l" t="t" r="r" b="b"/>
+            <a:pathLst>
+              <a:path w="120000" h="120000" extrusionOk="0">
+                <a:moveTo>
+                  <a:pt x="0" y="0"/>
+                </a:moveTo>
+                <a:lnTo>
+                  <a:pt x="120000" y="0"/>
+                </a:lnTo>
+                <a:lnTo>
+                  <a:pt x="120000" y="120000"/>
+                </a:lnTo>
+                <a:lnTo>
+                  <a:pt x="0" y="120000"/>
+                </a:lnTo>
+                <a:close/>
+              </a:path>
+            </a:pathLst>
+          </a:custGeom>
+        </p:spPr>
+      </p:sp>
+      <p:sp>
+        <p:nvSpPr>
+          <p:cNvPr id="212" name="Google Shape;212;g54dda1946d_6_322:notes">
+            <a:extLst>
+              <a:ext uri="{FF2B5EF4-FFF2-40B4-BE49-F238E27FC236}">
+                <a16:creationId xmlns:a16="http://schemas.microsoft.com/office/drawing/2014/main" id="{8BA9D8D5-5F13-2DAD-3CAE-895E6E4CEDC9}"/>
+              </a:ext>
+            </a:extLst>
+          </p:cNvPr>
+          <p:cNvSpPr txBox="1">
+            <a:spLocks noGrp="1"/>
+          </p:cNvSpPr>
+          <p:nvPr>
+            <p:ph type="body" idx="1"/>
+          </p:nvPr>
+        </p:nvSpPr>
+        <p:spPr>
+          <a:xfrm>
+            <a:off x="685800" y="4343400"/>
+            <a:ext cx="5486400" cy="4114800"/>
+          </a:xfrm>
+          <a:prstGeom prst="rect">
+            <a:avLst/>
+          </a:prstGeom>
+        </p:spPr>
+        <p:txBody>
+          <a:bodyPr spcFirstLastPara="1" wrap="square" lIns="91425" tIns="91425" rIns="91425" bIns="91425" anchor="t" anchorCtr="0">
+            <a:noAutofit/>
+          </a:bodyPr>
+          <a:lstStyle/>
+          <a:p>
+            <a:pPr>
+              <a:buNone/>
+            </a:pPr>
+            <a:endParaRPr lang="zh-TW" altLang="en-US" dirty="0"/>
+          </a:p>
+        </p:txBody>
+      </p:sp>
+    </p:spTree>
+    <p:extLst>
+      <p:ext uri="{BB962C8B-B14F-4D97-AF65-F5344CB8AC3E}">
+        <p14:creationId xmlns:p14="http://schemas.microsoft.com/office/powerpoint/2010/main" val="3771815846"/>
+      </p:ext>
+    </p:extLst>
+  </p:cSld>
+  <p:clrMapOvr>
+    <a:masterClrMapping/>
+  </p:clrMapOvr>
+</p:notes>
+</file>
+
+<file path=ppt/notesSlides/notesSlide21.xml><?xml version="1.0" encoding="utf-8"?>
+<p:notes xmlns:a="http://schemas.openxmlformats.org/drawingml/2006/main" xmlns:r="http://schemas.openxmlformats.org/officeDocument/2006/relationships" xmlns:p="http://schemas.openxmlformats.org/presentationml/2006/main" showMasterSp="0" showMasterPhAnim="0">
+  <p:cSld>
+    <p:spTree>
+      <p:nvGrpSpPr>
+        <p:cNvPr id="1" name="Shape 210">
+          <a:extLst>
+            <a:ext uri="{FF2B5EF4-FFF2-40B4-BE49-F238E27FC236}">
+              <a16:creationId xmlns:a16="http://schemas.microsoft.com/office/drawing/2014/main" id="{C7E1DE13-8EB7-E3B4-6CD8-CBC591C9BFEC}"/>
+            </a:ext>
+          </a:extLst>
+        </p:cNvPr>
+        <p:cNvGrpSpPr/>
+        <p:nvPr/>
+      </p:nvGrpSpPr>
+      <p:grpSpPr>
+        <a:xfrm>
+          <a:off x="0" y="0"/>
+          <a:ext cx="0" cy="0"/>
+          <a:chOff x="0" y="0"/>
+          <a:chExt cx="0" cy="0"/>
+        </a:xfrm>
+      </p:grpSpPr>
+      <p:sp>
+        <p:nvSpPr>
+          <p:cNvPr id="211" name="Google Shape;211;g54dda1946d_6_322:notes">
+            <a:extLst>
+              <a:ext uri="{FF2B5EF4-FFF2-40B4-BE49-F238E27FC236}">
+                <a16:creationId xmlns:a16="http://schemas.microsoft.com/office/drawing/2014/main" id="{DE299B98-4BE9-5A39-0538-79A76EDA7F53}"/>
+              </a:ext>
+            </a:extLst>
+          </p:cNvPr>
+          <p:cNvSpPr>
+            <a:spLocks noGrp="1" noRot="1" noChangeAspect="1"/>
+          </p:cNvSpPr>
+          <p:nvPr>
+            <p:ph type="sldImg" idx="2"/>
+          </p:nvPr>
+        </p:nvSpPr>
+        <p:spPr>
+          <a:xfrm>
+            <a:off x="381000" y="685800"/>
+            <a:ext cx="6096000" cy="3429000"/>
+          </a:xfrm>
+          <a:custGeom>
+            <a:avLst/>
+            <a:gdLst/>
+            <a:ahLst/>
+            <a:cxnLst/>
+            <a:rect l="l" t="t" r="r" b="b"/>
+            <a:pathLst>
+              <a:path w="120000" h="120000" extrusionOk="0">
+                <a:moveTo>
+                  <a:pt x="0" y="0"/>
+                </a:moveTo>
+                <a:lnTo>
+                  <a:pt x="120000" y="0"/>
+                </a:lnTo>
+                <a:lnTo>
+                  <a:pt x="120000" y="120000"/>
+                </a:lnTo>
+                <a:lnTo>
+                  <a:pt x="0" y="120000"/>
+                </a:lnTo>
+                <a:close/>
+              </a:path>
+            </a:pathLst>
+          </a:custGeom>
+        </p:spPr>
+      </p:sp>
+      <p:sp>
+        <p:nvSpPr>
+          <p:cNvPr id="212" name="Google Shape;212;g54dda1946d_6_322:notes">
+            <a:extLst>
+              <a:ext uri="{FF2B5EF4-FFF2-40B4-BE49-F238E27FC236}">
+                <a16:creationId xmlns:a16="http://schemas.microsoft.com/office/drawing/2014/main" id="{C7EDAA23-6BB3-33A6-A59F-383251B3A285}"/>
+              </a:ext>
+            </a:extLst>
+          </p:cNvPr>
+          <p:cNvSpPr txBox="1">
+            <a:spLocks noGrp="1"/>
+          </p:cNvSpPr>
+          <p:nvPr>
+            <p:ph type="body" idx="1"/>
+          </p:nvPr>
+        </p:nvSpPr>
+        <p:spPr>
+          <a:xfrm>
+            <a:off x="685800" y="4343400"/>
+            <a:ext cx="5486400" cy="4114800"/>
+          </a:xfrm>
+          <a:prstGeom prst="rect">
+            <a:avLst/>
+          </a:prstGeom>
+        </p:spPr>
+        <p:txBody>
+          <a:bodyPr spcFirstLastPara="1" wrap="square" lIns="91425" tIns="91425" rIns="91425" bIns="91425" anchor="t" anchorCtr="0">
+            <a:noAutofit/>
+          </a:bodyPr>
+          <a:lstStyle/>
+          <a:p>
+            <a:pPr>
+              <a:buNone/>
+            </a:pPr>
+            <a:endParaRPr lang="zh-TW" altLang="en-US" dirty="0"/>
+          </a:p>
+        </p:txBody>
+      </p:sp>
+    </p:spTree>
+    <p:extLst>
+      <p:ext uri="{BB962C8B-B14F-4D97-AF65-F5344CB8AC3E}">
+        <p14:creationId xmlns:p14="http://schemas.microsoft.com/office/powerpoint/2010/main" val="936104186"/>
+      </p:ext>
+    </p:extLst>
+  </p:cSld>
+  <p:clrMapOvr>
+    <a:masterClrMapping/>
+  </p:clrMapOvr>
+</p:notes>
+</file>
+
+<file path=ppt/notesSlides/notesSlide22.xml><?xml version="1.0" encoding="utf-8"?>
+<p:notes xmlns:a="http://schemas.openxmlformats.org/drawingml/2006/main" xmlns:r="http://schemas.openxmlformats.org/officeDocument/2006/relationships" xmlns:p="http://schemas.openxmlformats.org/presentationml/2006/main" showMasterSp="0" showMasterPhAnim="0">
+  <p:cSld>
+    <p:spTree>
+      <p:nvGrpSpPr>
+        <p:cNvPr id="1" name="Shape 210">
+          <a:extLst>
+            <a:ext uri="{FF2B5EF4-FFF2-40B4-BE49-F238E27FC236}">
+              <a16:creationId xmlns:a16="http://schemas.microsoft.com/office/drawing/2014/main" id="{A64FA91A-BEB4-80E7-2397-BA2173E60E65}"/>
+            </a:ext>
+          </a:extLst>
+        </p:cNvPr>
+        <p:cNvGrpSpPr/>
+        <p:nvPr/>
+      </p:nvGrpSpPr>
+      <p:grpSpPr>
+        <a:xfrm>
+          <a:off x="0" y="0"/>
+          <a:ext cx="0" cy="0"/>
+          <a:chOff x="0" y="0"/>
+          <a:chExt cx="0" cy="0"/>
+        </a:xfrm>
+      </p:grpSpPr>
+      <p:sp>
+        <p:nvSpPr>
+          <p:cNvPr id="211" name="Google Shape;211;g54dda1946d_6_322:notes">
+            <a:extLst>
+              <a:ext uri="{FF2B5EF4-FFF2-40B4-BE49-F238E27FC236}">
+                <a16:creationId xmlns:a16="http://schemas.microsoft.com/office/drawing/2014/main" id="{863130B2-078F-397E-21A7-27366C4D1321}"/>
+              </a:ext>
+            </a:extLst>
+          </p:cNvPr>
+          <p:cNvSpPr>
+            <a:spLocks noGrp="1" noRot="1" noChangeAspect="1"/>
+          </p:cNvSpPr>
+          <p:nvPr>
+            <p:ph type="sldImg" idx="2"/>
+          </p:nvPr>
+        </p:nvSpPr>
+        <p:spPr>
+          <a:xfrm>
+            <a:off x="381000" y="685800"/>
+            <a:ext cx="6096000" cy="3429000"/>
+          </a:xfrm>
+          <a:custGeom>
+            <a:avLst/>
+            <a:gdLst/>
+            <a:ahLst/>
+            <a:cxnLst/>
+            <a:rect l="l" t="t" r="r" b="b"/>
+            <a:pathLst>
+              <a:path w="120000" h="120000" extrusionOk="0">
+                <a:moveTo>
+                  <a:pt x="0" y="0"/>
+                </a:moveTo>
+                <a:lnTo>
+                  <a:pt x="120000" y="0"/>
+                </a:lnTo>
+                <a:lnTo>
+                  <a:pt x="120000" y="120000"/>
+                </a:lnTo>
+                <a:lnTo>
+                  <a:pt x="0" y="120000"/>
+                </a:lnTo>
+                <a:close/>
+              </a:path>
+            </a:pathLst>
+          </a:custGeom>
+        </p:spPr>
+      </p:sp>
+      <p:sp>
+        <p:nvSpPr>
+          <p:cNvPr id="212" name="Google Shape;212;g54dda1946d_6_322:notes">
+            <a:extLst>
+              <a:ext uri="{FF2B5EF4-FFF2-40B4-BE49-F238E27FC236}">
+                <a16:creationId xmlns:a16="http://schemas.microsoft.com/office/drawing/2014/main" id="{8F20D67F-4B41-2B9F-827C-DD1AB831DEAE}"/>
+              </a:ext>
+            </a:extLst>
+          </p:cNvPr>
+          <p:cNvSpPr txBox="1">
+            <a:spLocks noGrp="1"/>
+          </p:cNvSpPr>
+          <p:nvPr>
+            <p:ph type="body" idx="1"/>
+          </p:nvPr>
+        </p:nvSpPr>
+        <p:spPr>
+          <a:xfrm>
+            <a:off x="685800" y="4343400"/>
+            <a:ext cx="5486400" cy="4114800"/>
+          </a:xfrm>
+          <a:prstGeom prst="rect">
+            <a:avLst/>
+          </a:prstGeom>
+        </p:spPr>
+        <p:txBody>
+          <a:bodyPr spcFirstLastPara="1" wrap="square" lIns="91425" tIns="91425" rIns="91425" bIns="91425" anchor="t" anchorCtr="0">
+            <a:noAutofit/>
+          </a:bodyPr>
+          <a:lstStyle/>
+          <a:p>
+            <a:pPr>
+              <a:buNone/>
+            </a:pPr>
+            <a:r>
+              <a:rPr lang="zh-TW" altLang="en-US" b="1" dirty="0"/>
+              <a:t>空間關聯特徵 </a:t>
+            </a:r>
+            <a:r>
+              <a:rPr lang="en-US" altLang="zh-TW" b="1" dirty="0"/>
+              <a:t>(Spatial Relationship Features)</a:t>
+            </a:r>
+            <a:endParaRPr lang="en-US" altLang="zh-TW" dirty="0"/>
+          </a:p>
+          <a:p>
+            <a:pPr>
+              <a:buFont typeface="Arial" panose="020B0604020202020204" pitchFamily="34" charset="0"/>
+              <a:buChar char="•"/>
+            </a:pPr>
+            <a:r>
+              <a:rPr lang="zh-TW" altLang="en-US" dirty="0"/>
+              <a:t>隱藏層會學習到「不同 </a:t>
+            </a:r>
+            <a:r>
+              <a:rPr lang="en-US" altLang="zh-TW" dirty="0"/>
+              <a:t>AP </a:t>
+            </a:r>
+            <a:r>
+              <a:rPr lang="zh-TW" altLang="en-US" dirty="0"/>
+              <a:t>的 </a:t>
+            </a:r>
+            <a:r>
+              <a:rPr lang="en-US" altLang="zh-TW" dirty="0"/>
+              <a:t>RSSI </a:t>
+            </a:r>
+            <a:r>
+              <a:rPr lang="zh-TW" altLang="en-US" dirty="0"/>
+              <a:t>跟距離」之間的空間分布關係。</a:t>
+            </a:r>
+          </a:p>
+          <a:p>
+            <a:pPr>
+              <a:buFont typeface="Arial" panose="020B0604020202020204" pitchFamily="34" charset="0"/>
+              <a:buChar char="•"/>
+            </a:pPr>
+            <a:r>
+              <a:rPr lang="zh-TW" altLang="en-US" dirty="0"/>
+              <a:t>例如：如果 </a:t>
+            </a:r>
+            <a:r>
+              <a:rPr lang="en-US" altLang="zh-TW" dirty="0"/>
+              <a:t>AP1_RSSI </a:t>
+            </a:r>
+            <a:r>
+              <a:rPr lang="zh-TW" altLang="en-US" dirty="0"/>
+              <a:t>很弱但 </a:t>
+            </a:r>
+            <a:r>
+              <a:rPr lang="en-US" altLang="zh-TW" dirty="0"/>
+              <a:t>AP4_RSSI </a:t>
+            </a:r>
+            <a:r>
+              <a:rPr lang="zh-TW" altLang="en-US" dirty="0"/>
+              <a:t>很強，代表可能靠近 </a:t>
+            </a:r>
+            <a:r>
+              <a:rPr lang="en-US" altLang="zh-TW" dirty="0"/>
+              <a:t>AP4</a:t>
+            </a:r>
+            <a:r>
+              <a:rPr lang="zh-TW" altLang="en-US" dirty="0"/>
+              <a:t>，遠離 </a:t>
+            </a:r>
+            <a:r>
+              <a:rPr lang="en-US" altLang="zh-TW" dirty="0"/>
+              <a:t>AP1</a:t>
+            </a:r>
+            <a:r>
+              <a:rPr lang="zh-TW" altLang="en-US" dirty="0"/>
+              <a:t>。</a:t>
+            </a:r>
+          </a:p>
+          <a:p>
+            <a:pPr>
+              <a:buNone/>
+            </a:pPr>
+            <a:r>
+              <a:rPr lang="zh-TW" altLang="en-US" b="1" dirty="0"/>
+              <a:t>穩定性與距離的一致性特徵 </a:t>
+            </a:r>
+            <a:r>
+              <a:rPr lang="en-US" altLang="zh-TW" b="1" dirty="0"/>
+              <a:t>(Stability &amp; Distance Consistency Features)</a:t>
+            </a:r>
+            <a:endParaRPr lang="en-US" altLang="zh-TW" dirty="0"/>
+          </a:p>
+          <a:p>
+            <a:pPr>
+              <a:buFont typeface="Arial" panose="020B0604020202020204" pitchFamily="34" charset="0"/>
+              <a:buChar char="•"/>
+            </a:pPr>
+            <a:r>
+              <a:rPr lang="zh-TW" altLang="en-US" dirty="0"/>
+              <a:t>透過 </a:t>
+            </a:r>
+            <a:r>
+              <a:rPr lang="en-US" altLang="zh-TW" dirty="0"/>
+              <a:t>AP3_StdDev</a:t>
+            </a:r>
+            <a:r>
+              <a:rPr lang="zh-TW" altLang="en-US" dirty="0"/>
+              <a:t>（量測標準差）學習到「哪個 </a:t>
+            </a:r>
+            <a:r>
+              <a:rPr lang="en-US" altLang="zh-TW" dirty="0"/>
+              <a:t>AP </a:t>
+            </a:r>
+            <a:r>
+              <a:rPr lang="zh-TW" altLang="en-US" dirty="0"/>
+              <a:t>的距離測量比較穩定」。</a:t>
+            </a:r>
+          </a:p>
+          <a:p>
+            <a:pPr>
+              <a:buFont typeface="Arial" panose="020B0604020202020204" pitchFamily="34" charset="0"/>
+              <a:buChar char="•"/>
+            </a:pPr>
+            <a:r>
+              <a:rPr lang="zh-TW" altLang="en-US" dirty="0"/>
+              <a:t>比如：</a:t>
+            </a:r>
+            <a:r>
+              <a:rPr lang="en-US" altLang="zh-TW" dirty="0"/>
+              <a:t>AP3_StdDev </a:t>
+            </a:r>
+            <a:r>
+              <a:rPr lang="zh-TW" altLang="en-US" dirty="0"/>
+              <a:t>很小 → 測量穩定 → 預測的位置更可信。</a:t>
+            </a:r>
+          </a:p>
+          <a:p>
+            <a:pPr>
+              <a:buNone/>
+            </a:pPr>
+            <a:r>
+              <a:rPr lang="zh-TW" altLang="en-US" b="1" dirty="0"/>
+              <a:t>多 </a:t>
+            </a:r>
+            <a:r>
+              <a:rPr lang="en-US" altLang="zh-TW" b="1" dirty="0"/>
+              <a:t>AP </a:t>
+            </a:r>
+            <a:r>
+              <a:rPr lang="zh-TW" altLang="en-US" b="1" dirty="0"/>
+              <a:t>資訊融合特徵 </a:t>
+            </a:r>
+            <a:r>
+              <a:rPr lang="en-US" altLang="zh-TW" b="1" dirty="0"/>
+              <a:t>(Multi-AP Fusion Features)</a:t>
+            </a:r>
+            <a:endParaRPr lang="en-US" altLang="zh-TW" dirty="0"/>
+          </a:p>
+          <a:p>
+            <a:pPr>
+              <a:buFont typeface="Arial" panose="020B0604020202020204" pitchFamily="34" charset="0"/>
+              <a:buChar char="•"/>
+            </a:pPr>
+            <a:r>
+              <a:rPr lang="en-US" altLang="zh-TW" dirty="0"/>
+              <a:t>Dense layers </a:t>
+            </a:r>
+            <a:r>
+              <a:rPr lang="zh-TW" altLang="en-US" dirty="0"/>
+              <a:t>可以自動把來自多個 </a:t>
+            </a:r>
+            <a:r>
+              <a:rPr lang="en-US" altLang="zh-TW" dirty="0"/>
+              <a:t>AP </a:t>
+            </a:r>
+            <a:r>
+              <a:rPr lang="zh-TW" altLang="en-US" dirty="0"/>
+              <a:t>的 </a:t>
+            </a:r>
+            <a:r>
+              <a:rPr lang="en-US" altLang="zh-TW" dirty="0"/>
+              <a:t>RSSI </a:t>
+            </a:r>
+            <a:r>
+              <a:rPr lang="zh-TW" altLang="en-US" dirty="0"/>
+              <a:t>和 </a:t>
+            </a:r>
+            <a:r>
+              <a:rPr lang="en-US" altLang="zh-TW" dirty="0"/>
+              <a:t>distance </a:t>
+            </a:r>
+            <a:r>
+              <a:rPr lang="zh-TW" altLang="en-US" dirty="0"/>
+              <a:t>預測綜合起來，</a:t>
+            </a:r>
+          </a:p>
+          <a:p>
+            <a:pPr>
+              <a:buFont typeface="Arial" panose="020B0604020202020204" pitchFamily="34" charset="0"/>
+              <a:buChar char="•"/>
+            </a:pPr>
+            <a:r>
+              <a:rPr lang="zh-TW" altLang="en-US" dirty="0"/>
+              <a:t>學會「如何加權考慮不同 </a:t>
+            </a:r>
+            <a:r>
+              <a:rPr lang="en-US" altLang="zh-TW" dirty="0"/>
+              <a:t>AP </a:t>
+            </a:r>
+            <a:r>
+              <a:rPr lang="zh-TW" altLang="en-US" dirty="0"/>
+              <a:t>提供的資訊」以判斷位置。</a:t>
+            </a:r>
+          </a:p>
+          <a:p>
+            <a:pPr>
+              <a:buNone/>
+            </a:pPr>
+            <a:r>
+              <a:rPr lang="zh-TW" altLang="en-US" b="1" dirty="0"/>
+              <a:t>預測與觀察的補充特徵 </a:t>
+            </a:r>
+            <a:r>
+              <a:rPr lang="en-US" altLang="zh-TW" b="1" dirty="0"/>
+              <a:t>(Predicted vs Observed Distance Features)</a:t>
+            </a:r>
+            <a:endParaRPr lang="en-US" altLang="zh-TW" dirty="0"/>
+          </a:p>
+          <a:p>
+            <a:pPr>
+              <a:buFont typeface="Arial" panose="020B0604020202020204" pitchFamily="34" charset="0"/>
+              <a:buChar char="•"/>
+            </a:pPr>
+            <a:r>
+              <a:rPr lang="zh-TW" altLang="en-US" dirty="0"/>
+              <a:t>因為你有 </a:t>
+            </a:r>
+            <a:r>
+              <a:rPr lang="en-US" altLang="zh-TW" dirty="0"/>
+              <a:t>AP1_Distance_predicted, AP2_Distance_predicted, AP4_Distance_predicted</a:t>
+            </a:r>
+            <a:r>
+              <a:rPr lang="zh-TW" altLang="en-US" dirty="0"/>
+              <a:t>，</a:t>
+            </a:r>
+          </a:p>
+          <a:p>
+            <a:pPr>
+              <a:buFont typeface="Arial" panose="020B0604020202020204" pitchFamily="34" charset="0"/>
+              <a:buChar char="•"/>
+            </a:pPr>
+            <a:r>
+              <a:rPr lang="zh-TW" altLang="en-US" dirty="0"/>
+              <a:t>模型可以學會結合「實際量到的 </a:t>
+            </a:r>
+            <a:r>
+              <a:rPr lang="en-US" altLang="zh-TW" dirty="0"/>
+              <a:t>RSSI</a:t>
+            </a:r>
+            <a:r>
+              <a:rPr lang="zh-TW" altLang="en-US" dirty="0"/>
+              <a:t>」與「回歸預測的距離」之間的偏差，進一步推測位置。</a:t>
+            </a:r>
+          </a:p>
+          <a:p>
+            <a:pPr>
+              <a:buNone/>
+            </a:pPr>
+            <a:endParaRPr lang="en-US" altLang="zh-TW" dirty="0"/>
+          </a:p>
+          <a:p>
+            <a:pPr>
+              <a:buNone/>
+            </a:pPr>
+            <a:endParaRPr lang="en-US" altLang="zh-TW" dirty="0"/>
+          </a:p>
+          <a:p>
+            <a:pPr>
+              <a:buNone/>
+            </a:pPr>
+            <a:r>
+              <a:rPr lang="en-US" altLang="zh-TW" b="1" dirty="0"/>
+              <a:t>Feature transformation &amp; normalization</a:t>
+            </a:r>
+            <a:br>
+              <a:rPr lang="en-US" altLang="zh-TW" dirty="0"/>
+            </a:br>
+            <a:r>
+              <a:rPr lang="zh-TW" altLang="en-US" dirty="0"/>
+              <a:t>加了 </a:t>
+            </a:r>
+            <a:r>
+              <a:rPr lang="en-US" altLang="zh-TW" b="1" dirty="0"/>
+              <a:t>Batch Normalization</a:t>
+            </a:r>
+            <a:r>
+              <a:rPr lang="zh-TW" altLang="en-US" dirty="0"/>
+              <a:t>，在每層輸出後重新標準化資料，</a:t>
+            </a:r>
+            <a:br>
+              <a:rPr lang="zh-TW" altLang="en-US" dirty="0"/>
+            </a:br>
+            <a:r>
+              <a:rPr lang="zh-TW" altLang="en-US" dirty="0"/>
+              <a:t>讓訓練更穩定，加速收斂，也有助於降低 </a:t>
+            </a:r>
+            <a:r>
+              <a:rPr lang="en-US" altLang="zh-TW" dirty="0"/>
+              <a:t>internal covariate shift</a:t>
+            </a:r>
+            <a:r>
+              <a:rPr lang="zh-TW" altLang="en-US" dirty="0"/>
+              <a:t>。</a:t>
+            </a:r>
+          </a:p>
+          <a:p>
+            <a:r>
+              <a:rPr lang="en-US" altLang="zh-TW" b="1" dirty="0"/>
+              <a:t>Regularization</a:t>
+            </a:r>
+            <a:br>
+              <a:rPr lang="en-US" altLang="zh-TW" dirty="0"/>
+            </a:br>
+            <a:r>
+              <a:rPr lang="zh-TW" altLang="en-US" dirty="0"/>
+              <a:t>加了 </a:t>
+            </a:r>
+            <a:r>
+              <a:rPr lang="en-US" altLang="zh-TW" b="1" dirty="0"/>
+              <a:t>Dropout (0.3)</a:t>
+            </a:r>
+            <a:r>
+              <a:rPr lang="zh-TW" altLang="en-US" dirty="0"/>
+              <a:t>，隨機丟棄神經元，減少 </a:t>
+            </a:r>
+            <a:r>
+              <a:rPr lang="en-US" altLang="zh-TW" dirty="0"/>
+              <a:t>overfitting</a:t>
+            </a:r>
+            <a:r>
+              <a:rPr lang="zh-TW" altLang="en-US" dirty="0"/>
+              <a:t>，提升模型泛化能力。</a:t>
+            </a:r>
+          </a:p>
+          <a:p>
+            <a:pPr>
+              <a:buNone/>
+            </a:pPr>
+            <a:endParaRPr lang="zh-TW" altLang="en-US" dirty="0"/>
+          </a:p>
+        </p:txBody>
+      </p:sp>
+    </p:spTree>
+    <p:extLst>
+      <p:ext uri="{BB962C8B-B14F-4D97-AF65-F5344CB8AC3E}">
+        <p14:creationId xmlns:p14="http://schemas.microsoft.com/office/powerpoint/2010/main" val="718572260"/>
+      </p:ext>
+    </p:extLst>
+  </p:cSld>
+  <p:clrMapOvr>
+    <a:masterClrMapping/>
+  </p:clrMapOvr>
+</p:notes>
+</file>
+
+<file path=ppt/notesSlides/notesSlide23.xml><?xml version="1.0" encoding="utf-8"?>
+<p:notes xmlns:a="http://schemas.openxmlformats.org/drawingml/2006/main" xmlns:r="http://schemas.openxmlformats.org/officeDocument/2006/relationships" xmlns:p="http://schemas.openxmlformats.org/presentationml/2006/main" showMasterSp="0" showMasterPhAnim="0">
+  <p:cSld>
+    <p:spTree>
+      <p:nvGrpSpPr>
+        <p:cNvPr id="1" name="Shape 221"/>
+        <p:cNvGrpSpPr/>
+        <p:nvPr/>
+      </p:nvGrpSpPr>
+      <p:grpSpPr>
+        <a:xfrm>
+          <a:off x="0" y="0"/>
+          <a:ext cx="0" cy="0"/>
+          <a:chOff x="0" y="0"/>
+          <a:chExt cx="0" cy="0"/>
+        </a:xfrm>
+      </p:grpSpPr>
+      <p:sp>
+        <p:nvSpPr>
+          <p:cNvPr id="222" name="Google Shape;222;g54dda1946d_6_308:notes"/>
+          <p:cNvSpPr>
+            <a:spLocks noGrp="1" noRot="1" noChangeAspect="1"/>
+          </p:cNvSpPr>
+          <p:nvPr>
+            <p:ph type="sldImg" idx="2"/>
+          </p:nvPr>
+        </p:nvSpPr>
+        <p:spPr>
+          <a:xfrm>
+            <a:off x="381000" y="685800"/>
+            <a:ext cx="6096000" cy="3429000"/>
+          </a:xfrm>
+          <a:custGeom>
+            <a:avLst/>
+            <a:gdLst/>
+            <a:ahLst/>
+            <a:cxnLst/>
+            <a:rect l="l" t="t" r="r" b="b"/>
+            <a:pathLst>
+              <a:path w="120000" h="120000" extrusionOk="0">
+                <a:moveTo>
+                  <a:pt x="0" y="0"/>
+                </a:moveTo>
+                <a:lnTo>
+                  <a:pt x="120000" y="0"/>
+                </a:lnTo>
+                <a:lnTo>
+                  <a:pt x="120000" y="120000"/>
+                </a:lnTo>
+                <a:lnTo>
+                  <a:pt x="0" y="120000"/>
+                </a:lnTo>
+                <a:close/>
+              </a:path>
+            </a:pathLst>
+          </a:custGeom>
+        </p:spPr>
+      </p:sp>
+      <p:sp>
+        <p:nvSpPr>
+          <p:cNvPr id="223" name="Google Shape;223;g54dda1946d_6_308:notes"/>
+          <p:cNvSpPr txBox="1">
+            <a:spLocks noGrp="1"/>
+          </p:cNvSpPr>
+          <p:nvPr>
+            <p:ph type="body" idx="1"/>
+          </p:nvPr>
+        </p:nvSpPr>
+        <p:spPr>
+          <a:xfrm>
+            <a:off x="685800" y="4343400"/>
+            <a:ext cx="5486400" cy="4114800"/>
+          </a:xfrm>
+          <a:prstGeom prst="rect">
+            <a:avLst/>
+          </a:prstGeom>
+        </p:spPr>
+        <p:txBody>
+          <a:bodyPr spcFirstLastPara="1" wrap="square" lIns="91425" tIns="91425" rIns="91425" bIns="91425" anchor="t" anchorCtr="0">
+            <a:noAutofit/>
+          </a:bodyPr>
+          <a:lstStyle/>
+          <a:p>
+            <a:pPr marL="0" lvl="0" indent="0" algn="l" rtl="0">
+              <a:spcBef>
+                <a:spcPts val="0"/>
+              </a:spcBef>
+              <a:spcAft>
+                <a:spcPts val="0"/>
+              </a:spcAft>
+              <a:buNone/>
+            </a:pPr>
+            <a:endParaRPr dirty="0"/>
+          </a:p>
+        </p:txBody>
+      </p:sp>
+    </p:spTree>
+    <p:extLst>
+      <p:ext uri="{BB962C8B-B14F-4D97-AF65-F5344CB8AC3E}">
+        <p14:creationId xmlns:p14="http://schemas.microsoft.com/office/powerpoint/2010/main" val="454772695"/>
       </p:ext>
     </p:extLst>
   </p:cSld>
@@ -4107,7 +6300,7 @@
             </a:r>
             <a:r>
               <a:rPr lang="zh-TW" altLang="en-US" dirty="0"/>
-              <a:t> 性受到多徑效應影響，牆壁、家具、甚至人走動等障礙物，產生反射與折射。同一個訊號從不同路徑抵達接收端，形成「多徑疊加」</a:t>
+              <a:t> 容易受到多徑效應影響，牆壁、家具、甚至人走動等障礙物，產生反射與折射。同一個訊號從不同路徑抵達接收端，形成「多徑疊加」</a:t>
             </a:r>
             <a:endParaRPr lang="en-US" altLang="zh-TW" dirty="0"/>
           </a:p>
@@ -4274,6 +6467,9 @@
               <a:rPr lang="zh-TW" altLang="en-US" dirty="0"/>
               <a:t>更精準的距離資訊，也就能讓定位誤差大幅下降。</a:t>
             </a:r>
+            <a:endParaRPr lang="en-US" altLang="zh-TW" dirty="0"/>
+          </a:p>
+          <a:p>
             <a:endParaRPr lang="en-US" altLang="zh-TW" dirty="0"/>
           </a:p>
           <a:p>
@@ -23188,8 +25384,8 @@
         </p:nvSpPr>
         <p:spPr>
           <a:xfrm>
-            <a:off x="1021100" y="1295678"/>
-            <a:ext cx="10149797" cy="4632037"/>
+            <a:off x="1021100" y="2136338"/>
+            <a:ext cx="10149797" cy="2585323"/>
           </a:xfrm>
           <a:prstGeom prst="rect">
             <a:avLst/>
@@ -23207,11 +25403,18 @@
               <a:buChar char="•"/>
             </a:pPr>
             <a:r>
+              <a:rPr lang="en-US" altLang="zh-TW" sz="2000" b="1" dirty="0" err="1">
+                <a:latin typeface="微軟正黑體" panose="020B0604030504040204" pitchFamily="34" charset="-120"/>
+                <a:ea typeface="微軟正黑體" panose="020B0604030504040204" pitchFamily="34" charset="-120"/>
+              </a:rPr>
+              <a:t>RegDNN</a:t>
+            </a:r>
+            <a:r>
               <a:rPr lang="en-US" altLang="zh-TW" sz="2000" b="1" dirty="0">
                 <a:latin typeface="微軟正黑體" panose="020B0604030504040204" pitchFamily="34" charset="-120"/>
                 <a:ea typeface="微軟正黑體" panose="020B0604030504040204" pitchFamily="34" charset="-120"/>
               </a:rPr>
-              <a:t>Hybrid Data Fusion with Cost-Effective Upgrade Strategy for AP Deployment</a:t>
+              <a:t> for Improved Accuracy and Robustness:</a:t>
             </a:r>
           </a:p>
           <a:p>
@@ -23230,25 +25433,16 @@
               <a:buChar char="•"/>
             </a:pPr>
             <a:r>
-              <a:rPr lang="en-US" altLang="zh-TW" dirty="0">
-                <a:latin typeface="微軟正黑體" panose="020B0604030504040204" pitchFamily="34" charset="-120"/>
-                <a:ea typeface="微軟正黑體" panose="020B0604030504040204" pitchFamily="34" charset="-120"/>
-              </a:rPr>
-              <a:t>Proposed</a:t>
-            </a:r>
-            <a:r>
-              <a:rPr lang="zh-TW" altLang="en-US" dirty="0">
-                <a:latin typeface="微軟正黑體" panose="020B0604030504040204" pitchFamily="34" charset="-120"/>
-                <a:ea typeface="微軟正黑體" panose="020B0604030504040204" pitchFamily="34" charset="-120"/>
-              </a:rPr>
-              <a:t> </a:t>
-            </a:r>
-            <a:r>
-              <a:rPr lang="en-US" altLang="zh-TW" dirty="0">
-                <a:latin typeface="微軟正黑體" panose="020B0604030504040204" pitchFamily="34" charset="-120"/>
-                <a:ea typeface="微軟正黑體" panose="020B0604030504040204" pitchFamily="34" charset="-120"/>
-              </a:rPr>
-              <a:t>a hybrid fingerprint-based IPS model leveraging RSSI and FTM data, and conducted a comprehensive analysis to determine the optimal number of IEEE 802.11mc APs. Results show that fusing data from a limited set of upgraded APs significantly improves accuracy while avoiding diminishing returns in deployment cost.</a:t>
+              <a:rPr lang="en-US" altLang="zh-TW" dirty="0"/>
+              <a:t>Predicted FTM-like distances from RSSI to enhance positioning accuracy and reduce reliance on large-scale </a:t>
+            </a:r>
+            <a:r>
+              <a:rPr lang="en-US" altLang="zh-TW" dirty="0" err="1"/>
+              <a:t>mcAP</a:t>
+            </a:r>
+            <a:r>
+              <a:rPr lang="en-US" altLang="zh-TW" dirty="0"/>
+              <a:t> upgrades, improving robustness against poor AP selection.</a:t>
             </a:r>
           </a:p>
           <a:p>
@@ -23267,21 +25461,18 @@
               <a:buChar char="•"/>
             </a:pPr>
             <a:r>
-              <a:rPr lang="en-US" altLang="zh-TW" sz="2000" b="1" dirty="0" err="1">
-                <a:latin typeface="微軟正黑體" panose="020B0604030504040204" pitchFamily="34" charset="-120"/>
-                <a:ea typeface="微軟正黑體" panose="020B0604030504040204" pitchFamily="34" charset="-120"/>
-              </a:rPr>
-              <a:t>RegDNN</a:t>
-            </a:r>
-            <a:r>
               <a:rPr lang="en-US" altLang="zh-TW" sz="2000" b="1" dirty="0">
                 <a:latin typeface="微軟正黑體" panose="020B0604030504040204" pitchFamily="34" charset="-120"/>
                 <a:ea typeface="微軟正黑體" panose="020B0604030504040204" pitchFamily="34" charset="-120"/>
               </a:rPr>
-              <a:t> Model</a:t>
-            </a:r>
-          </a:p>
-          <a:p>
+              <a:t>Efficient Fine-Tuning for Long-Term Maintenance:</a:t>
+            </a:r>
+          </a:p>
+          <a:p>
+            <a:pPr marL="342900" indent="-342900">
+              <a:buFont typeface="Arial" panose="020B0604020202020204" pitchFamily="34" charset="0"/>
+              <a:buChar char="•"/>
+            </a:pPr>
             <a:endParaRPr lang="en-US" altLang="zh-TW" sz="500" b="1" dirty="0">
               <a:latin typeface="微軟正黑體" panose="020B0604030504040204" pitchFamily="34" charset="-120"/>
               <a:ea typeface="微軟正黑體" panose="020B0604030504040204" pitchFamily="34" charset="-120"/>
@@ -23297,7 +25488,7 @@
                 <a:latin typeface="微軟正黑體" panose="020B0604030504040204" pitchFamily="34" charset="-120"/>
                 <a:ea typeface="微軟正黑體" panose="020B0604030504040204" pitchFamily="34" charset="-120"/>
               </a:rPr>
-              <a:t>Introduced a regression-based DNN model to learn the relationship between RSSI and FTM, enabling traditional APs to emulate high-precision distance features.</a:t>
+              <a:t>Proposed a lightweight fine-tuning strategy that restores model accuracy with only 2.5% new data per reference point, enabling practical long-term system maintenance.</a:t>
             </a:r>
           </a:p>
           <a:p>
@@ -23309,38 +25500,6 @@
               <a:latin typeface="微軟正黑體" panose="020B0604030504040204" pitchFamily="34" charset="-120"/>
               <a:ea typeface="微軟正黑體" panose="020B0604030504040204" pitchFamily="34" charset="-120"/>
             </a:endParaRPr>
-          </a:p>
-          <a:p>
-            <a:pPr marL="342900" indent="-342900">
-              <a:buFont typeface="Arial" panose="020B0604020202020204" pitchFamily="34" charset="0"/>
-              <a:buChar char="•"/>
-            </a:pPr>
-            <a:r>
-              <a:rPr lang="en-US" altLang="zh-TW" sz="2000" b="1" dirty="0">
-                <a:latin typeface="微軟正黑體" panose="020B0604030504040204" pitchFamily="34" charset="-120"/>
-                <a:ea typeface="微軟正黑體" panose="020B0604030504040204" pitchFamily="34" charset="-120"/>
-              </a:rPr>
-              <a:t>Efficient Fine-Tuning Strategy for Long-Term Maintenance</a:t>
-            </a:r>
-          </a:p>
-          <a:p>
-            <a:endParaRPr lang="en-US" altLang="zh-TW" sz="500" b="1" dirty="0">
-              <a:latin typeface="微軟正黑體" panose="020B0604030504040204" pitchFamily="34" charset="-120"/>
-              <a:ea typeface="微軟正黑體" panose="020B0604030504040204" pitchFamily="34" charset="-120"/>
-            </a:endParaRPr>
-          </a:p>
-          <a:p>
-            <a:pPr marL="800100" lvl="1" indent="-342900">
-              <a:buFont typeface="Arial" panose="020B0604020202020204" pitchFamily="34" charset="0"/>
-              <a:buChar char="•"/>
-            </a:pPr>
-            <a:r>
-              <a:rPr lang="en-US" altLang="zh-TW" dirty="0">
-                <a:latin typeface="微軟正黑體" panose="020B0604030504040204" pitchFamily="34" charset="-120"/>
-                <a:ea typeface="微軟正黑體" panose="020B0604030504040204" pitchFamily="34" charset="-120"/>
-              </a:rPr>
-              <a:t>Systematically analyzed the impact of time decay on localization accuracy and proposed a cost-effective fine-tuning strategy that identifies the minimal data volume required to maintain model performance over time.</a:t>
-            </a:r>
           </a:p>
         </p:txBody>
       </p:sp>
@@ -23476,7 +25635,7 @@
         <p:cNvPr id="1" name="Shape 213">
           <a:extLst>
             <a:ext uri="{FF2B5EF4-FFF2-40B4-BE49-F238E27FC236}">
-              <a16:creationId xmlns:a16="http://schemas.microsoft.com/office/drawing/2014/main" id="{5FB93FB5-1873-3D1B-4A9C-1C00AD6FB840}"/>
+              <a16:creationId xmlns:a16="http://schemas.microsoft.com/office/drawing/2014/main" id="{0755A548-E4C9-5A3E-9206-F83D2E98C2C4}"/>
             </a:ext>
           </a:extLst>
         </p:cNvPr>
@@ -23496,7 +25655,7 @@
           <p:cNvPr id="219" name="Google Shape;219;p33">
             <a:extLst>
               <a:ext uri="{FF2B5EF4-FFF2-40B4-BE49-F238E27FC236}">
-                <a16:creationId xmlns:a16="http://schemas.microsoft.com/office/drawing/2014/main" id="{66A7DCBA-13FF-4999-1549-2A6C0444CC47}"/>
+                <a16:creationId xmlns:a16="http://schemas.microsoft.com/office/drawing/2014/main" id="{CA6385BB-28D2-4CE9-1F8F-55E572E259DF}"/>
               </a:ext>
             </a:extLst>
           </p:cNvPr>
@@ -23505,7 +25664,7 @@
         </p:nvSpPr>
         <p:spPr>
           <a:xfrm>
-            <a:off x="2086000" y="-865400"/>
+            <a:off x="-1455720" y="6168600"/>
             <a:ext cx="3328000" cy="1378800"/>
           </a:xfrm>
           <a:prstGeom prst="rect">
@@ -23528,12 +25687,1178 @@
           </a:p>
         </p:txBody>
       </p:sp>
+      <p:sp>
+        <p:nvSpPr>
+          <p:cNvPr id="2" name="矩形: 圓角 1">
+            <a:extLst>
+              <a:ext uri="{FF2B5EF4-FFF2-40B4-BE49-F238E27FC236}">
+                <a16:creationId xmlns:a16="http://schemas.microsoft.com/office/drawing/2014/main" id="{413BAC12-0178-E019-1B0C-9042E2F9396F}"/>
+              </a:ext>
+            </a:extLst>
+          </p:cNvPr>
+          <p:cNvSpPr/>
+          <p:nvPr/>
+        </p:nvSpPr>
+        <p:spPr>
+          <a:xfrm>
+            <a:off x="1297709" y="306646"/>
+            <a:ext cx="9596581" cy="748147"/>
+          </a:xfrm>
+          <a:prstGeom prst="roundRect">
+            <a:avLst/>
+          </a:prstGeom>
+          <a:ln>
+            <a:noFill/>
+          </a:ln>
+        </p:spPr>
+        <p:style>
+          <a:lnRef idx="2">
+            <a:schemeClr val="accent1">
+              <a:shade val="15000"/>
+            </a:schemeClr>
+          </a:lnRef>
+          <a:fillRef idx="1">
+            <a:schemeClr val="accent1"/>
+          </a:fillRef>
+          <a:effectRef idx="0">
+            <a:schemeClr val="accent1"/>
+          </a:effectRef>
+          <a:fontRef idx="minor">
+            <a:schemeClr val="lt1"/>
+          </a:fontRef>
+        </p:style>
+        <p:txBody>
+          <a:bodyPr rtlCol="0" anchor="ctr"/>
+          <a:lstStyle/>
+          <a:p>
+            <a:pPr algn="ctr"/>
+            <a:r>
+              <a:rPr lang="en-US" altLang="zh-TW" sz="3200" b="1" dirty="0">
+                <a:solidFill>
+                  <a:schemeClr val="bg2">
+                    <a:lumMod val="75000"/>
+                  </a:schemeClr>
+                </a:solidFill>
+                <a:latin typeface="微軟正黑體" panose="020B0604030504040204" pitchFamily="34" charset="-120"/>
+                <a:ea typeface="微軟正黑體" panose="020B0604030504040204" pitchFamily="34" charset="-120"/>
+              </a:rPr>
+              <a:t>System Overview</a:t>
+            </a:r>
+          </a:p>
+        </p:txBody>
+      </p:sp>
+      <p:sp>
+        <p:nvSpPr>
+          <p:cNvPr id="3" name="文字方塊 2">
+            <a:extLst>
+              <a:ext uri="{FF2B5EF4-FFF2-40B4-BE49-F238E27FC236}">
+                <a16:creationId xmlns:a16="http://schemas.microsoft.com/office/drawing/2014/main" id="{76638049-2312-3795-6388-1891471F6C85}"/>
+              </a:ext>
+            </a:extLst>
+          </p:cNvPr>
+          <p:cNvSpPr txBox="1"/>
+          <p:nvPr/>
+        </p:nvSpPr>
+        <p:spPr>
+          <a:xfrm>
+            <a:off x="11505363" y="6263640"/>
+            <a:ext cx="478357" cy="369332"/>
+          </a:xfrm>
+          <a:prstGeom prst="rect">
+            <a:avLst/>
+          </a:prstGeom>
+          <a:noFill/>
+        </p:spPr>
+        <p:txBody>
+          <a:bodyPr wrap="square" rtlCol="0">
+            <a:spAutoFit/>
+          </a:bodyPr>
+          <a:lstStyle/>
+          <a:p>
+            <a:pPr algn="ctr"/>
+            <a:r>
+              <a:rPr lang="en-US" altLang="zh-TW" dirty="0"/>
+              <a:t>12</a:t>
+            </a:r>
+            <a:endParaRPr lang="zh-TW" altLang="en-US" dirty="0"/>
+          </a:p>
+        </p:txBody>
+      </p:sp>
       <p:pic>
         <p:nvPicPr>
-          <p:cNvPr id="3" name="圖片 2">
+          <p:cNvPr id="5" name="圖片 4">
             <a:extLst>
               <a:ext uri="{FF2B5EF4-FFF2-40B4-BE49-F238E27FC236}">
-                <a16:creationId xmlns:a16="http://schemas.microsoft.com/office/drawing/2014/main" id="{FDA1D890-22C1-8DD3-B018-088E8CA5C4A1}"/>
+                <a16:creationId xmlns:a16="http://schemas.microsoft.com/office/drawing/2014/main" id="{BC3F43C5-151C-F6A3-288E-F0011C18F53A}"/>
+              </a:ext>
+            </a:extLst>
+          </p:cNvPr>
+          <p:cNvPicPr>
+            <a:picLocks noChangeAspect="1"/>
+          </p:cNvPicPr>
+          <p:nvPr/>
+        </p:nvPicPr>
+        <p:blipFill>
+          <a:blip r:embed="rId3">
+            <a:extLst>
+              <a:ext uri="{28A0092B-C50C-407E-A947-70E740481C1C}">
+                <a14:useLocalDpi xmlns:a14="http://schemas.microsoft.com/office/drawing/2010/main" val="0"/>
+              </a:ext>
+            </a:extLst>
+          </a:blip>
+          <a:stretch>
+            <a:fillRect/>
+          </a:stretch>
+        </p:blipFill>
+        <p:spPr>
+          <a:xfrm>
+            <a:off x="2212520" y="1177480"/>
+            <a:ext cx="7766958" cy="5270826"/>
+          </a:xfrm>
+          <a:prstGeom prst="rect">
+            <a:avLst/>
+          </a:prstGeom>
+        </p:spPr>
+      </p:pic>
+    </p:spTree>
+    <p:extLst>
+      <p:ext uri="{BB962C8B-B14F-4D97-AF65-F5344CB8AC3E}">
+        <p14:creationId xmlns:p14="http://schemas.microsoft.com/office/powerpoint/2010/main" val="3853452049"/>
+      </p:ext>
+    </p:extLst>
+  </p:cSld>
+  <p:clrMapOvr>
+    <a:masterClrMapping/>
+  </p:clrMapOvr>
+</p:sld>
+</file>
+
+<file path=ppt/slides/slide14.xml><?xml version="1.0" encoding="utf-8"?>
+<p:sld xmlns:a="http://schemas.openxmlformats.org/drawingml/2006/main" xmlns:r="http://schemas.openxmlformats.org/officeDocument/2006/relationships" xmlns:p="http://schemas.openxmlformats.org/presentationml/2006/main">
+  <p:cSld>
+    <p:spTree>
+      <p:nvGrpSpPr>
+        <p:cNvPr id="1" name="Shape 213">
+          <a:extLst>
+            <a:ext uri="{FF2B5EF4-FFF2-40B4-BE49-F238E27FC236}">
+              <a16:creationId xmlns:a16="http://schemas.microsoft.com/office/drawing/2014/main" id="{9F52725C-B823-10A1-ECB2-C9276E8B0BF7}"/>
+            </a:ext>
+          </a:extLst>
+        </p:cNvPr>
+        <p:cNvGrpSpPr/>
+        <p:nvPr/>
+      </p:nvGrpSpPr>
+      <p:grpSpPr>
+        <a:xfrm>
+          <a:off x="0" y="0"/>
+          <a:ext cx="0" cy="0"/>
+          <a:chOff x="0" y="0"/>
+          <a:chExt cx="0" cy="0"/>
+        </a:xfrm>
+      </p:grpSpPr>
+      <p:sp>
+        <p:nvSpPr>
+          <p:cNvPr id="36" name="矩形 35">
+            <a:extLst>
+              <a:ext uri="{FF2B5EF4-FFF2-40B4-BE49-F238E27FC236}">
+                <a16:creationId xmlns:a16="http://schemas.microsoft.com/office/drawing/2014/main" id="{860B9260-B3F4-5D3C-2A2E-2EF0C35CB066}"/>
+              </a:ext>
+            </a:extLst>
+          </p:cNvPr>
+          <p:cNvSpPr/>
+          <p:nvPr/>
+        </p:nvSpPr>
+        <p:spPr>
+          <a:xfrm>
+            <a:off x="4840163" y="3155984"/>
+            <a:ext cx="1699161" cy="1736658"/>
+          </a:xfrm>
+          <a:prstGeom prst="rect">
+            <a:avLst/>
+          </a:prstGeom>
+          <a:solidFill>
+            <a:schemeClr val="accent2">
+              <a:lumMod val="85000"/>
+            </a:schemeClr>
+          </a:solidFill>
+          <a:ln>
+            <a:solidFill>
+              <a:srgbClr val="FFC000"/>
+            </a:solidFill>
+          </a:ln>
+        </p:spPr>
+        <p:style>
+          <a:lnRef idx="2">
+            <a:schemeClr val="accent1">
+              <a:shade val="15000"/>
+            </a:schemeClr>
+          </a:lnRef>
+          <a:fillRef idx="1">
+            <a:schemeClr val="accent1"/>
+          </a:fillRef>
+          <a:effectRef idx="0">
+            <a:schemeClr val="accent1"/>
+          </a:effectRef>
+          <a:fontRef idx="minor">
+            <a:schemeClr val="lt1"/>
+          </a:fontRef>
+        </p:style>
+        <p:txBody>
+          <a:bodyPr rtlCol="0" anchor="ctr"/>
+          <a:lstStyle/>
+          <a:p>
+            <a:pPr algn="ctr"/>
+            <a:endParaRPr lang="zh-TW" altLang="en-US"/>
+          </a:p>
+        </p:txBody>
+      </p:sp>
+      <p:sp>
+        <p:nvSpPr>
+          <p:cNvPr id="219" name="Google Shape;219;p33">
+            <a:extLst>
+              <a:ext uri="{FF2B5EF4-FFF2-40B4-BE49-F238E27FC236}">
+                <a16:creationId xmlns:a16="http://schemas.microsoft.com/office/drawing/2014/main" id="{64606117-C033-BF56-268A-6AA52EF3A4C1}"/>
+              </a:ext>
+            </a:extLst>
+          </p:cNvPr>
+          <p:cNvSpPr/>
+          <p:nvPr/>
+        </p:nvSpPr>
+        <p:spPr>
+          <a:xfrm>
+            <a:off x="543528" y="6168600"/>
+            <a:ext cx="3328000" cy="1378800"/>
+          </a:xfrm>
+          <a:prstGeom prst="rect">
+            <a:avLst/>
+          </a:prstGeom>
+          <a:solidFill>
+            <a:schemeClr val="accent1"/>
+          </a:solidFill>
+          <a:ln>
+            <a:noFill/>
+          </a:ln>
+        </p:spPr>
+        <p:txBody>
+          <a:bodyPr spcFirstLastPara="1" wrap="square" lIns="121900" tIns="121900" rIns="121900" bIns="121900" anchor="ctr" anchorCtr="0">
+            <a:noAutofit/>
+          </a:bodyPr>
+          <a:lstStyle/>
+          <a:p>
+            <a:endParaRPr sz="1400"/>
+          </a:p>
+        </p:txBody>
+      </p:sp>
+      <p:sp>
+        <p:nvSpPr>
+          <p:cNvPr id="2" name="矩形: 圓角 1">
+            <a:extLst>
+              <a:ext uri="{FF2B5EF4-FFF2-40B4-BE49-F238E27FC236}">
+                <a16:creationId xmlns:a16="http://schemas.microsoft.com/office/drawing/2014/main" id="{58137BBE-C66C-0C07-EDC9-B86BC10F742B}"/>
+              </a:ext>
+            </a:extLst>
+          </p:cNvPr>
+          <p:cNvSpPr/>
+          <p:nvPr/>
+        </p:nvSpPr>
+        <p:spPr>
+          <a:xfrm>
+            <a:off x="1297709" y="306646"/>
+            <a:ext cx="9596581" cy="748147"/>
+          </a:xfrm>
+          <a:prstGeom prst="roundRect">
+            <a:avLst/>
+          </a:prstGeom>
+          <a:ln>
+            <a:noFill/>
+          </a:ln>
+        </p:spPr>
+        <p:style>
+          <a:lnRef idx="2">
+            <a:schemeClr val="accent1">
+              <a:shade val="15000"/>
+            </a:schemeClr>
+          </a:lnRef>
+          <a:fillRef idx="1">
+            <a:schemeClr val="accent1"/>
+          </a:fillRef>
+          <a:effectRef idx="0">
+            <a:schemeClr val="accent1"/>
+          </a:effectRef>
+          <a:fontRef idx="minor">
+            <a:schemeClr val="lt1"/>
+          </a:fontRef>
+        </p:style>
+        <p:txBody>
+          <a:bodyPr rtlCol="0" anchor="ctr"/>
+          <a:lstStyle/>
+          <a:p>
+            <a:pPr algn="ctr"/>
+            <a:r>
+              <a:rPr lang="en-US" altLang="zh-TW" sz="3200" b="1" dirty="0">
+                <a:solidFill>
+                  <a:schemeClr val="bg2">
+                    <a:lumMod val="75000"/>
+                  </a:schemeClr>
+                </a:solidFill>
+                <a:latin typeface="微軟正黑體" panose="020B0604030504040204" pitchFamily="34" charset="-120"/>
+                <a:ea typeface="微軟正黑體" panose="020B0604030504040204" pitchFamily="34" charset="-120"/>
+              </a:rPr>
+              <a:t>Data Flow and preprocessing</a:t>
+            </a:r>
+          </a:p>
+        </p:txBody>
+      </p:sp>
+      <p:sp>
+        <p:nvSpPr>
+          <p:cNvPr id="3" name="文字方塊 2">
+            <a:extLst>
+              <a:ext uri="{FF2B5EF4-FFF2-40B4-BE49-F238E27FC236}">
+                <a16:creationId xmlns:a16="http://schemas.microsoft.com/office/drawing/2014/main" id="{1604D17D-7533-DD64-90AE-54EB93E962BA}"/>
+              </a:ext>
+            </a:extLst>
+          </p:cNvPr>
+          <p:cNvSpPr txBox="1"/>
+          <p:nvPr/>
+        </p:nvSpPr>
+        <p:spPr>
+          <a:xfrm>
+            <a:off x="11505363" y="6263640"/>
+            <a:ext cx="478357" cy="369332"/>
+          </a:xfrm>
+          <a:prstGeom prst="rect">
+            <a:avLst/>
+          </a:prstGeom>
+          <a:noFill/>
+        </p:spPr>
+        <p:txBody>
+          <a:bodyPr wrap="square" rtlCol="0">
+            <a:spAutoFit/>
+          </a:bodyPr>
+          <a:lstStyle/>
+          <a:p>
+            <a:pPr algn="ctr"/>
+            <a:r>
+              <a:rPr lang="en-US" altLang="zh-TW" dirty="0"/>
+              <a:t>13</a:t>
+            </a:r>
+            <a:endParaRPr lang="zh-TW" altLang="en-US" dirty="0"/>
+          </a:p>
+        </p:txBody>
+      </p:sp>
+      <p:sp>
+        <p:nvSpPr>
+          <p:cNvPr id="13" name="文字方塊 12">
+            <a:extLst>
+              <a:ext uri="{FF2B5EF4-FFF2-40B4-BE49-F238E27FC236}">
+                <a16:creationId xmlns:a16="http://schemas.microsoft.com/office/drawing/2014/main" id="{99F234BC-63CC-213B-F155-518E7AA0EAF7}"/>
+              </a:ext>
+            </a:extLst>
+          </p:cNvPr>
+          <p:cNvSpPr txBox="1"/>
+          <p:nvPr/>
+        </p:nvSpPr>
+        <p:spPr>
+          <a:xfrm>
+            <a:off x="1297709" y="1063106"/>
+            <a:ext cx="9596581" cy="461665"/>
+          </a:xfrm>
+          <a:prstGeom prst="rect">
+            <a:avLst/>
+          </a:prstGeom>
+          <a:noFill/>
+        </p:spPr>
+        <p:txBody>
+          <a:bodyPr wrap="square" rtlCol="0">
+            <a:spAutoFit/>
+          </a:bodyPr>
+          <a:lstStyle/>
+          <a:p>
+            <a:pPr algn="ctr"/>
+            <a:r>
+              <a:rPr lang="en-US" altLang="zh-TW" sz="2400" b="1" dirty="0">
+                <a:solidFill>
+                  <a:schemeClr val="accent1">
+                    <a:lumMod val="50000"/>
+                  </a:schemeClr>
+                </a:solidFill>
+                <a:latin typeface="微軟正黑體" panose="020B0604030504040204" pitchFamily="34" charset="-120"/>
+                <a:ea typeface="微軟正黑體" panose="020B0604030504040204" pitchFamily="34" charset="-120"/>
+              </a:rPr>
+              <a:t>Data collection</a:t>
+            </a:r>
+          </a:p>
+        </p:txBody>
+      </p:sp>
+      <p:grpSp>
+        <p:nvGrpSpPr>
+          <p:cNvPr id="10" name="群組 9">
+            <a:extLst>
+              <a:ext uri="{FF2B5EF4-FFF2-40B4-BE49-F238E27FC236}">
+                <a16:creationId xmlns:a16="http://schemas.microsoft.com/office/drawing/2014/main" id="{43D46F6F-8A10-4BAC-4718-3E11679543AE}"/>
+              </a:ext>
+            </a:extLst>
+          </p:cNvPr>
+          <p:cNvGrpSpPr/>
+          <p:nvPr/>
+        </p:nvGrpSpPr>
+        <p:grpSpPr>
+          <a:xfrm>
+            <a:off x="1297709" y="2900364"/>
+            <a:ext cx="2373333" cy="1892642"/>
+            <a:chOff x="7735146" y="1743592"/>
+            <a:chExt cx="2760922" cy="2067694"/>
+          </a:xfrm>
+        </p:grpSpPr>
+        <p:pic>
+          <p:nvPicPr>
+            <p:cNvPr id="4" name="圖片 3">
+              <a:extLst>
+                <a:ext uri="{FF2B5EF4-FFF2-40B4-BE49-F238E27FC236}">
+                  <a16:creationId xmlns:a16="http://schemas.microsoft.com/office/drawing/2014/main" id="{BF7390F8-3418-37CF-8E1E-78070C37F92A}"/>
+                </a:ext>
+              </a:extLst>
+            </p:cNvPr>
+            <p:cNvPicPr>
+              <a:picLocks noChangeAspect="1"/>
+            </p:cNvPicPr>
+            <p:nvPr/>
+          </p:nvPicPr>
+          <p:blipFill>
+            <a:blip r:embed="rId3"/>
+            <a:srcRect b="15997"/>
+            <a:stretch/>
+          </p:blipFill>
+          <p:spPr>
+            <a:xfrm>
+              <a:off x="8159667" y="2205258"/>
+              <a:ext cx="1911881" cy="1606028"/>
+            </a:xfrm>
+            <a:prstGeom prst="rect">
+              <a:avLst/>
+            </a:prstGeom>
+          </p:spPr>
+        </p:pic>
+        <p:sp>
+          <p:nvSpPr>
+            <p:cNvPr id="7" name="文字方塊 6">
+              <a:extLst>
+                <a:ext uri="{FF2B5EF4-FFF2-40B4-BE49-F238E27FC236}">
+                  <a16:creationId xmlns:a16="http://schemas.microsoft.com/office/drawing/2014/main" id="{3DC30A87-A51F-9659-2747-EB70876BDCBE}"/>
+                </a:ext>
+              </a:extLst>
+            </p:cNvPr>
+            <p:cNvSpPr txBox="1"/>
+            <p:nvPr/>
+          </p:nvSpPr>
+          <p:spPr>
+            <a:xfrm>
+              <a:off x="7735146" y="1743592"/>
+              <a:ext cx="2760922" cy="400110"/>
+            </a:xfrm>
+            <a:prstGeom prst="rect">
+              <a:avLst/>
+            </a:prstGeom>
+            <a:noFill/>
+          </p:spPr>
+          <p:txBody>
+            <a:bodyPr wrap="square" rtlCol="0">
+              <a:spAutoFit/>
+            </a:bodyPr>
+            <a:lstStyle/>
+            <a:p>
+              <a:pPr algn="ctr"/>
+              <a:r>
+                <a:rPr lang="en-US" altLang="zh-TW" sz="2000" b="1" dirty="0">
+                  <a:latin typeface="微軟正黑體" panose="020B0604030504040204" pitchFamily="34" charset="-120"/>
+                  <a:ea typeface="微軟正黑體" panose="020B0604030504040204" pitchFamily="34" charset="-120"/>
+                </a:rPr>
+                <a:t>IEEE802.11mc AP</a:t>
+              </a:r>
+              <a:endParaRPr lang="zh-TW" altLang="en-US" sz="2000" b="1" dirty="0">
+                <a:latin typeface="微軟正黑體" panose="020B0604030504040204" pitchFamily="34" charset="-120"/>
+                <a:ea typeface="微軟正黑體" panose="020B0604030504040204" pitchFamily="34" charset="-120"/>
+              </a:endParaRPr>
+            </a:p>
+          </p:txBody>
+        </p:sp>
+      </p:grpSp>
+      <p:pic>
+        <p:nvPicPr>
+          <p:cNvPr id="12" name="圖片 11">
+            <a:extLst>
+              <a:ext uri="{FF2B5EF4-FFF2-40B4-BE49-F238E27FC236}">
+                <a16:creationId xmlns:a16="http://schemas.microsoft.com/office/drawing/2014/main" id="{C20779B3-0F58-6094-1FC8-FBF9DEDAF065}"/>
+              </a:ext>
+            </a:extLst>
+          </p:cNvPr>
+          <p:cNvPicPr>
+            <a:picLocks noChangeAspect="1"/>
+          </p:cNvPicPr>
+          <p:nvPr/>
+        </p:nvPicPr>
+        <p:blipFill>
+          <a:blip r:embed="rId3"/>
+          <a:srcRect b="15997"/>
+          <a:stretch/>
+        </p:blipFill>
+        <p:spPr>
+          <a:xfrm>
+            <a:off x="5731755" y="5339864"/>
+            <a:ext cx="1138079" cy="1070947"/>
+          </a:xfrm>
+          <a:prstGeom prst="rect">
+            <a:avLst/>
+          </a:prstGeom>
+        </p:spPr>
+      </p:pic>
+      <p:pic>
+        <p:nvPicPr>
+          <p:cNvPr id="15" name="圖片 14">
+            <a:extLst>
+              <a:ext uri="{FF2B5EF4-FFF2-40B4-BE49-F238E27FC236}">
+                <a16:creationId xmlns:a16="http://schemas.microsoft.com/office/drawing/2014/main" id="{32A120D5-378F-F0AC-E28A-D95313AA0069}"/>
+              </a:ext>
+            </a:extLst>
+          </p:cNvPr>
+          <p:cNvPicPr>
+            <a:picLocks noChangeAspect="1"/>
+          </p:cNvPicPr>
+          <p:nvPr/>
+        </p:nvPicPr>
+        <p:blipFill>
+          <a:blip r:embed="rId3"/>
+          <a:srcRect b="15997"/>
+          <a:stretch/>
+        </p:blipFill>
+        <p:spPr>
+          <a:xfrm>
+            <a:off x="5778809" y="1702710"/>
+            <a:ext cx="1138079" cy="1070947"/>
+          </a:xfrm>
+          <a:prstGeom prst="rect">
+            <a:avLst/>
+          </a:prstGeom>
+        </p:spPr>
+      </p:pic>
+      <p:pic>
+        <p:nvPicPr>
+          <p:cNvPr id="16" name="圖片 15">
+            <a:extLst>
+              <a:ext uri="{FF2B5EF4-FFF2-40B4-BE49-F238E27FC236}">
+                <a16:creationId xmlns:a16="http://schemas.microsoft.com/office/drawing/2014/main" id="{F951D863-53F9-8459-044F-F09F10107775}"/>
+              </a:ext>
+            </a:extLst>
+          </p:cNvPr>
+          <p:cNvPicPr>
+            <a:picLocks noChangeAspect="1"/>
+          </p:cNvPicPr>
+          <p:nvPr/>
+        </p:nvPicPr>
+        <p:blipFill>
+          <a:blip r:embed="rId3"/>
+          <a:srcRect b="15997"/>
+          <a:stretch/>
+        </p:blipFill>
+        <p:spPr>
+          <a:xfrm>
+            <a:off x="9756211" y="3533095"/>
+            <a:ext cx="1138079" cy="1070947"/>
+          </a:xfrm>
+          <a:prstGeom prst="rect">
+            <a:avLst/>
+          </a:prstGeom>
+        </p:spPr>
+      </p:pic>
+      <p:pic>
+        <p:nvPicPr>
+          <p:cNvPr id="18" name="圖形 17" descr="智慧型手機 外框">
+            <a:extLst>
+              <a:ext uri="{FF2B5EF4-FFF2-40B4-BE49-F238E27FC236}">
+                <a16:creationId xmlns:a16="http://schemas.microsoft.com/office/drawing/2014/main" id="{79597178-C121-A95A-D676-A7CE78956D50}"/>
+              </a:ext>
+            </a:extLst>
+          </p:cNvPr>
+          <p:cNvPicPr>
+            <a:picLocks noChangeAspect="1"/>
+          </p:cNvPicPr>
+          <p:nvPr/>
+        </p:nvPicPr>
+        <p:blipFill>
+          <a:blip r:embed="rId4">
+            <a:extLst>
+              <a:ext uri="{96DAC541-7B7A-43D3-8B79-37D633B846F1}">
+                <asvg:svgBlip xmlns:asvg="http://schemas.microsoft.com/office/drawing/2016/SVG/main" r:embed="rId5"/>
+              </a:ext>
+            </a:extLst>
+          </a:blip>
+          <a:stretch>
+            <a:fillRect/>
+          </a:stretch>
+        </p:blipFill>
+        <p:spPr>
+          <a:xfrm>
+            <a:off x="5101560" y="3436143"/>
+            <a:ext cx="1232187" cy="1232187"/>
+          </a:xfrm>
+          <a:prstGeom prst="rect">
+            <a:avLst/>
+          </a:prstGeom>
+        </p:spPr>
+      </p:pic>
+      <p:sp>
+        <p:nvSpPr>
+          <p:cNvPr id="20" name="矩形: 圓角 19">
+            <a:extLst>
+              <a:ext uri="{FF2B5EF4-FFF2-40B4-BE49-F238E27FC236}">
+                <a16:creationId xmlns:a16="http://schemas.microsoft.com/office/drawing/2014/main" id="{59CFBEF6-9414-DDB9-3A03-A7FC07EB77C3}"/>
+              </a:ext>
+            </a:extLst>
+          </p:cNvPr>
+          <p:cNvSpPr/>
+          <p:nvPr/>
+        </p:nvSpPr>
+        <p:spPr>
+          <a:xfrm>
+            <a:off x="6654173" y="3187662"/>
+            <a:ext cx="1236593" cy="459060"/>
+          </a:xfrm>
+          <a:prstGeom prst="roundRect">
+            <a:avLst/>
+          </a:prstGeom>
+          <a:solidFill>
+            <a:schemeClr val="accent1">
+              <a:lumMod val="60000"/>
+              <a:lumOff val="40000"/>
+            </a:schemeClr>
+          </a:solidFill>
+        </p:spPr>
+        <p:style>
+          <a:lnRef idx="2">
+            <a:schemeClr val="accent1">
+              <a:shade val="15000"/>
+            </a:schemeClr>
+          </a:lnRef>
+          <a:fillRef idx="1">
+            <a:schemeClr val="accent1"/>
+          </a:fillRef>
+          <a:effectRef idx="0">
+            <a:schemeClr val="accent1"/>
+          </a:effectRef>
+          <a:fontRef idx="minor">
+            <a:schemeClr val="lt1"/>
+          </a:fontRef>
+        </p:style>
+        <p:txBody>
+          <a:bodyPr rtlCol="0" anchor="ctr"/>
+          <a:lstStyle/>
+          <a:p>
+            <a:pPr algn="ctr"/>
+            <a:r>
+              <a:rPr lang="en-US" altLang="zh-TW" sz="2400" b="1" dirty="0">
+                <a:solidFill>
+                  <a:schemeClr val="bg2"/>
+                </a:solidFill>
+                <a:latin typeface="微軟正黑體" panose="020B0604030504040204" pitchFamily="34" charset="-120"/>
+                <a:ea typeface="微軟正黑體" panose="020B0604030504040204" pitchFamily="34" charset="-120"/>
+              </a:rPr>
+              <a:t>RSSI</a:t>
+            </a:r>
+            <a:endParaRPr lang="zh-TW" altLang="en-US" sz="2400" b="1" dirty="0">
+              <a:solidFill>
+                <a:schemeClr val="bg2"/>
+              </a:solidFill>
+              <a:latin typeface="微軟正黑體" panose="020B0604030504040204" pitchFamily="34" charset="-120"/>
+              <a:ea typeface="微軟正黑體" panose="020B0604030504040204" pitchFamily="34" charset="-120"/>
+            </a:endParaRPr>
+          </a:p>
+        </p:txBody>
+      </p:sp>
+      <p:sp>
+        <p:nvSpPr>
+          <p:cNvPr id="21" name="矩形: 圓角 20">
+            <a:extLst>
+              <a:ext uri="{FF2B5EF4-FFF2-40B4-BE49-F238E27FC236}">
+                <a16:creationId xmlns:a16="http://schemas.microsoft.com/office/drawing/2014/main" id="{052920E1-3FA7-A7AF-178B-A0B77B282AFD}"/>
+              </a:ext>
+            </a:extLst>
+          </p:cNvPr>
+          <p:cNvSpPr/>
+          <p:nvPr/>
+        </p:nvSpPr>
+        <p:spPr>
+          <a:xfrm>
+            <a:off x="6654173" y="3827230"/>
+            <a:ext cx="1612498" cy="459060"/>
+          </a:xfrm>
+          <a:prstGeom prst="roundRect">
+            <a:avLst/>
+          </a:prstGeom>
+          <a:solidFill>
+            <a:schemeClr val="accent1">
+              <a:lumMod val="60000"/>
+              <a:lumOff val="40000"/>
+            </a:schemeClr>
+          </a:solidFill>
+        </p:spPr>
+        <p:style>
+          <a:lnRef idx="2">
+            <a:schemeClr val="accent1">
+              <a:shade val="15000"/>
+            </a:schemeClr>
+          </a:lnRef>
+          <a:fillRef idx="1">
+            <a:schemeClr val="accent1"/>
+          </a:fillRef>
+          <a:effectRef idx="0">
+            <a:schemeClr val="accent1"/>
+          </a:effectRef>
+          <a:fontRef idx="minor">
+            <a:schemeClr val="lt1"/>
+          </a:fontRef>
+        </p:style>
+        <p:txBody>
+          <a:bodyPr rtlCol="0" anchor="ctr"/>
+          <a:lstStyle/>
+          <a:p>
+            <a:pPr algn="ctr"/>
+            <a:r>
+              <a:rPr lang="en-US" altLang="zh-TW" sz="2400" b="1" dirty="0">
+                <a:solidFill>
+                  <a:schemeClr val="bg2"/>
+                </a:solidFill>
+                <a:latin typeface="微軟正黑體" panose="020B0604030504040204" pitchFamily="34" charset="-120"/>
+                <a:ea typeface="微軟正黑體" panose="020B0604030504040204" pitchFamily="34" charset="-120"/>
+              </a:rPr>
+              <a:t>distance</a:t>
+            </a:r>
+            <a:endParaRPr lang="zh-TW" altLang="en-US" sz="2400" b="1" dirty="0">
+              <a:solidFill>
+                <a:schemeClr val="bg2"/>
+              </a:solidFill>
+              <a:latin typeface="微軟正黑體" panose="020B0604030504040204" pitchFamily="34" charset="-120"/>
+              <a:ea typeface="微軟正黑體" panose="020B0604030504040204" pitchFamily="34" charset="-120"/>
+            </a:endParaRPr>
+          </a:p>
+        </p:txBody>
+      </p:sp>
+      <p:sp>
+        <p:nvSpPr>
+          <p:cNvPr id="22" name="矩形: 圓角 21">
+            <a:extLst>
+              <a:ext uri="{FF2B5EF4-FFF2-40B4-BE49-F238E27FC236}">
+                <a16:creationId xmlns:a16="http://schemas.microsoft.com/office/drawing/2014/main" id="{D897CD16-EF7C-D96C-5717-6A8997F57E3D}"/>
+              </a:ext>
+            </a:extLst>
+          </p:cNvPr>
+          <p:cNvSpPr/>
+          <p:nvPr/>
+        </p:nvSpPr>
+        <p:spPr>
+          <a:xfrm>
+            <a:off x="6654173" y="4466798"/>
+            <a:ext cx="1464888" cy="459060"/>
+          </a:xfrm>
+          <a:prstGeom prst="roundRect">
+            <a:avLst/>
+          </a:prstGeom>
+          <a:solidFill>
+            <a:schemeClr val="accent1">
+              <a:lumMod val="60000"/>
+              <a:lumOff val="40000"/>
+            </a:schemeClr>
+          </a:solidFill>
+        </p:spPr>
+        <p:style>
+          <a:lnRef idx="2">
+            <a:schemeClr val="accent1">
+              <a:shade val="15000"/>
+            </a:schemeClr>
+          </a:lnRef>
+          <a:fillRef idx="1">
+            <a:schemeClr val="accent1"/>
+          </a:fillRef>
+          <a:effectRef idx="0">
+            <a:schemeClr val="accent1"/>
+          </a:effectRef>
+          <a:fontRef idx="minor">
+            <a:schemeClr val="lt1"/>
+          </a:fontRef>
+        </p:style>
+        <p:txBody>
+          <a:bodyPr rtlCol="0" anchor="ctr"/>
+          <a:lstStyle/>
+          <a:p>
+            <a:pPr algn="ctr"/>
+            <a:r>
+              <a:rPr lang="en-US" altLang="zh-TW" sz="2400" b="1" dirty="0" err="1">
+                <a:solidFill>
+                  <a:schemeClr val="bg2"/>
+                </a:solidFill>
+                <a:latin typeface="微軟正黑體" panose="020B0604030504040204" pitchFamily="34" charset="-120"/>
+                <a:ea typeface="微軟正黑體" panose="020B0604030504040204" pitchFamily="34" charset="-120"/>
+              </a:rPr>
+              <a:t>StdDev</a:t>
+            </a:r>
+            <a:endParaRPr lang="zh-TW" altLang="en-US" sz="2400" b="1" dirty="0">
+              <a:solidFill>
+                <a:schemeClr val="bg2"/>
+              </a:solidFill>
+              <a:latin typeface="微軟正黑體" panose="020B0604030504040204" pitchFamily="34" charset="-120"/>
+              <a:ea typeface="微軟正黑體" panose="020B0604030504040204" pitchFamily="34" charset="-120"/>
+            </a:endParaRPr>
+          </a:p>
+        </p:txBody>
+      </p:sp>
+      <p:cxnSp>
+        <p:nvCxnSpPr>
+          <p:cNvPr id="24" name="直線接點 23">
+            <a:extLst>
+              <a:ext uri="{FF2B5EF4-FFF2-40B4-BE49-F238E27FC236}">
+                <a16:creationId xmlns:a16="http://schemas.microsoft.com/office/drawing/2014/main" id="{D33F432C-EF52-B9FD-643B-50020353544A}"/>
+              </a:ext>
+            </a:extLst>
+          </p:cNvPr>
+          <p:cNvCxnSpPr>
+            <a:cxnSpLocks/>
+            <a:endCxn id="20" idx="1"/>
+          </p:cNvCxnSpPr>
+          <p:nvPr/>
+        </p:nvCxnSpPr>
+        <p:spPr>
+          <a:xfrm flipV="1">
+            <a:off x="6054660" y="3417192"/>
+            <a:ext cx="599513" cy="504664"/>
+          </a:xfrm>
+          <a:prstGeom prst="line">
+            <a:avLst/>
+          </a:prstGeom>
+          <a:ln w="19050"/>
+        </p:spPr>
+        <p:style>
+          <a:lnRef idx="1">
+            <a:schemeClr val="dk1"/>
+          </a:lnRef>
+          <a:fillRef idx="0">
+            <a:schemeClr val="dk1"/>
+          </a:fillRef>
+          <a:effectRef idx="0">
+            <a:schemeClr val="dk1"/>
+          </a:effectRef>
+          <a:fontRef idx="minor">
+            <a:schemeClr val="tx1"/>
+          </a:fontRef>
+        </p:style>
+      </p:cxnSp>
+      <p:cxnSp>
+        <p:nvCxnSpPr>
+          <p:cNvPr id="25" name="直線接點 24">
+            <a:extLst>
+              <a:ext uri="{FF2B5EF4-FFF2-40B4-BE49-F238E27FC236}">
+                <a16:creationId xmlns:a16="http://schemas.microsoft.com/office/drawing/2014/main" id="{DD48B134-5A20-98CE-7453-0004EB606A7F}"/>
+              </a:ext>
+            </a:extLst>
+          </p:cNvPr>
+          <p:cNvCxnSpPr>
+            <a:cxnSpLocks/>
+            <a:endCxn id="21" idx="1"/>
+          </p:cNvCxnSpPr>
+          <p:nvPr/>
+        </p:nvCxnSpPr>
+        <p:spPr>
+          <a:xfrm>
+            <a:off x="6054660" y="4052236"/>
+            <a:ext cx="599513" cy="4524"/>
+          </a:xfrm>
+          <a:prstGeom prst="line">
+            <a:avLst/>
+          </a:prstGeom>
+          <a:ln w="19050"/>
+        </p:spPr>
+        <p:style>
+          <a:lnRef idx="1">
+            <a:schemeClr val="dk1"/>
+          </a:lnRef>
+          <a:fillRef idx="0">
+            <a:schemeClr val="dk1"/>
+          </a:fillRef>
+          <a:effectRef idx="0">
+            <a:schemeClr val="dk1"/>
+          </a:effectRef>
+          <a:fontRef idx="minor">
+            <a:schemeClr val="tx1"/>
+          </a:fontRef>
+        </p:style>
+      </p:cxnSp>
+      <p:cxnSp>
+        <p:nvCxnSpPr>
+          <p:cNvPr id="32" name="直線接點 31">
+            <a:extLst>
+              <a:ext uri="{FF2B5EF4-FFF2-40B4-BE49-F238E27FC236}">
+                <a16:creationId xmlns:a16="http://schemas.microsoft.com/office/drawing/2014/main" id="{2FB2C387-3CB9-F18B-C16B-0AF795F2928C}"/>
+              </a:ext>
+            </a:extLst>
+          </p:cNvPr>
+          <p:cNvCxnSpPr>
+            <a:cxnSpLocks/>
+            <a:endCxn id="22" idx="1"/>
+          </p:cNvCxnSpPr>
+          <p:nvPr/>
+        </p:nvCxnSpPr>
+        <p:spPr>
+          <a:xfrm>
+            <a:off x="6075331" y="4184162"/>
+            <a:ext cx="578842" cy="512166"/>
+          </a:xfrm>
+          <a:prstGeom prst="line">
+            <a:avLst/>
+          </a:prstGeom>
+          <a:ln w="19050"/>
+        </p:spPr>
+        <p:style>
+          <a:lnRef idx="1">
+            <a:schemeClr val="dk1"/>
+          </a:lnRef>
+          <a:fillRef idx="0">
+            <a:schemeClr val="dk1"/>
+          </a:fillRef>
+          <a:effectRef idx="0">
+            <a:schemeClr val="dk1"/>
+          </a:effectRef>
+          <a:fontRef idx="minor">
+            <a:schemeClr val="tx1"/>
+          </a:fontRef>
+        </p:style>
+      </p:cxnSp>
+      <p:sp>
+        <p:nvSpPr>
+          <p:cNvPr id="37" name="文字方塊 36">
+            <a:extLst>
+              <a:ext uri="{FF2B5EF4-FFF2-40B4-BE49-F238E27FC236}">
+                <a16:creationId xmlns:a16="http://schemas.microsoft.com/office/drawing/2014/main" id="{F2877918-FF53-FFA9-5875-329E22331449}"/>
+              </a:ext>
+            </a:extLst>
+          </p:cNvPr>
+          <p:cNvSpPr txBox="1"/>
+          <p:nvPr/>
+        </p:nvSpPr>
+        <p:spPr>
+          <a:xfrm>
+            <a:off x="4578807" y="2790217"/>
+            <a:ext cx="2277692" cy="397408"/>
+          </a:xfrm>
+          <a:prstGeom prst="rect">
+            <a:avLst/>
+          </a:prstGeom>
+          <a:noFill/>
+        </p:spPr>
+        <p:txBody>
+          <a:bodyPr wrap="square" rtlCol="0">
+            <a:spAutoFit/>
+          </a:bodyPr>
+          <a:lstStyle/>
+          <a:p>
+            <a:pPr algn="ctr"/>
+            <a:r>
+              <a:rPr lang="en-US" altLang="zh-TW" sz="2000" b="1" dirty="0">
+                <a:solidFill>
+                  <a:schemeClr val="bg1">
+                    <a:lumMod val="50000"/>
+                  </a:schemeClr>
+                </a:solidFill>
+                <a:latin typeface="微軟正黑體" panose="020B0604030504040204" pitchFamily="34" charset="-120"/>
+                <a:ea typeface="微軟正黑體" panose="020B0604030504040204" pitchFamily="34" charset="-120"/>
+              </a:rPr>
+              <a:t>RP</a:t>
+            </a:r>
+            <a:endParaRPr lang="zh-TW" altLang="en-US" sz="2000" b="1" dirty="0">
+              <a:solidFill>
+                <a:schemeClr val="bg1">
+                  <a:lumMod val="50000"/>
+                </a:schemeClr>
+              </a:solidFill>
+              <a:latin typeface="微軟正黑體" panose="020B0604030504040204" pitchFamily="34" charset="-120"/>
+              <a:ea typeface="微軟正黑體" panose="020B0604030504040204" pitchFamily="34" charset="-120"/>
+            </a:endParaRPr>
+          </a:p>
+        </p:txBody>
+      </p:sp>
+    </p:spTree>
+    <p:extLst>
+      <p:ext uri="{BB962C8B-B14F-4D97-AF65-F5344CB8AC3E}">
+        <p14:creationId xmlns:p14="http://schemas.microsoft.com/office/powerpoint/2010/main" val="1463793162"/>
+      </p:ext>
+    </p:extLst>
+  </p:cSld>
+  <p:clrMapOvr>
+    <a:masterClrMapping/>
+  </p:clrMapOvr>
+</p:sld>
+</file>
+
+<file path=ppt/slides/slide15.xml><?xml version="1.0" encoding="utf-8"?>
+<p:sld xmlns:a="http://schemas.openxmlformats.org/drawingml/2006/main" xmlns:r="http://schemas.openxmlformats.org/officeDocument/2006/relationships" xmlns:p="http://schemas.openxmlformats.org/presentationml/2006/main">
+  <p:cSld>
+    <p:spTree>
+      <p:nvGrpSpPr>
+        <p:cNvPr id="1" name="Shape 213">
+          <a:extLst>
+            <a:ext uri="{FF2B5EF4-FFF2-40B4-BE49-F238E27FC236}">
+              <a16:creationId xmlns:a16="http://schemas.microsoft.com/office/drawing/2014/main" id="{87F9A42C-3633-0E06-6345-488C608EA195}"/>
+            </a:ext>
+          </a:extLst>
+        </p:cNvPr>
+        <p:cNvGrpSpPr/>
+        <p:nvPr/>
+      </p:nvGrpSpPr>
+      <p:grpSpPr>
+        <a:xfrm>
+          <a:off x="0" y="0"/>
+          <a:ext cx="0" cy="0"/>
+          <a:chOff x="0" y="0"/>
+          <a:chExt cx="0" cy="0"/>
+        </a:xfrm>
+      </p:grpSpPr>
+      <p:sp>
+        <p:nvSpPr>
+          <p:cNvPr id="219" name="Google Shape;219;p33">
+            <a:extLst>
+              <a:ext uri="{FF2B5EF4-FFF2-40B4-BE49-F238E27FC236}">
+                <a16:creationId xmlns:a16="http://schemas.microsoft.com/office/drawing/2014/main" id="{BD7103C0-7079-71C2-7ACB-2B9EB3A6ED11}"/>
+              </a:ext>
+            </a:extLst>
+          </p:cNvPr>
+          <p:cNvSpPr/>
+          <p:nvPr/>
+        </p:nvSpPr>
+        <p:spPr>
+          <a:xfrm>
+            <a:off x="543528" y="6168600"/>
+            <a:ext cx="3328000" cy="1378800"/>
+          </a:xfrm>
+          <a:prstGeom prst="rect">
+            <a:avLst/>
+          </a:prstGeom>
+          <a:solidFill>
+            <a:schemeClr val="accent1"/>
+          </a:solidFill>
+          <a:ln>
+            <a:noFill/>
+          </a:ln>
+        </p:spPr>
+        <p:txBody>
+          <a:bodyPr spcFirstLastPara="1" wrap="square" lIns="121900" tIns="121900" rIns="121900" bIns="121900" anchor="ctr" anchorCtr="0">
+            <a:noAutofit/>
+          </a:bodyPr>
+          <a:lstStyle/>
+          <a:p>
+            <a:endParaRPr sz="1400"/>
+          </a:p>
+        </p:txBody>
+      </p:sp>
+      <p:sp>
+        <p:nvSpPr>
+          <p:cNvPr id="2" name="矩形: 圓角 1">
+            <a:extLst>
+              <a:ext uri="{FF2B5EF4-FFF2-40B4-BE49-F238E27FC236}">
+                <a16:creationId xmlns:a16="http://schemas.microsoft.com/office/drawing/2014/main" id="{BCAEAC0A-3C45-3F67-DE58-0729143211EC}"/>
+              </a:ext>
+            </a:extLst>
+          </p:cNvPr>
+          <p:cNvSpPr/>
+          <p:nvPr/>
+        </p:nvSpPr>
+        <p:spPr>
+          <a:xfrm>
+            <a:off x="1297709" y="306646"/>
+            <a:ext cx="9596581" cy="748147"/>
+          </a:xfrm>
+          <a:prstGeom prst="roundRect">
+            <a:avLst/>
+          </a:prstGeom>
+          <a:ln>
+            <a:noFill/>
+          </a:ln>
+        </p:spPr>
+        <p:style>
+          <a:lnRef idx="2">
+            <a:schemeClr val="accent1">
+              <a:shade val="15000"/>
+            </a:schemeClr>
+          </a:lnRef>
+          <a:fillRef idx="1">
+            <a:schemeClr val="accent1"/>
+          </a:fillRef>
+          <a:effectRef idx="0">
+            <a:schemeClr val="accent1"/>
+          </a:effectRef>
+          <a:fontRef idx="minor">
+            <a:schemeClr val="lt1"/>
+          </a:fontRef>
+        </p:style>
+        <p:txBody>
+          <a:bodyPr rtlCol="0" anchor="ctr"/>
+          <a:lstStyle/>
+          <a:p>
+            <a:pPr algn="ctr"/>
+            <a:r>
+              <a:rPr lang="en-US" altLang="zh-TW" sz="3200" b="1" dirty="0">
+                <a:solidFill>
+                  <a:schemeClr val="bg2">
+                    <a:lumMod val="75000"/>
+                  </a:schemeClr>
+                </a:solidFill>
+                <a:latin typeface="微軟正黑體" panose="020B0604030504040204" pitchFamily="34" charset="-120"/>
+                <a:ea typeface="微軟正黑體" panose="020B0604030504040204" pitchFamily="34" charset="-120"/>
+              </a:rPr>
+              <a:t>Data Flow and preprocessing</a:t>
+            </a:r>
+          </a:p>
+        </p:txBody>
+      </p:sp>
+      <p:sp>
+        <p:nvSpPr>
+          <p:cNvPr id="3" name="文字方塊 2">
+            <a:extLst>
+              <a:ext uri="{FF2B5EF4-FFF2-40B4-BE49-F238E27FC236}">
+                <a16:creationId xmlns:a16="http://schemas.microsoft.com/office/drawing/2014/main" id="{1B7F688B-4227-C1BF-46B1-EFCE9EA75024}"/>
+              </a:ext>
+            </a:extLst>
+          </p:cNvPr>
+          <p:cNvSpPr txBox="1"/>
+          <p:nvPr/>
+        </p:nvSpPr>
+        <p:spPr>
+          <a:xfrm>
+            <a:off x="11505363" y="6263640"/>
+            <a:ext cx="478357" cy="369332"/>
+          </a:xfrm>
+          <a:prstGeom prst="rect">
+            <a:avLst/>
+          </a:prstGeom>
+          <a:noFill/>
+        </p:spPr>
+        <p:txBody>
+          <a:bodyPr wrap="square" rtlCol="0">
+            <a:spAutoFit/>
+          </a:bodyPr>
+          <a:lstStyle/>
+          <a:p>
+            <a:pPr algn="ctr"/>
+            <a:r>
+              <a:rPr lang="en-US" altLang="zh-TW" dirty="0"/>
+              <a:t>14</a:t>
+            </a:r>
+            <a:endParaRPr lang="zh-TW" altLang="en-US" dirty="0"/>
+          </a:p>
+        </p:txBody>
+      </p:sp>
+      <p:pic>
+        <p:nvPicPr>
+          <p:cNvPr id="5" name="圖片 4">
+            <a:extLst>
+              <a:ext uri="{FF2B5EF4-FFF2-40B4-BE49-F238E27FC236}">
+                <a16:creationId xmlns:a16="http://schemas.microsoft.com/office/drawing/2014/main" id="{76ED17D5-9F82-8195-F016-87E51BC220C8}"/>
               </a:ext>
             </a:extLst>
           </p:cNvPr>
@@ -23550,8 +26875,8 @@
         </p:blipFill>
         <p:spPr>
           <a:xfrm>
-            <a:off x="2139153" y="1187210"/>
-            <a:ext cx="7913694" cy="5016834"/>
+            <a:off x="1054607" y="1852326"/>
+            <a:ext cx="10317015" cy="1800476"/>
           </a:xfrm>
           <a:prstGeom prst="rect">
             <a:avLst/>
@@ -23560,10 +26885,194 @@
       </p:pic>
       <p:sp>
         <p:nvSpPr>
-          <p:cNvPr id="4" name="矩形 3">
+          <p:cNvPr id="6" name="文字方塊 5">
             <a:extLst>
               <a:ext uri="{FF2B5EF4-FFF2-40B4-BE49-F238E27FC236}">
-                <a16:creationId xmlns:a16="http://schemas.microsoft.com/office/drawing/2014/main" id="{9146DD1A-4242-D683-35D7-A14FC63E47D0}"/>
+                <a16:creationId xmlns:a16="http://schemas.microsoft.com/office/drawing/2014/main" id="{A68E236E-2D5A-DDFA-5498-A8F8A9302E3B}"/>
+              </a:ext>
+            </a:extLst>
+          </p:cNvPr>
+          <p:cNvSpPr txBox="1"/>
+          <p:nvPr/>
+        </p:nvSpPr>
+        <p:spPr>
+          <a:xfrm>
+            <a:off x="4779731" y="3652802"/>
+            <a:ext cx="2644346" cy="369332"/>
+          </a:xfrm>
+          <a:prstGeom prst="rect">
+            <a:avLst/>
+          </a:prstGeom>
+          <a:noFill/>
+        </p:spPr>
+        <p:txBody>
+          <a:bodyPr wrap="square" rtlCol="0">
+            <a:spAutoFit/>
+          </a:bodyPr>
+          <a:lstStyle/>
+          <a:p>
+            <a:pPr algn="ctr"/>
+            <a:r>
+              <a:rPr lang="en-US" altLang="zh-TW" dirty="0"/>
+              <a:t>Collected data sample</a:t>
+            </a:r>
+            <a:endParaRPr lang="zh-TW" altLang="en-US" dirty="0"/>
+          </a:p>
+        </p:txBody>
+      </p:sp>
+      <p:pic>
+        <p:nvPicPr>
+          <p:cNvPr id="8" name="圖片 7">
+            <a:extLst>
+              <a:ext uri="{FF2B5EF4-FFF2-40B4-BE49-F238E27FC236}">
+                <a16:creationId xmlns:a16="http://schemas.microsoft.com/office/drawing/2014/main" id="{131C36B1-15A7-5405-6CB2-7E340C579273}"/>
+              </a:ext>
+            </a:extLst>
+          </p:cNvPr>
+          <p:cNvPicPr>
+            <a:picLocks noChangeAspect="1"/>
+          </p:cNvPicPr>
+          <p:nvPr/>
+        </p:nvPicPr>
+        <p:blipFill>
+          <a:blip r:embed="rId4"/>
+          <a:stretch>
+            <a:fillRect/>
+          </a:stretch>
+        </p:blipFill>
+        <p:spPr>
+          <a:xfrm>
+            <a:off x="442507" y="4364185"/>
+            <a:ext cx="11541213" cy="1387345"/>
+          </a:xfrm>
+          <a:prstGeom prst="rect">
+            <a:avLst/>
+          </a:prstGeom>
+        </p:spPr>
+      </p:pic>
+      <p:sp>
+        <p:nvSpPr>
+          <p:cNvPr id="9" name="文字方塊 8">
+            <a:extLst>
+              <a:ext uri="{FF2B5EF4-FFF2-40B4-BE49-F238E27FC236}">
+                <a16:creationId xmlns:a16="http://schemas.microsoft.com/office/drawing/2014/main" id="{D89B857C-9D42-2FBE-D2BE-F0CDBCB565A1}"/>
+              </a:ext>
+            </a:extLst>
+          </p:cNvPr>
+          <p:cNvSpPr txBox="1"/>
+          <p:nvPr/>
+        </p:nvSpPr>
+        <p:spPr>
+          <a:xfrm>
+            <a:off x="4779731" y="5799268"/>
+            <a:ext cx="2644346" cy="369332"/>
+          </a:xfrm>
+          <a:prstGeom prst="rect">
+            <a:avLst/>
+          </a:prstGeom>
+          <a:noFill/>
+        </p:spPr>
+        <p:txBody>
+          <a:bodyPr wrap="square" rtlCol="0">
+            <a:spAutoFit/>
+          </a:bodyPr>
+          <a:lstStyle/>
+          <a:p>
+            <a:pPr algn="ctr"/>
+            <a:r>
+              <a:rPr lang="en-US" altLang="zh-TW" dirty="0"/>
+              <a:t>After time alignment</a:t>
+            </a:r>
+            <a:endParaRPr lang="zh-TW" altLang="en-US" dirty="0"/>
+          </a:p>
+        </p:txBody>
+      </p:sp>
+      <p:sp>
+        <p:nvSpPr>
+          <p:cNvPr id="13" name="文字方塊 12">
+            <a:extLst>
+              <a:ext uri="{FF2B5EF4-FFF2-40B4-BE49-F238E27FC236}">
+                <a16:creationId xmlns:a16="http://schemas.microsoft.com/office/drawing/2014/main" id="{90F8F831-42DC-5A7B-0267-A14F9422CD7C}"/>
+              </a:ext>
+            </a:extLst>
+          </p:cNvPr>
+          <p:cNvSpPr txBox="1"/>
+          <p:nvPr/>
+        </p:nvSpPr>
+        <p:spPr>
+          <a:xfrm>
+            <a:off x="1297709" y="1063106"/>
+            <a:ext cx="9596581" cy="461665"/>
+          </a:xfrm>
+          <a:prstGeom prst="rect">
+            <a:avLst/>
+          </a:prstGeom>
+          <a:noFill/>
+        </p:spPr>
+        <p:txBody>
+          <a:bodyPr wrap="square" rtlCol="0">
+            <a:spAutoFit/>
+          </a:bodyPr>
+          <a:lstStyle/>
+          <a:p>
+            <a:pPr algn="ctr"/>
+            <a:r>
+              <a:rPr lang="en-US" altLang="zh-TW" sz="2400" b="1" dirty="0">
+                <a:solidFill>
+                  <a:schemeClr val="accent1">
+                    <a:lumMod val="50000"/>
+                  </a:schemeClr>
+                </a:solidFill>
+                <a:latin typeface="微軟正黑體" panose="020B0604030504040204" pitchFamily="34" charset="-120"/>
+                <a:ea typeface="微軟正黑體" panose="020B0604030504040204" pitchFamily="34" charset="-120"/>
+              </a:rPr>
+              <a:t>time alignment procedure</a:t>
+            </a:r>
+          </a:p>
+        </p:txBody>
+      </p:sp>
+    </p:spTree>
+    <p:extLst>
+      <p:ext uri="{BB962C8B-B14F-4D97-AF65-F5344CB8AC3E}">
+        <p14:creationId xmlns:p14="http://schemas.microsoft.com/office/powerpoint/2010/main" val="2732763611"/>
+      </p:ext>
+    </p:extLst>
+  </p:cSld>
+  <p:clrMapOvr>
+    <a:masterClrMapping/>
+  </p:clrMapOvr>
+</p:sld>
+</file>
+
+<file path=ppt/slides/slide16.xml><?xml version="1.0" encoding="utf-8"?>
+<p:sld xmlns:a="http://schemas.openxmlformats.org/drawingml/2006/main" xmlns:r="http://schemas.openxmlformats.org/officeDocument/2006/relationships" xmlns:p="http://schemas.openxmlformats.org/presentationml/2006/main">
+  <p:cSld>
+    <p:spTree>
+      <p:nvGrpSpPr>
+        <p:cNvPr id="1" name="Shape 213">
+          <a:extLst>
+            <a:ext uri="{FF2B5EF4-FFF2-40B4-BE49-F238E27FC236}">
+              <a16:creationId xmlns:a16="http://schemas.microsoft.com/office/drawing/2014/main" id="{9B45703A-32DD-9AB3-E3D0-F3FD441EFFD7}"/>
+            </a:ext>
+          </a:extLst>
+        </p:cNvPr>
+        <p:cNvGrpSpPr/>
+        <p:nvPr/>
+      </p:nvGrpSpPr>
+      <p:grpSpPr>
+        <a:xfrm>
+          <a:off x="0" y="0"/>
+          <a:ext cx="0" cy="0"/>
+          <a:chOff x="0" y="0"/>
+          <a:chExt cx="0" cy="0"/>
+        </a:xfrm>
+      </p:grpSpPr>
+      <p:sp>
+        <p:nvSpPr>
+          <p:cNvPr id="2" name="矩形: 圓角 1">
+            <a:extLst>
+              <a:ext uri="{FF2B5EF4-FFF2-40B4-BE49-F238E27FC236}">
+                <a16:creationId xmlns:a16="http://schemas.microsoft.com/office/drawing/2014/main" id="{666B7118-4F6C-5AC1-D6E1-AF334412A7FA}"/>
               </a:ext>
             </a:extLst>
           </p:cNvPr>
@@ -23572,14 +27081,2638 @@
         </p:nvSpPr>
         <p:spPr>
           <a:xfrm>
-            <a:off x="2280213" y="3518704"/>
-            <a:ext cx="7674015" cy="798653"/>
+            <a:off x="1297709" y="306646"/>
+            <a:ext cx="9596581" cy="748147"/>
+          </a:xfrm>
+          <a:prstGeom prst="roundRect">
+            <a:avLst/>
+          </a:prstGeom>
+          <a:ln>
+            <a:noFill/>
+          </a:ln>
+        </p:spPr>
+        <p:style>
+          <a:lnRef idx="2">
+            <a:schemeClr val="accent1">
+              <a:shade val="15000"/>
+            </a:schemeClr>
+          </a:lnRef>
+          <a:fillRef idx="1">
+            <a:schemeClr val="accent1"/>
+          </a:fillRef>
+          <a:effectRef idx="0">
+            <a:schemeClr val="accent1"/>
+          </a:effectRef>
+          <a:fontRef idx="minor">
+            <a:schemeClr val="lt1"/>
+          </a:fontRef>
+        </p:style>
+        <p:txBody>
+          <a:bodyPr rtlCol="0" anchor="ctr"/>
+          <a:lstStyle/>
+          <a:p>
+            <a:pPr algn="ctr"/>
+            <a:r>
+              <a:rPr lang="en-US" altLang="zh-TW" sz="3200" b="1" dirty="0">
+                <a:solidFill>
+                  <a:schemeClr val="bg2">
+                    <a:lumMod val="75000"/>
+                  </a:schemeClr>
+                </a:solidFill>
+                <a:latin typeface="微軟正黑體" panose="020B0604030504040204" pitchFamily="34" charset="-120"/>
+                <a:ea typeface="微軟正黑體" panose="020B0604030504040204" pitchFamily="34" charset="-120"/>
+              </a:rPr>
+              <a:t>Data Flow and preprocessing</a:t>
+            </a:r>
+          </a:p>
+        </p:txBody>
+      </p:sp>
+      <p:sp>
+        <p:nvSpPr>
+          <p:cNvPr id="3" name="文字方塊 2">
+            <a:extLst>
+              <a:ext uri="{FF2B5EF4-FFF2-40B4-BE49-F238E27FC236}">
+                <a16:creationId xmlns:a16="http://schemas.microsoft.com/office/drawing/2014/main" id="{079BC51C-859C-CEC4-20F8-B6DEFC41DDAA}"/>
+              </a:ext>
+            </a:extLst>
+          </p:cNvPr>
+          <p:cNvSpPr txBox="1"/>
+          <p:nvPr/>
+        </p:nvSpPr>
+        <p:spPr>
+          <a:xfrm>
+            <a:off x="11505363" y="6263640"/>
+            <a:ext cx="478357" cy="369332"/>
           </a:xfrm>
           <a:prstGeom prst="rect">
             <a:avLst/>
           </a:prstGeom>
           <a:noFill/>
-          <a:ln w="57150">
+        </p:spPr>
+        <p:txBody>
+          <a:bodyPr wrap="square" rtlCol="0">
+            <a:spAutoFit/>
+          </a:bodyPr>
+          <a:lstStyle/>
+          <a:p>
+            <a:pPr algn="ctr"/>
+            <a:r>
+              <a:rPr lang="en-US" altLang="zh-TW" dirty="0"/>
+              <a:t>15</a:t>
+            </a:r>
+            <a:endParaRPr lang="zh-TW" altLang="en-US" dirty="0"/>
+          </a:p>
+        </p:txBody>
+      </p:sp>
+      <p:sp>
+        <p:nvSpPr>
+          <p:cNvPr id="13" name="文字方塊 12">
+            <a:extLst>
+              <a:ext uri="{FF2B5EF4-FFF2-40B4-BE49-F238E27FC236}">
+                <a16:creationId xmlns:a16="http://schemas.microsoft.com/office/drawing/2014/main" id="{69D8C3C7-E938-D622-477C-021E473B939D}"/>
+              </a:ext>
+            </a:extLst>
+          </p:cNvPr>
+          <p:cNvSpPr txBox="1"/>
+          <p:nvPr/>
+        </p:nvSpPr>
+        <p:spPr>
+          <a:xfrm>
+            <a:off x="1297709" y="1063106"/>
+            <a:ext cx="9596581" cy="461665"/>
+          </a:xfrm>
+          <a:prstGeom prst="rect">
+            <a:avLst/>
+          </a:prstGeom>
+          <a:noFill/>
+        </p:spPr>
+        <p:txBody>
+          <a:bodyPr wrap="square" rtlCol="0">
+            <a:spAutoFit/>
+          </a:bodyPr>
+          <a:lstStyle/>
+          <a:p>
+            <a:pPr algn="ctr"/>
+            <a:r>
+              <a:rPr lang="en-US" altLang="zh-TW" sz="2400" b="1" dirty="0">
+                <a:solidFill>
+                  <a:schemeClr val="accent1">
+                    <a:lumMod val="50000"/>
+                  </a:schemeClr>
+                </a:solidFill>
+                <a:latin typeface="微軟正黑體" panose="020B0604030504040204" pitchFamily="34" charset="-120"/>
+                <a:ea typeface="微軟正黑體" panose="020B0604030504040204" pitchFamily="34" charset="-120"/>
+              </a:rPr>
+              <a:t>Z-score normalization</a:t>
+            </a:r>
+          </a:p>
+        </p:txBody>
+      </p:sp>
+      <p:grpSp>
+        <p:nvGrpSpPr>
+          <p:cNvPr id="19" name="群組 18">
+            <a:extLst>
+              <a:ext uri="{FF2B5EF4-FFF2-40B4-BE49-F238E27FC236}">
+                <a16:creationId xmlns:a16="http://schemas.microsoft.com/office/drawing/2014/main" id="{EA456C3E-FC88-D23C-3E6E-928AE10041B7}"/>
+              </a:ext>
+            </a:extLst>
+          </p:cNvPr>
+          <p:cNvGrpSpPr/>
+          <p:nvPr/>
+        </p:nvGrpSpPr>
+        <p:grpSpPr>
+          <a:xfrm>
+            <a:off x="757094" y="2257527"/>
+            <a:ext cx="4988689" cy="1517454"/>
+            <a:chOff x="3217762" y="2083443"/>
+            <a:chExt cx="4988689" cy="1517454"/>
+          </a:xfrm>
+        </p:grpSpPr>
+        <p:sp>
+          <p:nvSpPr>
+            <p:cNvPr id="16" name="文字方塊 15">
+              <a:extLst>
+                <a:ext uri="{FF2B5EF4-FFF2-40B4-BE49-F238E27FC236}">
+                  <a16:creationId xmlns:a16="http://schemas.microsoft.com/office/drawing/2014/main" id="{33789F8B-D5AA-D521-3EA0-25B8C69E0F42}"/>
+                </a:ext>
+              </a:extLst>
+            </p:cNvPr>
+            <p:cNvSpPr txBox="1"/>
+            <p:nvPr/>
+          </p:nvSpPr>
+          <p:spPr>
+            <a:xfrm>
+              <a:off x="3217762" y="2083443"/>
+              <a:ext cx="4988689" cy="400110"/>
+            </a:xfrm>
+            <a:prstGeom prst="rect">
+              <a:avLst/>
+            </a:prstGeom>
+            <a:noFill/>
+          </p:spPr>
+          <p:txBody>
+            <a:bodyPr wrap="square" rtlCol="0">
+              <a:spAutoFit/>
+            </a:bodyPr>
+            <a:lstStyle/>
+            <a:p>
+              <a:r>
+                <a:rPr lang="fi-FI" altLang="zh-TW" sz="2000" dirty="0">
+                  <a:latin typeface="微軟正黑體" panose="020B0604030504040204" pitchFamily="34" charset="-120"/>
+                  <a:ea typeface="微軟正黑體" panose="020B0604030504040204" pitchFamily="34" charset="-120"/>
+                </a:rPr>
+                <a:t>R</a:t>
+              </a:r>
+              <a:r>
+                <a:rPr lang="en-US" altLang="zh-TW" sz="2000" baseline="-25000" dirty="0">
+                  <a:latin typeface="微軟正黑體" panose="020B0604030504040204" pitchFamily="34" charset="-120"/>
+                  <a:ea typeface="微軟正黑體" panose="020B0604030504040204" pitchFamily="34" charset="-120"/>
+                </a:rPr>
+                <a:t>j</a:t>
+              </a:r>
+              <a:r>
+                <a:rPr lang="fi-FI" altLang="zh-TW" sz="2000" dirty="0">
+                  <a:latin typeface="微軟正黑體" panose="020B0604030504040204" pitchFamily="34" charset="-120"/>
+                  <a:ea typeface="微軟正黑體" panose="020B0604030504040204" pitchFamily="34" charset="-120"/>
+                </a:rPr>
+                <a:t> = [RSSI</a:t>
+              </a:r>
+              <a:r>
+                <a:rPr lang="fi-FI" altLang="zh-TW" sz="2000" baseline="-25000" dirty="0">
+                  <a:latin typeface="微軟正黑體" panose="020B0604030504040204" pitchFamily="34" charset="-120"/>
+                  <a:ea typeface="微軟正黑體" panose="020B0604030504040204" pitchFamily="34" charset="-120"/>
+                </a:rPr>
+                <a:t>1</a:t>
+              </a:r>
+              <a:r>
+                <a:rPr lang="fi-FI" altLang="zh-TW" sz="2000" dirty="0">
+                  <a:latin typeface="微軟正黑體" panose="020B0604030504040204" pitchFamily="34" charset="-120"/>
+                  <a:ea typeface="微軟正黑體" panose="020B0604030504040204" pitchFamily="34" charset="-120"/>
+                </a:rPr>
+                <a:t>, RSSI</a:t>
+              </a:r>
+              <a:r>
+                <a:rPr lang="fi-FI" altLang="zh-TW" sz="2000" baseline="-25000" dirty="0">
+                  <a:latin typeface="微軟正黑體" panose="020B0604030504040204" pitchFamily="34" charset="-120"/>
+                  <a:ea typeface="微軟正黑體" panose="020B0604030504040204" pitchFamily="34" charset="-120"/>
+                </a:rPr>
+                <a:t>2</a:t>
+              </a:r>
+              <a:r>
+                <a:rPr lang="fi-FI" altLang="zh-TW" sz="2000" dirty="0">
+                  <a:latin typeface="微軟正黑體" panose="020B0604030504040204" pitchFamily="34" charset="-120"/>
+                  <a:ea typeface="微軟正黑體" panose="020B0604030504040204" pitchFamily="34" charset="-120"/>
+                </a:rPr>
+                <a:t>, ..., RSSI</a:t>
+              </a:r>
+              <a:r>
+                <a:rPr lang="fi-FI" altLang="zh-TW" sz="2000" baseline="-25000" dirty="0">
+                  <a:latin typeface="微軟正黑體" panose="020B0604030504040204" pitchFamily="34" charset="-120"/>
+                  <a:ea typeface="微軟正黑體" panose="020B0604030504040204" pitchFamily="34" charset="-120"/>
+                </a:rPr>
+                <a:t>N</a:t>
+              </a:r>
+              <a:r>
+                <a:rPr lang="fi-FI" altLang="zh-TW" sz="2000" dirty="0">
+                  <a:latin typeface="微軟正黑體" panose="020B0604030504040204" pitchFamily="34" charset="-120"/>
+                  <a:ea typeface="微軟正黑體" panose="020B0604030504040204" pitchFamily="34" charset="-120"/>
+                </a:rPr>
+                <a:t>]</a:t>
+              </a:r>
+            </a:p>
+          </p:txBody>
+        </p:sp>
+        <p:sp>
+          <p:nvSpPr>
+            <p:cNvPr id="17" name="文字方塊 16">
+              <a:extLst>
+                <a:ext uri="{FF2B5EF4-FFF2-40B4-BE49-F238E27FC236}">
+                  <a16:creationId xmlns:a16="http://schemas.microsoft.com/office/drawing/2014/main" id="{1C6998BA-C09E-7DE3-A458-6720ED68A897}"/>
+                </a:ext>
+              </a:extLst>
+            </p:cNvPr>
+            <p:cNvSpPr txBox="1"/>
+            <p:nvPr/>
+          </p:nvSpPr>
+          <p:spPr>
+            <a:xfrm>
+              <a:off x="3217762" y="2642115"/>
+              <a:ext cx="4988689" cy="400110"/>
+            </a:xfrm>
+            <a:prstGeom prst="rect">
+              <a:avLst/>
+            </a:prstGeom>
+            <a:noFill/>
+          </p:spPr>
+          <p:txBody>
+            <a:bodyPr wrap="square" rtlCol="0">
+              <a:spAutoFit/>
+            </a:bodyPr>
+            <a:lstStyle/>
+            <a:p>
+              <a:r>
+                <a:rPr lang="en-US" altLang="zh-TW" sz="2000" dirty="0">
+                  <a:latin typeface="微軟正黑體" panose="020B0604030504040204" pitchFamily="34" charset="-120"/>
+                  <a:ea typeface="微軟正黑體" panose="020B0604030504040204" pitchFamily="34" charset="-120"/>
+                </a:rPr>
+                <a:t>F</a:t>
+              </a:r>
+              <a:r>
+                <a:rPr lang="en-US" altLang="zh-TW" sz="2000" baseline="-25000" dirty="0">
+                  <a:latin typeface="微軟正黑體" panose="020B0604030504040204" pitchFamily="34" charset="-120"/>
+                  <a:ea typeface="微軟正黑體" panose="020B0604030504040204" pitchFamily="34" charset="-120"/>
+                </a:rPr>
+                <a:t>j</a:t>
+              </a:r>
+              <a:r>
+                <a:rPr lang="fi-FI" altLang="zh-TW" sz="2000" dirty="0">
+                  <a:latin typeface="微軟正黑體" panose="020B0604030504040204" pitchFamily="34" charset="-120"/>
+                  <a:ea typeface="微軟正黑體" panose="020B0604030504040204" pitchFamily="34" charset="-120"/>
+                </a:rPr>
+                <a:t> = [distance</a:t>
+              </a:r>
+              <a:r>
+                <a:rPr lang="fi-FI" altLang="zh-TW" sz="2000" baseline="-25000" dirty="0">
+                  <a:latin typeface="微軟正黑體" panose="020B0604030504040204" pitchFamily="34" charset="-120"/>
+                  <a:ea typeface="微軟正黑體" panose="020B0604030504040204" pitchFamily="34" charset="-120"/>
+                </a:rPr>
+                <a:t>1</a:t>
+              </a:r>
+              <a:r>
+                <a:rPr lang="fi-FI" altLang="zh-TW" sz="2000" dirty="0">
+                  <a:latin typeface="微軟正黑體" panose="020B0604030504040204" pitchFamily="34" charset="-120"/>
+                  <a:ea typeface="微軟正黑體" panose="020B0604030504040204" pitchFamily="34" charset="-120"/>
+                </a:rPr>
+                <a:t>, distance</a:t>
+              </a:r>
+              <a:r>
+                <a:rPr lang="fi-FI" altLang="zh-TW" sz="2000" baseline="-25000" dirty="0">
+                  <a:latin typeface="微軟正黑體" panose="020B0604030504040204" pitchFamily="34" charset="-120"/>
+                  <a:ea typeface="微軟正黑體" panose="020B0604030504040204" pitchFamily="34" charset="-120"/>
+                </a:rPr>
+                <a:t>2</a:t>
+              </a:r>
+              <a:r>
+                <a:rPr lang="fi-FI" altLang="zh-TW" sz="2000" dirty="0">
+                  <a:latin typeface="微軟正黑體" panose="020B0604030504040204" pitchFamily="34" charset="-120"/>
+                  <a:ea typeface="微軟正黑體" panose="020B0604030504040204" pitchFamily="34" charset="-120"/>
+                </a:rPr>
+                <a:t>, ..., distance</a:t>
+              </a:r>
+              <a:r>
+                <a:rPr lang="fi-FI" altLang="zh-TW" sz="2000" baseline="-25000" dirty="0">
+                  <a:latin typeface="微軟正黑體" panose="020B0604030504040204" pitchFamily="34" charset="-120"/>
+                  <a:ea typeface="微軟正黑體" panose="020B0604030504040204" pitchFamily="34" charset="-120"/>
+                </a:rPr>
+                <a:t>N</a:t>
+              </a:r>
+              <a:r>
+                <a:rPr lang="fi-FI" altLang="zh-TW" sz="2000" dirty="0">
+                  <a:latin typeface="微軟正黑體" panose="020B0604030504040204" pitchFamily="34" charset="-120"/>
+                  <a:ea typeface="微軟正黑體" panose="020B0604030504040204" pitchFamily="34" charset="-120"/>
+                </a:rPr>
+                <a:t>]</a:t>
+              </a:r>
+            </a:p>
+          </p:txBody>
+        </p:sp>
+        <p:sp>
+          <p:nvSpPr>
+            <p:cNvPr id="18" name="文字方塊 17">
+              <a:extLst>
+                <a:ext uri="{FF2B5EF4-FFF2-40B4-BE49-F238E27FC236}">
+                  <a16:creationId xmlns:a16="http://schemas.microsoft.com/office/drawing/2014/main" id="{25E9F0CA-2AA1-BACF-23F7-763989B2B31F}"/>
+                </a:ext>
+              </a:extLst>
+            </p:cNvPr>
+            <p:cNvSpPr txBox="1"/>
+            <p:nvPr/>
+          </p:nvSpPr>
+          <p:spPr>
+            <a:xfrm>
+              <a:off x="3217762" y="3200787"/>
+              <a:ext cx="4988689" cy="400110"/>
+            </a:xfrm>
+            <a:prstGeom prst="rect">
+              <a:avLst/>
+            </a:prstGeom>
+            <a:noFill/>
+          </p:spPr>
+          <p:txBody>
+            <a:bodyPr wrap="square" rtlCol="0">
+              <a:spAutoFit/>
+            </a:bodyPr>
+            <a:lstStyle/>
+            <a:p>
+              <a:r>
+                <a:rPr lang="fi-FI" altLang="zh-TW" sz="2000" dirty="0">
+                  <a:latin typeface="微軟正黑體" panose="020B0604030504040204" pitchFamily="34" charset="-120"/>
+                  <a:ea typeface="微軟正黑體" panose="020B0604030504040204" pitchFamily="34" charset="-120"/>
+                </a:rPr>
+                <a:t>S</a:t>
+              </a:r>
+              <a:r>
+                <a:rPr lang="en-US" altLang="zh-TW" sz="2000" baseline="-25000" dirty="0">
+                  <a:latin typeface="微軟正黑體" panose="020B0604030504040204" pitchFamily="34" charset="-120"/>
+                  <a:ea typeface="微軟正黑體" panose="020B0604030504040204" pitchFamily="34" charset="-120"/>
+                </a:rPr>
+                <a:t>j</a:t>
+              </a:r>
+              <a:r>
+                <a:rPr lang="fi-FI" altLang="zh-TW" sz="2000" dirty="0">
+                  <a:latin typeface="微軟正黑體" panose="020B0604030504040204" pitchFamily="34" charset="-120"/>
+                  <a:ea typeface="微軟正黑體" panose="020B0604030504040204" pitchFamily="34" charset="-120"/>
+                </a:rPr>
+                <a:t> = [StdDev</a:t>
+              </a:r>
+              <a:r>
+                <a:rPr lang="fi-FI" altLang="zh-TW" sz="2000" baseline="-25000" dirty="0">
+                  <a:latin typeface="微軟正黑體" panose="020B0604030504040204" pitchFamily="34" charset="-120"/>
+                  <a:ea typeface="微軟正黑體" panose="020B0604030504040204" pitchFamily="34" charset="-120"/>
+                </a:rPr>
+                <a:t>1</a:t>
+              </a:r>
+              <a:r>
+                <a:rPr lang="fi-FI" altLang="zh-TW" sz="2000" dirty="0">
+                  <a:latin typeface="微軟正黑體" panose="020B0604030504040204" pitchFamily="34" charset="-120"/>
+                  <a:ea typeface="微軟正黑體" panose="020B0604030504040204" pitchFamily="34" charset="-120"/>
+                </a:rPr>
+                <a:t>, StdDev</a:t>
+              </a:r>
+              <a:r>
+                <a:rPr lang="fi-FI" altLang="zh-TW" sz="2000" baseline="-25000" dirty="0">
+                  <a:latin typeface="微軟正黑體" panose="020B0604030504040204" pitchFamily="34" charset="-120"/>
+                  <a:ea typeface="微軟正黑體" panose="020B0604030504040204" pitchFamily="34" charset="-120"/>
+                </a:rPr>
+                <a:t>2</a:t>
+              </a:r>
+              <a:r>
+                <a:rPr lang="fi-FI" altLang="zh-TW" sz="2000" dirty="0">
+                  <a:latin typeface="微軟正黑體" panose="020B0604030504040204" pitchFamily="34" charset="-120"/>
+                  <a:ea typeface="微軟正黑體" panose="020B0604030504040204" pitchFamily="34" charset="-120"/>
+                </a:rPr>
+                <a:t>, ..., StdDev</a:t>
+              </a:r>
+              <a:r>
+                <a:rPr lang="fi-FI" altLang="zh-TW" sz="2000" baseline="-25000" dirty="0">
+                  <a:latin typeface="微軟正黑體" panose="020B0604030504040204" pitchFamily="34" charset="-120"/>
+                  <a:ea typeface="微軟正黑體" panose="020B0604030504040204" pitchFamily="34" charset="-120"/>
+                </a:rPr>
+                <a:t>N</a:t>
+              </a:r>
+              <a:r>
+                <a:rPr lang="fi-FI" altLang="zh-TW" sz="2000" dirty="0">
+                  <a:latin typeface="微軟正黑體" panose="020B0604030504040204" pitchFamily="34" charset="-120"/>
+                  <a:ea typeface="微軟正黑體" panose="020B0604030504040204" pitchFamily="34" charset="-120"/>
+                </a:rPr>
+                <a:t>]</a:t>
+              </a:r>
+            </a:p>
+          </p:txBody>
+        </p:sp>
+      </p:grpSp>
+      <mc:AlternateContent xmlns:mc="http://schemas.openxmlformats.org/markup-compatibility/2006">
+        <mc:Choice xmlns:a14="http://schemas.microsoft.com/office/drawing/2010/main" Requires="a14">
+          <p:sp>
+            <p:nvSpPr>
+              <p:cNvPr id="20" name="文字方塊 19">
+                <a:extLst>
+                  <a:ext uri="{FF2B5EF4-FFF2-40B4-BE49-F238E27FC236}">
+                    <a16:creationId xmlns:a16="http://schemas.microsoft.com/office/drawing/2014/main" id="{3D120092-292C-295B-F3FB-1DA266E53995}"/>
+                  </a:ext>
+                </a:extLst>
+              </p:cNvPr>
+              <p:cNvSpPr txBox="1"/>
+              <p:nvPr/>
+            </p:nvSpPr>
+            <p:spPr>
+              <a:xfrm>
+                <a:off x="6188393" y="1964691"/>
+                <a:ext cx="5369667" cy="746102"/>
+              </a:xfrm>
+              <a:prstGeom prst="rect">
+                <a:avLst/>
+              </a:prstGeom>
+              <a:noFill/>
+            </p:spPr>
+            <p:txBody>
+              <a:bodyPr wrap="square" lIns="0" tIns="0" rIns="0" bIns="0" rtlCol="0">
+                <a:spAutoFit/>
+              </a:bodyPr>
+              <a:lstStyle/>
+              <a:p>
+                <a:pPr/>
+                <a14:m>
+                  <m:oMathPara xmlns:m="http://schemas.openxmlformats.org/officeDocument/2006/math">
+                    <m:oMathParaPr>
+                      <m:jc m:val="center"/>
+                    </m:oMathParaPr>
+                    <m:oMath xmlns:m="http://schemas.openxmlformats.org/officeDocument/2006/math">
+                      <m:sSub>
+                        <m:sSubPr>
+                          <m:ctrlPr>
+                            <a:rPr lang="en-US" altLang="zh-TW" sz="2000" b="0" i="1" smtClean="0">
+                              <a:latin typeface="Cambria Math" panose="02040503050406030204" pitchFamily="18" charset="0"/>
+                            </a:rPr>
+                          </m:ctrlPr>
+                        </m:sSubPr>
+                        <m:e>
+                          <m:r>
+                            <a:rPr lang="en-US" altLang="zh-TW" sz="2000" b="0" i="1" smtClean="0">
+                              <a:latin typeface="Cambria Math" panose="02040503050406030204" pitchFamily="18" charset="0"/>
+                            </a:rPr>
+                            <m:t>𝑅𝑆𝑆𝐼</m:t>
+                          </m:r>
+                          <m:r>
+                            <a:rPr lang="en-US" altLang="zh-TW" sz="2000" b="0" i="1" smtClean="0">
+                              <a:latin typeface="Cambria Math" panose="02040503050406030204" pitchFamily="18" charset="0"/>
+                            </a:rPr>
+                            <m:t>′</m:t>
+                          </m:r>
+                        </m:e>
+                        <m:sub>
+                          <m:r>
+                            <a:rPr lang="en-US" altLang="zh-TW" sz="2000" b="0" i="1" smtClean="0">
+                              <a:latin typeface="Cambria Math" panose="02040503050406030204" pitchFamily="18" charset="0"/>
+                            </a:rPr>
+                            <m:t>𝑗</m:t>
+                          </m:r>
+                          <m:r>
+                            <a:rPr lang="en-US" altLang="zh-TW" sz="2000" b="0" i="1" smtClean="0">
+                              <a:latin typeface="Cambria Math" panose="02040503050406030204" pitchFamily="18" charset="0"/>
+                            </a:rPr>
+                            <m:t>,</m:t>
+                          </m:r>
+                          <m:r>
+                            <a:rPr lang="en-US" altLang="zh-TW" sz="2000" b="0" i="1" smtClean="0">
+                              <a:latin typeface="Cambria Math" panose="02040503050406030204" pitchFamily="18" charset="0"/>
+                            </a:rPr>
+                            <m:t>𝑛</m:t>
+                          </m:r>
+                        </m:sub>
+                      </m:sSub>
+                      <m:r>
+                        <a:rPr lang="en-US" altLang="zh-TW" sz="2000" b="0" i="1" smtClean="0">
+                          <a:latin typeface="Cambria Math" panose="02040503050406030204" pitchFamily="18" charset="0"/>
+                        </a:rPr>
+                        <m:t> </m:t>
+                      </m:r>
+                      <m:r>
+                        <a:rPr lang="en-US" altLang="zh-TW" sz="2000" b="0" i="1" smtClean="0">
+                          <a:latin typeface="Cambria Math" panose="02040503050406030204" pitchFamily="18" charset="0"/>
+                          <a:ea typeface="Cambria Math" panose="02040503050406030204" pitchFamily="18" charset="0"/>
+                        </a:rPr>
+                        <m:t>= </m:t>
+                      </m:r>
+                      <m:f>
+                        <m:fPr>
+                          <m:ctrlPr>
+                            <a:rPr lang="en-US" altLang="zh-TW" sz="2000" b="0" i="1" smtClean="0">
+                              <a:latin typeface="Cambria Math" panose="02040503050406030204" pitchFamily="18" charset="0"/>
+                              <a:ea typeface="Cambria Math" panose="02040503050406030204" pitchFamily="18" charset="0"/>
+                            </a:rPr>
+                          </m:ctrlPr>
+                        </m:fPr>
+                        <m:num>
+                          <m:sSub>
+                            <m:sSubPr>
+                              <m:ctrlPr>
+                                <a:rPr lang="en-US" altLang="zh-TW" sz="2000" i="1">
+                                  <a:latin typeface="Cambria Math" panose="02040503050406030204" pitchFamily="18" charset="0"/>
+                                </a:rPr>
+                              </m:ctrlPr>
+                            </m:sSubPr>
+                            <m:e>
+                              <m:r>
+                                <a:rPr lang="en-US" altLang="zh-TW" sz="2000" i="1">
+                                  <a:latin typeface="Cambria Math" panose="02040503050406030204" pitchFamily="18" charset="0"/>
+                                </a:rPr>
+                                <m:t>𝑅𝑆𝑆𝐼</m:t>
+                              </m:r>
+                            </m:e>
+                            <m:sub>
+                              <m:r>
+                                <a:rPr lang="en-US" altLang="zh-TW" sz="2000" i="1">
+                                  <a:latin typeface="Cambria Math" panose="02040503050406030204" pitchFamily="18" charset="0"/>
+                                </a:rPr>
+                                <m:t>𝑗</m:t>
+                              </m:r>
+                              <m:r>
+                                <a:rPr lang="en-US" altLang="zh-TW" sz="2000" i="1">
+                                  <a:latin typeface="Cambria Math" panose="02040503050406030204" pitchFamily="18" charset="0"/>
+                                </a:rPr>
+                                <m:t>,</m:t>
+                              </m:r>
+                              <m:r>
+                                <a:rPr lang="en-US" altLang="zh-TW" sz="2000" i="1">
+                                  <a:latin typeface="Cambria Math" panose="02040503050406030204" pitchFamily="18" charset="0"/>
+                                </a:rPr>
+                                <m:t>𝑛</m:t>
+                              </m:r>
+                            </m:sub>
+                          </m:sSub>
+                          <m:r>
+                            <a:rPr lang="en-US" altLang="zh-TW" sz="2000" b="0" i="1" smtClean="0">
+                              <a:latin typeface="Cambria Math" panose="02040503050406030204" pitchFamily="18" charset="0"/>
+                            </a:rPr>
+                            <m:t>−</m:t>
+                          </m:r>
+                          <m:sSub>
+                            <m:sSubPr>
+                              <m:ctrlPr>
+                                <a:rPr lang="en-US" altLang="zh-TW" sz="2000" b="0" i="1" smtClean="0">
+                                  <a:latin typeface="Cambria Math" panose="02040503050406030204" pitchFamily="18" charset="0"/>
+                                </a:rPr>
+                              </m:ctrlPr>
+                            </m:sSubPr>
+                            <m:e>
+                              <m:r>
+                                <a:rPr lang="zh-TW" altLang="en-US" sz="2000" b="0" i="1" smtClean="0">
+                                  <a:latin typeface="Cambria Math" panose="02040503050406030204" pitchFamily="18" charset="0"/>
+                                </a:rPr>
+                                <m:t>𝜇</m:t>
+                              </m:r>
+                            </m:e>
+                            <m:sub>
+                              <m:sSub>
+                                <m:sSubPr>
+                                  <m:ctrlPr>
+                                    <a:rPr lang="en-US" altLang="zh-TW" sz="2000" b="0" i="1" smtClean="0">
+                                      <a:latin typeface="Cambria Math" panose="02040503050406030204" pitchFamily="18" charset="0"/>
+                                    </a:rPr>
+                                  </m:ctrlPr>
+                                </m:sSubPr>
+                                <m:e>
+                                  <m:r>
+                                    <a:rPr lang="en-US" altLang="zh-TW" sz="2000" b="0" i="1" smtClean="0">
+                                      <a:latin typeface="Cambria Math" panose="02040503050406030204" pitchFamily="18" charset="0"/>
+                                    </a:rPr>
+                                    <m:t>𝑅</m:t>
+                                  </m:r>
+                                </m:e>
+                                <m:sub>
+                                  <m:r>
+                                    <a:rPr lang="en-US" altLang="zh-TW" sz="2000" b="0" i="1" smtClean="0">
+                                      <a:latin typeface="Cambria Math" panose="02040503050406030204" pitchFamily="18" charset="0"/>
+                                    </a:rPr>
+                                    <m:t>𝑗</m:t>
+                                  </m:r>
+                                </m:sub>
+                              </m:sSub>
+                            </m:sub>
+                          </m:sSub>
+                          <m:r>
+                            <a:rPr lang="en-US" altLang="zh-TW" sz="2000" b="0" i="1" smtClean="0">
+                              <a:latin typeface="Cambria Math" panose="02040503050406030204" pitchFamily="18" charset="0"/>
+                            </a:rPr>
+                            <m:t>  </m:t>
+                          </m:r>
+                        </m:num>
+                        <m:den>
+                          <m:sSub>
+                            <m:sSubPr>
+                              <m:ctrlPr>
+                                <a:rPr lang="en-US" altLang="zh-TW" sz="2000" b="0" i="1" smtClean="0">
+                                  <a:latin typeface="Cambria Math" panose="02040503050406030204" pitchFamily="18" charset="0"/>
+                                  <a:ea typeface="Cambria Math" panose="02040503050406030204" pitchFamily="18" charset="0"/>
+                                </a:rPr>
+                              </m:ctrlPr>
+                            </m:sSubPr>
+                            <m:e>
+                              <m:r>
+                                <a:rPr lang="zh-TW" altLang="en-US" sz="2000" i="1">
+                                  <a:latin typeface="Cambria Math" panose="02040503050406030204" pitchFamily="18" charset="0"/>
+                                  <a:ea typeface="Cambria Math" panose="02040503050406030204" pitchFamily="18" charset="0"/>
+                                </a:rPr>
+                                <m:t>𝜎</m:t>
+                              </m:r>
+                            </m:e>
+                            <m:sub>
+                              <m:sSub>
+                                <m:sSubPr>
+                                  <m:ctrlPr>
+                                    <a:rPr lang="en-US" altLang="zh-TW" sz="2000" b="0" i="1" smtClean="0">
+                                      <a:latin typeface="Cambria Math" panose="02040503050406030204" pitchFamily="18" charset="0"/>
+                                      <a:ea typeface="Cambria Math" panose="02040503050406030204" pitchFamily="18" charset="0"/>
+                                    </a:rPr>
+                                  </m:ctrlPr>
+                                </m:sSubPr>
+                                <m:e>
+                                  <m:r>
+                                    <a:rPr lang="en-US" altLang="zh-TW" sz="2000" b="0" i="1" smtClean="0">
+                                      <a:latin typeface="Cambria Math" panose="02040503050406030204" pitchFamily="18" charset="0"/>
+                                      <a:ea typeface="Cambria Math" panose="02040503050406030204" pitchFamily="18" charset="0"/>
+                                    </a:rPr>
+                                    <m:t>𝑅</m:t>
+                                  </m:r>
+                                </m:e>
+                                <m:sub>
+                                  <m:r>
+                                    <a:rPr lang="en-US" altLang="zh-TW" sz="2000" b="0" i="1" smtClean="0">
+                                      <a:latin typeface="Cambria Math" panose="02040503050406030204" pitchFamily="18" charset="0"/>
+                                      <a:ea typeface="Cambria Math" panose="02040503050406030204" pitchFamily="18" charset="0"/>
+                                    </a:rPr>
+                                    <m:t>𝑗</m:t>
+                                  </m:r>
+                                </m:sub>
+                              </m:sSub>
+                            </m:sub>
+                          </m:sSub>
+                        </m:den>
+                      </m:f>
+                      <m:r>
+                        <a:rPr lang="en-US" altLang="zh-TW" sz="2000" b="0" i="0" smtClean="0">
+                          <a:latin typeface="Cambria Math" panose="02040503050406030204" pitchFamily="18" charset="0"/>
+                          <a:ea typeface="Cambria Math" panose="02040503050406030204" pitchFamily="18" charset="0"/>
+                        </a:rPr>
+                        <m:t>, </m:t>
+                      </m:r>
+                      <m:r>
+                        <m:rPr>
+                          <m:sty m:val="p"/>
+                        </m:rPr>
+                        <a:rPr lang="en-US" altLang="zh-TW" sz="2000" b="0" i="0" smtClean="0">
+                          <a:latin typeface="Cambria Math" panose="02040503050406030204" pitchFamily="18" charset="0"/>
+                          <a:ea typeface="Cambria Math" panose="02040503050406030204" pitchFamily="18" charset="0"/>
+                        </a:rPr>
+                        <m:t>n</m:t>
+                      </m:r>
+                      <m:r>
+                        <a:rPr lang="en-US" altLang="zh-TW" sz="2000" b="0" i="0" smtClean="0">
+                          <a:latin typeface="Cambria Math" panose="02040503050406030204" pitchFamily="18" charset="0"/>
+                          <a:ea typeface="Cambria Math" panose="02040503050406030204" pitchFamily="18" charset="0"/>
+                        </a:rPr>
+                        <m:t>=1,2,…,</m:t>
+                      </m:r>
+                      <m:r>
+                        <m:rPr>
+                          <m:sty m:val="p"/>
+                        </m:rPr>
+                        <a:rPr lang="en-US" altLang="zh-TW" sz="2000" b="0" i="0" smtClean="0">
+                          <a:latin typeface="Cambria Math" panose="02040503050406030204" pitchFamily="18" charset="0"/>
+                          <a:ea typeface="Cambria Math" panose="02040503050406030204" pitchFamily="18" charset="0"/>
+                        </a:rPr>
+                        <m:t>N</m:t>
+                      </m:r>
+                    </m:oMath>
+                  </m:oMathPara>
+                </a14:m>
+                <a:endParaRPr lang="en-US" altLang="zh-TW" sz="2000" b="0" dirty="0">
+                  <a:ea typeface="Cambria Math" panose="02040503050406030204" pitchFamily="18" charset="0"/>
+                </a:endParaRPr>
+              </a:p>
+            </p:txBody>
+          </p:sp>
+        </mc:Choice>
+        <mc:Fallback>
+          <p:sp>
+            <p:nvSpPr>
+              <p:cNvPr id="20" name="文字方塊 19">
+                <a:extLst>
+                  <a:ext uri="{FF2B5EF4-FFF2-40B4-BE49-F238E27FC236}">
+                    <a16:creationId xmlns:a16="http://schemas.microsoft.com/office/drawing/2014/main" id="{3D120092-292C-295B-F3FB-1DA266E53995}"/>
+                  </a:ext>
+                </a:extLst>
+              </p:cNvPr>
+              <p:cNvSpPr txBox="1">
+                <a:spLocks noRot="1" noChangeAspect="1" noMove="1" noResize="1" noEditPoints="1" noAdjustHandles="1" noChangeArrowheads="1" noChangeShapeType="1" noTextEdit="1"/>
+              </p:cNvSpPr>
+              <p:nvPr/>
+            </p:nvSpPr>
+            <p:spPr>
+              <a:xfrm>
+                <a:off x="6188393" y="1964691"/>
+                <a:ext cx="5369667" cy="746102"/>
+              </a:xfrm>
+              <a:prstGeom prst="rect">
+                <a:avLst/>
+              </a:prstGeom>
+              <a:blipFill>
+                <a:blip r:embed="rId3"/>
+                <a:stretch>
+                  <a:fillRect/>
+                </a:stretch>
+              </a:blipFill>
+            </p:spPr>
+            <p:txBody>
+              <a:bodyPr/>
+              <a:lstStyle/>
+              <a:p>
+                <a:r>
+                  <a:rPr lang="zh-TW" altLang="en-US">
+                    <a:noFill/>
+                  </a:rPr>
+                  <a:t> </a:t>
+                </a:r>
+              </a:p>
+            </p:txBody>
+          </p:sp>
+        </mc:Fallback>
+      </mc:AlternateContent>
+      <mc:AlternateContent xmlns:mc="http://schemas.openxmlformats.org/markup-compatibility/2006">
+        <mc:Choice xmlns:a14="http://schemas.microsoft.com/office/drawing/2010/main" Requires="a14">
+          <p:sp>
+            <p:nvSpPr>
+              <p:cNvPr id="21" name="文字方塊 20">
+                <a:extLst>
+                  <a:ext uri="{FF2B5EF4-FFF2-40B4-BE49-F238E27FC236}">
+                    <a16:creationId xmlns:a16="http://schemas.microsoft.com/office/drawing/2014/main" id="{F6722C21-C62D-132A-AD34-115A1B77DA16}"/>
+                  </a:ext>
+                </a:extLst>
+              </p:cNvPr>
+              <p:cNvSpPr txBox="1"/>
+              <p:nvPr/>
+            </p:nvSpPr>
+            <p:spPr>
+              <a:xfrm>
+                <a:off x="5745783" y="3150713"/>
+                <a:ext cx="6254885" cy="752257"/>
+              </a:xfrm>
+              <a:prstGeom prst="rect">
+                <a:avLst/>
+              </a:prstGeom>
+              <a:noFill/>
+            </p:spPr>
+            <p:txBody>
+              <a:bodyPr wrap="square" lIns="0" tIns="0" rIns="0" bIns="0" rtlCol="0">
+                <a:spAutoFit/>
+              </a:bodyPr>
+              <a:lstStyle/>
+              <a:p>
+                <a:pPr/>
+                <a14:m>
+                  <m:oMathPara xmlns:m="http://schemas.openxmlformats.org/officeDocument/2006/math">
+                    <m:oMathParaPr>
+                      <m:jc m:val="center"/>
+                    </m:oMathParaPr>
+                    <m:oMath xmlns:m="http://schemas.openxmlformats.org/officeDocument/2006/math">
+                      <m:sSub>
+                        <m:sSubPr>
+                          <m:ctrlPr>
+                            <a:rPr lang="en-US" altLang="zh-TW" sz="2000" b="0" i="1" smtClean="0">
+                              <a:latin typeface="Cambria Math" panose="02040503050406030204" pitchFamily="18" charset="0"/>
+                            </a:rPr>
+                          </m:ctrlPr>
+                        </m:sSubPr>
+                        <m:e>
+                          <m:r>
+                            <a:rPr lang="en-US" altLang="zh-TW" sz="2000" b="0" i="1" smtClean="0">
+                              <a:latin typeface="Cambria Math" panose="02040503050406030204" pitchFamily="18" charset="0"/>
+                            </a:rPr>
+                            <m:t>𝑑𝑖𝑠𝑡𝑎𝑛𝑐𝑒</m:t>
+                          </m:r>
+                          <m:r>
+                            <a:rPr lang="en-US" altLang="zh-TW" sz="2000" b="0" i="1" smtClean="0">
+                              <a:latin typeface="Cambria Math" panose="02040503050406030204" pitchFamily="18" charset="0"/>
+                            </a:rPr>
+                            <m:t>′</m:t>
+                          </m:r>
+                        </m:e>
+                        <m:sub>
+                          <m:r>
+                            <a:rPr lang="en-US" altLang="zh-TW" sz="2000" b="0" i="1" smtClean="0">
+                              <a:latin typeface="Cambria Math" panose="02040503050406030204" pitchFamily="18" charset="0"/>
+                            </a:rPr>
+                            <m:t>𝑗</m:t>
+                          </m:r>
+                          <m:r>
+                            <a:rPr lang="en-US" altLang="zh-TW" sz="2000" b="0" i="1" smtClean="0">
+                              <a:latin typeface="Cambria Math" panose="02040503050406030204" pitchFamily="18" charset="0"/>
+                            </a:rPr>
+                            <m:t>,</m:t>
+                          </m:r>
+                          <m:r>
+                            <a:rPr lang="en-US" altLang="zh-TW" sz="2000" b="0" i="1" smtClean="0">
+                              <a:latin typeface="Cambria Math" panose="02040503050406030204" pitchFamily="18" charset="0"/>
+                            </a:rPr>
+                            <m:t>𝑛</m:t>
+                          </m:r>
+                        </m:sub>
+                      </m:sSub>
+                      <m:r>
+                        <a:rPr lang="en-US" altLang="zh-TW" sz="2000" b="0" i="1" smtClean="0">
+                          <a:latin typeface="Cambria Math" panose="02040503050406030204" pitchFamily="18" charset="0"/>
+                        </a:rPr>
+                        <m:t> </m:t>
+                      </m:r>
+                      <m:r>
+                        <a:rPr lang="en-US" altLang="zh-TW" sz="2000" b="0" i="1" smtClean="0">
+                          <a:latin typeface="Cambria Math" panose="02040503050406030204" pitchFamily="18" charset="0"/>
+                          <a:ea typeface="Cambria Math" panose="02040503050406030204" pitchFamily="18" charset="0"/>
+                        </a:rPr>
+                        <m:t>= </m:t>
+                      </m:r>
+                      <m:f>
+                        <m:fPr>
+                          <m:ctrlPr>
+                            <a:rPr lang="en-US" altLang="zh-TW" sz="2000" b="0" i="1" smtClean="0">
+                              <a:latin typeface="Cambria Math" panose="02040503050406030204" pitchFamily="18" charset="0"/>
+                              <a:ea typeface="Cambria Math" panose="02040503050406030204" pitchFamily="18" charset="0"/>
+                            </a:rPr>
+                          </m:ctrlPr>
+                        </m:fPr>
+                        <m:num>
+                          <m:sSub>
+                            <m:sSubPr>
+                              <m:ctrlPr>
+                                <a:rPr lang="en-US" altLang="zh-TW" sz="2000" i="1">
+                                  <a:latin typeface="Cambria Math" panose="02040503050406030204" pitchFamily="18" charset="0"/>
+                                </a:rPr>
+                              </m:ctrlPr>
+                            </m:sSubPr>
+                            <m:e>
+                              <m:r>
+                                <a:rPr lang="en-US" altLang="zh-TW" sz="2000" b="0" i="1" smtClean="0">
+                                  <a:latin typeface="Cambria Math" panose="02040503050406030204" pitchFamily="18" charset="0"/>
+                                </a:rPr>
+                                <m:t>𝑑𝑖𝑠𝑡𝑎𝑛𝑐𝑒</m:t>
+                              </m:r>
+                            </m:e>
+                            <m:sub>
+                              <m:r>
+                                <a:rPr lang="en-US" altLang="zh-TW" sz="2000" i="1">
+                                  <a:latin typeface="Cambria Math" panose="02040503050406030204" pitchFamily="18" charset="0"/>
+                                </a:rPr>
+                                <m:t>𝑗</m:t>
+                              </m:r>
+                              <m:r>
+                                <a:rPr lang="en-US" altLang="zh-TW" sz="2000" i="1">
+                                  <a:latin typeface="Cambria Math" panose="02040503050406030204" pitchFamily="18" charset="0"/>
+                                </a:rPr>
+                                <m:t>,</m:t>
+                              </m:r>
+                              <m:r>
+                                <a:rPr lang="en-US" altLang="zh-TW" sz="2000" i="1">
+                                  <a:latin typeface="Cambria Math" panose="02040503050406030204" pitchFamily="18" charset="0"/>
+                                </a:rPr>
+                                <m:t>𝑛</m:t>
+                              </m:r>
+                            </m:sub>
+                          </m:sSub>
+                          <m:r>
+                            <a:rPr lang="en-US" altLang="zh-TW" sz="2000" b="0" i="1" smtClean="0">
+                              <a:latin typeface="Cambria Math" panose="02040503050406030204" pitchFamily="18" charset="0"/>
+                            </a:rPr>
+                            <m:t>−</m:t>
+                          </m:r>
+                          <m:sSub>
+                            <m:sSubPr>
+                              <m:ctrlPr>
+                                <a:rPr lang="en-US" altLang="zh-TW" sz="2000" b="0" i="1" smtClean="0">
+                                  <a:latin typeface="Cambria Math" panose="02040503050406030204" pitchFamily="18" charset="0"/>
+                                </a:rPr>
+                              </m:ctrlPr>
+                            </m:sSubPr>
+                            <m:e>
+                              <m:r>
+                                <a:rPr lang="zh-TW" altLang="en-US" sz="2000" b="0" i="1" smtClean="0">
+                                  <a:latin typeface="Cambria Math" panose="02040503050406030204" pitchFamily="18" charset="0"/>
+                                </a:rPr>
+                                <m:t>𝜇</m:t>
+                              </m:r>
+                            </m:e>
+                            <m:sub>
+                              <m:sSub>
+                                <m:sSubPr>
+                                  <m:ctrlPr>
+                                    <a:rPr lang="en-US" altLang="zh-TW" sz="2000" b="0" i="1" smtClean="0">
+                                      <a:latin typeface="Cambria Math" panose="02040503050406030204" pitchFamily="18" charset="0"/>
+                                    </a:rPr>
+                                  </m:ctrlPr>
+                                </m:sSubPr>
+                                <m:e>
+                                  <m:r>
+                                    <a:rPr lang="en-US" altLang="zh-TW" sz="2000" b="0" i="1" smtClean="0">
+                                      <a:latin typeface="Cambria Math" panose="02040503050406030204" pitchFamily="18" charset="0"/>
+                                    </a:rPr>
+                                    <m:t>𝐹</m:t>
+                                  </m:r>
+                                </m:e>
+                                <m:sub>
+                                  <m:r>
+                                    <a:rPr lang="en-US" altLang="zh-TW" sz="2000" b="0" i="1" smtClean="0">
+                                      <a:latin typeface="Cambria Math" panose="02040503050406030204" pitchFamily="18" charset="0"/>
+                                    </a:rPr>
+                                    <m:t>𝑗</m:t>
+                                  </m:r>
+                                </m:sub>
+                              </m:sSub>
+                            </m:sub>
+                          </m:sSub>
+                          <m:r>
+                            <a:rPr lang="en-US" altLang="zh-TW" sz="2000" b="0" i="1" smtClean="0">
+                              <a:latin typeface="Cambria Math" panose="02040503050406030204" pitchFamily="18" charset="0"/>
+                            </a:rPr>
+                            <m:t>  </m:t>
+                          </m:r>
+                        </m:num>
+                        <m:den>
+                          <m:sSub>
+                            <m:sSubPr>
+                              <m:ctrlPr>
+                                <a:rPr lang="en-US" altLang="zh-TW" sz="2000" b="0" i="1" smtClean="0">
+                                  <a:latin typeface="Cambria Math" panose="02040503050406030204" pitchFamily="18" charset="0"/>
+                                  <a:ea typeface="Cambria Math" panose="02040503050406030204" pitchFamily="18" charset="0"/>
+                                </a:rPr>
+                              </m:ctrlPr>
+                            </m:sSubPr>
+                            <m:e>
+                              <m:r>
+                                <a:rPr lang="zh-TW" altLang="en-US" sz="2000" i="1">
+                                  <a:latin typeface="Cambria Math" panose="02040503050406030204" pitchFamily="18" charset="0"/>
+                                  <a:ea typeface="Cambria Math" panose="02040503050406030204" pitchFamily="18" charset="0"/>
+                                </a:rPr>
+                                <m:t>𝜎</m:t>
+                              </m:r>
+                            </m:e>
+                            <m:sub>
+                              <m:sSub>
+                                <m:sSubPr>
+                                  <m:ctrlPr>
+                                    <a:rPr lang="en-US" altLang="zh-TW" sz="2000" b="0" i="1" smtClean="0">
+                                      <a:latin typeface="Cambria Math" panose="02040503050406030204" pitchFamily="18" charset="0"/>
+                                      <a:ea typeface="Cambria Math" panose="02040503050406030204" pitchFamily="18" charset="0"/>
+                                    </a:rPr>
+                                  </m:ctrlPr>
+                                </m:sSubPr>
+                                <m:e>
+                                  <m:r>
+                                    <a:rPr lang="en-US" altLang="zh-TW" sz="2000" b="0" i="1" smtClean="0">
+                                      <a:latin typeface="Cambria Math" panose="02040503050406030204" pitchFamily="18" charset="0"/>
+                                      <a:ea typeface="Cambria Math" panose="02040503050406030204" pitchFamily="18" charset="0"/>
+                                    </a:rPr>
+                                    <m:t>𝐹</m:t>
+                                  </m:r>
+                                </m:e>
+                                <m:sub>
+                                  <m:r>
+                                    <a:rPr lang="en-US" altLang="zh-TW" sz="2000" b="0" i="1" smtClean="0">
+                                      <a:latin typeface="Cambria Math" panose="02040503050406030204" pitchFamily="18" charset="0"/>
+                                      <a:ea typeface="Cambria Math" panose="02040503050406030204" pitchFamily="18" charset="0"/>
+                                    </a:rPr>
+                                    <m:t>𝑗</m:t>
+                                  </m:r>
+                                </m:sub>
+                              </m:sSub>
+                            </m:sub>
+                          </m:sSub>
+                        </m:den>
+                      </m:f>
+                      <m:r>
+                        <a:rPr lang="en-US" altLang="zh-TW" sz="2000" b="0" i="0" smtClean="0">
+                          <a:latin typeface="Cambria Math" panose="02040503050406030204" pitchFamily="18" charset="0"/>
+                          <a:ea typeface="Cambria Math" panose="02040503050406030204" pitchFamily="18" charset="0"/>
+                        </a:rPr>
+                        <m:t>, </m:t>
+                      </m:r>
+                      <m:r>
+                        <m:rPr>
+                          <m:sty m:val="p"/>
+                        </m:rPr>
+                        <a:rPr lang="en-US" altLang="zh-TW" sz="2000" b="0" i="0" smtClean="0">
+                          <a:latin typeface="Cambria Math" panose="02040503050406030204" pitchFamily="18" charset="0"/>
+                          <a:ea typeface="Cambria Math" panose="02040503050406030204" pitchFamily="18" charset="0"/>
+                        </a:rPr>
+                        <m:t>n</m:t>
+                      </m:r>
+                      <m:r>
+                        <a:rPr lang="en-US" altLang="zh-TW" sz="2000" b="0" i="0" smtClean="0">
+                          <a:latin typeface="Cambria Math" panose="02040503050406030204" pitchFamily="18" charset="0"/>
+                          <a:ea typeface="Cambria Math" panose="02040503050406030204" pitchFamily="18" charset="0"/>
+                        </a:rPr>
+                        <m:t>=1,2,…,</m:t>
+                      </m:r>
+                      <m:r>
+                        <m:rPr>
+                          <m:sty m:val="p"/>
+                        </m:rPr>
+                        <a:rPr lang="en-US" altLang="zh-TW" sz="2000" b="0" i="0" smtClean="0">
+                          <a:latin typeface="Cambria Math" panose="02040503050406030204" pitchFamily="18" charset="0"/>
+                          <a:ea typeface="Cambria Math" panose="02040503050406030204" pitchFamily="18" charset="0"/>
+                        </a:rPr>
+                        <m:t>N</m:t>
+                      </m:r>
+                    </m:oMath>
+                  </m:oMathPara>
+                </a14:m>
+                <a:endParaRPr lang="en-US" altLang="zh-TW" sz="2000" b="0" dirty="0">
+                  <a:ea typeface="Cambria Math" panose="02040503050406030204" pitchFamily="18" charset="0"/>
+                </a:endParaRPr>
+              </a:p>
+            </p:txBody>
+          </p:sp>
+        </mc:Choice>
+        <mc:Fallback>
+          <p:sp>
+            <p:nvSpPr>
+              <p:cNvPr id="21" name="文字方塊 20">
+                <a:extLst>
+                  <a:ext uri="{FF2B5EF4-FFF2-40B4-BE49-F238E27FC236}">
+                    <a16:creationId xmlns:a16="http://schemas.microsoft.com/office/drawing/2014/main" id="{F6722C21-C62D-132A-AD34-115A1B77DA16}"/>
+                  </a:ext>
+                </a:extLst>
+              </p:cNvPr>
+              <p:cNvSpPr txBox="1">
+                <a:spLocks noRot="1" noChangeAspect="1" noMove="1" noResize="1" noEditPoints="1" noAdjustHandles="1" noChangeArrowheads="1" noChangeShapeType="1" noTextEdit="1"/>
+              </p:cNvSpPr>
+              <p:nvPr/>
+            </p:nvSpPr>
+            <p:spPr>
+              <a:xfrm>
+                <a:off x="5745783" y="3150713"/>
+                <a:ext cx="6254885" cy="752257"/>
+              </a:xfrm>
+              <a:prstGeom prst="rect">
+                <a:avLst/>
+              </a:prstGeom>
+              <a:blipFill>
+                <a:blip r:embed="rId4"/>
+                <a:stretch>
+                  <a:fillRect b="-813"/>
+                </a:stretch>
+              </a:blipFill>
+            </p:spPr>
+            <p:txBody>
+              <a:bodyPr/>
+              <a:lstStyle/>
+              <a:p>
+                <a:r>
+                  <a:rPr lang="zh-TW" altLang="en-US">
+                    <a:noFill/>
+                  </a:rPr>
+                  <a:t> </a:t>
+                </a:r>
+              </a:p>
+            </p:txBody>
+          </p:sp>
+        </mc:Fallback>
+      </mc:AlternateContent>
+      <mc:AlternateContent xmlns:mc="http://schemas.openxmlformats.org/markup-compatibility/2006">
+        <mc:Choice xmlns:a14="http://schemas.microsoft.com/office/drawing/2010/main" Requires="a14">
+          <p:sp>
+            <p:nvSpPr>
+              <p:cNvPr id="22" name="文字方塊 21">
+                <a:extLst>
+                  <a:ext uri="{FF2B5EF4-FFF2-40B4-BE49-F238E27FC236}">
+                    <a16:creationId xmlns:a16="http://schemas.microsoft.com/office/drawing/2014/main" id="{CF18B718-5FB3-097B-2982-48EAC16C6F3F}"/>
+                  </a:ext>
+                </a:extLst>
+              </p:cNvPr>
+              <p:cNvSpPr txBox="1"/>
+              <p:nvPr/>
+            </p:nvSpPr>
+            <p:spPr>
+              <a:xfrm>
+                <a:off x="6015724" y="4313695"/>
+                <a:ext cx="5715002" cy="752257"/>
+              </a:xfrm>
+              <a:prstGeom prst="rect">
+                <a:avLst/>
+              </a:prstGeom>
+              <a:noFill/>
+            </p:spPr>
+            <p:txBody>
+              <a:bodyPr wrap="square" lIns="0" tIns="0" rIns="0" bIns="0" rtlCol="0">
+                <a:spAutoFit/>
+              </a:bodyPr>
+              <a:lstStyle/>
+              <a:p>
+                <a:pPr/>
+                <a14:m>
+                  <m:oMathPara xmlns:m="http://schemas.openxmlformats.org/officeDocument/2006/math">
+                    <m:oMathParaPr>
+                      <m:jc m:val="center"/>
+                    </m:oMathParaPr>
+                    <m:oMath xmlns:m="http://schemas.openxmlformats.org/officeDocument/2006/math">
+                      <m:sSub>
+                        <m:sSubPr>
+                          <m:ctrlPr>
+                            <a:rPr lang="en-US" altLang="zh-TW" sz="2000" b="0" i="1" smtClean="0">
+                              <a:latin typeface="Cambria Math" panose="02040503050406030204" pitchFamily="18" charset="0"/>
+                            </a:rPr>
+                          </m:ctrlPr>
+                        </m:sSubPr>
+                        <m:e>
+                          <m:r>
+                            <a:rPr lang="en-US" altLang="zh-TW" sz="2000" b="0" i="1" smtClean="0">
+                              <a:latin typeface="Cambria Math" panose="02040503050406030204" pitchFamily="18" charset="0"/>
+                            </a:rPr>
+                            <m:t>𝑆𝑡𝑑𝐷𝑒𝑣</m:t>
+                          </m:r>
+                          <m:r>
+                            <a:rPr lang="en-US" altLang="zh-TW" sz="2000" b="0" i="1" smtClean="0">
+                              <a:latin typeface="Cambria Math" panose="02040503050406030204" pitchFamily="18" charset="0"/>
+                            </a:rPr>
+                            <m:t>′</m:t>
+                          </m:r>
+                        </m:e>
+                        <m:sub>
+                          <m:r>
+                            <a:rPr lang="en-US" altLang="zh-TW" sz="2000" b="0" i="1" smtClean="0">
+                              <a:latin typeface="Cambria Math" panose="02040503050406030204" pitchFamily="18" charset="0"/>
+                            </a:rPr>
+                            <m:t>𝑗</m:t>
+                          </m:r>
+                          <m:r>
+                            <a:rPr lang="en-US" altLang="zh-TW" sz="2000" b="0" i="1" smtClean="0">
+                              <a:latin typeface="Cambria Math" panose="02040503050406030204" pitchFamily="18" charset="0"/>
+                            </a:rPr>
+                            <m:t>,</m:t>
+                          </m:r>
+                          <m:r>
+                            <a:rPr lang="en-US" altLang="zh-TW" sz="2000" b="0" i="1" smtClean="0">
+                              <a:latin typeface="Cambria Math" panose="02040503050406030204" pitchFamily="18" charset="0"/>
+                            </a:rPr>
+                            <m:t>𝑛</m:t>
+                          </m:r>
+                        </m:sub>
+                      </m:sSub>
+                      <m:r>
+                        <a:rPr lang="en-US" altLang="zh-TW" sz="2000" b="0" i="1" smtClean="0">
+                          <a:latin typeface="Cambria Math" panose="02040503050406030204" pitchFamily="18" charset="0"/>
+                        </a:rPr>
+                        <m:t> </m:t>
+                      </m:r>
+                      <m:r>
+                        <a:rPr lang="en-US" altLang="zh-TW" sz="2000" b="0" i="1" smtClean="0">
+                          <a:latin typeface="Cambria Math" panose="02040503050406030204" pitchFamily="18" charset="0"/>
+                          <a:ea typeface="Cambria Math" panose="02040503050406030204" pitchFamily="18" charset="0"/>
+                        </a:rPr>
+                        <m:t>= </m:t>
+                      </m:r>
+                      <m:f>
+                        <m:fPr>
+                          <m:ctrlPr>
+                            <a:rPr lang="en-US" altLang="zh-TW" sz="2000" b="0" i="1" smtClean="0">
+                              <a:latin typeface="Cambria Math" panose="02040503050406030204" pitchFamily="18" charset="0"/>
+                              <a:ea typeface="Cambria Math" panose="02040503050406030204" pitchFamily="18" charset="0"/>
+                            </a:rPr>
+                          </m:ctrlPr>
+                        </m:fPr>
+                        <m:num>
+                          <m:sSub>
+                            <m:sSubPr>
+                              <m:ctrlPr>
+                                <a:rPr lang="en-US" altLang="zh-TW" sz="2000" i="1">
+                                  <a:latin typeface="Cambria Math" panose="02040503050406030204" pitchFamily="18" charset="0"/>
+                                </a:rPr>
+                              </m:ctrlPr>
+                            </m:sSubPr>
+                            <m:e>
+                              <m:r>
+                                <a:rPr lang="en-US" altLang="zh-TW" sz="2000" i="1">
+                                  <a:latin typeface="Cambria Math" panose="02040503050406030204" pitchFamily="18" charset="0"/>
+                                </a:rPr>
+                                <m:t>𝑆𝑡𝑑𝐷𝑒𝑣</m:t>
+                              </m:r>
+                            </m:e>
+                            <m:sub>
+                              <m:r>
+                                <a:rPr lang="en-US" altLang="zh-TW" sz="2000" i="1">
+                                  <a:latin typeface="Cambria Math" panose="02040503050406030204" pitchFamily="18" charset="0"/>
+                                </a:rPr>
+                                <m:t>𝑗</m:t>
+                              </m:r>
+                              <m:r>
+                                <a:rPr lang="en-US" altLang="zh-TW" sz="2000" i="1">
+                                  <a:latin typeface="Cambria Math" panose="02040503050406030204" pitchFamily="18" charset="0"/>
+                                </a:rPr>
+                                <m:t>,</m:t>
+                              </m:r>
+                              <m:r>
+                                <a:rPr lang="en-US" altLang="zh-TW" sz="2000" i="1">
+                                  <a:latin typeface="Cambria Math" panose="02040503050406030204" pitchFamily="18" charset="0"/>
+                                </a:rPr>
+                                <m:t>𝑛</m:t>
+                              </m:r>
+                            </m:sub>
+                          </m:sSub>
+                          <m:r>
+                            <a:rPr lang="en-US" altLang="zh-TW" sz="2000" b="0" i="1" smtClean="0">
+                              <a:latin typeface="Cambria Math" panose="02040503050406030204" pitchFamily="18" charset="0"/>
+                            </a:rPr>
+                            <m:t>−</m:t>
+                          </m:r>
+                          <m:sSub>
+                            <m:sSubPr>
+                              <m:ctrlPr>
+                                <a:rPr lang="en-US" altLang="zh-TW" sz="2000" b="0" i="1" smtClean="0">
+                                  <a:latin typeface="Cambria Math" panose="02040503050406030204" pitchFamily="18" charset="0"/>
+                                </a:rPr>
+                              </m:ctrlPr>
+                            </m:sSubPr>
+                            <m:e>
+                              <m:r>
+                                <a:rPr lang="zh-TW" altLang="en-US" sz="2000" b="0" i="1" smtClean="0">
+                                  <a:latin typeface="Cambria Math" panose="02040503050406030204" pitchFamily="18" charset="0"/>
+                                </a:rPr>
+                                <m:t>𝜇</m:t>
+                              </m:r>
+                            </m:e>
+                            <m:sub>
+                              <m:sSub>
+                                <m:sSubPr>
+                                  <m:ctrlPr>
+                                    <a:rPr lang="en-US" altLang="zh-TW" sz="2000" b="0" i="1" smtClean="0">
+                                      <a:latin typeface="Cambria Math" panose="02040503050406030204" pitchFamily="18" charset="0"/>
+                                    </a:rPr>
+                                  </m:ctrlPr>
+                                </m:sSubPr>
+                                <m:e>
+                                  <m:r>
+                                    <a:rPr lang="en-US" altLang="zh-TW" sz="2000" b="0" i="1" smtClean="0">
+                                      <a:latin typeface="Cambria Math" panose="02040503050406030204" pitchFamily="18" charset="0"/>
+                                    </a:rPr>
+                                    <m:t>𝑆</m:t>
+                                  </m:r>
+                                </m:e>
+                                <m:sub>
+                                  <m:r>
+                                    <a:rPr lang="en-US" altLang="zh-TW" sz="2000" b="0" i="1" smtClean="0">
+                                      <a:latin typeface="Cambria Math" panose="02040503050406030204" pitchFamily="18" charset="0"/>
+                                    </a:rPr>
+                                    <m:t>𝑗</m:t>
+                                  </m:r>
+                                </m:sub>
+                              </m:sSub>
+                            </m:sub>
+                          </m:sSub>
+                          <m:r>
+                            <a:rPr lang="en-US" altLang="zh-TW" sz="2000" b="0" i="1" smtClean="0">
+                              <a:latin typeface="Cambria Math" panose="02040503050406030204" pitchFamily="18" charset="0"/>
+                            </a:rPr>
+                            <m:t>  </m:t>
+                          </m:r>
+                        </m:num>
+                        <m:den>
+                          <m:sSub>
+                            <m:sSubPr>
+                              <m:ctrlPr>
+                                <a:rPr lang="en-US" altLang="zh-TW" sz="2000" b="0" i="1" smtClean="0">
+                                  <a:latin typeface="Cambria Math" panose="02040503050406030204" pitchFamily="18" charset="0"/>
+                                  <a:ea typeface="Cambria Math" panose="02040503050406030204" pitchFamily="18" charset="0"/>
+                                </a:rPr>
+                              </m:ctrlPr>
+                            </m:sSubPr>
+                            <m:e>
+                              <m:r>
+                                <a:rPr lang="zh-TW" altLang="en-US" sz="2000" i="1">
+                                  <a:latin typeface="Cambria Math" panose="02040503050406030204" pitchFamily="18" charset="0"/>
+                                  <a:ea typeface="Cambria Math" panose="02040503050406030204" pitchFamily="18" charset="0"/>
+                                </a:rPr>
+                                <m:t>𝜎</m:t>
+                              </m:r>
+                            </m:e>
+                            <m:sub>
+                              <m:sSub>
+                                <m:sSubPr>
+                                  <m:ctrlPr>
+                                    <a:rPr lang="en-US" altLang="zh-TW" sz="2000" b="0" i="1" smtClean="0">
+                                      <a:latin typeface="Cambria Math" panose="02040503050406030204" pitchFamily="18" charset="0"/>
+                                      <a:ea typeface="Cambria Math" panose="02040503050406030204" pitchFamily="18" charset="0"/>
+                                    </a:rPr>
+                                  </m:ctrlPr>
+                                </m:sSubPr>
+                                <m:e>
+                                  <m:r>
+                                    <a:rPr lang="en-US" altLang="zh-TW" sz="2000" b="0" i="1" smtClean="0">
+                                      <a:latin typeface="Cambria Math" panose="02040503050406030204" pitchFamily="18" charset="0"/>
+                                      <a:ea typeface="Cambria Math" panose="02040503050406030204" pitchFamily="18" charset="0"/>
+                                    </a:rPr>
+                                    <m:t>𝑆</m:t>
+                                  </m:r>
+                                </m:e>
+                                <m:sub>
+                                  <m:r>
+                                    <a:rPr lang="en-US" altLang="zh-TW" sz="2000" b="0" i="1" smtClean="0">
+                                      <a:latin typeface="Cambria Math" panose="02040503050406030204" pitchFamily="18" charset="0"/>
+                                      <a:ea typeface="Cambria Math" panose="02040503050406030204" pitchFamily="18" charset="0"/>
+                                    </a:rPr>
+                                    <m:t>𝑗</m:t>
+                                  </m:r>
+                                </m:sub>
+                              </m:sSub>
+                            </m:sub>
+                          </m:sSub>
+                        </m:den>
+                      </m:f>
+                      <m:r>
+                        <a:rPr lang="en-US" altLang="zh-TW" sz="2000" b="0" i="0" smtClean="0">
+                          <a:latin typeface="Cambria Math" panose="02040503050406030204" pitchFamily="18" charset="0"/>
+                          <a:ea typeface="Cambria Math" panose="02040503050406030204" pitchFamily="18" charset="0"/>
+                        </a:rPr>
+                        <m:t>, </m:t>
+                      </m:r>
+                      <m:r>
+                        <m:rPr>
+                          <m:sty m:val="p"/>
+                        </m:rPr>
+                        <a:rPr lang="en-US" altLang="zh-TW" sz="2000" b="0" i="0" smtClean="0">
+                          <a:latin typeface="Cambria Math" panose="02040503050406030204" pitchFamily="18" charset="0"/>
+                          <a:ea typeface="Cambria Math" panose="02040503050406030204" pitchFamily="18" charset="0"/>
+                        </a:rPr>
+                        <m:t>n</m:t>
+                      </m:r>
+                      <m:r>
+                        <a:rPr lang="en-US" altLang="zh-TW" sz="2000" b="0" i="0" smtClean="0">
+                          <a:latin typeface="Cambria Math" panose="02040503050406030204" pitchFamily="18" charset="0"/>
+                          <a:ea typeface="Cambria Math" panose="02040503050406030204" pitchFamily="18" charset="0"/>
+                        </a:rPr>
+                        <m:t>=1,2,…,</m:t>
+                      </m:r>
+                      <m:r>
+                        <m:rPr>
+                          <m:sty m:val="p"/>
+                        </m:rPr>
+                        <a:rPr lang="en-US" altLang="zh-TW" sz="2000" b="0" i="0" smtClean="0">
+                          <a:latin typeface="Cambria Math" panose="02040503050406030204" pitchFamily="18" charset="0"/>
+                          <a:ea typeface="Cambria Math" panose="02040503050406030204" pitchFamily="18" charset="0"/>
+                        </a:rPr>
+                        <m:t>N</m:t>
+                      </m:r>
+                    </m:oMath>
+                  </m:oMathPara>
+                </a14:m>
+                <a:endParaRPr lang="en-US" altLang="zh-TW" sz="2000" b="0" dirty="0">
+                  <a:ea typeface="Cambria Math" panose="02040503050406030204" pitchFamily="18" charset="0"/>
+                </a:endParaRPr>
+              </a:p>
+            </p:txBody>
+          </p:sp>
+        </mc:Choice>
+        <mc:Fallback>
+          <p:sp>
+            <p:nvSpPr>
+              <p:cNvPr id="22" name="文字方塊 21">
+                <a:extLst>
+                  <a:ext uri="{FF2B5EF4-FFF2-40B4-BE49-F238E27FC236}">
+                    <a16:creationId xmlns:a16="http://schemas.microsoft.com/office/drawing/2014/main" id="{CF18B718-5FB3-097B-2982-48EAC16C6F3F}"/>
+                  </a:ext>
+                </a:extLst>
+              </p:cNvPr>
+              <p:cNvSpPr txBox="1">
+                <a:spLocks noRot="1" noChangeAspect="1" noMove="1" noResize="1" noEditPoints="1" noAdjustHandles="1" noChangeArrowheads="1" noChangeShapeType="1" noTextEdit="1"/>
+              </p:cNvSpPr>
+              <p:nvPr/>
+            </p:nvSpPr>
+            <p:spPr>
+              <a:xfrm>
+                <a:off x="6015724" y="4313695"/>
+                <a:ext cx="5715002" cy="752257"/>
+              </a:xfrm>
+              <a:prstGeom prst="rect">
+                <a:avLst/>
+              </a:prstGeom>
+              <a:blipFill>
+                <a:blip r:embed="rId5"/>
+                <a:stretch>
+                  <a:fillRect/>
+                </a:stretch>
+              </a:blipFill>
+            </p:spPr>
+            <p:txBody>
+              <a:bodyPr/>
+              <a:lstStyle/>
+              <a:p>
+                <a:r>
+                  <a:rPr lang="zh-TW" altLang="en-US">
+                    <a:noFill/>
+                  </a:rPr>
+                  <a:t> </a:t>
+                </a:r>
+              </a:p>
+            </p:txBody>
+          </p:sp>
+        </mc:Fallback>
+      </mc:AlternateContent>
+      <p:sp>
+        <p:nvSpPr>
+          <p:cNvPr id="23" name="矩形: 圓角 22">
+            <a:extLst>
+              <a:ext uri="{FF2B5EF4-FFF2-40B4-BE49-F238E27FC236}">
+                <a16:creationId xmlns:a16="http://schemas.microsoft.com/office/drawing/2014/main" id="{CCB845EE-D1EB-CA91-EC07-12951501E5FC}"/>
+              </a:ext>
+            </a:extLst>
+          </p:cNvPr>
+          <p:cNvSpPr/>
+          <p:nvPr/>
+        </p:nvSpPr>
+        <p:spPr>
+          <a:xfrm>
+            <a:off x="1131379" y="4507738"/>
+            <a:ext cx="4240118" cy="1378800"/>
+          </a:xfrm>
+          <a:prstGeom prst="roundRect">
+            <a:avLst/>
+          </a:prstGeom>
+          <a:noFill/>
+          <a:ln>
+            <a:solidFill>
+              <a:schemeClr val="accent1">
+                <a:lumMod val="75000"/>
+              </a:schemeClr>
+            </a:solidFill>
+          </a:ln>
+        </p:spPr>
+        <p:style>
+          <a:lnRef idx="2">
+            <a:schemeClr val="accent1">
+              <a:shade val="15000"/>
+            </a:schemeClr>
+          </a:lnRef>
+          <a:fillRef idx="1">
+            <a:schemeClr val="accent1"/>
+          </a:fillRef>
+          <a:effectRef idx="0">
+            <a:schemeClr val="accent1"/>
+          </a:effectRef>
+          <a:fontRef idx="minor">
+            <a:schemeClr val="lt1"/>
+          </a:fontRef>
+        </p:style>
+        <p:txBody>
+          <a:bodyPr rtlCol="0" anchor="ctr"/>
+          <a:lstStyle/>
+          <a:p>
+            <a:r>
+              <a:rPr lang="en-US" altLang="zh-TW" dirty="0">
+                <a:solidFill>
+                  <a:schemeClr val="tx1"/>
+                </a:solidFill>
+                <a:latin typeface="微軟正黑體" panose="020B0604030504040204" pitchFamily="34" charset="-120"/>
+                <a:ea typeface="微軟正黑體" panose="020B0604030504040204" pitchFamily="34" charset="-120"/>
+              </a:rPr>
+              <a:t>j : AP index</a:t>
+            </a:r>
+          </a:p>
+          <a:p>
+            <a:endParaRPr lang="en-US" altLang="zh-TW" dirty="0">
+              <a:solidFill>
+                <a:schemeClr val="tx1"/>
+              </a:solidFill>
+              <a:latin typeface="微軟正黑體" panose="020B0604030504040204" pitchFamily="34" charset="-120"/>
+              <a:ea typeface="微軟正黑體" panose="020B0604030504040204" pitchFamily="34" charset="-120"/>
+            </a:endParaRPr>
+          </a:p>
+          <a:p>
+            <a:r>
+              <a:rPr lang="en-US" altLang="zh-TW" dirty="0">
+                <a:solidFill>
+                  <a:schemeClr val="tx1"/>
+                </a:solidFill>
+                <a:latin typeface="微軟正黑體" panose="020B0604030504040204" pitchFamily="34" charset="-120"/>
+                <a:ea typeface="微軟正黑體" panose="020B0604030504040204" pitchFamily="34" charset="-120"/>
+              </a:rPr>
+              <a:t>N : Total number of measurements from </a:t>
+            </a:r>
+            <a:r>
+              <a:rPr lang="en-US" altLang="zh-TW" dirty="0" err="1">
+                <a:solidFill>
+                  <a:schemeClr val="tx1"/>
+                </a:solidFill>
+                <a:latin typeface="微軟正黑體" panose="020B0604030504040204" pitchFamily="34" charset="-120"/>
+                <a:ea typeface="微軟正黑體" panose="020B0604030504040204" pitchFamily="34" charset="-120"/>
+              </a:rPr>
+              <a:t>AP</a:t>
+            </a:r>
+            <a:r>
+              <a:rPr lang="en-US" altLang="zh-TW" baseline="-25000" dirty="0" err="1">
+                <a:solidFill>
+                  <a:schemeClr val="tx1"/>
+                </a:solidFill>
+                <a:latin typeface="微軟正黑體" panose="020B0604030504040204" pitchFamily="34" charset="-120"/>
+                <a:ea typeface="微軟正黑體" panose="020B0604030504040204" pitchFamily="34" charset="-120"/>
+              </a:rPr>
+              <a:t>j</a:t>
+            </a:r>
+            <a:r>
+              <a:rPr lang="en-US" altLang="zh-TW" dirty="0">
+                <a:solidFill>
+                  <a:schemeClr val="tx1"/>
+                </a:solidFill>
+                <a:latin typeface="微軟正黑體" panose="020B0604030504040204" pitchFamily="34" charset="-120"/>
+                <a:ea typeface="微軟正黑體" panose="020B0604030504040204" pitchFamily="34" charset="-120"/>
+              </a:rPr>
+              <a:t> across all 49 RPs</a:t>
+            </a:r>
+            <a:endParaRPr lang="zh-TW" altLang="en-US" dirty="0">
+              <a:solidFill>
+                <a:schemeClr val="tx1"/>
+              </a:solidFill>
+              <a:latin typeface="微軟正黑體" panose="020B0604030504040204" pitchFamily="34" charset="-120"/>
+              <a:ea typeface="微軟正黑體" panose="020B0604030504040204" pitchFamily="34" charset="-120"/>
+            </a:endParaRPr>
+          </a:p>
+        </p:txBody>
+      </p:sp>
+    </p:spTree>
+    <p:extLst>
+      <p:ext uri="{BB962C8B-B14F-4D97-AF65-F5344CB8AC3E}">
+        <p14:creationId xmlns:p14="http://schemas.microsoft.com/office/powerpoint/2010/main" val="4153473674"/>
+      </p:ext>
+    </p:extLst>
+  </p:cSld>
+  <p:clrMapOvr>
+    <a:masterClrMapping/>
+  </p:clrMapOvr>
+</p:sld>
+</file>
+
+<file path=ppt/slides/slide17.xml><?xml version="1.0" encoding="utf-8"?>
+<p:sld xmlns:a="http://schemas.openxmlformats.org/drawingml/2006/main" xmlns:r="http://schemas.openxmlformats.org/officeDocument/2006/relationships" xmlns:p="http://schemas.openxmlformats.org/presentationml/2006/main">
+  <p:cSld>
+    <p:spTree>
+      <p:nvGrpSpPr>
+        <p:cNvPr id="1" name="Shape 213">
+          <a:extLst>
+            <a:ext uri="{FF2B5EF4-FFF2-40B4-BE49-F238E27FC236}">
+              <a16:creationId xmlns:a16="http://schemas.microsoft.com/office/drawing/2014/main" id="{4983249D-F17A-4406-3FA9-BF86D0A1B64A}"/>
+            </a:ext>
+          </a:extLst>
+        </p:cNvPr>
+        <p:cNvGrpSpPr/>
+        <p:nvPr/>
+      </p:nvGrpSpPr>
+      <p:grpSpPr>
+        <a:xfrm>
+          <a:off x="0" y="0"/>
+          <a:ext cx="0" cy="0"/>
+          <a:chOff x="0" y="0"/>
+          <a:chExt cx="0" cy="0"/>
+        </a:xfrm>
+      </p:grpSpPr>
+      <p:sp>
+        <p:nvSpPr>
+          <p:cNvPr id="2" name="矩形: 圓角 1">
+            <a:extLst>
+              <a:ext uri="{FF2B5EF4-FFF2-40B4-BE49-F238E27FC236}">
+                <a16:creationId xmlns:a16="http://schemas.microsoft.com/office/drawing/2014/main" id="{BDEDE58D-3917-B11E-7162-2E0B661F323E}"/>
+              </a:ext>
+            </a:extLst>
+          </p:cNvPr>
+          <p:cNvSpPr/>
+          <p:nvPr/>
+        </p:nvSpPr>
+        <p:spPr>
+          <a:xfrm>
+            <a:off x="1297709" y="306646"/>
+            <a:ext cx="9596581" cy="748147"/>
+          </a:xfrm>
+          <a:prstGeom prst="roundRect">
+            <a:avLst/>
+          </a:prstGeom>
+          <a:ln>
+            <a:noFill/>
+          </a:ln>
+        </p:spPr>
+        <p:style>
+          <a:lnRef idx="2">
+            <a:schemeClr val="accent1">
+              <a:shade val="15000"/>
+            </a:schemeClr>
+          </a:lnRef>
+          <a:fillRef idx="1">
+            <a:schemeClr val="accent1"/>
+          </a:fillRef>
+          <a:effectRef idx="0">
+            <a:schemeClr val="accent1"/>
+          </a:effectRef>
+          <a:fontRef idx="minor">
+            <a:schemeClr val="lt1"/>
+          </a:fontRef>
+        </p:style>
+        <p:txBody>
+          <a:bodyPr rtlCol="0" anchor="ctr"/>
+          <a:lstStyle/>
+          <a:p>
+            <a:pPr algn="ctr"/>
+            <a:r>
+              <a:rPr lang="en-US" altLang="zh-TW" sz="3200" b="1" dirty="0">
+                <a:solidFill>
+                  <a:schemeClr val="bg2">
+                    <a:lumMod val="75000"/>
+                  </a:schemeClr>
+                </a:solidFill>
+                <a:latin typeface="微軟正黑體" panose="020B0604030504040204" pitchFamily="34" charset="-120"/>
+                <a:ea typeface="微軟正黑體" panose="020B0604030504040204" pitchFamily="34" charset="-120"/>
+              </a:rPr>
+              <a:t>Offline stage</a:t>
+            </a:r>
+          </a:p>
+        </p:txBody>
+      </p:sp>
+      <p:sp>
+        <p:nvSpPr>
+          <p:cNvPr id="3" name="文字方塊 2">
+            <a:extLst>
+              <a:ext uri="{FF2B5EF4-FFF2-40B4-BE49-F238E27FC236}">
+                <a16:creationId xmlns:a16="http://schemas.microsoft.com/office/drawing/2014/main" id="{55BD51CD-F1BA-1252-C3C3-249234DA12BB}"/>
+              </a:ext>
+            </a:extLst>
+          </p:cNvPr>
+          <p:cNvSpPr txBox="1"/>
+          <p:nvPr/>
+        </p:nvSpPr>
+        <p:spPr>
+          <a:xfrm>
+            <a:off x="11505363" y="6263640"/>
+            <a:ext cx="478357" cy="369332"/>
+          </a:xfrm>
+          <a:prstGeom prst="rect">
+            <a:avLst/>
+          </a:prstGeom>
+          <a:noFill/>
+        </p:spPr>
+        <p:txBody>
+          <a:bodyPr wrap="square" rtlCol="0">
+            <a:spAutoFit/>
+          </a:bodyPr>
+          <a:lstStyle/>
+          <a:p>
+            <a:pPr algn="ctr"/>
+            <a:r>
+              <a:rPr lang="en-US" altLang="zh-TW" dirty="0"/>
+              <a:t>16</a:t>
+            </a:r>
+            <a:endParaRPr lang="zh-TW" altLang="en-US" dirty="0"/>
+          </a:p>
+        </p:txBody>
+      </p:sp>
+      <p:sp>
+        <p:nvSpPr>
+          <p:cNvPr id="13" name="文字方塊 12">
+            <a:extLst>
+              <a:ext uri="{FF2B5EF4-FFF2-40B4-BE49-F238E27FC236}">
+                <a16:creationId xmlns:a16="http://schemas.microsoft.com/office/drawing/2014/main" id="{2F90E413-F6DC-B2E2-DD46-27222CB0D26E}"/>
+              </a:ext>
+            </a:extLst>
+          </p:cNvPr>
+          <p:cNvSpPr txBox="1"/>
+          <p:nvPr/>
+        </p:nvSpPr>
+        <p:spPr>
+          <a:xfrm>
+            <a:off x="1297709" y="1259175"/>
+            <a:ext cx="5677024" cy="2169825"/>
+          </a:xfrm>
+          <a:prstGeom prst="rect">
+            <a:avLst/>
+          </a:prstGeom>
+          <a:noFill/>
+        </p:spPr>
+        <p:txBody>
+          <a:bodyPr wrap="square" rtlCol="0">
+            <a:spAutoFit/>
+          </a:bodyPr>
+          <a:lstStyle/>
+          <a:p>
+            <a:pPr marL="342900" indent="-342900">
+              <a:buFont typeface="Arial" panose="020B0604020202020204" pitchFamily="34" charset="0"/>
+              <a:buChar char="•"/>
+            </a:pPr>
+            <a:r>
+              <a:rPr lang="en-US" altLang="zh-TW" sz="2400" b="1" dirty="0">
+                <a:solidFill>
+                  <a:schemeClr val="bg2">
+                    <a:lumMod val="75000"/>
+                  </a:schemeClr>
+                </a:solidFill>
+                <a:latin typeface="微軟正黑體" panose="020B0604030504040204" pitchFamily="34" charset="-120"/>
+                <a:ea typeface="微軟正黑體" panose="020B0604030504040204" pitchFamily="34" charset="-120"/>
+              </a:rPr>
+              <a:t>Data Flow and preprocessing</a:t>
+            </a:r>
+          </a:p>
+          <a:p>
+            <a:pPr marL="342900" indent="-342900">
+              <a:buFont typeface="Arial" panose="020B0604020202020204" pitchFamily="34" charset="0"/>
+              <a:buChar char="•"/>
+            </a:pPr>
+            <a:endParaRPr lang="en-US" altLang="zh-TW" sz="1000" b="1" dirty="0">
+              <a:solidFill>
+                <a:schemeClr val="bg2">
+                  <a:lumMod val="75000"/>
+                </a:schemeClr>
+              </a:solidFill>
+              <a:latin typeface="微軟正黑體" panose="020B0604030504040204" pitchFamily="34" charset="-120"/>
+              <a:ea typeface="微軟正黑體" panose="020B0604030504040204" pitchFamily="34" charset="-120"/>
+            </a:endParaRPr>
+          </a:p>
+          <a:p>
+            <a:pPr marL="342900" indent="-342900">
+              <a:buFont typeface="Arial" panose="020B0604020202020204" pitchFamily="34" charset="0"/>
+              <a:buChar char="•"/>
+            </a:pPr>
+            <a:r>
+              <a:rPr lang="en-US" altLang="zh-TW" sz="2400" b="1" dirty="0" err="1">
+                <a:solidFill>
+                  <a:schemeClr val="bg2">
+                    <a:lumMod val="75000"/>
+                  </a:schemeClr>
+                </a:solidFill>
+                <a:latin typeface="微軟正黑體" panose="020B0604030504040204" pitchFamily="34" charset="-120"/>
+                <a:ea typeface="微軟正黑體" panose="020B0604030504040204" pitchFamily="34" charset="-120"/>
+              </a:rPr>
+              <a:t>RegDNN</a:t>
+            </a:r>
+            <a:r>
+              <a:rPr lang="en-US" altLang="zh-TW" sz="2400" b="1" dirty="0">
+                <a:solidFill>
+                  <a:schemeClr val="bg2">
+                    <a:lumMod val="75000"/>
+                  </a:schemeClr>
+                </a:solidFill>
+                <a:latin typeface="微軟正黑體" panose="020B0604030504040204" pitchFamily="34" charset="-120"/>
+                <a:ea typeface="微軟正黑體" panose="020B0604030504040204" pitchFamily="34" charset="-120"/>
+              </a:rPr>
+              <a:t> Model training</a:t>
+            </a:r>
+          </a:p>
+          <a:p>
+            <a:pPr marL="342900" indent="-342900">
+              <a:buFont typeface="Arial" panose="020B0604020202020204" pitchFamily="34" charset="0"/>
+              <a:buChar char="•"/>
+            </a:pPr>
+            <a:endParaRPr lang="en-US" altLang="zh-TW" sz="500" b="1" dirty="0">
+              <a:solidFill>
+                <a:schemeClr val="bg2">
+                  <a:lumMod val="75000"/>
+                </a:schemeClr>
+              </a:solidFill>
+              <a:latin typeface="微軟正黑體" panose="020B0604030504040204" pitchFamily="34" charset="-120"/>
+              <a:ea typeface="微軟正黑體" panose="020B0604030504040204" pitchFamily="34" charset="-120"/>
+            </a:endParaRPr>
+          </a:p>
+          <a:p>
+            <a:pPr marL="800100" lvl="1" indent="-342900">
+              <a:buFont typeface="Arial" panose="020B0604020202020204" pitchFamily="34" charset="0"/>
+              <a:buChar char="•"/>
+            </a:pPr>
+            <a:r>
+              <a:rPr lang="en-US" altLang="zh-TW" sz="2400" b="1" dirty="0">
+                <a:solidFill>
+                  <a:schemeClr val="bg2">
+                    <a:lumMod val="75000"/>
+                  </a:schemeClr>
+                </a:solidFill>
+                <a:latin typeface="微軟正黑體" panose="020B0604030504040204" pitchFamily="34" charset="-120"/>
+                <a:ea typeface="微軟正黑體" panose="020B0604030504040204" pitchFamily="34" charset="-120"/>
+              </a:rPr>
+              <a:t>Regressor</a:t>
+            </a:r>
+          </a:p>
+          <a:p>
+            <a:pPr marL="800100" lvl="1" indent="-342900">
+              <a:buFont typeface="Arial" panose="020B0604020202020204" pitchFamily="34" charset="0"/>
+              <a:buChar char="•"/>
+            </a:pPr>
+            <a:r>
+              <a:rPr lang="en-US" altLang="zh-TW" sz="2400" b="1" dirty="0">
+                <a:solidFill>
+                  <a:schemeClr val="bg2">
+                    <a:lumMod val="75000"/>
+                  </a:schemeClr>
+                </a:solidFill>
+                <a:latin typeface="微軟正黑體" panose="020B0604030504040204" pitchFamily="34" charset="-120"/>
+                <a:ea typeface="微軟正黑體" panose="020B0604030504040204" pitchFamily="34" charset="-120"/>
+              </a:rPr>
+              <a:t>DNN</a:t>
+            </a:r>
+          </a:p>
+          <a:p>
+            <a:pPr marL="342900" indent="-342900">
+              <a:buFont typeface="Arial" panose="020B0604020202020204" pitchFamily="34" charset="0"/>
+              <a:buChar char="•"/>
+            </a:pPr>
+            <a:endParaRPr lang="en-US" altLang="zh-TW" sz="2400" b="1" dirty="0">
+              <a:solidFill>
+                <a:schemeClr val="bg2">
+                  <a:lumMod val="75000"/>
+                </a:schemeClr>
+              </a:solidFill>
+              <a:latin typeface="微軟正黑體" panose="020B0604030504040204" pitchFamily="34" charset="-120"/>
+              <a:ea typeface="微軟正黑體" panose="020B0604030504040204" pitchFamily="34" charset="-120"/>
+            </a:endParaRPr>
+          </a:p>
+        </p:txBody>
+      </p:sp>
+      <p:pic>
+        <p:nvPicPr>
+          <p:cNvPr id="5" name="圖片 4">
+            <a:extLst>
+              <a:ext uri="{FF2B5EF4-FFF2-40B4-BE49-F238E27FC236}">
+                <a16:creationId xmlns:a16="http://schemas.microsoft.com/office/drawing/2014/main" id="{519FBFE9-991F-56B1-7F27-9A64AB242B1B}"/>
+              </a:ext>
+            </a:extLst>
+          </p:cNvPr>
+          <p:cNvPicPr>
+            <a:picLocks noChangeAspect="1"/>
+          </p:cNvPicPr>
+          <p:nvPr/>
+        </p:nvPicPr>
+        <p:blipFill>
+          <a:blip r:embed="rId3">
+            <a:extLst>
+              <a:ext uri="{28A0092B-C50C-407E-A947-70E740481C1C}">
+                <a14:useLocalDpi xmlns:a14="http://schemas.microsoft.com/office/drawing/2010/main" val="0"/>
+              </a:ext>
+            </a:extLst>
+          </a:blip>
+          <a:stretch>
+            <a:fillRect/>
+          </a:stretch>
+        </p:blipFill>
+        <p:spPr>
+          <a:xfrm>
+            <a:off x="2492713" y="3325491"/>
+            <a:ext cx="7462090" cy="2630521"/>
+          </a:xfrm>
+          <a:prstGeom prst="rect">
+            <a:avLst/>
+          </a:prstGeom>
+        </p:spPr>
+      </p:pic>
+      <p:sp>
+        <p:nvSpPr>
+          <p:cNvPr id="6" name="Google Shape;219;p33">
+            <a:extLst>
+              <a:ext uri="{FF2B5EF4-FFF2-40B4-BE49-F238E27FC236}">
+                <a16:creationId xmlns:a16="http://schemas.microsoft.com/office/drawing/2014/main" id="{A63763B6-AC17-DCDD-57E3-D40C9A500197}"/>
+              </a:ext>
+            </a:extLst>
+          </p:cNvPr>
+          <p:cNvSpPr/>
+          <p:nvPr/>
+        </p:nvSpPr>
+        <p:spPr>
+          <a:xfrm>
+            <a:off x="543528" y="6168600"/>
+            <a:ext cx="3328000" cy="1378800"/>
+          </a:xfrm>
+          <a:prstGeom prst="rect">
+            <a:avLst/>
+          </a:prstGeom>
+          <a:solidFill>
+            <a:schemeClr val="accent1"/>
+          </a:solidFill>
+          <a:ln>
+            <a:noFill/>
+          </a:ln>
+        </p:spPr>
+        <p:txBody>
+          <a:bodyPr spcFirstLastPara="1" wrap="square" lIns="121900" tIns="121900" rIns="121900" bIns="121900" anchor="ctr" anchorCtr="0">
+            <a:noAutofit/>
+          </a:bodyPr>
+          <a:lstStyle/>
+          <a:p>
+            <a:endParaRPr sz="1400"/>
+          </a:p>
+        </p:txBody>
+      </p:sp>
+    </p:spTree>
+    <p:extLst>
+      <p:ext uri="{BB962C8B-B14F-4D97-AF65-F5344CB8AC3E}">
+        <p14:creationId xmlns:p14="http://schemas.microsoft.com/office/powerpoint/2010/main" val="927023713"/>
+      </p:ext>
+    </p:extLst>
+  </p:cSld>
+  <p:clrMapOvr>
+    <a:masterClrMapping/>
+  </p:clrMapOvr>
+</p:sld>
+</file>
+
+<file path=ppt/slides/slide18.xml><?xml version="1.0" encoding="utf-8"?>
+<p:sld xmlns:a="http://schemas.openxmlformats.org/drawingml/2006/main" xmlns:r="http://schemas.openxmlformats.org/officeDocument/2006/relationships" xmlns:p="http://schemas.openxmlformats.org/presentationml/2006/main">
+  <p:cSld>
+    <p:spTree>
+      <p:nvGrpSpPr>
+        <p:cNvPr id="1" name="Shape 213">
+          <a:extLst>
+            <a:ext uri="{FF2B5EF4-FFF2-40B4-BE49-F238E27FC236}">
+              <a16:creationId xmlns:a16="http://schemas.microsoft.com/office/drawing/2014/main" id="{5D8050D7-E58D-BA1E-07C6-E4FEF869F2A6}"/>
+            </a:ext>
+          </a:extLst>
+        </p:cNvPr>
+        <p:cNvGrpSpPr/>
+        <p:nvPr/>
+      </p:nvGrpSpPr>
+      <p:grpSpPr>
+        <a:xfrm>
+          <a:off x="0" y="0"/>
+          <a:ext cx="0" cy="0"/>
+          <a:chOff x="0" y="0"/>
+          <a:chExt cx="0" cy="0"/>
+        </a:xfrm>
+      </p:grpSpPr>
+      <p:sp>
+        <p:nvSpPr>
+          <p:cNvPr id="2" name="矩形: 圓角 1">
+            <a:extLst>
+              <a:ext uri="{FF2B5EF4-FFF2-40B4-BE49-F238E27FC236}">
+                <a16:creationId xmlns:a16="http://schemas.microsoft.com/office/drawing/2014/main" id="{92BA3B07-8F97-63E5-C670-E62551BF9131}"/>
+              </a:ext>
+            </a:extLst>
+          </p:cNvPr>
+          <p:cNvSpPr/>
+          <p:nvPr/>
+        </p:nvSpPr>
+        <p:spPr>
+          <a:xfrm>
+            <a:off x="1297709" y="306646"/>
+            <a:ext cx="9596581" cy="748147"/>
+          </a:xfrm>
+          <a:prstGeom prst="roundRect">
+            <a:avLst/>
+          </a:prstGeom>
+          <a:ln>
+            <a:noFill/>
+          </a:ln>
+        </p:spPr>
+        <p:style>
+          <a:lnRef idx="2">
+            <a:schemeClr val="accent1">
+              <a:shade val="15000"/>
+            </a:schemeClr>
+          </a:lnRef>
+          <a:fillRef idx="1">
+            <a:schemeClr val="accent1"/>
+          </a:fillRef>
+          <a:effectRef idx="0">
+            <a:schemeClr val="accent1"/>
+          </a:effectRef>
+          <a:fontRef idx="minor">
+            <a:schemeClr val="lt1"/>
+          </a:fontRef>
+        </p:style>
+        <p:txBody>
+          <a:bodyPr rtlCol="0" anchor="ctr"/>
+          <a:lstStyle/>
+          <a:p>
+            <a:pPr algn="ctr"/>
+            <a:r>
+              <a:rPr lang="en-US" altLang="zh-TW" sz="3200" b="1" dirty="0">
+                <a:solidFill>
+                  <a:schemeClr val="bg2">
+                    <a:lumMod val="75000"/>
+                  </a:schemeClr>
+                </a:solidFill>
+                <a:latin typeface="微軟正黑體" panose="020B0604030504040204" pitchFamily="34" charset="-120"/>
+                <a:ea typeface="微軟正黑體" panose="020B0604030504040204" pitchFamily="34" charset="-120"/>
+              </a:rPr>
+              <a:t>Offline stage</a:t>
+            </a:r>
+          </a:p>
+        </p:txBody>
+      </p:sp>
+      <p:sp>
+        <p:nvSpPr>
+          <p:cNvPr id="3" name="文字方塊 2">
+            <a:extLst>
+              <a:ext uri="{FF2B5EF4-FFF2-40B4-BE49-F238E27FC236}">
+                <a16:creationId xmlns:a16="http://schemas.microsoft.com/office/drawing/2014/main" id="{985235B8-CA1F-8A5D-3AAA-1A1351CEB0A2}"/>
+              </a:ext>
+            </a:extLst>
+          </p:cNvPr>
+          <p:cNvSpPr txBox="1"/>
+          <p:nvPr/>
+        </p:nvSpPr>
+        <p:spPr>
+          <a:xfrm>
+            <a:off x="11505363" y="6263640"/>
+            <a:ext cx="478357" cy="369332"/>
+          </a:xfrm>
+          <a:prstGeom prst="rect">
+            <a:avLst/>
+          </a:prstGeom>
+          <a:noFill/>
+        </p:spPr>
+        <p:txBody>
+          <a:bodyPr wrap="square" rtlCol="0">
+            <a:spAutoFit/>
+          </a:bodyPr>
+          <a:lstStyle/>
+          <a:p>
+            <a:pPr algn="ctr"/>
+            <a:r>
+              <a:rPr lang="en-US" altLang="zh-TW" dirty="0"/>
+              <a:t>17</a:t>
+            </a:r>
+            <a:endParaRPr lang="zh-TW" altLang="en-US" dirty="0"/>
+          </a:p>
+        </p:txBody>
+      </p:sp>
+      <p:sp>
+        <p:nvSpPr>
+          <p:cNvPr id="6" name="Google Shape;219;p33">
+            <a:extLst>
+              <a:ext uri="{FF2B5EF4-FFF2-40B4-BE49-F238E27FC236}">
+                <a16:creationId xmlns:a16="http://schemas.microsoft.com/office/drawing/2014/main" id="{335A6436-2519-A053-6AE8-7DBFC2C47934}"/>
+              </a:ext>
+            </a:extLst>
+          </p:cNvPr>
+          <p:cNvSpPr/>
+          <p:nvPr/>
+        </p:nvSpPr>
+        <p:spPr>
+          <a:xfrm>
+            <a:off x="543528" y="6168600"/>
+            <a:ext cx="3328000" cy="1378800"/>
+          </a:xfrm>
+          <a:prstGeom prst="rect">
+            <a:avLst/>
+          </a:prstGeom>
+          <a:solidFill>
+            <a:schemeClr val="accent1"/>
+          </a:solidFill>
+          <a:ln>
+            <a:noFill/>
+          </a:ln>
+        </p:spPr>
+        <p:txBody>
+          <a:bodyPr spcFirstLastPara="1" wrap="square" lIns="121900" tIns="121900" rIns="121900" bIns="121900" anchor="ctr" anchorCtr="0">
+            <a:noAutofit/>
+          </a:bodyPr>
+          <a:lstStyle/>
+          <a:p>
+            <a:endParaRPr sz="1400"/>
+          </a:p>
+        </p:txBody>
+      </p:sp>
+      <p:sp>
+        <p:nvSpPr>
+          <p:cNvPr id="4" name="文字方塊 3">
+            <a:extLst>
+              <a:ext uri="{FF2B5EF4-FFF2-40B4-BE49-F238E27FC236}">
+                <a16:creationId xmlns:a16="http://schemas.microsoft.com/office/drawing/2014/main" id="{C5283B25-4493-35AB-7A31-2DE81FB44013}"/>
+              </a:ext>
+            </a:extLst>
+          </p:cNvPr>
+          <p:cNvSpPr txBox="1"/>
+          <p:nvPr/>
+        </p:nvSpPr>
+        <p:spPr>
+          <a:xfrm>
+            <a:off x="1297709" y="1063106"/>
+            <a:ext cx="9596581" cy="461665"/>
+          </a:xfrm>
+          <a:prstGeom prst="rect">
+            <a:avLst/>
+          </a:prstGeom>
+          <a:noFill/>
+        </p:spPr>
+        <p:txBody>
+          <a:bodyPr wrap="square" rtlCol="0">
+            <a:spAutoFit/>
+          </a:bodyPr>
+          <a:lstStyle/>
+          <a:p>
+            <a:pPr algn="ctr"/>
+            <a:r>
+              <a:rPr lang="en-US" altLang="zh-TW" sz="2400" b="1" dirty="0" err="1">
+                <a:solidFill>
+                  <a:schemeClr val="accent1">
+                    <a:lumMod val="50000"/>
+                  </a:schemeClr>
+                </a:solidFill>
+                <a:latin typeface="微軟正黑體" panose="020B0604030504040204" pitchFamily="34" charset="-120"/>
+                <a:ea typeface="微軟正黑體" panose="020B0604030504040204" pitchFamily="34" charset="-120"/>
+              </a:rPr>
+              <a:t>RegDNN</a:t>
+            </a:r>
+            <a:r>
+              <a:rPr lang="en-US" altLang="zh-TW" sz="2400" b="1" dirty="0">
+                <a:solidFill>
+                  <a:schemeClr val="accent1">
+                    <a:lumMod val="50000"/>
+                  </a:schemeClr>
+                </a:solidFill>
+                <a:latin typeface="微軟正黑體" panose="020B0604030504040204" pitchFamily="34" charset="-120"/>
+                <a:ea typeface="微軟正黑體" panose="020B0604030504040204" pitchFamily="34" charset="-120"/>
+              </a:rPr>
+              <a:t> Model training - </a:t>
+            </a:r>
+            <a:r>
+              <a:rPr lang="en-US" altLang="zh-TW" sz="2400" b="1" dirty="0" err="1">
+                <a:solidFill>
+                  <a:schemeClr val="accent1">
+                    <a:lumMod val="50000"/>
+                  </a:schemeClr>
+                </a:solidFill>
+                <a:latin typeface="微軟正黑體" panose="020B0604030504040204" pitchFamily="34" charset="-120"/>
+                <a:ea typeface="微軟正黑體" panose="020B0604030504040204" pitchFamily="34" charset="-120"/>
+              </a:rPr>
+              <a:t>SGDRegressor</a:t>
+            </a:r>
+            <a:endParaRPr lang="en-US" altLang="zh-TW" sz="2400" b="1" dirty="0">
+              <a:solidFill>
+                <a:schemeClr val="accent1">
+                  <a:lumMod val="50000"/>
+                </a:schemeClr>
+              </a:solidFill>
+              <a:latin typeface="微軟正黑體" panose="020B0604030504040204" pitchFamily="34" charset="-120"/>
+              <a:ea typeface="微軟正黑體" panose="020B0604030504040204" pitchFamily="34" charset="-120"/>
+            </a:endParaRPr>
+          </a:p>
+        </p:txBody>
+      </p:sp>
+      <p:sp>
+        <p:nvSpPr>
+          <p:cNvPr id="11" name="文字方塊 10">
+            <a:extLst>
+              <a:ext uri="{FF2B5EF4-FFF2-40B4-BE49-F238E27FC236}">
+                <a16:creationId xmlns:a16="http://schemas.microsoft.com/office/drawing/2014/main" id="{55EDAB10-8D92-C1B7-4F68-DF101FACB53E}"/>
+              </a:ext>
+            </a:extLst>
+          </p:cNvPr>
+          <p:cNvSpPr txBox="1"/>
+          <p:nvPr/>
+        </p:nvSpPr>
+        <p:spPr>
+          <a:xfrm>
+            <a:off x="2146417" y="2149758"/>
+            <a:ext cx="7899164" cy="2923877"/>
+          </a:xfrm>
+          <a:prstGeom prst="rect">
+            <a:avLst/>
+          </a:prstGeom>
+          <a:noFill/>
+        </p:spPr>
+        <p:txBody>
+          <a:bodyPr wrap="square">
+            <a:spAutoFit/>
+          </a:bodyPr>
+          <a:lstStyle/>
+          <a:p>
+            <a:endParaRPr lang="en-US" altLang="zh-TW" sz="1000" b="1" dirty="0">
+              <a:latin typeface="微軟正黑體" panose="020B0604030504040204" pitchFamily="34" charset="-120"/>
+              <a:ea typeface="微軟正黑體" panose="020B0604030504040204" pitchFamily="34" charset="-120"/>
+            </a:endParaRPr>
+          </a:p>
+          <a:p>
+            <a:endParaRPr lang="en-US" altLang="zh-TW" sz="500" b="1" dirty="0">
+              <a:latin typeface="微軟正黑體" panose="020B0604030504040204" pitchFamily="34" charset="-120"/>
+              <a:ea typeface="微軟正黑體" panose="020B0604030504040204" pitchFamily="34" charset="-120"/>
+            </a:endParaRPr>
+          </a:p>
+          <a:p>
+            <a:pPr marL="800100" lvl="1" indent="-342900">
+              <a:buFont typeface="Arial" panose="020B0604020202020204" pitchFamily="34" charset="0"/>
+              <a:buChar char="•"/>
+            </a:pPr>
+            <a:r>
+              <a:rPr lang="en-US" altLang="zh-TW" sz="2000" dirty="0">
+                <a:latin typeface="微軟正黑體" panose="020B0604030504040204" pitchFamily="34" charset="-120"/>
+                <a:ea typeface="微軟正黑體" panose="020B0604030504040204" pitchFamily="34" charset="-120"/>
+              </a:rPr>
+              <a:t>Fast and Lightweight</a:t>
+            </a:r>
+          </a:p>
+          <a:p>
+            <a:pPr marL="800100" lvl="1" indent="-342900">
+              <a:buFont typeface="Arial" panose="020B0604020202020204" pitchFamily="34" charset="0"/>
+              <a:buChar char="•"/>
+            </a:pPr>
+            <a:endParaRPr lang="en-US" altLang="zh-TW" sz="500" dirty="0">
+              <a:latin typeface="微軟正黑體" panose="020B0604030504040204" pitchFamily="34" charset="-120"/>
+              <a:ea typeface="微軟正黑體" panose="020B0604030504040204" pitchFamily="34" charset="-120"/>
+            </a:endParaRPr>
+          </a:p>
+          <a:p>
+            <a:pPr marL="1257300" lvl="2" indent="-342900">
+              <a:buFont typeface="Arial" panose="020B0604020202020204" pitchFamily="34" charset="0"/>
+              <a:buChar char="•"/>
+            </a:pPr>
+            <a:r>
+              <a:rPr lang="en-US" altLang="zh-TW" dirty="0">
+                <a:latin typeface="微軟正黑體" panose="020B0604030504040204" pitchFamily="34" charset="-120"/>
+                <a:ea typeface="微軟正黑體" panose="020B0604030504040204" pitchFamily="34" charset="-120"/>
+              </a:rPr>
+              <a:t>Suitable for quick training.</a:t>
+            </a:r>
+          </a:p>
+          <a:p>
+            <a:pPr marL="1257300" lvl="2" indent="-342900">
+              <a:buFont typeface="Arial" panose="020B0604020202020204" pitchFamily="34" charset="0"/>
+              <a:buChar char="•"/>
+            </a:pPr>
+            <a:endParaRPr lang="en-US" altLang="zh-TW" sz="2000" dirty="0">
+              <a:latin typeface="微軟正黑體" panose="020B0604030504040204" pitchFamily="34" charset="-120"/>
+              <a:ea typeface="微軟正黑體" panose="020B0604030504040204" pitchFamily="34" charset="-120"/>
+            </a:endParaRPr>
+          </a:p>
+          <a:p>
+            <a:pPr marL="800100" lvl="1" indent="-342900">
+              <a:buFont typeface="Arial" panose="020B0604020202020204" pitchFamily="34" charset="0"/>
+              <a:buChar char="•"/>
+            </a:pPr>
+            <a:r>
+              <a:rPr lang="en-US" altLang="zh-TW" sz="2000" dirty="0">
+                <a:latin typeface="微軟正黑體" panose="020B0604030504040204" pitchFamily="34" charset="-120"/>
+                <a:ea typeface="微軟正黑體" panose="020B0604030504040204" pitchFamily="34" charset="-120"/>
+              </a:rPr>
+              <a:t>Focus on feature expansion</a:t>
+            </a:r>
+          </a:p>
+          <a:p>
+            <a:pPr marL="800100" lvl="1" indent="-342900">
+              <a:buFont typeface="Arial" panose="020B0604020202020204" pitchFamily="34" charset="0"/>
+              <a:buChar char="•"/>
+            </a:pPr>
+            <a:endParaRPr lang="en-US" altLang="zh-TW" sz="500" dirty="0">
+              <a:latin typeface="微軟正黑體" panose="020B0604030504040204" pitchFamily="34" charset="-120"/>
+              <a:ea typeface="微軟正黑體" panose="020B0604030504040204" pitchFamily="34" charset="-120"/>
+            </a:endParaRPr>
+          </a:p>
+          <a:p>
+            <a:pPr marL="1257300" lvl="2" indent="-342900">
+              <a:buFont typeface="Arial" panose="020B0604020202020204" pitchFamily="34" charset="0"/>
+              <a:buChar char="•"/>
+            </a:pPr>
+            <a:r>
+              <a:rPr lang="en-US" altLang="zh-TW" dirty="0">
+                <a:latin typeface="微軟正黑體" panose="020B0604030504040204" pitchFamily="34" charset="-120"/>
+                <a:ea typeface="微軟正黑體" panose="020B0604030504040204" pitchFamily="34" charset="-120"/>
+              </a:rPr>
+              <a:t>Not precise regression, helps DNN capture spatial trends.</a:t>
+            </a:r>
+          </a:p>
+          <a:p>
+            <a:pPr marL="1257300" lvl="2" indent="-342900">
+              <a:buFont typeface="Arial" panose="020B0604020202020204" pitchFamily="34" charset="0"/>
+              <a:buChar char="•"/>
+            </a:pPr>
+            <a:endParaRPr lang="en-US" altLang="zh-TW" sz="2000" dirty="0">
+              <a:latin typeface="微軟正黑體" panose="020B0604030504040204" pitchFamily="34" charset="-120"/>
+              <a:ea typeface="微軟正黑體" panose="020B0604030504040204" pitchFamily="34" charset="-120"/>
+            </a:endParaRPr>
+          </a:p>
+          <a:p>
+            <a:pPr marL="800100" lvl="1" indent="-342900">
+              <a:buFont typeface="Arial" panose="020B0604020202020204" pitchFamily="34" charset="0"/>
+              <a:buChar char="•"/>
+            </a:pPr>
+            <a:r>
+              <a:rPr lang="en-US" altLang="zh-TW" sz="2000" dirty="0">
+                <a:latin typeface="微軟正黑體" panose="020B0604030504040204" pitchFamily="34" charset="-120"/>
+                <a:ea typeface="微軟正黑體" panose="020B0604030504040204" pitchFamily="34" charset="-120"/>
+              </a:rPr>
+              <a:t>Supports partial fit</a:t>
+            </a:r>
+          </a:p>
+          <a:p>
+            <a:pPr marL="800100" lvl="1" indent="-342900">
+              <a:buFont typeface="Arial" panose="020B0604020202020204" pitchFamily="34" charset="0"/>
+              <a:buChar char="•"/>
+            </a:pPr>
+            <a:endParaRPr lang="en-US" altLang="zh-TW" sz="500" dirty="0">
+              <a:latin typeface="微軟正黑體" panose="020B0604030504040204" pitchFamily="34" charset="-120"/>
+              <a:ea typeface="微軟正黑體" panose="020B0604030504040204" pitchFamily="34" charset="-120"/>
+            </a:endParaRPr>
+          </a:p>
+          <a:p>
+            <a:pPr marL="1257300" lvl="2" indent="-342900">
+              <a:buFont typeface="Arial" panose="020B0604020202020204" pitchFamily="34" charset="0"/>
+              <a:buChar char="•"/>
+            </a:pPr>
+            <a:r>
+              <a:rPr lang="en-US" altLang="zh-TW" dirty="0">
+                <a:latin typeface="微軟正黑體" panose="020B0604030504040204" pitchFamily="34" charset="-120"/>
+                <a:ea typeface="微軟正黑體" panose="020B0604030504040204" pitchFamily="34" charset="-120"/>
+              </a:rPr>
+              <a:t>Enabling future fine-tuning with new data.</a:t>
+            </a:r>
+            <a:endParaRPr lang="en-US" altLang="zh-TW" b="1" dirty="0">
+              <a:latin typeface="微軟正黑體" panose="020B0604030504040204" pitchFamily="34" charset="-120"/>
+              <a:ea typeface="微軟正黑體" panose="020B0604030504040204" pitchFamily="34" charset="-120"/>
+            </a:endParaRPr>
+          </a:p>
+        </p:txBody>
+      </p:sp>
+    </p:spTree>
+    <p:extLst>
+      <p:ext uri="{BB962C8B-B14F-4D97-AF65-F5344CB8AC3E}">
+        <p14:creationId xmlns:p14="http://schemas.microsoft.com/office/powerpoint/2010/main" val="1338597466"/>
+      </p:ext>
+    </p:extLst>
+  </p:cSld>
+  <p:clrMapOvr>
+    <a:masterClrMapping/>
+  </p:clrMapOvr>
+</p:sld>
+</file>
+
+<file path=ppt/slides/slide19.xml><?xml version="1.0" encoding="utf-8"?>
+<p:sld xmlns:a="http://schemas.openxmlformats.org/drawingml/2006/main" xmlns:r="http://schemas.openxmlformats.org/officeDocument/2006/relationships" xmlns:p="http://schemas.openxmlformats.org/presentationml/2006/main">
+  <p:cSld>
+    <p:spTree>
+      <p:nvGrpSpPr>
+        <p:cNvPr id="1" name="Shape 213">
+          <a:extLst>
+            <a:ext uri="{FF2B5EF4-FFF2-40B4-BE49-F238E27FC236}">
+              <a16:creationId xmlns:a16="http://schemas.microsoft.com/office/drawing/2014/main" id="{1FFE665B-CA5B-D537-C6FC-94502A334A5E}"/>
+            </a:ext>
+          </a:extLst>
+        </p:cNvPr>
+        <p:cNvGrpSpPr/>
+        <p:nvPr/>
+      </p:nvGrpSpPr>
+      <p:grpSpPr>
+        <a:xfrm>
+          <a:off x="0" y="0"/>
+          <a:ext cx="0" cy="0"/>
+          <a:chOff x="0" y="0"/>
+          <a:chExt cx="0" cy="0"/>
+        </a:xfrm>
+      </p:grpSpPr>
+      <p:sp>
+        <p:nvSpPr>
+          <p:cNvPr id="2" name="矩形: 圓角 1">
+            <a:extLst>
+              <a:ext uri="{FF2B5EF4-FFF2-40B4-BE49-F238E27FC236}">
+                <a16:creationId xmlns:a16="http://schemas.microsoft.com/office/drawing/2014/main" id="{ED6BD52B-C52B-A130-9CC4-B4BC1BA8A3DC}"/>
+              </a:ext>
+            </a:extLst>
+          </p:cNvPr>
+          <p:cNvSpPr/>
+          <p:nvPr/>
+        </p:nvSpPr>
+        <p:spPr>
+          <a:xfrm>
+            <a:off x="1297709" y="306646"/>
+            <a:ext cx="9596581" cy="748147"/>
+          </a:xfrm>
+          <a:prstGeom prst="roundRect">
+            <a:avLst/>
+          </a:prstGeom>
+          <a:ln>
+            <a:noFill/>
+          </a:ln>
+        </p:spPr>
+        <p:style>
+          <a:lnRef idx="2">
+            <a:schemeClr val="accent1">
+              <a:shade val="15000"/>
+            </a:schemeClr>
+          </a:lnRef>
+          <a:fillRef idx="1">
+            <a:schemeClr val="accent1"/>
+          </a:fillRef>
+          <a:effectRef idx="0">
+            <a:schemeClr val="accent1"/>
+          </a:effectRef>
+          <a:fontRef idx="minor">
+            <a:schemeClr val="lt1"/>
+          </a:fontRef>
+        </p:style>
+        <p:txBody>
+          <a:bodyPr rtlCol="0" anchor="ctr"/>
+          <a:lstStyle/>
+          <a:p>
+            <a:pPr algn="ctr"/>
+            <a:r>
+              <a:rPr lang="en-US" altLang="zh-TW" sz="3200" b="1" dirty="0">
+                <a:solidFill>
+                  <a:schemeClr val="bg2">
+                    <a:lumMod val="75000"/>
+                  </a:schemeClr>
+                </a:solidFill>
+                <a:latin typeface="微軟正黑體" panose="020B0604030504040204" pitchFamily="34" charset="-120"/>
+                <a:ea typeface="微軟正黑體" panose="020B0604030504040204" pitchFamily="34" charset="-120"/>
+              </a:rPr>
+              <a:t>Offline stage</a:t>
+            </a:r>
+          </a:p>
+        </p:txBody>
+      </p:sp>
+      <p:sp>
+        <p:nvSpPr>
+          <p:cNvPr id="3" name="文字方塊 2">
+            <a:extLst>
+              <a:ext uri="{FF2B5EF4-FFF2-40B4-BE49-F238E27FC236}">
+                <a16:creationId xmlns:a16="http://schemas.microsoft.com/office/drawing/2014/main" id="{67587B38-AB90-3795-7A9E-22D98F27697D}"/>
+              </a:ext>
+            </a:extLst>
+          </p:cNvPr>
+          <p:cNvSpPr txBox="1"/>
+          <p:nvPr/>
+        </p:nvSpPr>
+        <p:spPr>
+          <a:xfrm>
+            <a:off x="11505363" y="6263640"/>
+            <a:ext cx="478357" cy="369332"/>
+          </a:xfrm>
+          <a:prstGeom prst="rect">
+            <a:avLst/>
+          </a:prstGeom>
+          <a:noFill/>
+        </p:spPr>
+        <p:txBody>
+          <a:bodyPr wrap="square" rtlCol="0">
+            <a:spAutoFit/>
+          </a:bodyPr>
+          <a:lstStyle/>
+          <a:p>
+            <a:pPr algn="ctr"/>
+            <a:r>
+              <a:rPr lang="en-US" altLang="zh-TW" dirty="0"/>
+              <a:t>18</a:t>
+            </a:r>
+            <a:endParaRPr lang="zh-TW" altLang="en-US" dirty="0"/>
+          </a:p>
+        </p:txBody>
+      </p:sp>
+      <p:sp>
+        <p:nvSpPr>
+          <p:cNvPr id="6" name="Google Shape;219;p33">
+            <a:extLst>
+              <a:ext uri="{FF2B5EF4-FFF2-40B4-BE49-F238E27FC236}">
+                <a16:creationId xmlns:a16="http://schemas.microsoft.com/office/drawing/2014/main" id="{FECEB9A5-E49F-B7FC-8588-BCAC825B3EB7}"/>
+              </a:ext>
+            </a:extLst>
+          </p:cNvPr>
+          <p:cNvSpPr/>
+          <p:nvPr/>
+        </p:nvSpPr>
+        <p:spPr>
+          <a:xfrm>
+            <a:off x="543528" y="6168600"/>
+            <a:ext cx="3328000" cy="1378800"/>
+          </a:xfrm>
+          <a:prstGeom prst="rect">
+            <a:avLst/>
+          </a:prstGeom>
+          <a:solidFill>
+            <a:schemeClr val="accent1"/>
+          </a:solidFill>
+          <a:ln>
+            <a:noFill/>
+          </a:ln>
+        </p:spPr>
+        <p:txBody>
+          <a:bodyPr spcFirstLastPara="1" wrap="square" lIns="121900" tIns="121900" rIns="121900" bIns="121900" anchor="ctr" anchorCtr="0">
+            <a:noAutofit/>
+          </a:bodyPr>
+          <a:lstStyle/>
+          <a:p>
+            <a:endParaRPr sz="1400"/>
+          </a:p>
+        </p:txBody>
+      </p:sp>
+      <p:sp>
+        <p:nvSpPr>
+          <p:cNvPr id="4" name="文字方塊 3">
+            <a:extLst>
+              <a:ext uri="{FF2B5EF4-FFF2-40B4-BE49-F238E27FC236}">
+                <a16:creationId xmlns:a16="http://schemas.microsoft.com/office/drawing/2014/main" id="{914D8E4B-1462-20F5-634F-C3ABF655CD88}"/>
+              </a:ext>
+            </a:extLst>
+          </p:cNvPr>
+          <p:cNvSpPr txBox="1"/>
+          <p:nvPr/>
+        </p:nvSpPr>
+        <p:spPr>
+          <a:xfrm>
+            <a:off x="1297709" y="1063106"/>
+            <a:ext cx="9596581" cy="461665"/>
+          </a:xfrm>
+          <a:prstGeom prst="rect">
+            <a:avLst/>
+          </a:prstGeom>
+          <a:noFill/>
+        </p:spPr>
+        <p:txBody>
+          <a:bodyPr wrap="square" rtlCol="0">
+            <a:spAutoFit/>
+          </a:bodyPr>
+          <a:lstStyle/>
+          <a:p>
+            <a:pPr algn="ctr"/>
+            <a:r>
+              <a:rPr lang="en-US" altLang="zh-TW" sz="2400" b="1" dirty="0" err="1">
+                <a:solidFill>
+                  <a:schemeClr val="accent1">
+                    <a:lumMod val="50000"/>
+                  </a:schemeClr>
+                </a:solidFill>
+                <a:latin typeface="微軟正黑體" panose="020B0604030504040204" pitchFamily="34" charset="-120"/>
+                <a:ea typeface="微軟正黑體" panose="020B0604030504040204" pitchFamily="34" charset="-120"/>
+              </a:rPr>
+              <a:t>RegDNN</a:t>
+            </a:r>
+            <a:r>
+              <a:rPr lang="en-US" altLang="zh-TW" sz="2400" b="1" dirty="0">
+                <a:solidFill>
+                  <a:schemeClr val="accent1">
+                    <a:lumMod val="50000"/>
+                  </a:schemeClr>
+                </a:solidFill>
+                <a:latin typeface="微軟正黑體" panose="020B0604030504040204" pitchFamily="34" charset="-120"/>
+                <a:ea typeface="微軟正黑體" panose="020B0604030504040204" pitchFamily="34" charset="-120"/>
+              </a:rPr>
+              <a:t> Model training - Regressor</a:t>
+            </a:r>
+          </a:p>
+        </p:txBody>
+      </p:sp>
+      <p:pic>
+        <p:nvPicPr>
+          <p:cNvPr id="14" name="圖片 13">
+            <a:extLst>
+              <a:ext uri="{FF2B5EF4-FFF2-40B4-BE49-F238E27FC236}">
+                <a16:creationId xmlns:a16="http://schemas.microsoft.com/office/drawing/2014/main" id="{2EF11C8F-2142-88B1-BBF6-FBE26EFEE65D}"/>
+              </a:ext>
+            </a:extLst>
+          </p:cNvPr>
+          <p:cNvPicPr>
+            <a:picLocks noChangeAspect="1"/>
+          </p:cNvPicPr>
+          <p:nvPr/>
+        </p:nvPicPr>
+        <p:blipFill>
+          <a:blip r:embed="rId3">
+            <a:extLst>
+              <a:ext uri="{28A0092B-C50C-407E-A947-70E740481C1C}">
+                <a14:useLocalDpi xmlns:a14="http://schemas.microsoft.com/office/drawing/2010/main" val="0"/>
+              </a:ext>
+            </a:extLst>
+          </a:blip>
+          <a:stretch>
+            <a:fillRect/>
+          </a:stretch>
+        </p:blipFill>
+        <p:spPr>
+          <a:xfrm>
+            <a:off x="1191290" y="2519464"/>
+            <a:ext cx="7534990" cy="2481061"/>
+          </a:xfrm>
+          <a:prstGeom prst="rect">
+            <a:avLst/>
+          </a:prstGeom>
+        </p:spPr>
+      </p:pic>
+      <p:sp>
+        <p:nvSpPr>
+          <p:cNvPr id="15" name="矩形 14">
+            <a:extLst>
+              <a:ext uri="{FF2B5EF4-FFF2-40B4-BE49-F238E27FC236}">
+                <a16:creationId xmlns:a16="http://schemas.microsoft.com/office/drawing/2014/main" id="{8C0302A1-7292-CBB6-33F6-D955AB80D13B}"/>
+              </a:ext>
+            </a:extLst>
+          </p:cNvPr>
+          <p:cNvSpPr/>
+          <p:nvPr/>
+        </p:nvSpPr>
+        <p:spPr>
+          <a:xfrm>
+            <a:off x="884645" y="3387398"/>
+            <a:ext cx="3688469" cy="1826628"/>
+          </a:xfrm>
+          <a:prstGeom prst="rect">
+            <a:avLst/>
+          </a:prstGeom>
+          <a:noFill/>
+          <a:ln>
             <a:solidFill>
               <a:srgbClr val="C00000"/>
             </a:solidFill>
@@ -23606,16 +29739,150 @@
           <a:lstStyle/>
           <a:p>
             <a:pPr algn="ctr"/>
-            <a:endParaRPr lang="zh-TW" altLang="en-US"/>
+            <a:endParaRPr lang="zh-TW" altLang="en-US" dirty="0"/>
           </a:p>
         </p:txBody>
       </p:sp>
       <p:sp>
         <p:nvSpPr>
-          <p:cNvPr id="5" name="文字方塊 4">
+          <p:cNvPr id="16" name="矩形 15">
             <a:extLst>
               <a:ext uri="{FF2B5EF4-FFF2-40B4-BE49-F238E27FC236}">
-                <a16:creationId xmlns:a16="http://schemas.microsoft.com/office/drawing/2014/main" id="{5AB243D0-90F7-52F8-1D0D-C2A56AF2E8BA}"/>
+                <a16:creationId xmlns:a16="http://schemas.microsoft.com/office/drawing/2014/main" id="{E5B1D1EF-6163-8900-938B-37C2B7EA6E41}"/>
+              </a:ext>
+            </a:extLst>
+          </p:cNvPr>
+          <p:cNvSpPr/>
+          <p:nvPr/>
+        </p:nvSpPr>
+        <p:spPr>
+          <a:xfrm>
+            <a:off x="4503227" y="3387398"/>
+            <a:ext cx="1894708" cy="1826628"/>
+          </a:xfrm>
+          <a:prstGeom prst="rect">
+            <a:avLst/>
+          </a:prstGeom>
+          <a:noFill/>
+          <a:ln>
+            <a:solidFill>
+              <a:srgbClr val="C00000"/>
+            </a:solidFill>
+          </a:ln>
+        </p:spPr>
+        <p:style>
+          <a:lnRef idx="2">
+            <a:schemeClr val="accent1">
+              <a:shade val="15000"/>
+            </a:schemeClr>
+          </a:lnRef>
+          <a:fillRef idx="1">
+            <a:schemeClr val="accent1"/>
+          </a:fillRef>
+          <a:effectRef idx="0">
+            <a:schemeClr val="accent1"/>
+          </a:effectRef>
+          <a:fontRef idx="minor">
+            <a:schemeClr val="lt1"/>
+          </a:fontRef>
+        </p:style>
+        <p:txBody>
+          <a:bodyPr rtlCol="0" anchor="ctr"/>
+          <a:lstStyle/>
+          <a:p>
+            <a:pPr algn="ctr"/>
+            <a:endParaRPr lang="zh-TW" altLang="en-US"/>
+          </a:p>
+        </p:txBody>
+      </p:sp>
+      <p:sp>
+        <p:nvSpPr>
+          <p:cNvPr id="27" name="加號 26">
+            <a:extLst>
+              <a:ext uri="{FF2B5EF4-FFF2-40B4-BE49-F238E27FC236}">
+                <a16:creationId xmlns:a16="http://schemas.microsoft.com/office/drawing/2014/main" id="{83392AD9-30E9-A5A6-88D2-5A50AEFD00F8}"/>
+              </a:ext>
+            </a:extLst>
+          </p:cNvPr>
+          <p:cNvSpPr/>
+          <p:nvPr/>
+        </p:nvSpPr>
+        <p:spPr>
+          <a:xfrm>
+            <a:off x="9309776" y="4708388"/>
+            <a:ext cx="459910" cy="430838"/>
+          </a:xfrm>
+          <a:prstGeom prst="mathPlus">
+            <a:avLst/>
+          </a:prstGeom>
+        </p:spPr>
+        <p:style>
+          <a:lnRef idx="2">
+            <a:schemeClr val="accent1">
+              <a:shade val="15000"/>
+            </a:schemeClr>
+          </a:lnRef>
+          <a:fillRef idx="1">
+            <a:schemeClr val="accent1"/>
+          </a:fillRef>
+          <a:effectRef idx="0">
+            <a:schemeClr val="accent1"/>
+          </a:effectRef>
+          <a:fontRef idx="minor">
+            <a:schemeClr val="lt1"/>
+          </a:fontRef>
+        </p:style>
+        <p:txBody>
+          <a:bodyPr rtlCol="0" anchor="ctr"/>
+          <a:lstStyle/>
+          <a:p>
+            <a:pPr algn="ctr"/>
+            <a:endParaRPr lang="zh-TW" altLang="en-US"/>
+          </a:p>
+        </p:txBody>
+      </p:sp>
+      <p:pic>
+        <p:nvPicPr>
+          <p:cNvPr id="29" name="圖片 28">
+            <a:extLst>
+              <a:ext uri="{FF2B5EF4-FFF2-40B4-BE49-F238E27FC236}">
+                <a16:creationId xmlns:a16="http://schemas.microsoft.com/office/drawing/2014/main" id="{E52B00A7-8735-1BE8-1CA6-CE20347A441E}"/>
+              </a:ext>
+            </a:extLst>
+          </p:cNvPr>
+          <p:cNvPicPr>
+            <a:picLocks noChangeAspect="1"/>
+          </p:cNvPicPr>
+          <p:nvPr/>
+        </p:nvPicPr>
+        <p:blipFill>
+          <a:blip r:embed="rId4">
+            <a:extLst>
+              <a:ext uri="{28A0092B-C50C-407E-A947-70E740481C1C}">
+                <a14:useLocalDpi xmlns:a14="http://schemas.microsoft.com/office/drawing/2010/main" val="0"/>
+              </a:ext>
+            </a:extLst>
+          </a:blip>
+          <a:stretch>
+            <a:fillRect/>
+          </a:stretch>
+        </p:blipFill>
+        <p:spPr>
+          <a:xfrm>
+            <a:off x="10011735" y="3053756"/>
+            <a:ext cx="1142061" cy="2138045"/>
+          </a:xfrm>
+          <a:prstGeom prst="rect">
+            <a:avLst/>
+          </a:prstGeom>
+        </p:spPr>
+      </p:pic>
+      <p:sp>
+        <p:nvSpPr>
+          <p:cNvPr id="30" name="文字方塊 29">
+            <a:extLst>
+              <a:ext uri="{FF2B5EF4-FFF2-40B4-BE49-F238E27FC236}">
+                <a16:creationId xmlns:a16="http://schemas.microsoft.com/office/drawing/2014/main" id="{A91F676F-BECC-8052-E277-73D7427974D0}"/>
               </a:ext>
             </a:extLst>
           </p:cNvPr>
@@ -23624,8 +29891,8 @@
         </p:nvSpPr>
         <p:spPr>
           <a:xfrm>
-            <a:off x="11262167" y="6263640"/>
-            <a:ext cx="721553" cy="369332"/>
+            <a:off x="8351011" y="5315456"/>
+            <a:ext cx="2377440" cy="369332"/>
           </a:xfrm>
           <a:prstGeom prst="rect">
             <a:avLst/>
@@ -23640,156 +29907,536 @@
           <a:p>
             <a:pPr algn="ctr"/>
             <a:r>
-              <a:rPr lang="en-US" altLang="zh-TW" dirty="0"/>
-              <a:t>12</a:t>
-            </a:r>
-            <a:endParaRPr lang="zh-TW" altLang="en-US" dirty="0"/>
+              <a:rPr lang="en-US" altLang="zh-TW" dirty="0">
+                <a:latin typeface="微軟正黑體" panose="020B0604030504040204" pitchFamily="34" charset="-120"/>
+                <a:ea typeface="微軟正黑體" panose="020B0604030504040204" pitchFamily="34" charset="-120"/>
+              </a:rPr>
+              <a:t>concatenation</a:t>
+            </a:r>
+            <a:endParaRPr lang="zh-TW" altLang="en-US" dirty="0">
+              <a:latin typeface="微軟正黑體" panose="020B0604030504040204" pitchFamily="34" charset="-120"/>
+              <a:ea typeface="微軟正黑體" panose="020B0604030504040204" pitchFamily="34" charset="-120"/>
+            </a:endParaRPr>
+          </a:p>
+        </p:txBody>
+      </p:sp>
+      <p:sp>
+        <p:nvSpPr>
+          <p:cNvPr id="32" name="矩形: 圓角 31">
+            <a:extLst>
+              <a:ext uri="{FF2B5EF4-FFF2-40B4-BE49-F238E27FC236}">
+                <a16:creationId xmlns:a16="http://schemas.microsoft.com/office/drawing/2014/main" id="{B19473C2-B343-3CFA-6A29-AEB51C82063F}"/>
+              </a:ext>
+            </a:extLst>
+          </p:cNvPr>
+          <p:cNvSpPr/>
+          <p:nvPr/>
+        </p:nvSpPr>
+        <p:spPr>
+          <a:xfrm>
+            <a:off x="6299052" y="4670006"/>
+            <a:ext cx="2768676" cy="459060"/>
+          </a:xfrm>
+          <a:prstGeom prst="roundRect">
+            <a:avLst/>
+          </a:prstGeom>
+          <a:solidFill>
+            <a:schemeClr val="accent1">
+              <a:lumMod val="60000"/>
+              <a:lumOff val="40000"/>
+            </a:schemeClr>
+          </a:solidFill>
+        </p:spPr>
+        <p:style>
+          <a:lnRef idx="2">
+            <a:schemeClr val="accent1">
+              <a:shade val="15000"/>
+            </a:schemeClr>
+          </a:lnRef>
+          <a:fillRef idx="1">
+            <a:schemeClr val="accent1"/>
+          </a:fillRef>
+          <a:effectRef idx="0">
+            <a:schemeClr val="accent1"/>
+          </a:effectRef>
+          <a:fontRef idx="minor">
+            <a:schemeClr val="lt1"/>
+          </a:fontRef>
+        </p:style>
+        <p:txBody>
+          <a:bodyPr rtlCol="0" anchor="ctr"/>
+          <a:lstStyle/>
+          <a:p>
+            <a:pPr algn="ctr"/>
+            <a:r>
+              <a:rPr lang="en-US" altLang="zh-TW" b="1" dirty="0">
+                <a:solidFill>
+                  <a:schemeClr val="bg2"/>
+                </a:solidFill>
+                <a:latin typeface="微軟正黑體" panose="020B0604030504040204" pitchFamily="34" charset="-120"/>
+                <a:ea typeface="微軟正黑體" panose="020B0604030504040204" pitchFamily="34" charset="-120"/>
+              </a:rPr>
+              <a:t>Ap</a:t>
+            </a:r>
+            <a:r>
+              <a:rPr lang="en-US" altLang="zh-TW" b="1" baseline="-25000" dirty="0">
+                <a:solidFill>
+                  <a:schemeClr val="bg2"/>
+                </a:solidFill>
+                <a:latin typeface="微軟正黑體" panose="020B0604030504040204" pitchFamily="34" charset="-120"/>
+                <a:ea typeface="微軟正黑體" panose="020B0604030504040204" pitchFamily="34" charset="-120"/>
+              </a:rPr>
+              <a:t>i</a:t>
+            </a:r>
+            <a:r>
+              <a:rPr lang="en-US" altLang="zh-TW" b="1" dirty="0">
+                <a:solidFill>
+                  <a:schemeClr val="bg2"/>
+                </a:solidFill>
+                <a:latin typeface="微軟正黑體" panose="020B0604030504040204" pitchFamily="34" charset="-120"/>
+                <a:ea typeface="微軟正黑體" panose="020B0604030504040204" pitchFamily="34" charset="-120"/>
+              </a:rPr>
+              <a:t> </a:t>
+            </a:r>
+            <a:r>
+              <a:rPr lang="en-US" altLang="zh-TW" b="1" dirty="0" err="1">
+                <a:solidFill>
+                  <a:schemeClr val="bg2"/>
+                </a:solidFill>
+                <a:latin typeface="微軟正黑體" panose="020B0604030504040204" pitchFamily="34" charset="-120"/>
+                <a:ea typeface="微軟正黑體" panose="020B0604030504040204" pitchFamily="34" charset="-120"/>
+              </a:rPr>
+              <a:t>psedudo_distance</a:t>
+            </a:r>
+            <a:endParaRPr lang="zh-TW" altLang="en-US" b="1" dirty="0">
+              <a:solidFill>
+                <a:schemeClr val="bg2"/>
+              </a:solidFill>
+              <a:latin typeface="微軟正黑體" panose="020B0604030504040204" pitchFamily="34" charset="-120"/>
+              <a:ea typeface="微軟正黑體" panose="020B0604030504040204" pitchFamily="34" charset="-120"/>
+            </a:endParaRPr>
           </a:p>
         </p:txBody>
       </p:sp>
     </p:spTree>
     <p:extLst>
       <p:ext uri="{BB962C8B-B14F-4D97-AF65-F5344CB8AC3E}">
-        <p14:creationId xmlns:p14="http://schemas.microsoft.com/office/powerpoint/2010/main" val="2496748067"/>
+        <p14:creationId xmlns:p14="http://schemas.microsoft.com/office/powerpoint/2010/main" val="1619800188"/>
       </p:ext>
     </p:extLst>
   </p:cSld>
   <p:clrMapOvr>
     <a:masterClrMapping/>
   </p:clrMapOvr>
-</p:sld>
-</file>
-
-<file path=ppt/slides/slide14.xml><?xml version="1.0" encoding="utf-8"?>
-<p:sld xmlns:a="http://schemas.openxmlformats.org/drawingml/2006/main" xmlns:r="http://schemas.openxmlformats.org/officeDocument/2006/relationships" xmlns:p="http://schemas.openxmlformats.org/presentationml/2006/main">
-  <p:cSld>
-    <p:spTree>
-      <p:nvGrpSpPr>
-        <p:cNvPr id="1" name="Shape 224"/>
-        <p:cNvGrpSpPr/>
-        <p:nvPr/>
-      </p:nvGrpSpPr>
-      <p:grpSpPr>
-        <a:xfrm>
-          <a:off x="0" y="0"/>
-          <a:ext cx="0" cy="0"/>
-          <a:chOff x="0" y="0"/>
-          <a:chExt cx="0" cy="0"/>
-        </a:xfrm>
-      </p:grpSpPr>
-      <p:sp>
-        <p:nvSpPr>
-          <p:cNvPr id="225" name="Google Shape;225;p34"/>
-          <p:cNvSpPr/>
-          <p:nvPr/>
-        </p:nvSpPr>
-        <p:spPr>
-          <a:xfrm>
-            <a:off x="9805900" y="-202433"/>
-            <a:ext cx="3057200" cy="4714400"/>
-          </a:xfrm>
-          <a:prstGeom prst="rect">
-            <a:avLst/>
-          </a:prstGeom>
-          <a:solidFill>
-            <a:schemeClr val="accent1"/>
-          </a:solidFill>
-          <a:ln>
-            <a:noFill/>
-          </a:ln>
-        </p:spPr>
-        <p:txBody>
-          <a:bodyPr spcFirstLastPara="1" wrap="square" lIns="121900" tIns="121900" rIns="121900" bIns="121900" anchor="ctr" anchorCtr="0">
-            <a:noAutofit/>
-          </a:bodyPr>
-          <a:lstStyle/>
-          <a:p>
-            <a:endParaRPr sz="2400"/>
-          </a:p>
-        </p:txBody>
-      </p:sp>
-      <p:sp>
-        <p:nvSpPr>
-          <p:cNvPr id="9" name="Google Shape;475;p49">
-            <a:extLst>
-              <a:ext uri="{FF2B5EF4-FFF2-40B4-BE49-F238E27FC236}">
-                <a16:creationId xmlns:a16="http://schemas.microsoft.com/office/drawing/2014/main" id="{F9F9883C-3E7F-D1DE-29F3-59700674FAD8}"/>
-              </a:ext>
-            </a:extLst>
-          </p:cNvPr>
-          <p:cNvSpPr txBox="1">
-            <a:spLocks noGrp="1"/>
-          </p:cNvSpPr>
-          <p:nvPr>
-            <p:ph type="title"/>
-          </p:nvPr>
-        </p:nvSpPr>
-        <p:spPr>
-          <a:xfrm>
-            <a:off x="493575" y="2905814"/>
-            <a:ext cx="10497976" cy="1411600"/>
-          </a:xfrm>
-          <a:prstGeom prst="rect">
-            <a:avLst/>
-          </a:prstGeom>
-        </p:spPr>
-        <p:txBody>
-          <a:bodyPr spcFirstLastPara="1" wrap="square" lIns="121900" tIns="121900" rIns="121900" bIns="121900" anchor="t" anchorCtr="0">
-            <a:noAutofit/>
-          </a:bodyPr>
-          <a:lstStyle/>
-          <a:p>
-            <a:r>
-              <a:rPr lang="en" sz="5000" dirty="0"/>
-              <a:t>Thanks for Listening!</a:t>
-            </a:r>
-            <a:endParaRPr sz="5000" dirty="0"/>
-          </a:p>
-        </p:txBody>
-      </p:sp>
-      <p:pic>
-        <p:nvPicPr>
-          <p:cNvPr id="10" name="Google Shape;546;p55">
-            <a:extLst>
-              <a:ext uri="{FF2B5EF4-FFF2-40B4-BE49-F238E27FC236}">
-                <a16:creationId xmlns:a16="http://schemas.microsoft.com/office/drawing/2014/main" id="{F840C96A-1E3F-686B-EBF7-83808B2069D0}"/>
-              </a:ext>
-            </a:extLst>
-          </p:cNvPr>
-          <p:cNvPicPr preferRelativeResize="0"/>
-          <p:nvPr/>
-        </p:nvPicPr>
-        <p:blipFill rotWithShape="1">
-          <a:blip r:embed="rId3">
-            <a:alphaModFix/>
-          </a:blip>
-          <a:srcRect t="6377" b="6377"/>
-          <a:stretch/>
-        </p:blipFill>
-        <p:spPr>
-          <a:xfrm>
-            <a:off x="7295745" y="1593217"/>
-            <a:ext cx="4786008" cy="3671565"/>
-          </a:xfrm>
-          <a:prstGeom prst="rect">
-            <a:avLst/>
-          </a:prstGeom>
-          <a:noFill/>
-          <a:ln>
-            <a:noFill/>
-          </a:ln>
-        </p:spPr>
-      </p:pic>
-    </p:spTree>
-    <p:extLst>
-      <p:ext uri="{BB962C8B-B14F-4D97-AF65-F5344CB8AC3E}">
-        <p14:creationId xmlns:p14="http://schemas.microsoft.com/office/powerpoint/2010/main" val="1676604567"/>
-      </p:ext>
-    </p:extLst>
-  </p:cSld>
-  <p:clrMapOvr>
-    <a:masterClrMapping/>
-  </p:clrMapOvr>
+  <p:timing>
+    <p:tnLst>
+      <p:par>
+        <p:cTn id="1" dur="indefinite" restart="never" nodeType="tmRoot">
+          <p:childTnLst>
+            <p:seq concurrent="1" nextAc="seek">
+              <p:cTn id="2" dur="indefinite" nodeType="mainSeq">
+                <p:childTnLst>
+                  <p:par>
+                    <p:cTn id="3" fill="hold">
+                      <p:stCondLst>
+                        <p:cond delay="indefinite"/>
+                      </p:stCondLst>
+                      <p:childTnLst>
+                        <p:par>
+                          <p:cTn id="4" fill="hold">
+                            <p:stCondLst>
+                              <p:cond delay="0"/>
+                            </p:stCondLst>
+                            <p:childTnLst>
+                              <p:par>
+                                <p:cTn id="5" presetID="10" presetClass="entr" presetSubtype="0" fill="hold" grpId="0" nodeType="clickEffect">
+                                  <p:stCondLst>
+                                    <p:cond delay="0"/>
+                                  </p:stCondLst>
+                                  <p:childTnLst>
+                                    <p:set>
+                                      <p:cBhvr>
+                                        <p:cTn id="6" dur="1" fill="hold">
+                                          <p:stCondLst>
+                                            <p:cond delay="0"/>
+                                          </p:stCondLst>
+                                        </p:cTn>
+                                        <p:tgtEl>
+                                          <p:spTgt spid="15"/>
+                                        </p:tgtEl>
+                                        <p:attrNameLst>
+                                          <p:attrName>style.visibility</p:attrName>
+                                        </p:attrNameLst>
+                                      </p:cBhvr>
+                                      <p:to>
+                                        <p:strVal val="visible"/>
+                                      </p:to>
+                                    </p:set>
+                                    <p:animEffect transition="in" filter="fade">
+                                      <p:cBhvr>
+                                        <p:cTn id="7" dur="500"/>
+                                        <p:tgtEl>
+                                          <p:spTgt spid="15"/>
+                                        </p:tgtEl>
+                                      </p:cBhvr>
+                                    </p:animEffect>
+                                  </p:childTnLst>
+                                </p:cTn>
+                              </p:par>
+                            </p:childTnLst>
+                          </p:cTn>
+                        </p:par>
+                      </p:childTnLst>
+                    </p:cTn>
+                  </p:par>
+                  <p:par>
+                    <p:cTn id="8" fill="hold">
+                      <p:stCondLst>
+                        <p:cond delay="indefinite"/>
+                      </p:stCondLst>
+                      <p:childTnLst>
+                        <p:par>
+                          <p:cTn id="9" fill="hold">
+                            <p:stCondLst>
+                              <p:cond delay="0"/>
+                            </p:stCondLst>
+                            <p:childTnLst>
+                              <p:par>
+                                <p:cTn id="10" presetID="10" presetClass="exit" presetSubtype="0" fill="hold" grpId="1" nodeType="clickEffect">
+                                  <p:stCondLst>
+                                    <p:cond delay="0"/>
+                                  </p:stCondLst>
+                                  <p:childTnLst>
+                                    <p:animEffect transition="out" filter="fade">
+                                      <p:cBhvr>
+                                        <p:cTn id="11" dur="500"/>
+                                        <p:tgtEl>
+                                          <p:spTgt spid="15"/>
+                                        </p:tgtEl>
+                                      </p:cBhvr>
+                                    </p:animEffect>
+                                    <p:set>
+                                      <p:cBhvr>
+                                        <p:cTn id="12" dur="1" fill="hold">
+                                          <p:stCondLst>
+                                            <p:cond delay="499"/>
+                                          </p:stCondLst>
+                                        </p:cTn>
+                                        <p:tgtEl>
+                                          <p:spTgt spid="15"/>
+                                        </p:tgtEl>
+                                        <p:attrNameLst>
+                                          <p:attrName>style.visibility</p:attrName>
+                                        </p:attrNameLst>
+                                      </p:cBhvr>
+                                      <p:to>
+                                        <p:strVal val="hidden"/>
+                                      </p:to>
+                                    </p:set>
+                                  </p:childTnLst>
+                                </p:cTn>
+                              </p:par>
+                            </p:childTnLst>
+                          </p:cTn>
+                        </p:par>
+                      </p:childTnLst>
+                    </p:cTn>
+                  </p:par>
+                  <p:par>
+                    <p:cTn id="13" fill="hold">
+                      <p:stCondLst>
+                        <p:cond delay="indefinite"/>
+                      </p:stCondLst>
+                      <p:childTnLst>
+                        <p:par>
+                          <p:cTn id="14" fill="hold">
+                            <p:stCondLst>
+                              <p:cond delay="0"/>
+                            </p:stCondLst>
+                            <p:childTnLst>
+                              <p:par>
+                                <p:cTn id="15" presetID="10" presetClass="entr" presetSubtype="0" fill="hold" grpId="0" nodeType="clickEffect">
+                                  <p:stCondLst>
+                                    <p:cond delay="0"/>
+                                  </p:stCondLst>
+                                  <p:childTnLst>
+                                    <p:set>
+                                      <p:cBhvr>
+                                        <p:cTn id="16" dur="1" fill="hold">
+                                          <p:stCondLst>
+                                            <p:cond delay="0"/>
+                                          </p:stCondLst>
+                                        </p:cTn>
+                                        <p:tgtEl>
+                                          <p:spTgt spid="16"/>
+                                        </p:tgtEl>
+                                        <p:attrNameLst>
+                                          <p:attrName>style.visibility</p:attrName>
+                                        </p:attrNameLst>
+                                      </p:cBhvr>
+                                      <p:to>
+                                        <p:strVal val="visible"/>
+                                      </p:to>
+                                    </p:set>
+                                    <p:animEffect transition="in" filter="fade">
+                                      <p:cBhvr>
+                                        <p:cTn id="17" dur="500"/>
+                                        <p:tgtEl>
+                                          <p:spTgt spid="16"/>
+                                        </p:tgtEl>
+                                      </p:cBhvr>
+                                    </p:animEffect>
+                                  </p:childTnLst>
+                                </p:cTn>
+                              </p:par>
+                            </p:childTnLst>
+                          </p:cTn>
+                        </p:par>
+                      </p:childTnLst>
+                    </p:cTn>
+                  </p:par>
+                  <p:par>
+                    <p:cTn id="18" fill="hold">
+                      <p:stCondLst>
+                        <p:cond delay="indefinite"/>
+                      </p:stCondLst>
+                      <p:childTnLst>
+                        <p:par>
+                          <p:cTn id="19" fill="hold">
+                            <p:stCondLst>
+                              <p:cond delay="0"/>
+                            </p:stCondLst>
+                            <p:childTnLst>
+                              <p:par>
+                                <p:cTn id="20" presetID="10" presetClass="exit" presetSubtype="0" fill="hold" grpId="1" nodeType="clickEffect">
+                                  <p:stCondLst>
+                                    <p:cond delay="0"/>
+                                  </p:stCondLst>
+                                  <p:childTnLst>
+                                    <p:animEffect transition="out" filter="fade">
+                                      <p:cBhvr>
+                                        <p:cTn id="21" dur="500"/>
+                                        <p:tgtEl>
+                                          <p:spTgt spid="16"/>
+                                        </p:tgtEl>
+                                      </p:cBhvr>
+                                    </p:animEffect>
+                                    <p:set>
+                                      <p:cBhvr>
+                                        <p:cTn id="22" dur="1" fill="hold">
+                                          <p:stCondLst>
+                                            <p:cond delay="499"/>
+                                          </p:stCondLst>
+                                        </p:cTn>
+                                        <p:tgtEl>
+                                          <p:spTgt spid="16"/>
+                                        </p:tgtEl>
+                                        <p:attrNameLst>
+                                          <p:attrName>style.visibility</p:attrName>
+                                        </p:attrNameLst>
+                                      </p:cBhvr>
+                                      <p:to>
+                                        <p:strVal val="hidden"/>
+                                      </p:to>
+                                    </p:set>
+                                  </p:childTnLst>
+                                </p:cTn>
+                              </p:par>
+                            </p:childTnLst>
+                          </p:cTn>
+                        </p:par>
+                      </p:childTnLst>
+                    </p:cTn>
+                  </p:par>
+                  <p:par>
+                    <p:cTn id="23" fill="hold">
+                      <p:stCondLst>
+                        <p:cond delay="indefinite"/>
+                      </p:stCondLst>
+                      <p:childTnLst>
+                        <p:par>
+                          <p:cTn id="24" fill="hold">
+                            <p:stCondLst>
+                              <p:cond delay="0"/>
+                            </p:stCondLst>
+                            <p:childTnLst>
+                              <p:par>
+                                <p:cTn id="25" presetID="10" presetClass="entr" presetSubtype="0" fill="hold" grpId="0" nodeType="clickEffect">
+                                  <p:stCondLst>
+                                    <p:cond delay="0"/>
+                                  </p:stCondLst>
+                                  <p:childTnLst>
+                                    <p:set>
+                                      <p:cBhvr>
+                                        <p:cTn id="26" dur="1" fill="hold">
+                                          <p:stCondLst>
+                                            <p:cond delay="0"/>
+                                          </p:stCondLst>
+                                        </p:cTn>
+                                        <p:tgtEl>
+                                          <p:spTgt spid="32"/>
+                                        </p:tgtEl>
+                                        <p:attrNameLst>
+                                          <p:attrName>style.visibility</p:attrName>
+                                        </p:attrNameLst>
+                                      </p:cBhvr>
+                                      <p:to>
+                                        <p:strVal val="visible"/>
+                                      </p:to>
+                                    </p:set>
+                                    <p:animEffect transition="in" filter="fade">
+                                      <p:cBhvr>
+                                        <p:cTn id="27" dur="500"/>
+                                        <p:tgtEl>
+                                          <p:spTgt spid="32"/>
+                                        </p:tgtEl>
+                                      </p:cBhvr>
+                                    </p:animEffect>
+                                  </p:childTnLst>
+                                </p:cTn>
+                              </p:par>
+                              <p:par>
+                                <p:cTn id="28" presetID="10" presetClass="entr" presetSubtype="0" fill="hold" grpId="0" nodeType="withEffect">
+                                  <p:stCondLst>
+                                    <p:cond delay="0"/>
+                                  </p:stCondLst>
+                                  <p:childTnLst>
+                                    <p:set>
+                                      <p:cBhvr>
+                                        <p:cTn id="29" dur="1" fill="hold">
+                                          <p:stCondLst>
+                                            <p:cond delay="0"/>
+                                          </p:stCondLst>
+                                        </p:cTn>
+                                        <p:tgtEl>
+                                          <p:spTgt spid="30"/>
+                                        </p:tgtEl>
+                                        <p:attrNameLst>
+                                          <p:attrName>style.visibility</p:attrName>
+                                        </p:attrNameLst>
+                                      </p:cBhvr>
+                                      <p:to>
+                                        <p:strVal val="visible"/>
+                                      </p:to>
+                                    </p:set>
+                                    <p:animEffect transition="in" filter="fade">
+                                      <p:cBhvr>
+                                        <p:cTn id="30" dur="500"/>
+                                        <p:tgtEl>
+                                          <p:spTgt spid="30"/>
+                                        </p:tgtEl>
+                                      </p:cBhvr>
+                                    </p:animEffect>
+                                  </p:childTnLst>
+                                </p:cTn>
+                              </p:par>
+                              <p:par>
+                                <p:cTn id="31" presetID="10" presetClass="entr" presetSubtype="0" fill="hold" grpId="0" nodeType="withEffect">
+                                  <p:stCondLst>
+                                    <p:cond delay="0"/>
+                                  </p:stCondLst>
+                                  <p:childTnLst>
+                                    <p:set>
+                                      <p:cBhvr>
+                                        <p:cTn id="32" dur="1" fill="hold">
+                                          <p:stCondLst>
+                                            <p:cond delay="0"/>
+                                          </p:stCondLst>
+                                        </p:cTn>
+                                        <p:tgtEl>
+                                          <p:spTgt spid="27"/>
+                                        </p:tgtEl>
+                                        <p:attrNameLst>
+                                          <p:attrName>style.visibility</p:attrName>
+                                        </p:attrNameLst>
+                                      </p:cBhvr>
+                                      <p:to>
+                                        <p:strVal val="visible"/>
+                                      </p:to>
+                                    </p:set>
+                                    <p:animEffect transition="in" filter="fade">
+                                      <p:cBhvr>
+                                        <p:cTn id="33" dur="500"/>
+                                        <p:tgtEl>
+                                          <p:spTgt spid="27"/>
+                                        </p:tgtEl>
+                                      </p:cBhvr>
+                                    </p:animEffect>
+                                  </p:childTnLst>
+                                </p:cTn>
+                              </p:par>
+                              <p:par>
+                                <p:cTn id="34" presetID="10" presetClass="entr" presetSubtype="0" fill="hold" nodeType="withEffect">
+                                  <p:stCondLst>
+                                    <p:cond delay="0"/>
+                                  </p:stCondLst>
+                                  <p:childTnLst>
+                                    <p:set>
+                                      <p:cBhvr>
+                                        <p:cTn id="35" dur="1" fill="hold">
+                                          <p:stCondLst>
+                                            <p:cond delay="0"/>
+                                          </p:stCondLst>
+                                        </p:cTn>
+                                        <p:tgtEl>
+                                          <p:spTgt spid="29"/>
+                                        </p:tgtEl>
+                                        <p:attrNameLst>
+                                          <p:attrName>style.visibility</p:attrName>
+                                        </p:attrNameLst>
+                                      </p:cBhvr>
+                                      <p:to>
+                                        <p:strVal val="visible"/>
+                                      </p:to>
+                                    </p:set>
+                                    <p:animEffect transition="in" filter="fade">
+                                      <p:cBhvr>
+                                        <p:cTn id="36" dur="500"/>
+                                        <p:tgtEl>
+                                          <p:spTgt spid="29"/>
+                                        </p:tgtEl>
+                                      </p:cBhvr>
+                                    </p:animEffect>
+                                  </p:childTnLst>
+                                </p:cTn>
+                              </p:par>
+                            </p:childTnLst>
+                          </p:cTn>
+                        </p:par>
+                      </p:childTnLst>
+                    </p:cTn>
+                  </p:par>
+                </p:childTnLst>
+              </p:cTn>
+              <p:prevCondLst>
+                <p:cond evt="onPrev" delay="0">
+                  <p:tgtEl>
+                    <p:sldTgt/>
+                  </p:tgtEl>
+                </p:cond>
+              </p:prevCondLst>
+              <p:nextCondLst>
+                <p:cond evt="onNext" delay="0">
+                  <p:tgtEl>
+                    <p:sldTgt/>
+                  </p:tgtEl>
+                </p:cond>
+              </p:nextCondLst>
+            </p:seq>
+          </p:childTnLst>
+        </p:cTn>
+      </p:par>
+    </p:tnLst>
+    <p:bldLst>
+      <p:bldP spid="15" grpId="0" animBg="1"/>
+      <p:bldP spid="15" grpId="1" animBg="1"/>
+      <p:bldP spid="16" grpId="0" animBg="1"/>
+      <p:bldP spid="16" grpId="1" animBg="1"/>
+      <p:bldP spid="27" grpId="0" animBg="1"/>
+      <p:bldP spid="30" grpId="0"/>
+      <p:bldP spid="32" grpId="0" animBg="1"/>
+    </p:bldLst>
+  </p:timing>
 </p:sld>
 </file>
 
@@ -24001,6 +30648,1849 @@
     <p:extLst>
       <p:ext uri="{BB962C8B-B14F-4D97-AF65-F5344CB8AC3E}">
         <p14:creationId xmlns:p14="http://schemas.microsoft.com/office/powerpoint/2010/main" val="3702648156"/>
+      </p:ext>
+    </p:extLst>
+  </p:cSld>
+  <p:clrMapOvr>
+    <a:masterClrMapping/>
+  </p:clrMapOvr>
+</p:sld>
+</file>
+
+<file path=ppt/slides/slide20.xml><?xml version="1.0" encoding="utf-8"?>
+<p:sld xmlns:a="http://schemas.openxmlformats.org/drawingml/2006/main" xmlns:r="http://schemas.openxmlformats.org/officeDocument/2006/relationships" xmlns:p="http://schemas.openxmlformats.org/presentationml/2006/main">
+  <p:cSld>
+    <p:spTree>
+      <p:nvGrpSpPr>
+        <p:cNvPr id="1" name="Shape 213">
+          <a:extLst>
+            <a:ext uri="{FF2B5EF4-FFF2-40B4-BE49-F238E27FC236}">
+              <a16:creationId xmlns:a16="http://schemas.microsoft.com/office/drawing/2014/main" id="{B32109B2-F5B5-A37E-BCF2-C88401BED022}"/>
+            </a:ext>
+          </a:extLst>
+        </p:cNvPr>
+        <p:cNvGrpSpPr/>
+        <p:nvPr/>
+      </p:nvGrpSpPr>
+      <p:grpSpPr>
+        <a:xfrm>
+          <a:off x="0" y="0"/>
+          <a:ext cx="0" cy="0"/>
+          <a:chOff x="0" y="0"/>
+          <a:chExt cx="0" cy="0"/>
+        </a:xfrm>
+      </p:grpSpPr>
+      <p:sp>
+        <p:nvSpPr>
+          <p:cNvPr id="2" name="矩形: 圓角 1">
+            <a:extLst>
+              <a:ext uri="{FF2B5EF4-FFF2-40B4-BE49-F238E27FC236}">
+                <a16:creationId xmlns:a16="http://schemas.microsoft.com/office/drawing/2014/main" id="{879CA039-9AE2-1617-E3A2-4CB7ACAE7BAE}"/>
+              </a:ext>
+            </a:extLst>
+          </p:cNvPr>
+          <p:cNvSpPr/>
+          <p:nvPr/>
+        </p:nvSpPr>
+        <p:spPr>
+          <a:xfrm>
+            <a:off x="1297709" y="306646"/>
+            <a:ext cx="9596581" cy="748147"/>
+          </a:xfrm>
+          <a:prstGeom prst="roundRect">
+            <a:avLst/>
+          </a:prstGeom>
+          <a:ln>
+            <a:noFill/>
+          </a:ln>
+        </p:spPr>
+        <p:style>
+          <a:lnRef idx="2">
+            <a:schemeClr val="accent1">
+              <a:shade val="15000"/>
+            </a:schemeClr>
+          </a:lnRef>
+          <a:fillRef idx="1">
+            <a:schemeClr val="accent1"/>
+          </a:fillRef>
+          <a:effectRef idx="0">
+            <a:schemeClr val="accent1"/>
+          </a:effectRef>
+          <a:fontRef idx="minor">
+            <a:schemeClr val="lt1"/>
+          </a:fontRef>
+        </p:style>
+        <p:txBody>
+          <a:bodyPr rtlCol="0" anchor="ctr"/>
+          <a:lstStyle/>
+          <a:p>
+            <a:pPr algn="ctr"/>
+            <a:r>
+              <a:rPr lang="en-US" altLang="zh-TW" sz="3200" b="1" dirty="0">
+                <a:solidFill>
+                  <a:schemeClr val="bg2">
+                    <a:lumMod val="75000"/>
+                  </a:schemeClr>
+                </a:solidFill>
+                <a:latin typeface="微軟正黑體" panose="020B0604030504040204" pitchFamily="34" charset="-120"/>
+                <a:ea typeface="微軟正黑體" panose="020B0604030504040204" pitchFamily="34" charset="-120"/>
+              </a:rPr>
+              <a:t>Offline stage</a:t>
+            </a:r>
+          </a:p>
+        </p:txBody>
+      </p:sp>
+      <p:sp>
+        <p:nvSpPr>
+          <p:cNvPr id="3" name="文字方塊 2">
+            <a:extLst>
+              <a:ext uri="{FF2B5EF4-FFF2-40B4-BE49-F238E27FC236}">
+                <a16:creationId xmlns:a16="http://schemas.microsoft.com/office/drawing/2014/main" id="{A0949FE2-02A0-C868-685E-85091C24DA25}"/>
+              </a:ext>
+            </a:extLst>
+          </p:cNvPr>
+          <p:cNvSpPr txBox="1"/>
+          <p:nvPr/>
+        </p:nvSpPr>
+        <p:spPr>
+          <a:xfrm>
+            <a:off x="11505363" y="6263640"/>
+            <a:ext cx="478357" cy="369332"/>
+          </a:xfrm>
+          <a:prstGeom prst="rect">
+            <a:avLst/>
+          </a:prstGeom>
+          <a:noFill/>
+        </p:spPr>
+        <p:txBody>
+          <a:bodyPr wrap="square" rtlCol="0">
+            <a:spAutoFit/>
+          </a:bodyPr>
+          <a:lstStyle/>
+          <a:p>
+            <a:pPr algn="ctr"/>
+            <a:r>
+              <a:rPr lang="en-US" altLang="zh-TW" dirty="0"/>
+              <a:t>19</a:t>
+            </a:r>
+            <a:endParaRPr lang="zh-TW" altLang="en-US" dirty="0"/>
+          </a:p>
+        </p:txBody>
+      </p:sp>
+      <p:sp>
+        <p:nvSpPr>
+          <p:cNvPr id="6" name="Google Shape;219;p33">
+            <a:extLst>
+              <a:ext uri="{FF2B5EF4-FFF2-40B4-BE49-F238E27FC236}">
+                <a16:creationId xmlns:a16="http://schemas.microsoft.com/office/drawing/2014/main" id="{05A56C4A-FA1E-26EA-7C36-329C45183DE6}"/>
+              </a:ext>
+            </a:extLst>
+          </p:cNvPr>
+          <p:cNvSpPr/>
+          <p:nvPr/>
+        </p:nvSpPr>
+        <p:spPr>
+          <a:xfrm>
+            <a:off x="543528" y="6168600"/>
+            <a:ext cx="3328000" cy="1378800"/>
+          </a:xfrm>
+          <a:prstGeom prst="rect">
+            <a:avLst/>
+          </a:prstGeom>
+          <a:solidFill>
+            <a:schemeClr val="accent1"/>
+          </a:solidFill>
+          <a:ln>
+            <a:noFill/>
+          </a:ln>
+        </p:spPr>
+        <p:txBody>
+          <a:bodyPr spcFirstLastPara="1" wrap="square" lIns="121900" tIns="121900" rIns="121900" bIns="121900" anchor="ctr" anchorCtr="0">
+            <a:noAutofit/>
+          </a:bodyPr>
+          <a:lstStyle/>
+          <a:p>
+            <a:endParaRPr sz="1400"/>
+          </a:p>
+        </p:txBody>
+      </p:sp>
+      <p:sp>
+        <p:nvSpPr>
+          <p:cNvPr id="4" name="文字方塊 3">
+            <a:extLst>
+              <a:ext uri="{FF2B5EF4-FFF2-40B4-BE49-F238E27FC236}">
+                <a16:creationId xmlns:a16="http://schemas.microsoft.com/office/drawing/2014/main" id="{EB1DB46C-56B2-F6B4-49D7-147A58F66730}"/>
+              </a:ext>
+            </a:extLst>
+          </p:cNvPr>
+          <p:cNvSpPr txBox="1"/>
+          <p:nvPr/>
+        </p:nvSpPr>
+        <p:spPr>
+          <a:xfrm>
+            <a:off x="1297709" y="1063106"/>
+            <a:ext cx="9596581" cy="461665"/>
+          </a:xfrm>
+          <a:prstGeom prst="rect">
+            <a:avLst/>
+          </a:prstGeom>
+          <a:noFill/>
+        </p:spPr>
+        <p:txBody>
+          <a:bodyPr wrap="square" rtlCol="0">
+            <a:spAutoFit/>
+          </a:bodyPr>
+          <a:lstStyle/>
+          <a:p>
+            <a:pPr algn="ctr"/>
+            <a:r>
+              <a:rPr lang="en-US" altLang="zh-TW" sz="2400" b="1" dirty="0" err="1">
+                <a:solidFill>
+                  <a:schemeClr val="accent1">
+                    <a:lumMod val="50000"/>
+                  </a:schemeClr>
+                </a:solidFill>
+                <a:latin typeface="微軟正黑體" panose="020B0604030504040204" pitchFamily="34" charset="-120"/>
+                <a:ea typeface="微軟正黑體" panose="020B0604030504040204" pitchFamily="34" charset="-120"/>
+              </a:rPr>
+              <a:t>RegDNN</a:t>
+            </a:r>
+            <a:r>
+              <a:rPr lang="en-US" altLang="zh-TW" sz="2400" b="1" dirty="0">
+                <a:solidFill>
+                  <a:schemeClr val="accent1">
+                    <a:lumMod val="50000"/>
+                  </a:schemeClr>
+                </a:solidFill>
+                <a:latin typeface="微軟正黑體" panose="020B0604030504040204" pitchFamily="34" charset="-120"/>
+                <a:ea typeface="微軟正黑體" panose="020B0604030504040204" pitchFamily="34" charset="-120"/>
+              </a:rPr>
+              <a:t> Model training - Regressor</a:t>
+            </a:r>
+          </a:p>
+        </p:txBody>
+      </p:sp>
+      <p:pic>
+        <p:nvPicPr>
+          <p:cNvPr id="7" name="圖片 6">
+            <a:extLst>
+              <a:ext uri="{FF2B5EF4-FFF2-40B4-BE49-F238E27FC236}">
+                <a16:creationId xmlns:a16="http://schemas.microsoft.com/office/drawing/2014/main" id="{6B577B35-F71E-CC1A-63F0-85BA87B7FFF8}"/>
+              </a:ext>
+            </a:extLst>
+          </p:cNvPr>
+          <p:cNvPicPr>
+            <a:picLocks noChangeAspect="1"/>
+          </p:cNvPicPr>
+          <p:nvPr/>
+        </p:nvPicPr>
+        <p:blipFill>
+          <a:blip r:embed="rId3"/>
+          <a:stretch>
+            <a:fillRect/>
+          </a:stretch>
+        </p:blipFill>
+        <p:spPr>
+          <a:xfrm>
+            <a:off x="1845012" y="1891014"/>
+            <a:ext cx="8501974" cy="4059788"/>
+          </a:xfrm>
+          <a:prstGeom prst="rect">
+            <a:avLst/>
+          </a:prstGeom>
+        </p:spPr>
+      </p:pic>
+    </p:spTree>
+    <p:extLst>
+      <p:ext uri="{BB962C8B-B14F-4D97-AF65-F5344CB8AC3E}">
+        <p14:creationId xmlns:p14="http://schemas.microsoft.com/office/powerpoint/2010/main" val="2186505265"/>
+      </p:ext>
+    </p:extLst>
+  </p:cSld>
+  <p:clrMapOvr>
+    <a:masterClrMapping/>
+  </p:clrMapOvr>
+</p:sld>
+</file>
+
+<file path=ppt/slides/slide21.xml><?xml version="1.0" encoding="utf-8"?>
+<p:sld xmlns:a="http://schemas.openxmlformats.org/drawingml/2006/main" xmlns:r="http://schemas.openxmlformats.org/officeDocument/2006/relationships" xmlns:p="http://schemas.openxmlformats.org/presentationml/2006/main">
+  <p:cSld>
+    <p:spTree>
+      <p:nvGrpSpPr>
+        <p:cNvPr id="1" name="Shape 213">
+          <a:extLst>
+            <a:ext uri="{FF2B5EF4-FFF2-40B4-BE49-F238E27FC236}">
+              <a16:creationId xmlns:a16="http://schemas.microsoft.com/office/drawing/2014/main" id="{C1DE5936-D10E-A65E-40C2-6D89C5F944B2}"/>
+            </a:ext>
+          </a:extLst>
+        </p:cNvPr>
+        <p:cNvGrpSpPr/>
+        <p:nvPr/>
+      </p:nvGrpSpPr>
+      <p:grpSpPr>
+        <a:xfrm>
+          <a:off x="0" y="0"/>
+          <a:ext cx="0" cy="0"/>
+          <a:chOff x="0" y="0"/>
+          <a:chExt cx="0" cy="0"/>
+        </a:xfrm>
+      </p:grpSpPr>
+      <p:sp>
+        <p:nvSpPr>
+          <p:cNvPr id="2" name="矩形: 圓角 1">
+            <a:extLst>
+              <a:ext uri="{FF2B5EF4-FFF2-40B4-BE49-F238E27FC236}">
+                <a16:creationId xmlns:a16="http://schemas.microsoft.com/office/drawing/2014/main" id="{38EA7ED2-3552-5170-A8FB-ADA40EE847F2}"/>
+              </a:ext>
+            </a:extLst>
+          </p:cNvPr>
+          <p:cNvSpPr/>
+          <p:nvPr/>
+        </p:nvSpPr>
+        <p:spPr>
+          <a:xfrm>
+            <a:off x="1297709" y="306646"/>
+            <a:ext cx="9596581" cy="748147"/>
+          </a:xfrm>
+          <a:prstGeom prst="roundRect">
+            <a:avLst/>
+          </a:prstGeom>
+          <a:ln>
+            <a:noFill/>
+          </a:ln>
+        </p:spPr>
+        <p:style>
+          <a:lnRef idx="2">
+            <a:schemeClr val="accent1">
+              <a:shade val="15000"/>
+            </a:schemeClr>
+          </a:lnRef>
+          <a:fillRef idx="1">
+            <a:schemeClr val="accent1"/>
+          </a:fillRef>
+          <a:effectRef idx="0">
+            <a:schemeClr val="accent1"/>
+          </a:effectRef>
+          <a:fontRef idx="minor">
+            <a:schemeClr val="lt1"/>
+          </a:fontRef>
+        </p:style>
+        <p:txBody>
+          <a:bodyPr rtlCol="0" anchor="ctr"/>
+          <a:lstStyle/>
+          <a:p>
+            <a:pPr algn="ctr"/>
+            <a:r>
+              <a:rPr lang="en-US" altLang="zh-TW" sz="3200" b="1" dirty="0">
+                <a:solidFill>
+                  <a:schemeClr val="bg2">
+                    <a:lumMod val="75000"/>
+                  </a:schemeClr>
+                </a:solidFill>
+                <a:latin typeface="微軟正黑體" panose="020B0604030504040204" pitchFamily="34" charset="-120"/>
+                <a:ea typeface="微軟正黑體" panose="020B0604030504040204" pitchFamily="34" charset="-120"/>
+              </a:rPr>
+              <a:t>Offline stage</a:t>
+            </a:r>
+          </a:p>
+        </p:txBody>
+      </p:sp>
+      <p:sp>
+        <p:nvSpPr>
+          <p:cNvPr id="3" name="文字方塊 2">
+            <a:extLst>
+              <a:ext uri="{FF2B5EF4-FFF2-40B4-BE49-F238E27FC236}">
+                <a16:creationId xmlns:a16="http://schemas.microsoft.com/office/drawing/2014/main" id="{6CF11DB3-288C-C729-8568-A2991ABC4603}"/>
+              </a:ext>
+            </a:extLst>
+          </p:cNvPr>
+          <p:cNvSpPr txBox="1"/>
+          <p:nvPr/>
+        </p:nvSpPr>
+        <p:spPr>
+          <a:xfrm>
+            <a:off x="11505363" y="6263640"/>
+            <a:ext cx="478357" cy="369332"/>
+          </a:xfrm>
+          <a:prstGeom prst="rect">
+            <a:avLst/>
+          </a:prstGeom>
+          <a:noFill/>
+        </p:spPr>
+        <p:txBody>
+          <a:bodyPr wrap="square" rtlCol="0">
+            <a:spAutoFit/>
+          </a:bodyPr>
+          <a:lstStyle/>
+          <a:p>
+            <a:pPr algn="ctr"/>
+            <a:r>
+              <a:rPr lang="en-US" altLang="zh-TW" dirty="0"/>
+              <a:t>20</a:t>
+            </a:r>
+            <a:endParaRPr lang="zh-TW" altLang="en-US" dirty="0"/>
+          </a:p>
+        </p:txBody>
+      </p:sp>
+      <p:sp>
+        <p:nvSpPr>
+          <p:cNvPr id="6" name="Google Shape;219;p33">
+            <a:extLst>
+              <a:ext uri="{FF2B5EF4-FFF2-40B4-BE49-F238E27FC236}">
+                <a16:creationId xmlns:a16="http://schemas.microsoft.com/office/drawing/2014/main" id="{AD961FA3-C059-B9EF-5967-4836C32363A8}"/>
+              </a:ext>
+            </a:extLst>
+          </p:cNvPr>
+          <p:cNvSpPr/>
+          <p:nvPr/>
+        </p:nvSpPr>
+        <p:spPr>
+          <a:xfrm>
+            <a:off x="543528" y="6168600"/>
+            <a:ext cx="3328000" cy="1378800"/>
+          </a:xfrm>
+          <a:prstGeom prst="rect">
+            <a:avLst/>
+          </a:prstGeom>
+          <a:solidFill>
+            <a:schemeClr val="accent1"/>
+          </a:solidFill>
+          <a:ln>
+            <a:noFill/>
+          </a:ln>
+        </p:spPr>
+        <p:txBody>
+          <a:bodyPr spcFirstLastPara="1" wrap="square" lIns="121900" tIns="121900" rIns="121900" bIns="121900" anchor="ctr" anchorCtr="0">
+            <a:noAutofit/>
+          </a:bodyPr>
+          <a:lstStyle/>
+          <a:p>
+            <a:endParaRPr sz="1400"/>
+          </a:p>
+        </p:txBody>
+      </p:sp>
+      <p:sp>
+        <p:nvSpPr>
+          <p:cNvPr id="4" name="文字方塊 3">
+            <a:extLst>
+              <a:ext uri="{FF2B5EF4-FFF2-40B4-BE49-F238E27FC236}">
+                <a16:creationId xmlns:a16="http://schemas.microsoft.com/office/drawing/2014/main" id="{587CDAC1-A54E-D119-BC31-BCFC76D3DC04}"/>
+              </a:ext>
+            </a:extLst>
+          </p:cNvPr>
+          <p:cNvSpPr txBox="1"/>
+          <p:nvPr/>
+        </p:nvSpPr>
+        <p:spPr>
+          <a:xfrm>
+            <a:off x="1297709" y="1063106"/>
+            <a:ext cx="9596581" cy="461665"/>
+          </a:xfrm>
+          <a:prstGeom prst="rect">
+            <a:avLst/>
+          </a:prstGeom>
+          <a:noFill/>
+        </p:spPr>
+        <p:txBody>
+          <a:bodyPr wrap="square" rtlCol="0">
+            <a:spAutoFit/>
+          </a:bodyPr>
+          <a:lstStyle/>
+          <a:p>
+            <a:pPr algn="ctr"/>
+            <a:r>
+              <a:rPr lang="en-US" altLang="zh-TW" sz="2400" b="1" dirty="0" err="1">
+                <a:solidFill>
+                  <a:schemeClr val="accent1">
+                    <a:lumMod val="50000"/>
+                  </a:schemeClr>
+                </a:solidFill>
+                <a:latin typeface="微軟正黑體" panose="020B0604030504040204" pitchFamily="34" charset="-120"/>
+                <a:ea typeface="微軟正黑體" panose="020B0604030504040204" pitchFamily="34" charset="-120"/>
+              </a:rPr>
+              <a:t>RegDNN</a:t>
+            </a:r>
+            <a:r>
+              <a:rPr lang="en-US" altLang="zh-TW" sz="2400" b="1" dirty="0">
+                <a:solidFill>
+                  <a:schemeClr val="accent1">
+                    <a:lumMod val="50000"/>
+                  </a:schemeClr>
+                </a:solidFill>
+                <a:latin typeface="微軟正黑體" panose="020B0604030504040204" pitchFamily="34" charset="-120"/>
+                <a:ea typeface="微軟正黑體" panose="020B0604030504040204" pitchFamily="34" charset="-120"/>
+              </a:rPr>
+              <a:t> Model training - DNN classifier</a:t>
+            </a:r>
+          </a:p>
+        </p:txBody>
+      </p:sp>
+      <p:pic>
+        <p:nvPicPr>
+          <p:cNvPr id="29" name="圖片 28">
+            <a:extLst>
+              <a:ext uri="{FF2B5EF4-FFF2-40B4-BE49-F238E27FC236}">
+                <a16:creationId xmlns:a16="http://schemas.microsoft.com/office/drawing/2014/main" id="{4E002670-896A-3742-A1AA-CDFF36805120}"/>
+              </a:ext>
+            </a:extLst>
+          </p:cNvPr>
+          <p:cNvPicPr>
+            <a:picLocks noChangeAspect="1"/>
+          </p:cNvPicPr>
+          <p:nvPr/>
+        </p:nvPicPr>
+        <p:blipFill>
+          <a:blip r:embed="rId3">
+            <a:extLst>
+              <a:ext uri="{28A0092B-C50C-407E-A947-70E740481C1C}">
+                <a14:useLocalDpi xmlns:a14="http://schemas.microsoft.com/office/drawing/2010/main" val="0"/>
+              </a:ext>
+            </a:extLst>
+          </a:blip>
+          <a:stretch>
+            <a:fillRect/>
+          </a:stretch>
+        </p:blipFill>
+        <p:spPr>
+          <a:xfrm>
+            <a:off x="1859637" y="3656849"/>
+            <a:ext cx="1142061" cy="2138045"/>
+          </a:xfrm>
+          <a:prstGeom prst="rect">
+            <a:avLst/>
+          </a:prstGeom>
+        </p:spPr>
+      </p:pic>
+      <p:sp>
+        <p:nvSpPr>
+          <p:cNvPr id="32" name="矩形: 圓角 31">
+            <a:extLst>
+              <a:ext uri="{FF2B5EF4-FFF2-40B4-BE49-F238E27FC236}">
+                <a16:creationId xmlns:a16="http://schemas.microsoft.com/office/drawing/2014/main" id="{DE697BFA-C2CA-3D9A-34C0-E734B97C0818}"/>
+              </a:ext>
+            </a:extLst>
+          </p:cNvPr>
+          <p:cNvSpPr/>
+          <p:nvPr/>
+        </p:nvSpPr>
+        <p:spPr>
+          <a:xfrm>
+            <a:off x="1046331" y="2673267"/>
+            <a:ext cx="2768676" cy="459060"/>
+          </a:xfrm>
+          <a:prstGeom prst="roundRect">
+            <a:avLst/>
+          </a:prstGeom>
+          <a:solidFill>
+            <a:schemeClr val="accent1">
+              <a:lumMod val="60000"/>
+              <a:lumOff val="40000"/>
+            </a:schemeClr>
+          </a:solidFill>
+        </p:spPr>
+        <p:style>
+          <a:lnRef idx="2">
+            <a:schemeClr val="accent1">
+              <a:shade val="15000"/>
+            </a:schemeClr>
+          </a:lnRef>
+          <a:fillRef idx="1">
+            <a:schemeClr val="accent1"/>
+          </a:fillRef>
+          <a:effectRef idx="0">
+            <a:schemeClr val="accent1"/>
+          </a:effectRef>
+          <a:fontRef idx="minor">
+            <a:schemeClr val="lt1"/>
+          </a:fontRef>
+        </p:style>
+        <p:txBody>
+          <a:bodyPr rtlCol="0" anchor="ctr"/>
+          <a:lstStyle/>
+          <a:p>
+            <a:pPr algn="ctr"/>
+            <a:r>
+              <a:rPr lang="en-US" altLang="zh-TW" b="1" dirty="0">
+                <a:solidFill>
+                  <a:schemeClr val="bg2"/>
+                </a:solidFill>
+                <a:latin typeface="微軟正黑體" panose="020B0604030504040204" pitchFamily="34" charset="-120"/>
+                <a:ea typeface="微軟正黑體" panose="020B0604030504040204" pitchFamily="34" charset="-120"/>
+              </a:rPr>
+              <a:t>Ap</a:t>
+            </a:r>
+            <a:r>
+              <a:rPr lang="en-US" altLang="zh-TW" b="1" baseline="-25000" dirty="0">
+                <a:solidFill>
+                  <a:schemeClr val="bg2"/>
+                </a:solidFill>
+                <a:latin typeface="微軟正黑體" panose="020B0604030504040204" pitchFamily="34" charset="-120"/>
+                <a:ea typeface="微軟正黑體" panose="020B0604030504040204" pitchFamily="34" charset="-120"/>
+              </a:rPr>
+              <a:t>i</a:t>
+            </a:r>
+            <a:r>
+              <a:rPr lang="en-US" altLang="zh-TW" b="1" dirty="0">
+                <a:solidFill>
+                  <a:schemeClr val="bg2"/>
+                </a:solidFill>
+                <a:latin typeface="微軟正黑體" panose="020B0604030504040204" pitchFamily="34" charset="-120"/>
+                <a:ea typeface="微軟正黑體" panose="020B0604030504040204" pitchFamily="34" charset="-120"/>
+              </a:rPr>
+              <a:t> </a:t>
+            </a:r>
+            <a:r>
+              <a:rPr lang="en-US" altLang="zh-TW" b="1" dirty="0" err="1">
+                <a:solidFill>
+                  <a:schemeClr val="bg2"/>
+                </a:solidFill>
+                <a:latin typeface="微軟正黑體" panose="020B0604030504040204" pitchFamily="34" charset="-120"/>
+                <a:ea typeface="微軟正黑體" panose="020B0604030504040204" pitchFamily="34" charset="-120"/>
+              </a:rPr>
+              <a:t>psedudo_distance</a:t>
+            </a:r>
+            <a:endParaRPr lang="zh-TW" altLang="en-US" b="1" dirty="0">
+              <a:solidFill>
+                <a:schemeClr val="bg2"/>
+              </a:solidFill>
+              <a:latin typeface="微軟正黑體" panose="020B0604030504040204" pitchFamily="34" charset="-120"/>
+              <a:ea typeface="微軟正黑體" panose="020B0604030504040204" pitchFamily="34" charset="-120"/>
+            </a:endParaRPr>
+          </a:p>
+        </p:txBody>
+      </p:sp>
+      <p:sp>
+        <p:nvSpPr>
+          <p:cNvPr id="5" name="矩形 4">
+            <a:extLst>
+              <a:ext uri="{FF2B5EF4-FFF2-40B4-BE49-F238E27FC236}">
+                <a16:creationId xmlns:a16="http://schemas.microsoft.com/office/drawing/2014/main" id="{7C329A11-1D6B-1F97-56AD-9F01B828DF0F}"/>
+              </a:ext>
+            </a:extLst>
+          </p:cNvPr>
+          <p:cNvSpPr/>
+          <p:nvPr/>
+        </p:nvSpPr>
+        <p:spPr>
+          <a:xfrm>
+            <a:off x="650240" y="1932094"/>
+            <a:ext cx="3616960" cy="4031826"/>
+          </a:xfrm>
+          <a:prstGeom prst="rect">
+            <a:avLst/>
+          </a:prstGeom>
+          <a:noFill/>
+        </p:spPr>
+        <p:style>
+          <a:lnRef idx="2">
+            <a:schemeClr val="accent1">
+              <a:shade val="15000"/>
+            </a:schemeClr>
+          </a:lnRef>
+          <a:fillRef idx="1">
+            <a:schemeClr val="accent1"/>
+          </a:fillRef>
+          <a:effectRef idx="0">
+            <a:schemeClr val="accent1"/>
+          </a:effectRef>
+          <a:fontRef idx="minor">
+            <a:schemeClr val="lt1"/>
+          </a:fontRef>
+        </p:style>
+        <p:txBody>
+          <a:bodyPr rtlCol="0" anchor="ctr"/>
+          <a:lstStyle/>
+          <a:p>
+            <a:pPr algn="ctr"/>
+            <a:endParaRPr lang="zh-TW" altLang="en-US"/>
+          </a:p>
+        </p:txBody>
+      </p:sp>
+      <p:sp>
+        <p:nvSpPr>
+          <p:cNvPr id="7" name="文字方塊 6">
+            <a:extLst>
+              <a:ext uri="{FF2B5EF4-FFF2-40B4-BE49-F238E27FC236}">
+                <a16:creationId xmlns:a16="http://schemas.microsoft.com/office/drawing/2014/main" id="{F0E86BF5-35BF-95F5-B54A-E6EBFA33E85B}"/>
+              </a:ext>
+            </a:extLst>
+          </p:cNvPr>
+          <p:cNvSpPr txBox="1"/>
+          <p:nvPr/>
+        </p:nvSpPr>
+        <p:spPr>
+          <a:xfrm>
+            <a:off x="900203" y="2011936"/>
+            <a:ext cx="3060931" cy="400110"/>
+          </a:xfrm>
+          <a:prstGeom prst="rect">
+            <a:avLst/>
+          </a:prstGeom>
+          <a:noFill/>
+        </p:spPr>
+        <p:txBody>
+          <a:bodyPr wrap="square" rtlCol="0">
+            <a:spAutoFit/>
+          </a:bodyPr>
+          <a:lstStyle/>
+          <a:p>
+            <a:pPr algn="ctr"/>
+            <a:r>
+              <a:rPr lang="en-US" altLang="zh-TW" sz="2000" b="1" dirty="0">
+                <a:solidFill>
+                  <a:schemeClr val="accent1">
+                    <a:lumMod val="50000"/>
+                  </a:schemeClr>
+                </a:solidFill>
+                <a:latin typeface="微軟正黑體" panose="020B0604030504040204" pitchFamily="34" charset="-120"/>
+                <a:ea typeface="微軟正黑體" panose="020B0604030504040204" pitchFamily="34" charset="-120"/>
+              </a:rPr>
+              <a:t>Standardized features</a:t>
+            </a:r>
+            <a:endParaRPr lang="zh-TW" altLang="en-US" sz="2000" b="1" dirty="0">
+              <a:solidFill>
+                <a:schemeClr val="accent1">
+                  <a:lumMod val="50000"/>
+                </a:schemeClr>
+              </a:solidFill>
+              <a:latin typeface="微軟正黑體" panose="020B0604030504040204" pitchFamily="34" charset="-120"/>
+              <a:ea typeface="微軟正黑體" panose="020B0604030504040204" pitchFamily="34" charset="-120"/>
+            </a:endParaRPr>
+          </a:p>
+        </p:txBody>
+      </p:sp>
+      <p:pic>
+        <p:nvPicPr>
+          <p:cNvPr id="11" name="圖形 10">
+            <a:extLst>
+              <a:ext uri="{FF2B5EF4-FFF2-40B4-BE49-F238E27FC236}">
+                <a16:creationId xmlns:a16="http://schemas.microsoft.com/office/drawing/2014/main" id="{3ECC73E5-5944-FDF1-6E54-9DAB6CB36320}"/>
+              </a:ext>
+            </a:extLst>
+          </p:cNvPr>
+          <p:cNvPicPr>
+            <a:picLocks noChangeAspect="1"/>
+          </p:cNvPicPr>
+          <p:nvPr/>
+        </p:nvPicPr>
+        <p:blipFill>
+          <a:blip r:embed="rId4">
+            <a:extLst>
+              <a:ext uri="{96DAC541-7B7A-43D3-8B79-37D633B846F1}">
+                <asvg:svgBlip xmlns:asvg="http://schemas.microsoft.com/office/drawing/2016/SVG/main" r:embed="rId5"/>
+              </a:ext>
+            </a:extLst>
+          </a:blip>
+          <a:stretch>
+            <a:fillRect/>
+          </a:stretch>
+        </p:blipFill>
+        <p:spPr>
+          <a:xfrm>
+            <a:off x="-2741850" y="-1215630"/>
+            <a:ext cx="19935378" cy="9289260"/>
+          </a:xfrm>
+          <a:prstGeom prst="rect">
+            <a:avLst/>
+          </a:prstGeom>
+        </p:spPr>
+      </p:pic>
+      <p:sp>
+        <p:nvSpPr>
+          <p:cNvPr id="12" name="右大括弧 11">
+            <a:extLst>
+              <a:ext uri="{FF2B5EF4-FFF2-40B4-BE49-F238E27FC236}">
+                <a16:creationId xmlns:a16="http://schemas.microsoft.com/office/drawing/2014/main" id="{25B70D2D-3EF3-30C5-835D-14C7306D4D31}"/>
+              </a:ext>
+            </a:extLst>
+          </p:cNvPr>
+          <p:cNvSpPr/>
+          <p:nvPr/>
+        </p:nvSpPr>
+        <p:spPr>
+          <a:xfrm rot="5400000">
+            <a:off x="6534170" y="3612471"/>
+            <a:ext cx="653412" cy="3462240"/>
+          </a:xfrm>
+          <a:prstGeom prst="rightBrace">
+            <a:avLst/>
+          </a:prstGeom>
+          <a:ln w="38100">
+            <a:solidFill>
+              <a:schemeClr val="bg1">
+                <a:lumMod val="50000"/>
+              </a:schemeClr>
+            </a:solidFill>
+          </a:ln>
+        </p:spPr>
+        <p:style>
+          <a:lnRef idx="1">
+            <a:schemeClr val="accent1"/>
+          </a:lnRef>
+          <a:fillRef idx="0">
+            <a:schemeClr val="accent1"/>
+          </a:fillRef>
+          <a:effectRef idx="0">
+            <a:schemeClr val="accent1"/>
+          </a:effectRef>
+          <a:fontRef idx="minor">
+            <a:schemeClr val="tx1"/>
+          </a:fontRef>
+        </p:style>
+        <p:txBody>
+          <a:bodyPr rtlCol="0" anchor="ctr"/>
+          <a:lstStyle/>
+          <a:p>
+            <a:pPr algn="ctr"/>
+            <a:endParaRPr lang="zh-TW" altLang="en-US"/>
+          </a:p>
+        </p:txBody>
+      </p:sp>
+      <p:sp>
+        <p:nvSpPr>
+          <p:cNvPr id="13" name="文字方塊 12">
+            <a:extLst>
+              <a:ext uri="{FF2B5EF4-FFF2-40B4-BE49-F238E27FC236}">
+                <a16:creationId xmlns:a16="http://schemas.microsoft.com/office/drawing/2014/main" id="{FF0B9D70-6D01-CFA7-E3CD-42FA1F89EF32}"/>
+              </a:ext>
+            </a:extLst>
+          </p:cNvPr>
+          <p:cNvSpPr txBox="1"/>
+          <p:nvPr/>
+        </p:nvSpPr>
+        <p:spPr>
+          <a:xfrm>
+            <a:off x="5330410" y="5769937"/>
+            <a:ext cx="3060931" cy="707886"/>
+          </a:xfrm>
+          <a:prstGeom prst="rect">
+            <a:avLst/>
+          </a:prstGeom>
+          <a:noFill/>
+        </p:spPr>
+        <p:txBody>
+          <a:bodyPr wrap="square" rtlCol="0">
+            <a:spAutoFit/>
+          </a:bodyPr>
+          <a:lstStyle/>
+          <a:p>
+            <a:pPr algn="ctr"/>
+            <a:r>
+              <a:rPr lang="en-US" altLang="zh-TW" sz="2000" b="1" dirty="0">
+                <a:solidFill>
+                  <a:schemeClr val="accent1">
+                    <a:lumMod val="50000"/>
+                  </a:schemeClr>
+                </a:solidFill>
+                <a:latin typeface="微軟正黑體" panose="020B0604030504040204" pitchFamily="34" charset="-120"/>
+                <a:ea typeface="微軟正黑體" panose="020B0604030504040204" pitchFamily="34" charset="-120"/>
+              </a:rPr>
+              <a:t>Features extraction</a:t>
+            </a:r>
+          </a:p>
+          <a:p>
+            <a:pPr algn="ctr"/>
+            <a:r>
+              <a:rPr lang="en-US" altLang="zh-TW" sz="2000" b="1" dirty="0">
+                <a:solidFill>
+                  <a:schemeClr val="accent1">
+                    <a:lumMod val="50000"/>
+                  </a:schemeClr>
+                </a:solidFill>
+                <a:latin typeface="微軟正黑體" panose="020B0604030504040204" pitchFamily="34" charset="-120"/>
+                <a:ea typeface="微軟正黑體" panose="020B0604030504040204" pitchFamily="34" charset="-120"/>
+              </a:rPr>
+              <a:t>Regulation</a:t>
+            </a:r>
+            <a:endParaRPr lang="zh-TW" altLang="en-US" sz="2000" b="1" dirty="0">
+              <a:solidFill>
+                <a:schemeClr val="accent1">
+                  <a:lumMod val="50000"/>
+                </a:schemeClr>
+              </a:solidFill>
+              <a:latin typeface="微軟正黑體" panose="020B0604030504040204" pitchFamily="34" charset="-120"/>
+              <a:ea typeface="微軟正黑體" panose="020B0604030504040204" pitchFamily="34" charset="-120"/>
+            </a:endParaRPr>
+          </a:p>
+        </p:txBody>
+      </p:sp>
+      <p:sp>
+        <p:nvSpPr>
+          <p:cNvPr id="17" name="文字方塊 16">
+            <a:extLst>
+              <a:ext uri="{FF2B5EF4-FFF2-40B4-BE49-F238E27FC236}">
+                <a16:creationId xmlns:a16="http://schemas.microsoft.com/office/drawing/2014/main" id="{E5FA4DAE-ADA9-3CC4-ACA4-927596BBC5B7}"/>
+              </a:ext>
+            </a:extLst>
+          </p:cNvPr>
+          <p:cNvSpPr txBox="1"/>
+          <p:nvPr/>
+        </p:nvSpPr>
+        <p:spPr>
+          <a:xfrm>
+            <a:off x="8391341" y="3929112"/>
+            <a:ext cx="3060931" cy="400110"/>
+          </a:xfrm>
+          <a:prstGeom prst="rect">
+            <a:avLst/>
+          </a:prstGeom>
+          <a:noFill/>
+        </p:spPr>
+        <p:txBody>
+          <a:bodyPr wrap="square" rtlCol="0">
+            <a:spAutoFit/>
+          </a:bodyPr>
+          <a:lstStyle/>
+          <a:p>
+            <a:pPr algn="ctr"/>
+            <a:r>
+              <a:rPr lang="en-US" altLang="zh-TW" sz="2000" b="1" dirty="0">
+                <a:solidFill>
+                  <a:schemeClr val="accent1">
+                    <a:lumMod val="50000"/>
+                  </a:schemeClr>
+                </a:solidFill>
+                <a:latin typeface="微軟正黑體" panose="020B0604030504040204" pitchFamily="34" charset="-120"/>
+                <a:ea typeface="微軟正黑體" panose="020B0604030504040204" pitchFamily="34" charset="-120"/>
+              </a:rPr>
+              <a:t>Classification</a:t>
+            </a:r>
+            <a:endParaRPr lang="zh-TW" altLang="en-US" sz="2000" b="1" dirty="0">
+              <a:solidFill>
+                <a:schemeClr val="accent1">
+                  <a:lumMod val="50000"/>
+                </a:schemeClr>
+              </a:solidFill>
+              <a:latin typeface="微軟正黑體" panose="020B0604030504040204" pitchFamily="34" charset="-120"/>
+              <a:ea typeface="微軟正黑體" panose="020B0604030504040204" pitchFamily="34" charset="-120"/>
+            </a:endParaRPr>
+          </a:p>
+        </p:txBody>
+      </p:sp>
+      <p:cxnSp>
+        <p:nvCxnSpPr>
+          <p:cNvPr id="21" name="直線接點 20">
+            <a:extLst>
+              <a:ext uri="{FF2B5EF4-FFF2-40B4-BE49-F238E27FC236}">
+                <a16:creationId xmlns:a16="http://schemas.microsoft.com/office/drawing/2014/main" id="{B69100FC-1B82-EADD-26FD-120716E072E8}"/>
+              </a:ext>
+            </a:extLst>
+          </p:cNvPr>
+          <p:cNvCxnSpPr>
+            <a:cxnSpLocks/>
+          </p:cNvCxnSpPr>
+          <p:nvPr/>
+        </p:nvCxnSpPr>
+        <p:spPr>
+          <a:xfrm>
+            <a:off x="9860846" y="3619500"/>
+            <a:ext cx="0" cy="257665"/>
+          </a:xfrm>
+          <a:prstGeom prst="line">
+            <a:avLst/>
+          </a:prstGeom>
+          <a:ln w="38100">
+            <a:solidFill>
+              <a:schemeClr val="bg1">
+                <a:lumMod val="50000"/>
+              </a:schemeClr>
+            </a:solidFill>
+          </a:ln>
+        </p:spPr>
+        <p:style>
+          <a:lnRef idx="1">
+            <a:schemeClr val="accent1"/>
+          </a:lnRef>
+          <a:fillRef idx="0">
+            <a:schemeClr val="accent1"/>
+          </a:fillRef>
+          <a:effectRef idx="0">
+            <a:schemeClr val="accent1"/>
+          </a:effectRef>
+          <a:fontRef idx="minor">
+            <a:schemeClr val="tx1"/>
+          </a:fontRef>
+        </p:style>
+      </p:cxnSp>
+      <p:sp>
+        <p:nvSpPr>
+          <p:cNvPr id="24" name="箭號: 向右 23">
+            <a:extLst>
+              <a:ext uri="{FF2B5EF4-FFF2-40B4-BE49-F238E27FC236}">
+                <a16:creationId xmlns:a16="http://schemas.microsoft.com/office/drawing/2014/main" id="{AC52C77B-CF48-3322-9BEF-550268D6217F}"/>
+              </a:ext>
+            </a:extLst>
+          </p:cNvPr>
+          <p:cNvSpPr/>
+          <p:nvPr/>
+        </p:nvSpPr>
+        <p:spPr>
+          <a:xfrm>
+            <a:off x="3961134" y="3362960"/>
+            <a:ext cx="822391" cy="257665"/>
+          </a:xfrm>
+          <a:prstGeom prst="rightArrow">
+            <a:avLst/>
+          </a:prstGeom>
+          <a:solidFill>
+            <a:schemeClr val="bg1">
+              <a:lumMod val="50000"/>
+            </a:schemeClr>
+          </a:solidFill>
+          <a:ln>
+            <a:solidFill>
+              <a:schemeClr val="bg1">
+                <a:lumMod val="25000"/>
+              </a:schemeClr>
+            </a:solidFill>
+          </a:ln>
+        </p:spPr>
+        <p:style>
+          <a:lnRef idx="2">
+            <a:schemeClr val="accent1">
+              <a:shade val="15000"/>
+            </a:schemeClr>
+          </a:lnRef>
+          <a:fillRef idx="1">
+            <a:schemeClr val="accent1"/>
+          </a:fillRef>
+          <a:effectRef idx="0">
+            <a:schemeClr val="accent1"/>
+          </a:effectRef>
+          <a:fontRef idx="minor">
+            <a:schemeClr val="lt1"/>
+          </a:fontRef>
+        </p:style>
+        <p:txBody>
+          <a:bodyPr rtlCol="0" anchor="ctr"/>
+          <a:lstStyle/>
+          <a:p>
+            <a:pPr algn="ctr"/>
+            <a:endParaRPr lang="zh-TW" altLang="en-US"/>
+          </a:p>
+        </p:txBody>
+      </p:sp>
+      <p:sp>
+        <p:nvSpPr>
+          <p:cNvPr id="25" name="文字方塊 24">
+            <a:extLst>
+              <a:ext uri="{FF2B5EF4-FFF2-40B4-BE49-F238E27FC236}">
+                <a16:creationId xmlns:a16="http://schemas.microsoft.com/office/drawing/2014/main" id="{E6792406-FF07-F324-B765-A9A9BF945FD5}"/>
+              </a:ext>
+            </a:extLst>
+          </p:cNvPr>
+          <p:cNvSpPr txBox="1"/>
+          <p:nvPr/>
+        </p:nvSpPr>
+        <p:spPr>
+          <a:xfrm>
+            <a:off x="3815007" y="3551218"/>
+            <a:ext cx="1119269" cy="400110"/>
+          </a:xfrm>
+          <a:prstGeom prst="rect">
+            <a:avLst/>
+          </a:prstGeom>
+          <a:noFill/>
+        </p:spPr>
+        <p:txBody>
+          <a:bodyPr wrap="square" rtlCol="0">
+            <a:spAutoFit/>
+          </a:bodyPr>
+          <a:lstStyle/>
+          <a:p>
+            <a:pPr algn="ctr"/>
+            <a:r>
+              <a:rPr lang="en-US" altLang="zh-TW" sz="2000" b="1" dirty="0">
+                <a:solidFill>
+                  <a:schemeClr val="tx1">
+                    <a:lumMod val="95000"/>
+                    <a:lumOff val="5000"/>
+                  </a:schemeClr>
+                </a:solidFill>
+                <a:latin typeface="微軟正黑體" panose="020B0604030504040204" pitchFamily="34" charset="-120"/>
+                <a:ea typeface="微軟正黑體" panose="020B0604030504040204" pitchFamily="34" charset="-120"/>
+              </a:rPr>
+              <a:t>Input</a:t>
+            </a:r>
+            <a:endParaRPr lang="zh-TW" altLang="en-US" sz="2000" b="1" dirty="0">
+              <a:solidFill>
+                <a:schemeClr val="tx1">
+                  <a:lumMod val="95000"/>
+                  <a:lumOff val="5000"/>
+                </a:schemeClr>
+              </a:solidFill>
+              <a:latin typeface="微軟正黑體" panose="020B0604030504040204" pitchFamily="34" charset="-120"/>
+              <a:ea typeface="微軟正黑體" panose="020B0604030504040204" pitchFamily="34" charset="-120"/>
+            </a:endParaRPr>
+          </a:p>
+        </p:txBody>
+      </p:sp>
+      <p:sp>
+        <p:nvSpPr>
+          <p:cNvPr id="26" name="加號 25">
+            <a:extLst>
+              <a:ext uri="{FF2B5EF4-FFF2-40B4-BE49-F238E27FC236}">
+                <a16:creationId xmlns:a16="http://schemas.microsoft.com/office/drawing/2014/main" id="{AE06EE71-81D5-6D99-82CD-ABFCF4BF66F3}"/>
+              </a:ext>
+            </a:extLst>
+          </p:cNvPr>
+          <p:cNvSpPr/>
+          <p:nvPr/>
+        </p:nvSpPr>
+        <p:spPr>
+          <a:xfrm>
+            <a:off x="2275344" y="3234667"/>
+            <a:ext cx="366752" cy="350322"/>
+          </a:xfrm>
+          <a:prstGeom prst="mathPlus">
+            <a:avLst/>
+          </a:prstGeom>
+        </p:spPr>
+        <p:style>
+          <a:lnRef idx="2">
+            <a:schemeClr val="accent1">
+              <a:shade val="15000"/>
+            </a:schemeClr>
+          </a:lnRef>
+          <a:fillRef idx="1">
+            <a:schemeClr val="accent1"/>
+          </a:fillRef>
+          <a:effectRef idx="0">
+            <a:schemeClr val="accent1"/>
+          </a:effectRef>
+          <a:fontRef idx="minor">
+            <a:schemeClr val="lt1"/>
+          </a:fontRef>
+        </p:style>
+        <p:txBody>
+          <a:bodyPr rtlCol="0" anchor="ctr"/>
+          <a:lstStyle/>
+          <a:p>
+            <a:pPr algn="ctr"/>
+            <a:endParaRPr lang="zh-TW" altLang="en-US"/>
+          </a:p>
+        </p:txBody>
+      </p:sp>
+    </p:spTree>
+    <p:extLst>
+      <p:ext uri="{BB962C8B-B14F-4D97-AF65-F5344CB8AC3E}">
+        <p14:creationId xmlns:p14="http://schemas.microsoft.com/office/powerpoint/2010/main" val="459224685"/>
+      </p:ext>
+    </p:extLst>
+  </p:cSld>
+  <p:clrMapOvr>
+    <a:masterClrMapping/>
+  </p:clrMapOvr>
+  <p:timing>
+    <p:tnLst>
+      <p:par>
+        <p:cTn id="1" dur="indefinite" restart="never" nodeType="tmRoot">
+          <p:childTnLst>
+            <p:seq concurrent="1" nextAc="seek">
+              <p:cTn id="2" dur="indefinite" nodeType="mainSeq">
+                <p:childTnLst>
+                  <p:par>
+                    <p:cTn id="3" fill="hold">
+                      <p:stCondLst>
+                        <p:cond delay="indefinite"/>
+                        <p:cond evt="onBegin" delay="0">
+                          <p:tn val="2"/>
+                        </p:cond>
+                      </p:stCondLst>
+                      <p:childTnLst>
+                        <p:par>
+                          <p:cTn id="4" fill="hold">
+                            <p:stCondLst>
+                              <p:cond delay="0"/>
+                            </p:stCondLst>
+                            <p:childTnLst>
+                              <p:par>
+                                <p:cTn id="5" presetID="10" presetClass="entr" presetSubtype="0" fill="hold" grpId="0" nodeType="withEffect">
+                                  <p:stCondLst>
+                                    <p:cond delay="0"/>
+                                  </p:stCondLst>
+                                  <p:childTnLst>
+                                    <p:set>
+                                      <p:cBhvr>
+                                        <p:cTn id="6" dur="1" fill="hold">
+                                          <p:stCondLst>
+                                            <p:cond delay="0"/>
+                                          </p:stCondLst>
+                                        </p:cTn>
+                                        <p:tgtEl>
+                                          <p:spTgt spid="26"/>
+                                        </p:tgtEl>
+                                        <p:attrNameLst>
+                                          <p:attrName>style.visibility</p:attrName>
+                                        </p:attrNameLst>
+                                      </p:cBhvr>
+                                      <p:to>
+                                        <p:strVal val="visible"/>
+                                      </p:to>
+                                    </p:set>
+                                    <p:animEffect transition="in" filter="fade">
+                                      <p:cBhvr>
+                                        <p:cTn id="7" dur="500"/>
+                                        <p:tgtEl>
+                                          <p:spTgt spid="26"/>
+                                        </p:tgtEl>
+                                      </p:cBhvr>
+                                    </p:animEffect>
+                                  </p:childTnLst>
+                                </p:cTn>
+                              </p:par>
+                            </p:childTnLst>
+                          </p:cTn>
+                        </p:par>
+                      </p:childTnLst>
+                    </p:cTn>
+                  </p:par>
+                </p:childTnLst>
+              </p:cTn>
+              <p:prevCondLst>
+                <p:cond evt="onPrev" delay="0">
+                  <p:tgtEl>
+                    <p:sldTgt/>
+                  </p:tgtEl>
+                </p:cond>
+              </p:prevCondLst>
+              <p:nextCondLst>
+                <p:cond evt="onNext" delay="0">
+                  <p:tgtEl>
+                    <p:sldTgt/>
+                  </p:tgtEl>
+                </p:cond>
+              </p:nextCondLst>
+            </p:seq>
+          </p:childTnLst>
+        </p:cTn>
+      </p:par>
+    </p:tnLst>
+    <p:bldLst>
+      <p:bldP spid="26" grpId="0" animBg="1"/>
+    </p:bldLst>
+  </p:timing>
+</p:sld>
+</file>
+
+<file path=ppt/slides/slide22.xml><?xml version="1.0" encoding="utf-8"?>
+<p:sld xmlns:a="http://schemas.openxmlformats.org/drawingml/2006/main" xmlns:r="http://schemas.openxmlformats.org/officeDocument/2006/relationships" xmlns:p="http://schemas.openxmlformats.org/presentationml/2006/main">
+  <p:cSld>
+    <p:spTree>
+      <p:nvGrpSpPr>
+        <p:cNvPr id="1" name="Shape 213">
+          <a:extLst>
+            <a:ext uri="{FF2B5EF4-FFF2-40B4-BE49-F238E27FC236}">
+              <a16:creationId xmlns:a16="http://schemas.microsoft.com/office/drawing/2014/main" id="{6276273C-4D33-70EC-F588-670DCBA3182D}"/>
+            </a:ext>
+          </a:extLst>
+        </p:cNvPr>
+        <p:cNvGrpSpPr/>
+        <p:nvPr/>
+      </p:nvGrpSpPr>
+      <p:grpSpPr>
+        <a:xfrm>
+          <a:off x="0" y="0"/>
+          <a:ext cx="0" cy="0"/>
+          <a:chOff x="0" y="0"/>
+          <a:chExt cx="0" cy="0"/>
+        </a:xfrm>
+      </p:grpSpPr>
+      <p:sp>
+        <p:nvSpPr>
+          <p:cNvPr id="2" name="矩形: 圓角 1">
+            <a:extLst>
+              <a:ext uri="{FF2B5EF4-FFF2-40B4-BE49-F238E27FC236}">
+                <a16:creationId xmlns:a16="http://schemas.microsoft.com/office/drawing/2014/main" id="{1AD6C899-D29A-9CE8-6D50-0174840A980C}"/>
+              </a:ext>
+            </a:extLst>
+          </p:cNvPr>
+          <p:cNvSpPr/>
+          <p:nvPr/>
+        </p:nvSpPr>
+        <p:spPr>
+          <a:xfrm>
+            <a:off x="1297709" y="306646"/>
+            <a:ext cx="9596581" cy="748147"/>
+          </a:xfrm>
+          <a:prstGeom prst="roundRect">
+            <a:avLst/>
+          </a:prstGeom>
+          <a:ln>
+            <a:noFill/>
+          </a:ln>
+        </p:spPr>
+        <p:style>
+          <a:lnRef idx="2">
+            <a:schemeClr val="accent1">
+              <a:shade val="15000"/>
+            </a:schemeClr>
+          </a:lnRef>
+          <a:fillRef idx="1">
+            <a:schemeClr val="accent1"/>
+          </a:fillRef>
+          <a:effectRef idx="0">
+            <a:schemeClr val="accent1"/>
+          </a:effectRef>
+          <a:fontRef idx="minor">
+            <a:schemeClr val="lt1"/>
+          </a:fontRef>
+        </p:style>
+        <p:txBody>
+          <a:bodyPr rtlCol="0" anchor="ctr"/>
+          <a:lstStyle/>
+          <a:p>
+            <a:pPr algn="ctr"/>
+            <a:r>
+              <a:rPr lang="en-US" altLang="zh-TW" sz="3200" b="1" dirty="0">
+                <a:solidFill>
+                  <a:schemeClr val="bg2">
+                    <a:lumMod val="75000"/>
+                  </a:schemeClr>
+                </a:solidFill>
+                <a:latin typeface="微軟正黑體" panose="020B0604030504040204" pitchFamily="34" charset="-120"/>
+                <a:ea typeface="微軟正黑體" panose="020B0604030504040204" pitchFamily="34" charset="-120"/>
+              </a:rPr>
+              <a:t>Offline stage</a:t>
+            </a:r>
+          </a:p>
+        </p:txBody>
+      </p:sp>
+      <p:sp>
+        <p:nvSpPr>
+          <p:cNvPr id="3" name="文字方塊 2">
+            <a:extLst>
+              <a:ext uri="{FF2B5EF4-FFF2-40B4-BE49-F238E27FC236}">
+                <a16:creationId xmlns:a16="http://schemas.microsoft.com/office/drawing/2014/main" id="{D04D0E24-0E18-E646-B629-B2BE00FFDE55}"/>
+              </a:ext>
+            </a:extLst>
+          </p:cNvPr>
+          <p:cNvSpPr txBox="1"/>
+          <p:nvPr/>
+        </p:nvSpPr>
+        <p:spPr>
+          <a:xfrm>
+            <a:off x="11505363" y="6263640"/>
+            <a:ext cx="478357" cy="369332"/>
+          </a:xfrm>
+          <a:prstGeom prst="rect">
+            <a:avLst/>
+          </a:prstGeom>
+          <a:noFill/>
+        </p:spPr>
+        <p:txBody>
+          <a:bodyPr wrap="square" rtlCol="0">
+            <a:spAutoFit/>
+          </a:bodyPr>
+          <a:lstStyle/>
+          <a:p>
+            <a:pPr algn="ctr"/>
+            <a:r>
+              <a:rPr lang="en-US" altLang="zh-TW" dirty="0"/>
+              <a:t>21</a:t>
+            </a:r>
+            <a:endParaRPr lang="zh-TW" altLang="en-US" dirty="0"/>
+          </a:p>
+        </p:txBody>
+      </p:sp>
+      <p:sp>
+        <p:nvSpPr>
+          <p:cNvPr id="6" name="Google Shape;219;p33">
+            <a:extLst>
+              <a:ext uri="{FF2B5EF4-FFF2-40B4-BE49-F238E27FC236}">
+                <a16:creationId xmlns:a16="http://schemas.microsoft.com/office/drawing/2014/main" id="{653148E9-CC86-F0BE-5025-D70E9CD9B5C4}"/>
+              </a:ext>
+            </a:extLst>
+          </p:cNvPr>
+          <p:cNvSpPr/>
+          <p:nvPr/>
+        </p:nvSpPr>
+        <p:spPr>
+          <a:xfrm>
+            <a:off x="543528" y="6168600"/>
+            <a:ext cx="3328000" cy="1378800"/>
+          </a:xfrm>
+          <a:prstGeom prst="rect">
+            <a:avLst/>
+          </a:prstGeom>
+          <a:solidFill>
+            <a:schemeClr val="accent1"/>
+          </a:solidFill>
+          <a:ln>
+            <a:noFill/>
+          </a:ln>
+        </p:spPr>
+        <p:txBody>
+          <a:bodyPr spcFirstLastPara="1" wrap="square" lIns="121900" tIns="121900" rIns="121900" bIns="121900" anchor="ctr" anchorCtr="0">
+            <a:noAutofit/>
+          </a:bodyPr>
+          <a:lstStyle/>
+          <a:p>
+            <a:endParaRPr sz="1400"/>
+          </a:p>
+        </p:txBody>
+      </p:sp>
+      <p:sp>
+        <p:nvSpPr>
+          <p:cNvPr id="4" name="文字方塊 3">
+            <a:extLst>
+              <a:ext uri="{FF2B5EF4-FFF2-40B4-BE49-F238E27FC236}">
+                <a16:creationId xmlns:a16="http://schemas.microsoft.com/office/drawing/2014/main" id="{C2B97071-DD39-A36D-BA0E-B521A3E8D36A}"/>
+              </a:ext>
+            </a:extLst>
+          </p:cNvPr>
+          <p:cNvSpPr txBox="1"/>
+          <p:nvPr/>
+        </p:nvSpPr>
+        <p:spPr>
+          <a:xfrm>
+            <a:off x="1297709" y="1063106"/>
+            <a:ext cx="9596581" cy="461665"/>
+          </a:xfrm>
+          <a:prstGeom prst="rect">
+            <a:avLst/>
+          </a:prstGeom>
+          <a:noFill/>
+        </p:spPr>
+        <p:txBody>
+          <a:bodyPr wrap="square" rtlCol="0">
+            <a:spAutoFit/>
+          </a:bodyPr>
+          <a:lstStyle/>
+          <a:p>
+            <a:pPr algn="ctr"/>
+            <a:r>
+              <a:rPr lang="en-US" altLang="zh-TW" sz="2400" b="1" dirty="0" err="1">
+                <a:solidFill>
+                  <a:schemeClr val="accent1">
+                    <a:lumMod val="50000"/>
+                  </a:schemeClr>
+                </a:solidFill>
+                <a:latin typeface="微軟正黑體" panose="020B0604030504040204" pitchFamily="34" charset="-120"/>
+                <a:ea typeface="微軟正黑體" panose="020B0604030504040204" pitchFamily="34" charset="-120"/>
+              </a:rPr>
+              <a:t>RegDNN</a:t>
+            </a:r>
+            <a:r>
+              <a:rPr lang="en-US" altLang="zh-TW" sz="2400" b="1" dirty="0">
+                <a:solidFill>
+                  <a:schemeClr val="accent1">
+                    <a:lumMod val="50000"/>
+                  </a:schemeClr>
+                </a:solidFill>
+                <a:latin typeface="微軟正黑體" panose="020B0604030504040204" pitchFamily="34" charset="-120"/>
+                <a:ea typeface="微軟正黑體" panose="020B0604030504040204" pitchFamily="34" charset="-120"/>
+              </a:rPr>
+              <a:t> Model training – DNN classifier</a:t>
+            </a:r>
+          </a:p>
+        </p:txBody>
+      </p:sp>
+      <p:sp>
+        <p:nvSpPr>
+          <p:cNvPr id="11" name="文字方塊 10">
+            <a:extLst>
+              <a:ext uri="{FF2B5EF4-FFF2-40B4-BE49-F238E27FC236}">
+                <a16:creationId xmlns:a16="http://schemas.microsoft.com/office/drawing/2014/main" id="{195C6CA6-ED2D-8800-0531-A5AACC14722B}"/>
+              </a:ext>
+            </a:extLst>
+          </p:cNvPr>
+          <p:cNvSpPr txBox="1"/>
+          <p:nvPr/>
+        </p:nvSpPr>
+        <p:spPr>
+          <a:xfrm>
+            <a:off x="5535977" y="2009242"/>
+            <a:ext cx="6745499" cy="3785652"/>
+          </a:xfrm>
+          <a:prstGeom prst="rect">
+            <a:avLst/>
+          </a:prstGeom>
+          <a:noFill/>
+        </p:spPr>
+        <p:txBody>
+          <a:bodyPr wrap="square">
+            <a:spAutoFit/>
+          </a:bodyPr>
+          <a:lstStyle/>
+          <a:p>
+            <a:endParaRPr lang="en-US" altLang="zh-TW" sz="500" b="1" dirty="0">
+              <a:latin typeface="微軟正黑體" panose="020B0604030504040204" pitchFamily="34" charset="-120"/>
+              <a:ea typeface="微軟正黑體" panose="020B0604030504040204" pitchFamily="34" charset="-120"/>
+            </a:endParaRPr>
+          </a:p>
+          <a:p>
+            <a:pPr marL="800100" lvl="1" indent="-342900">
+              <a:buFont typeface="Arial" panose="020B0604020202020204" pitchFamily="34" charset="0"/>
+              <a:buChar char="•"/>
+            </a:pPr>
+            <a:r>
+              <a:rPr lang="en-US" altLang="zh-TW" sz="2000" dirty="0">
+                <a:latin typeface="微軟正黑體" panose="020B0604030504040204" pitchFamily="34" charset="-120"/>
+                <a:ea typeface="微軟正黑體" panose="020B0604030504040204" pitchFamily="34" charset="-120"/>
+              </a:rPr>
+              <a:t>Feature extraction</a:t>
+            </a:r>
+          </a:p>
+          <a:p>
+            <a:pPr marL="800100" lvl="1" indent="-342900">
+              <a:buFont typeface="Arial" panose="020B0604020202020204" pitchFamily="34" charset="0"/>
+              <a:buChar char="•"/>
+            </a:pPr>
+            <a:endParaRPr lang="en-US" altLang="zh-TW" sz="500" dirty="0">
+              <a:latin typeface="微軟正黑體" panose="020B0604030504040204" pitchFamily="34" charset="-120"/>
+              <a:ea typeface="微軟正黑體" panose="020B0604030504040204" pitchFamily="34" charset="-120"/>
+            </a:endParaRPr>
+          </a:p>
+          <a:p>
+            <a:pPr marL="1257300" lvl="2" indent="-342900">
+              <a:buFont typeface="Arial" panose="020B0604020202020204" pitchFamily="34" charset="0"/>
+              <a:buChar char="•"/>
+            </a:pPr>
+            <a:r>
+              <a:rPr lang="en-US" altLang="zh-TW" sz="2000" dirty="0">
+                <a:latin typeface="微軟正黑體" panose="020B0604030504040204" pitchFamily="34" charset="-120"/>
+                <a:ea typeface="微軟正黑體" panose="020B0604030504040204" pitchFamily="34" charset="-120"/>
+              </a:rPr>
+              <a:t>Spatial Relationship Features</a:t>
+            </a:r>
+          </a:p>
+          <a:p>
+            <a:pPr marL="1257300" lvl="2" indent="-342900">
+              <a:buFont typeface="Arial" panose="020B0604020202020204" pitchFamily="34" charset="0"/>
+              <a:buChar char="•"/>
+            </a:pPr>
+            <a:r>
+              <a:rPr lang="en-US" altLang="zh-TW" sz="2000" dirty="0">
+                <a:latin typeface="微軟正黑體" panose="020B0604030504040204" pitchFamily="34" charset="-120"/>
+                <a:ea typeface="微軟正黑體" panose="020B0604030504040204" pitchFamily="34" charset="-120"/>
+              </a:rPr>
+              <a:t>Stability &amp; Distance Consistency Features</a:t>
+            </a:r>
+          </a:p>
+          <a:p>
+            <a:pPr marL="1257300" lvl="2" indent="-342900">
+              <a:buFont typeface="Arial" panose="020B0604020202020204" pitchFamily="34" charset="0"/>
+              <a:buChar char="•"/>
+            </a:pPr>
+            <a:r>
+              <a:rPr lang="en-US" altLang="zh-TW" sz="2000" dirty="0">
+                <a:latin typeface="微軟正黑體" panose="020B0604030504040204" pitchFamily="34" charset="-120"/>
+                <a:ea typeface="微軟正黑體" panose="020B0604030504040204" pitchFamily="34" charset="-120"/>
+              </a:rPr>
+              <a:t>Multi-AP Fusion Features</a:t>
+            </a:r>
+          </a:p>
+          <a:p>
+            <a:pPr marL="1257300" lvl="2" indent="-342900">
+              <a:buFont typeface="Arial" panose="020B0604020202020204" pitchFamily="34" charset="0"/>
+              <a:buChar char="•"/>
+            </a:pPr>
+            <a:endParaRPr lang="en-US" altLang="zh-TW" sz="2000" dirty="0">
+              <a:latin typeface="微軟正黑體" panose="020B0604030504040204" pitchFamily="34" charset="-120"/>
+              <a:ea typeface="微軟正黑體" panose="020B0604030504040204" pitchFamily="34" charset="-120"/>
+            </a:endParaRPr>
+          </a:p>
+          <a:p>
+            <a:pPr marL="800100" lvl="1" indent="-342900">
+              <a:buFont typeface="Arial" panose="020B0604020202020204" pitchFamily="34" charset="0"/>
+              <a:buChar char="•"/>
+            </a:pPr>
+            <a:r>
+              <a:rPr lang="en-US" altLang="zh-TW" sz="2000" dirty="0">
+                <a:latin typeface="微軟正黑體" panose="020B0604030504040204" pitchFamily="34" charset="-120"/>
+                <a:ea typeface="微軟正黑體" panose="020B0604030504040204" pitchFamily="34" charset="-120"/>
+              </a:rPr>
+              <a:t>Feature normalization</a:t>
+            </a:r>
+            <a:r>
+              <a:rPr lang="zh-TW" altLang="en-US" sz="2000" dirty="0">
+                <a:latin typeface="微軟正黑體" panose="020B0604030504040204" pitchFamily="34" charset="-120"/>
+                <a:ea typeface="微軟正黑體" panose="020B0604030504040204" pitchFamily="34" charset="-120"/>
+              </a:rPr>
+              <a:t> </a:t>
+            </a:r>
+            <a:r>
+              <a:rPr lang="en-US" altLang="zh-TW" sz="2000" dirty="0">
+                <a:latin typeface="微軟正黑體" panose="020B0604030504040204" pitchFamily="34" charset="-120"/>
+                <a:ea typeface="微軟正黑體" panose="020B0604030504040204" pitchFamily="34" charset="-120"/>
+              </a:rPr>
+              <a:t>&amp;</a:t>
+            </a:r>
+            <a:r>
+              <a:rPr lang="zh-TW" altLang="en-US" sz="2000" dirty="0">
+                <a:latin typeface="微軟正黑體" panose="020B0604030504040204" pitchFamily="34" charset="-120"/>
+                <a:ea typeface="微軟正黑體" panose="020B0604030504040204" pitchFamily="34" charset="-120"/>
+              </a:rPr>
+              <a:t> </a:t>
+            </a:r>
+            <a:r>
+              <a:rPr lang="en-US" altLang="zh-TW" sz="2000" dirty="0">
+                <a:latin typeface="微軟正黑體" panose="020B0604030504040204" pitchFamily="34" charset="-120"/>
+                <a:ea typeface="微軟正黑體" panose="020B0604030504040204" pitchFamily="34" charset="-120"/>
+              </a:rPr>
+              <a:t>Regularization</a:t>
+            </a:r>
+          </a:p>
+          <a:p>
+            <a:pPr marL="800100" lvl="1" indent="-342900">
+              <a:buFont typeface="Arial" panose="020B0604020202020204" pitchFamily="34" charset="0"/>
+              <a:buChar char="•"/>
+            </a:pPr>
+            <a:endParaRPr lang="en-US" altLang="zh-TW" sz="500" dirty="0">
+              <a:latin typeface="微軟正黑體" panose="020B0604030504040204" pitchFamily="34" charset="-120"/>
+              <a:ea typeface="微軟正黑體" panose="020B0604030504040204" pitchFamily="34" charset="-120"/>
+            </a:endParaRPr>
+          </a:p>
+          <a:p>
+            <a:pPr marL="1257300" lvl="2" indent="-342900">
+              <a:buFont typeface="Arial" panose="020B0604020202020204" pitchFamily="34" charset="0"/>
+              <a:buChar char="•"/>
+            </a:pPr>
+            <a:r>
+              <a:rPr lang="en-US" altLang="zh-TW" sz="2000" dirty="0">
+                <a:latin typeface="微軟正黑體" panose="020B0604030504040204" pitchFamily="34" charset="-120"/>
+                <a:ea typeface="微軟正黑體" panose="020B0604030504040204" pitchFamily="34" charset="-120"/>
+              </a:rPr>
+              <a:t>Batch Normalization</a:t>
+            </a:r>
+          </a:p>
+          <a:p>
+            <a:pPr marL="1257300" lvl="2" indent="-342900">
+              <a:buFont typeface="Arial" panose="020B0604020202020204" pitchFamily="34" charset="0"/>
+              <a:buChar char="•"/>
+            </a:pPr>
+            <a:r>
+              <a:rPr lang="en-US" altLang="zh-TW" sz="2000" dirty="0">
+                <a:latin typeface="微軟正黑體" panose="020B0604030504040204" pitchFamily="34" charset="-120"/>
+                <a:ea typeface="微軟正黑體" panose="020B0604030504040204" pitchFamily="34" charset="-120"/>
+              </a:rPr>
+              <a:t>Dropout</a:t>
+            </a:r>
+          </a:p>
+          <a:p>
+            <a:pPr marL="800100" lvl="1" indent="-342900">
+              <a:buFont typeface="Arial" panose="020B0604020202020204" pitchFamily="34" charset="0"/>
+              <a:buChar char="•"/>
+            </a:pPr>
+            <a:endParaRPr lang="en-US" altLang="zh-TW" sz="2000" dirty="0">
+              <a:latin typeface="微軟正黑體" panose="020B0604030504040204" pitchFamily="34" charset="-120"/>
+              <a:ea typeface="微軟正黑體" panose="020B0604030504040204" pitchFamily="34" charset="-120"/>
+            </a:endParaRPr>
+          </a:p>
+          <a:p>
+            <a:pPr marL="800100" lvl="1" indent="-342900">
+              <a:buFont typeface="Arial" panose="020B0604020202020204" pitchFamily="34" charset="0"/>
+              <a:buChar char="•"/>
+            </a:pPr>
+            <a:r>
+              <a:rPr lang="en-US" altLang="zh-TW" sz="2000" dirty="0">
+                <a:latin typeface="微軟正黑體" panose="020B0604030504040204" pitchFamily="34" charset="-120"/>
+                <a:ea typeface="微軟正黑體" panose="020B0604030504040204" pitchFamily="34" charset="-120"/>
+              </a:rPr>
+              <a:t>Classification</a:t>
+            </a:r>
+          </a:p>
+          <a:p>
+            <a:pPr marL="800100" lvl="1" indent="-342900">
+              <a:buFont typeface="Arial" panose="020B0604020202020204" pitchFamily="34" charset="0"/>
+              <a:buChar char="•"/>
+            </a:pPr>
+            <a:endParaRPr lang="en-US" altLang="zh-TW" sz="500" dirty="0">
+              <a:latin typeface="微軟正黑體" panose="020B0604030504040204" pitchFamily="34" charset="-120"/>
+              <a:ea typeface="微軟正黑體" panose="020B0604030504040204" pitchFamily="34" charset="-120"/>
+            </a:endParaRPr>
+          </a:p>
+          <a:p>
+            <a:pPr marL="1257300" lvl="2" indent="-342900">
+              <a:buFont typeface="Arial" panose="020B0604020202020204" pitchFamily="34" charset="0"/>
+              <a:buChar char="•"/>
+            </a:pPr>
+            <a:r>
+              <a:rPr lang="en-US" altLang="zh-TW" sz="2000" dirty="0" err="1">
+                <a:latin typeface="微軟正黑體" panose="020B0604030504040204" pitchFamily="34" charset="-120"/>
+                <a:ea typeface="微軟正黑體" panose="020B0604030504040204" pitchFamily="34" charset="-120"/>
+              </a:rPr>
+              <a:t>Softmax</a:t>
+            </a:r>
+            <a:r>
+              <a:rPr lang="en-US" altLang="zh-TW" sz="2000" dirty="0">
+                <a:latin typeface="微軟正黑體" panose="020B0604030504040204" pitchFamily="34" charset="-120"/>
+                <a:ea typeface="微軟正黑體" panose="020B0604030504040204" pitchFamily="34" charset="-120"/>
+              </a:rPr>
+              <a:t> activation</a:t>
+            </a:r>
+          </a:p>
+        </p:txBody>
+      </p:sp>
+      <p:pic>
+        <p:nvPicPr>
+          <p:cNvPr id="5" name="圖片 4">
+            <a:extLst>
+              <a:ext uri="{FF2B5EF4-FFF2-40B4-BE49-F238E27FC236}">
+                <a16:creationId xmlns:a16="http://schemas.microsoft.com/office/drawing/2014/main" id="{3320BF85-E2F6-F5CB-3705-756784350F12}"/>
+              </a:ext>
+            </a:extLst>
+          </p:cNvPr>
+          <p:cNvPicPr>
+            <a:picLocks noChangeAspect="1"/>
+          </p:cNvPicPr>
+          <p:nvPr/>
+        </p:nvPicPr>
+        <p:blipFill>
+          <a:blip r:embed="rId3"/>
+          <a:stretch>
+            <a:fillRect/>
+          </a:stretch>
+        </p:blipFill>
+        <p:spPr>
+          <a:xfrm>
+            <a:off x="302315" y="2281348"/>
+            <a:ext cx="5355582" cy="2955422"/>
+          </a:xfrm>
+          <a:prstGeom prst="rect">
+            <a:avLst/>
+          </a:prstGeom>
+        </p:spPr>
+      </p:pic>
+    </p:spTree>
+    <p:extLst>
+      <p:ext uri="{BB962C8B-B14F-4D97-AF65-F5344CB8AC3E}">
+        <p14:creationId xmlns:p14="http://schemas.microsoft.com/office/powerpoint/2010/main" val="2217132668"/>
+      </p:ext>
+    </p:extLst>
+  </p:cSld>
+  <p:clrMapOvr>
+    <a:masterClrMapping/>
+  </p:clrMapOvr>
+</p:sld>
+</file>
+
+<file path=ppt/slides/slide23.xml><?xml version="1.0" encoding="utf-8"?>
+<p:sld xmlns:a="http://schemas.openxmlformats.org/drawingml/2006/main" xmlns:r="http://schemas.openxmlformats.org/officeDocument/2006/relationships" xmlns:p="http://schemas.openxmlformats.org/presentationml/2006/main">
+  <p:cSld>
+    <p:spTree>
+      <p:nvGrpSpPr>
+        <p:cNvPr id="1" name="Shape 224"/>
+        <p:cNvGrpSpPr/>
+        <p:nvPr/>
+      </p:nvGrpSpPr>
+      <p:grpSpPr>
+        <a:xfrm>
+          <a:off x="0" y="0"/>
+          <a:ext cx="0" cy="0"/>
+          <a:chOff x="0" y="0"/>
+          <a:chExt cx="0" cy="0"/>
+        </a:xfrm>
+      </p:grpSpPr>
+      <p:sp>
+        <p:nvSpPr>
+          <p:cNvPr id="225" name="Google Shape;225;p34"/>
+          <p:cNvSpPr/>
+          <p:nvPr/>
+        </p:nvSpPr>
+        <p:spPr>
+          <a:xfrm>
+            <a:off x="9805900" y="-202433"/>
+            <a:ext cx="3057200" cy="4714400"/>
+          </a:xfrm>
+          <a:prstGeom prst="rect">
+            <a:avLst/>
+          </a:prstGeom>
+          <a:solidFill>
+            <a:schemeClr val="accent1"/>
+          </a:solidFill>
+          <a:ln>
+            <a:noFill/>
+          </a:ln>
+        </p:spPr>
+        <p:txBody>
+          <a:bodyPr spcFirstLastPara="1" wrap="square" lIns="121900" tIns="121900" rIns="121900" bIns="121900" anchor="ctr" anchorCtr="0">
+            <a:noAutofit/>
+          </a:bodyPr>
+          <a:lstStyle/>
+          <a:p>
+            <a:endParaRPr sz="2400"/>
+          </a:p>
+        </p:txBody>
+      </p:sp>
+      <p:sp>
+        <p:nvSpPr>
+          <p:cNvPr id="9" name="Google Shape;475;p49">
+            <a:extLst>
+              <a:ext uri="{FF2B5EF4-FFF2-40B4-BE49-F238E27FC236}">
+                <a16:creationId xmlns:a16="http://schemas.microsoft.com/office/drawing/2014/main" id="{F9F9883C-3E7F-D1DE-29F3-59700674FAD8}"/>
+              </a:ext>
+            </a:extLst>
+          </p:cNvPr>
+          <p:cNvSpPr txBox="1">
+            <a:spLocks noGrp="1"/>
+          </p:cNvSpPr>
+          <p:nvPr>
+            <p:ph type="title"/>
+          </p:nvPr>
+        </p:nvSpPr>
+        <p:spPr>
+          <a:xfrm>
+            <a:off x="493575" y="2905814"/>
+            <a:ext cx="10497976" cy="1411600"/>
+          </a:xfrm>
+          <a:prstGeom prst="rect">
+            <a:avLst/>
+          </a:prstGeom>
+        </p:spPr>
+        <p:txBody>
+          <a:bodyPr spcFirstLastPara="1" wrap="square" lIns="121900" tIns="121900" rIns="121900" bIns="121900" anchor="t" anchorCtr="0">
+            <a:noAutofit/>
+          </a:bodyPr>
+          <a:lstStyle/>
+          <a:p>
+            <a:r>
+              <a:rPr lang="en" sz="5000" dirty="0"/>
+              <a:t>Thanks for Listening!</a:t>
+            </a:r>
+            <a:endParaRPr sz="5000" dirty="0"/>
+          </a:p>
+        </p:txBody>
+      </p:sp>
+      <p:pic>
+        <p:nvPicPr>
+          <p:cNvPr id="10" name="Google Shape;546;p55">
+            <a:extLst>
+              <a:ext uri="{FF2B5EF4-FFF2-40B4-BE49-F238E27FC236}">
+                <a16:creationId xmlns:a16="http://schemas.microsoft.com/office/drawing/2014/main" id="{F840C96A-1E3F-686B-EBF7-83808B2069D0}"/>
+              </a:ext>
+            </a:extLst>
+          </p:cNvPr>
+          <p:cNvPicPr preferRelativeResize="0"/>
+          <p:nvPr/>
+        </p:nvPicPr>
+        <p:blipFill rotWithShape="1">
+          <a:blip r:embed="rId3">
+            <a:alphaModFix/>
+          </a:blip>
+          <a:srcRect t="6377" b="6377"/>
+          <a:stretch/>
+        </p:blipFill>
+        <p:spPr>
+          <a:xfrm>
+            <a:off x="7295745" y="1593217"/>
+            <a:ext cx="4786008" cy="3671565"/>
+          </a:xfrm>
+          <a:prstGeom prst="rect">
+            <a:avLst/>
+          </a:prstGeom>
+          <a:noFill/>
+          <a:ln>
+            <a:noFill/>
+          </a:ln>
+        </p:spPr>
+      </p:pic>
+    </p:spTree>
+    <p:extLst>
+      <p:ext uri="{BB962C8B-B14F-4D97-AF65-F5344CB8AC3E}">
+        <p14:creationId xmlns:p14="http://schemas.microsoft.com/office/powerpoint/2010/main" val="1676604567"/>
       </p:ext>
     </p:extLst>
   </p:cSld>
@@ -31274,50 +39764,6 @@
           </a:p>
         </p:txBody>
       </p:sp>
-      <p:sp>
-        <p:nvSpPr>
-          <p:cNvPr id="4" name="文字方塊 3">
-            <a:extLst>
-              <a:ext uri="{FF2B5EF4-FFF2-40B4-BE49-F238E27FC236}">
-                <a16:creationId xmlns:a16="http://schemas.microsoft.com/office/drawing/2014/main" id="{171ADC59-DE8C-BEB2-6F47-C3F9515A3C42}"/>
-              </a:ext>
-            </a:extLst>
-          </p:cNvPr>
-          <p:cNvSpPr txBox="1"/>
-          <p:nvPr/>
-        </p:nvSpPr>
-        <p:spPr>
-          <a:xfrm>
-            <a:off x="1297709" y="1063106"/>
-            <a:ext cx="9596581" cy="830997"/>
-          </a:xfrm>
-          <a:prstGeom prst="rect">
-            <a:avLst/>
-          </a:prstGeom>
-          <a:noFill/>
-        </p:spPr>
-        <p:txBody>
-          <a:bodyPr wrap="square" rtlCol="0">
-            <a:spAutoFit/>
-          </a:bodyPr>
-          <a:lstStyle/>
-          <a:p>
-            <a:pPr algn="ctr"/>
-            <a:r>
-              <a:rPr lang="en-US" altLang="zh-TW" sz="2400" b="1" dirty="0">
-                <a:solidFill>
-                  <a:schemeClr val="accent1">
-                    <a:lumMod val="50000"/>
-                  </a:schemeClr>
-                </a:solidFill>
-                <a:latin typeface="微軟正黑體" panose="020B0604030504040204" pitchFamily="34" charset="-120"/>
-                <a:ea typeface="微軟正黑體" panose="020B0604030504040204" pitchFamily="34" charset="-120"/>
-              </a:rPr>
-              <a:t>Fusing different types of data to achieve higher localization accuracy at a lower cost.</a:t>
-            </a:r>
-          </a:p>
-        </p:txBody>
-      </p:sp>
       <p:pic>
         <p:nvPicPr>
           <p:cNvPr id="5" name="圖片 4">
@@ -31346,7 +39792,7 @@
         </p:blipFill>
         <p:spPr>
           <a:xfrm>
-            <a:off x="2087794" y="2851280"/>
+            <a:off x="2055137" y="2276143"/>
             <a:ext cx="1300175" cy="1300175"/>
           </a:xfrm>
           <a:prstGeom prst="rect">
@@ -31368,7 +39814,7 @@
         </p:nvSpPr>
         <p:spPr>
           <a:xfrm>
-            <a:off x="1604234" y="2318730"/>
+            <a:off x="1571577" y="1743593"/>
             <a:ext cx="2267294" cy="461665"/>
           </a:xfrm>
           <a:prstGeom prst="rect">
@@ -31418,7 +39864,7 @@
         </p:blipFill>
         <p:spPr>
           <a:xfrm>
-            <a:off x="8192324" y="2780395"/>
+            <a:off x="8159667" y="2205258"/>
             <a:ext cx="1911881" cy="1606028"/>
           </a:xfrm>
           <a:prstGeom prst="rect">
@@ -31440,7 +39886,7 @@
         </p:nvSpPr>
         <p:spPr>
           <a:xfrm>
-            <a:off x="7767803" y="2318729"/>
+            <a:off x="7735146" y="1743592"/>
             <a:ext cx="2760922" cy="461665"/>
           </a:xfrm>
           <a:prstGeom prst="rect">
@@ -31483,7 +39929,7 @@
         </p:nvSpPr>
         <p:spPr>
           <a:xfrm>
-            <a:off x="1604234" y="4358974"/>
+            <a:off x="1571577" y="3783837"/>
             <a:ext cx="2267294" cy="461665"/>
           </a:xfrm>
           <a:prstGeom prst="rect">
@@ -31536,7 +39982,7 @@
         </p:nvSpPr>
         <p:spPr>
           <a:xfrm>
-            <a:off x="7926566" y="4358974"/>
+            <a:off x="7893909" y="3783837"/>
             <a:ext cx="2267294" cy="461665"/>
           </a:xfrm>
           <a:prstGeom prst="rect">
@@ -31589,7 +40035,7 @@
         </p:nvSpPr>
         <p:spPr>
           <a:xfrm>
-            <a:off x="4989771" y="2957984"/>
+            <a:off x="4957114" y="2382847"/>
             <a:ext cx="1911881" cy="1026239"/>
           </a:xfrm>
           <a:prstGeom prst="roundRect">
@@ -31684,7 +40130,7 @@
         </p:blipFill>
         <p:spPr>
           <a:xfrm>
-            <a:off x="8691064" y="5028158"/>
+            <a:off x="8658407" y="4453021"/>
             <a:ext cx="914400" cy="914400"/>
           </a:xfrm>
           <a:prstGeom prst="rect">
@@ -31720,7 +40166,7 @@
         </p:blipFill>
         <p:spPr>
           <a:xfrm>
-            <a:off x="2280681" y="5028158"/>
+            <a:off x="2248024" y="4453021"/>
             <a:ext cx="914400" cy="914400"/>
           </a:xfrm>
           <a:prstGeom prst="rect">
@@ -31742,7 +40188,7 @@
         </p:nvSpPr>
         <p:spPr>
           <a:xfrm>
-            <a:off x="5840304" y="4128141"/>
+            <a:off x="5807647" y="3553004"/>
             <a:ext cx="210814" cy="461665"/>
           </a:xfrm>
           <a:prstGeom prst="downArrow">
@@ -31788,7 +40234,7 @@
         </p:nvSpPr>
         <p:spPr>
           <a:xfrm>
-            <a:off x="4530834" y="4820639"/>
+            <a:off x="4498177" y="4245502"/>
             <a:ext cx="2829757" cy="1256070"/>
           </a:xfrm>
           <a:prstGeom prst="rect">
@@ -31934,7 +40380,7 @@
         </p:nvSpPr>
         <p:spPr>
           <a:xfrm>
-            <a:off x="4890080" y="2526373"/>
+            <a:off x="4857423" y="1951236"/>
             <a:ext cx="2048117" cy="400110"/>
           </a:xfrm>
           <a:prstGeom prst="rect">
